--- a/doc/Graph-Embedding Presentation.pptx
+++ b/doc/Graph-Embedding Presentation.pptx
@@ -5,7 +5,7 @@
     <p:sldMasterId id="2147483648" r:id="rId1"/>
   </p:sldMasterIdLst>
   <p:notesMasterIdLst>
-    <p:notesMasterId r:id="rId18"/>
+    <p:notesMasterId r:id="rId20"/>
   </p:notesMasterIdLst>
   <p:sldIdLst>
     <p:sldId id="256" r:id="rId2"/>
@@ -16,14 +16,16 @@
     <p:sldId id="265" r:id="rId7"/>
     <p:sldId id="258" r:id="rId8"/>
     <p:sldId id="270" r:id="rId9"/>
-    <p:sldId id="269" r:id="rId10"/>
-    <p:sldId id="259" r:id="rId11"/>
-    <p:sldId id="271" r:id="rId12"/>
-    <p:sldId id="260" r:id="rId13"/>
-    <p:sldId id="261" r:id="rId14"/>
-    <p:sldId id="262" r:id="rId15"/>
-    <p:sldId id="263" r:id="rId16"/>
-    <p:sldId id="264" r:id="rId17"/>
+    <p:sldId id="272" r:id="rId10"/>
+    <p:sldId id="269" r:id="rId11"/>
+    <p:sldId id="259" r:id="rId12"/>
+    <p:sldId id="271" r:id="rId13"/>
+    <p:sldId id="273" r:id="rId14"/>
+    <p:sldId id="261" r:id="rId15"/>
+    <p:sldId id="274" r:id="rId16"/>
+    <p:sldId id="262" r:id="rId17"/>
+    <p:sldId id="263" r:id="rId18"/>
+    <p:sldId id="264" r:id="rId19"/>
   </p:sldIdLst>
   <p:sldSz cx="12192000" cy="6858000"/>
   <p:notesSz cx="6858000" cy="9144000"/>
@@ -212,7 +214,7 @@
           <a:p>
             <a:fld id="{40255490-F3EC-4464-B815-288EE6CB06A0}" type="datetimeFigureOut">
               <a:rPr lang="en-US" smtClean="0"/>
-              <a:t>1/10/2025</a:t>
+              <a:t>1/14/2025</a:t>
             </a:fld>
             <a:endParaRPr lang="en-US"/>
           </a:p>
@@ -571,6 +573,104 @@
 </p:notes>
 </file>
 
+<file path=ppt/notesSlides/notesSlide2.xml><?xml version="1.0" encoding="utf-8"?>
+<p:notes xmlns:a="http://schemas.openxmlformats.org/drawingml/2006/main" xmlns:r="http://schemas.openxmlformats.org/officeDocument/2006/relationships" xmlns:p="http://schemas.openxmlformats.org/presentationml/2006/main">
+  <p:cSld>
+    <p:spTree>
+      <p:nvGrpSpPr>
+        <p:cNvPr id="1" name=""/>
+        <p:cNvGrpSpPr/>
+        <p:nvPr/>
+      </p:nvGrpSpPr>
+      <p:grpSpPr>
+        <a:xfrm>
+          <a:off x="0" y="0"/>
+          <a:ext cx="0" cy="0"/>
+          <a:chOff x="0" y="0"/>
+          <a:chExt cx="0" cy="0"/>
+        </a:xfrm>
+      </p:grpSpPr>
+      <p:sp>
+        <p:nvSpPr>
+          <p:cNvPr id="2" name="Slide Image Placeholder 1"/>
+          <p:cNvSpPr>
+            <a:spLocks noGrp="1" noRot="1" noChangeAspect="1"/>
+          </p:cNvSpPr>
+          <p:nvPr>
+            <p:ph type="sldImg"/>
+          </p:nvPr>
+        </p:nvSpPr>
+        <p:spPr/>
+      </p:sp>
+      <p:sp>
+        <p:nvSpPr>
+          <p:cNvPr id="3" name="Notes Placeholder 2"/>
+          <p:cNvSpPr>
+            <a:spLocks noGrp="1"/>
+          </p:cNvSpPr>
+          <p:nvPr>
+            <p:ph type="body" idx="1"/>
+          </p:nvPr>
+        </p:nvSpPr>
+        <p:spPr/>
+        <p:txBody>
+          <a:bodyPr/>
+          <a:lstStyle/>
+          <a:p>
+            <a:r>
+              <a:rPr lang="en-US" b="0" i="0" dirty="0" err="1">
+                <a:effectLst/>
+                <a:latin typeface="gg sans"/>
+              </a:rPr>
+              <a:t>DiGraph</a:t>
+            </a:r>
+            <a:r>
+              <a:rPr lang="en-US" b="0" i="0" dirty="0">
+                <a:effectLst/>
+                <a:latin typeface="gg sans"/>
+              </a:rPr>
+              <a:t>—Directed graphs with self loops</a:t>
+            </a:r>
+            <a:endParaRPr lang="en-US" dirty="0"/>
+          </a:p>
+        </p:txBody>
+      </p:sp>
+      <p:sp>
+        <p:nvSpPr>
+          <p:cNvPr id="4" name="Slide Number Placeholder 3"/>
+          <p:cNvSpPr>
+            <a:spLocks noGrp="1"/>
+          </p:cNvSpPr>
+          <p:nvPr>
+            <p:ph type="sldNum" sz="quarter" idx="5"/>
+          </p:nvPr>
+        </p:nvSpPr>
+        <p:spPr/>
+        <p:txBody>
+          <a:bodyPr/>
+          <a:lstStyle/>
+          <a:p>
+            <a:fld id="{AFC9B226-C9A0-4F2E-8FB6-1ABBD39453D5}" type="slidenum">
+              <a:rPr lang="en-US" smtClean="0"/>
+              <a:t>9</a:t>
+            </a:fld>
+            <a:endParaRPr lang="en-US"/>
+          </a:p>
+        </p:txBody>
+      </p:sp>
+    </p:spTree>
+    <p:extLst>
+      <p:ext uri="{BB962C8B-B14F-4D97-AF65-F5344CB8AC3E}">
+        <p14:creationId xmlns:p14="http://schemas.microsoft.com/office/powerpoint/2010/main" val="2466024889"/>
+      </p:ext>
+    </p:extLst>
+  </p:cSld>
+  <p:clrMapOvr>
+    <a:masterClrMapping/>
+  </p:clrMapOvr>
+</p:notes>
+</file>
+
 <file path=ppt/slideLayouts/slideLayout1.xml><?xml version="1.0" encoding="utf-8"?>
 <p:sldLayout xmlns:a="http://schemas.openxmlformats.org/drawingml/2006/main" xmlns:r="http://schemas.openxmlformats.org/officeDocument/2006/relationships" xmlns:p="http://schemas.openxmlformats.org/presentationml/2006/main" type="title" preserve="1">
   <p:cSld name="Title Slide">
@@ -718,7 +818,7 @@
           <a:p>
             <a:fld id="{6FC2E1BB-ABA2-49E9-A8D9-545C2DE0A0F4}" type="datetimeFigureOut">
               <a:rPr lang="en-US" smtClean="0"/>
-              <a:t>1/10/2025</a:t>
+              <a:t>1/14/2025</a:t>
             </a:fld>
             <a:endParaRPr lang="en-US"/>
           </a:p>
@@ -916,7 +1016,7 @@
           <a:p>
             <a:fld id="{6FC2E1BB-ABA2-49E9-A8D9-545C2DE0A0F4}" type="datetimeFigureOut">
               <a:rPr lang="en-US" smtClean="0"/>
-              <a:t>1/10/2025</a:t>
+              <a:t>1/14/2025</a:t>
             </a:fld>
             <a:endParaRPr lang="en-US"/>
           </a:p>
@@ -1124,7 +1224,7 @@
           <a:p>
             <a:fld id="{6FC2E1BB-ABA2-49E9-A8D9-545C2DE0A0F4}" type="datetimeFigureOut">
               <a:rPr lang="en-US" smtClean="0"/>
-              <a:t>1/10/2025</a:t>
+              <a:t>1/14/2025</a:t>
             </a:fld>
             <a:endParaRPr lang="en-US"/>
           </a:p>
@@ -1322,7 +1422,7 @@
           <a:p>
             <a:fld id="{6FC2E1BB-ABA2-49E9-A8D9-545C2DE0A0F4}" type="datetimeFigureOut">
               <a:rPr lang="en-US" smtClean="0"/>
-              <a:t>1/10/2025</a:t>
+              <a:t>1/14/2025</a:t>
             </a:fld>
             <a:endParaRPr lang="en-US"/>
           </a:p>
@@ -1597,7 +1697,7 @@
           <a:p>
             <a:fld id="{6FC2E1BB-ABA2-49E9-A8D9-545C2DE0A0F4}" type="datetimeFigureOut">
               <a:rPr lang="en-US" smtClean="0"/>
-              <a:t>1/10/2025</a:t>
+              <a:t>1/14/2025</a:t>
             </a:fld>
             <a:endParaRPr lang="en-US"/>
           </a:p>
@@ -1862,7 +1962,7 @@
           <a:p>
             <a:fld id="{6FC2E1BB-ABA2-49E9-A8D9-545C2DE0A0F4}" type="datetimeFigureOut">
               <a:rPr lang="en-US" smtClean="0"/>
-              <a:t>1/10/2025</a:t>
+              <a:t>1/14/2025</a:t>
             </a:fld>
             <a:endParaRPr lang="en-US"/>
           </a:p>
@@ -2274,7 +2374,7 @@
           <a:p>
             <a:fld id="{6FC2E1BB-ABA2-49E9-A8D9-545C2DE0A0F4}" type="datetimeFigureOut">
               <a:rPr lang="en-US" smtClean="0"/>
-              <a:t>1/10/2025</a:t>
+              <a:t>1/14/2025</a:t>
             </a:fld>
             <a:endParaRPr lang="en-US"/>
           </a:p>
@@ -2415,7 +2515,7 @@
           <a:p>
             <a:fld id="{6FC2E1BB-ABA2-49E9-A8D9-545C2DE0A0F4}" type="datetimeFigureOut">
               <a:rPr lang="en-US" smtClean="0"/>
-              <a:t>1/10/2025</a:t>
+              <a:t>1/14/2025</a:t>
             </a:fld>
             <a:endParaRPr lang="en-US"/>
           </a:p>
@@ -2528,7 +2628,7 @@
           <a:p>
             <a:fld id="{6FC2E1BB-ABA2-49E9-A8D9-545C2DE0A0F4}" type="datetimeFigureOut">
               <a:rPr lang="en-US" smtClean="0"/>
-              <a:t>1/10/2025</a:t>
+              <a:t>1/14/2025</a:t>
             </a:fld>
             <a:endParaRPr lang="en-US"/>
           </a:p>
@@ -2839,7 +2939,7 @@
           <a:p>
             <a:fld id="{6FC2E1BB-ABA2-49E9-A8D9-545C2DE0A0F4}" type="datetimeFigureOut">
               <a:rPr lang="en-US" smtClean="0"/>
-              <a:t>1/10/2025</a:t>
+              <a:t>1/14/2025</a:t>
             </a:fld>
             <a:endParaRPr lang="en-US"/>
           </a:p>
@@ -3127,7 +3227,7 @@
           <a:p>
             <a:fld id="{6FC2E1BB-ABA2-49E9-A8D9-545C2DE0A0F4}" type="datetimeFigureOut">
               <a:rPr lang="en-US" smtClean="0"/>
-              <a:t>1/10/2025</a:t>
+              <a:t>1/14/2025</a:t>
             </a:fld>
             <a:endParaRPr lang="en-US"/>
           </a:p>
@@ -3398,7 +3498,7 @@
           <a:p>
             <a:fld id="{6FC2E1BB-ABA2-49E9-A8D9-545C2DE0A0F4}" type="datetimeFigureOut">
               <a:rPr lang="en-US" smtClean="0"/>
-              <a:t>1/10/2025</a:t>
+              <a:t>1/14/2025</a:t>
             </a:fld>
             <a:endParaRPr lang="en-US"/>
           </a:p>
@@ -3930,6 +4030,141 @@
   <p:cSld>
     <p:spTree>
       <p:nvGrpSpPr>
+        <p:cNvPr id="1" name=""/>
+        <p:cNvGrpSpPr/>
+        <p:nvPr/>
+      </p:nvGrpSpPr>
+      <p:grpSpPr>
+        <a:xfrm>
+          <a:off x="0" y="0"/>
+          <a:ext cx="0" cy="0"/>
+          <a:chOff x="0" y="0"/>
+          <a:chExt cx="0" cy="0"/>
+        </a:xfrm>
+      </p:grpSpPr>
+      <p:sp>
+        <p:nvSpPr>
+          <p:cNvPr id="2" name="Title 1">
+            <a:extLst>
+              <a:ext uri="{FF2B5EF4-FFF2-40B4-BE49-F238E27FC236}">
+                <a16:creationId xmlns:a16="http://schemas.microsoft.com/office/drawing/2014/main" id="{A156F6D1-4960-2E28-653A-D04E67728294}"/>
+              </a:ext>
+            </a:extLst>
+          </p:cNvPr>
+          <p:cNvSpPr>
+            <a:spLocks noGrp="1"/>
+          </p:cNvSpPr>
+          <p:nvPr>
+            <p:ph type="title"/>
+          </p:nvPr>
+        </p:nvSpPr>
+        <p:spPr/>
+        <p:txBody>
+          <a:bodyPr/>
+          <a:lstStyle/>
+          <a:p>
+            <a:r>
+              <a:rPr lang="en-US" dirty="0"/>
+              <a:t>Models used</a:t>
+            </a:r>
+          </a:p>
+        </p:txBody>
+      </p:sp>
+      <p:sp>
+        <p:nvSpPr>
+          <p:cNvPr id="3" name="Content Placeholder 2">
+            <a:extLst>
+              <a:ext uri="{FF2B5EF4-FFF2-40B4-BE49-F238E27FC236}">
+                <a16:creationId xmlns:a16="http://schemas.microsoft.com/office/drawing/2014/main" id="{E7F1470A-6CB0-12C5-E177-0E444DC63823}"/>
+              </a:ext>
+            </a:extLst>
+          </p:cNvPr>
+          <p:cNvSpPr>
+            <a:spLocks noGrp="1"/>
+          </p:cNvSpPr>
+          <p:nvPr>
+            <p:ph idx="1"/>
+          </p:nvPr>
+        </p:nvSpPr>
+        <p:spPr/>
+        <p:txBody>
+          <a:bodyPr/>
+          <a:lstStyle/>
+          <a:p>
+            <a:r>
+              <a:rPr lang="en-US" dirty="0" err="1"/>
+              <a:t>DeepWalk</a:t>
+            </a:r>
+            <a:endParaRPr lang="en-US" dirty="0"/>
+          </a:p>
+          <a:p>
+            <a:r>
+              <a:rPr lang="en-US" dirty="0"/>
+              <a:t>Node2Vec</a:t>
+            </a:r>
+          </a:p>
+          <a:p>
+            <a:pPr marL="457200" lvl="1" indent="0">
+              <a:buNone/>
+            </a:pPr>
+            <a:endParaRPr lang="en-US" dirty="0"/>
+          </a:p>
+        </p:txBody>
+      </p:sp>
+      <p:pic>
+        <p:nvPicPr>
+          <p:cNvPr id="4" name="Picture 3">
+            <a:extLst>
+              <a:ext uri="{FF2B5EF4-FFF2-40B4-BE49-F238E27FC236}">
+                <a16:creationId xmlns:a16="http://schemas.microsoft.com/office/drawing/2014/main" id="{8541B3C5-B383-C202-D2A9-49777A29A63A}"/>
+              </a:ext>
+            </a:extLst>
+          </p:cNvPr>
+          <p:cNvPicPr>
+            <a:picLocks noChangeAspect="1"/>
+          </p:cNvPicPr>
+          <p:nvPr/>
+        </p:nvPicPr>
+        <p:blipFill>
+          <a:blip r:embed="rId2">
+            <a:extLst>
+              <a:ext uri="{28A0092B-C50C-407E-A947-70E740481C1C}">
+                <a14:useLocalDpi xmlns:a14="http://schemas.microsoft.com/office/drawing/2010/main" val="0"/>
+              </a:ext>
+            </a:extLst>
+          </a:blip>
+          <a:stretch>
+            <a:fillRect/>
+          </a:stretch>
+        </p:blipFill>
+        <p:spPr>
+          <a:xfrm>
+            <a:off x="5080000" y="3429000"/>
+            <a:ext cx="6954982" cy="3278777"/>
+          </a:xfrm>
+          <a:prstGeom prst="rect">
+            <a:avLst/>
+          </a:prstGeom>
+        </p:spPr>
+      </p:pic>
+    </p:spTree>
+    <p:extLst>
+      <p:ext uri="{BB962C8B-B14F-4D97-AF65-F5344CB8AC3E}">
+        <p14:creationId xmlns:p14="http://schemas.microsoft.com/office/powerpoint/2010/main" val="4098665914"/>
+      </p:ext>
+    </p:extLst>
+  </p:cSld>
+  <p:clrMapOvr>
+    <a:masterClrMapping/>
+  </p:clrMapOvr>
+</p:sld>
+</file>
+
+<file path=ppt/slides/slide11.xml><?xml version="1.0" encoding="utf-8"?>
+<p:sld xmlns:a="http://schemas.openxmlformats.org/drawingml/2006/main" xmlns:r="http://schemas.openxmlformats.org/officeDocument/2006/relationships" xmlns:p="http://schemas.openxmlformats.org/presentationml/2006/main">
+  <p:cSld>
+    <p:spTree>
+      <p:nvGrpSpPr>
         <p:cNvPr id="1" name="">
           <a:extLst>
             <a:ext uri="{FF2B5EF4-FFF2-40B4-BE49-F238E27FC236}">
@@ -4419,7 +4654,7 @@
 </p:sld>
 </file>
 
-<file path=ppt/slides/slide11.xml><?xml version="1.0" encoding="utf-8"?>
+<file path=ppt/slides/slide12.xml><?xml version="1.0" encoding="utf-8"?>
 <p:sld xmlns:a="http://schemas.openxmlformats.org/drawingml/2006/main" xmlns:r="http://schemas.openxmlformats.org/officeDocument/2006/relationships" xmlns:p="http://schemas.openxmlformats.org/presentationml/2006/main">
   <p:cSld>
     <p:spTree>
@@ -4656,18 +4891,12 @@
 </p:sld>
 </file>
 
-<file path=ppt/slides/slide12.xml><?xml version="1.0" encoding="utf-8"?>
+<file path=ppt/slides/slide13.xml><?xml version="1.0" encoding="utf-8"?>
 <p:sld xmlns:a="http://schemas.openxmlformats.org/drawingml/2006/main" xmlns:r="http://schemas.openxmlformats.org/officeDocument/2006/relationships" xmlns:p="http://schemas.openxmlformats.org/presentationml/2006/main">
   <p:cSld>
     <p:spTree>
       <p:nvGrpSpPr>
-        <p:cNvPr id="1" name="">
-          <a:extLst>
-            <a:ext uri="{FF2B5EF4-FFF2-40B4-BE49-F238E27FC236}">
-              <a16:creationId xmlns:a16="http://schemas.microsoft.com/office/drawing/2014/main" id="{343001D8-BE1E-352F-94D8-CF2A226F2404}"/>
-            </a:ext>
-          </a:extLst>
-        </p:cNvPr>
+        <p:cNvPr id="1" name=""/>
         <p:cNvGrpSpPr/>
         <p:nvPr/>
       </p:nvGrpSpPr>
@@ -4684,7 +4913,7 @@
           <p:cNvPr id="2" name="Title 1">
             <a:extLst>
               <a:ext uri="{FF2B5EF4-FFF2-40B4-BE49-F238E27FC236}">
-                <a16:creationId xmlns:a16="http://schemas.microsoft.com/office/drawing/2014/main" id="{1652BE72-CD43-E2D6-094D-A4A969E1182E}"/>
+                <a16:creationId xmlns:a16="http://schemas.microsoft.com/office/drawing/2014/main" id="{454E43FC-5CAD-31CA-1298-FBB4C0ED02B5}"/>
               </a:ext>
             </a:extLst>
           </p:cNvPr>
@@ -4702,7 +4931,7 @@
           <a:p>
             <a:r>
               <a:rPr lang="en-US" dirty="0"/>
-              <a:t>Compile the model</a:t>
+              <a:t>Create the model</a:t>
             </a:r>
           </a:p>
         </p:txBody>
@@ -4712,7 +4941,7 @@
           <p:cNvPr id="3" name="Content Placeholder 2">
             <a:extLst>
               <a:ext uri="{FF2B5EF4-FFF2-40B4-BE49-F238E27FC236}">
-                <a16:creationId xmlns:a16="http://schemas.microsoft.com/office/drawing/2014/main" id="{436B66D4-7B60-7469-5BC0-A39C0CF9267B}"/>
+                <a16:creationId xmlns:a16="http://schemas.microsoft.com/office/drawing/2014/main" id="{12FE1F39-298C-35A4-AF8C-72D0ADCF5B75}"/>
               </a:ext>
             </a:extLst>
           </p:cNvPr>
@@ -4723,25 +4952,112 @@
             <p:ph idx="1"/>
           </p:nvPr>
         </p:nvSpPr>
-        <p:spPr/>
-        <p:txBody>
-          <a:bodyPr/>
-          <a:lstStyle/>
-          <a:p>
-            <a:r>
-              <a:rPr lang="en-US" dirty="0"/>
-              <a:t>The model is already compiled in “output_&lt;algorithm&gt;.model” and  is loaded via Word2Vec library in the script.</a:t>
-            </a:r>
-          </a:p>
-          <a:p>
+        <p:spPr>
+          <a:xfrm>
+            <a:off x="838200" y="1825624"/>
+            <a:ext cx="11141990" cy="5032375"/>
+          </a:xfrm>
+        </p:spPr>
+        <p:txBody>
+          <a:bodyPr>
+            <a:normAutofit/>
+          </a:bodyPr>
+          <a:lstStyle/>
+          <a:p>
+            <a:r>
+              <a:rPr lang="en-US" dirty="0"/>
+              <a:t>For every node in the alias graph, the script creates word2Vec random walk with custom parameters in each module.</a:t>
+            </a:r>
+          </a:p>
+          <a:p>
+            <a:pPr lvl="1"/>
+            <a:r>
+              <a:rPr lang="en-US" dirty="0"/>
+              <a:t>For </a:t>
+            </a:r>
+            <a:r>
+              <a:rPr lang="en-US" dirty="0" err="1"/>
+              <a:t>Deepwalk</a:t>
+            </a:r>
+            <a:r>
+              <a:rPr lang="en-US" dirty="0"/>
+              <a:t> p=q=1</a:t>
+            </a:r>
+          </a:p>
+          <a:p>
+            <a:pPr lvl="1"/>
+            <a:r>
+              <a:rPr lang="en-US" dirty="0"/>
+              <a:t>For Node2Vec p=5, q=1</a:t>
+            </a:r>
+          </a:p>
+          <a:p>
+            <a:pPr marL="457200" lvl="1" indent="0">
+              <a:buNone/>
+            </a:pPr>
+            <a:r>
+              <a:rPr lang="en-US" dirty="0" err="1"/>
+              <a:t>walk_length</a:t>
+            </a:r>
+            <a:r>
+              <a:rPr lang="en-US" dirty="0"/>
+              <a:t> = 100</a:t>
+            </a:r>
+          </a:p>
+          <a:p>
+            <a:pPr lvl="1"/>
             <a:endParaRPr lang="en-US" dirty="0"/>
+          </a:p>
+          <a:p>
+            <a:r>
+              <a:rPr lang="en-US" dirty="0"/>
+              <a:t>The model is built via the word2Vec library with random walks and params.</a:t>
+            </a:r>
+          </a:p>
+          <a:p>
+            <a:pPr lvl="1"/>
+            <a:r>
+              <a:rPr lang="en-US" dirty="0" err="1"/>
+              <a:t>vector_size</a:t>
+            </a:r>
+            <a:r>
+              <a:rPr lang="en-US" dirty="0"/>
+              <a:t> = 5</a:t>
+            </a:r>
+          </a:p>
+          <a:p>
+            <a:pPr lvl="1"/>
+            <a:r>
+              <a:rPr lang="en-US" dirty="0" err="1"/>
+              <a:t>skip_Gram</a:t>
+            </a:r>
+            <a:r>
+              <a:rPr lang="en-US" dirty="0"/>
+              <a:t> =1</a:t>
+            </a:r>
+          </a:p>
+          <a:p>
+            <a:pPr lvl="1"/>
+            <a:r>
+              <a:rPr lang="en-US" dirty="0"/>
+              <a:t>epochs = 5</a:t>
+            </a:r>
+          </a:p>
+          <a:p>
+            <a:pPr marL="457200" lvl="1" indent="0">
+              <a:buNone/>
+            </a:pPr>
+            <a:r>
+              <a:rPr lang="en-US" dirty="0"/>
+              <a:t>The model gives each node its context based on the walks the algorithm created </a:t>
+            </a:r>
           </a:p>
         </p:txBody>
       </p:sp>
     </p:spTree>
     <p:extLst>
       <p:ext uri="{BB962C8B-B14F-4D97-AF65-F5344CB8AC3E}">
-        <p14:creationId xmlns:p14="http://schemas.microsoft.com/office/powerpoint/2010/main" val="172495265"/>
+        <p14:creationId xmlns:p14="http://schemas.microsoft.com/office/powerpoint/2010/main" val="619094052"/>
       </p:ext>
     </p:extLst>
   </p:cSld>
@@ -4751,7 +5067,7 @@
 </p:sld>
 </file>
 
-<file path=ppt/slides/slide13.xml><?xml version="1.0" encoding="utf-8"?>
+<file path=ppt/slides/slide14.xml><?xml version="1.0" encoding="utf-8"?>
 <p:sld xmlns:a="http://schemas.openxmlformats.org/drawingml/2006/main" xmlns:r="http://schemas.openxmlformats.org/officeDocument/2006/relationships" xmlns:p="http://schemas.openxmlformats.org/presentationml/2006/main">
   <p:cSld>
     <p:spTree>
@@ -4823,7 +5139,55 @@
           <a:bodyPr/>
           <a:lstStyle/>
           <a:p>
-            <a:endParaRPr lang="en-US"/>
+            <a:r>
+              <a:rPr lang="en-US" dirty="0"/>
+              <a:t>The model splits the data to train and test datasets and each context is taken from the word2Vec object.</a:t>
+            </a:r>
+          </a:p>
+          <a:p>
+            <a:r>
+              <a:rPr lang="en-US" dirty="0"/>
+              <a:t>First 500 are taken into the training set and the following 1000 into testing set</a:t>
+            </a:r>
+          </a:p>
+          <a:p>
+            <a:r>
+              <a:rPr lang="en-US" dirty="0"/>
+              <a:t>The train data is fitted into the classifier </a:t>
+            </a:r>
+            <a:r>
+              <a:rPr lang="en-US" dirty="0" err="1"/>
+              <a:t>LogisticRegression</a:t>
+            </a:r>
+            <a:r>
+              <a:rPr lang="en-US" dirty="0"/>
+              <a:t> to train the model </a:t>
+            </a:r>
+          </a:p>
+          <a:p>
+            <a:r>
+              <a:rPr lang="en-US" dirty="0"/>
+              <a:t>The </a:t>
+            </a:r>
+            <a:r>
+              <a:rPr lang="en-US" dirty="0" err="1"/>
+              <a:t>classifer</a:t>
+            </a:r>
+            <a:r>
+              <a:rPr lang="en-US" dirty="0"/>
+              <a:t> is called upon to make the predictions on the test set.</a:t>
+            </a:r>
+          </a:p>
+          <a:p>
+            <a:r>
+              <a:rPr lang="en-US" dirty="0"/>
+              <a:t>The model prints the accuracy of the </a:t>
+            </a:r>
+            <a:r>
+              <a:rPr lang="en-US" dirty="0" err="1"/>
+              <a:t>alogrithm</a:t>
+            </a:r>
+            <a:endParaRPr lang="en-US" dirty="0"/>
           </a:p>
         </p:txBody>
       </p:sp>
@@ -4840,7 +5204,170 @@
 </p:sld>
 </file>
 
-<file path=ppt/slides/slide14.xml><?xml version="1.0" encoding="utf-8"?>
+<file path=ppt/slides/slide15.xml><?xml version="1.0" encoding="utf-8"?>
+<p:sld xmlns:a="http://schemas.openxmlformats.org/drawingml/2006/main" xmlns:r="http://schemas.openxmlformats.org/officeDocument/2006/relationships" xmlns:p="http://schemas.openxmlformats.org/presentationml/2006/main">
+  <p:cSld>
+    <p:spTree>
+      <p:nvGrpSpPr>
+        <p:cNvPr id="1" name=""/>
+        <p:cNvGrpSpPr/>
+        <p:nvPr/>
+      </p:nvGrpSpPr>
+      <p:grpSpPr>
+        <a:xfrm>
+          <a:off x="0" y="0"/>
+          <a:ext cx="0" cy="0"/>
+          <a:chOff x="0" y="0"/>
+          <a:chExt cx="0" cy="0"/>
+        </a:xfrm>
+      </p:grpSpPr>
+      <p:sp>
+        <p:nvSpPr>
+          <p:cNvPr id="2" name="Title 1">
+            <a:extLst>
+              <a:ext uri="{FF2B5EF4-FFF2-40B4-BE49-F238E27FC236}">
+                <a16:creationId xmlns:a16="http://schemas.microsoft.com/office/drawing/2014/main" id="{38565C52-3F21-282C-4FEF-AFE3853B86E4}"/>
+              </a:ext>
+            </a:extLst>
+          </p:cNvPr>
+          <p:cNvSpPr>
+            <a:spLocks noGrp="1"/>
+          </p:cNvSpPr>
+          <p:nvPr>
+            <p:ph type="title"/>
+          </p:nvPr>
+        </p:nvSpPr>
+        <p:spPr/>
+        <p:txBody>
+          <a:bodyPr/>
+          <a:lstStyle/>
+          <a:p>
+            <a:r>
+              <a:rPr lang="en-US" dirty="0"/>
+              <a:t>Model Architecture</a:t>
+            </a:r>
+          </a:p>
+        </p:txBody>
+      </p:sp>
+      <p:sp>
+        <p:nvSpPr>
+          <p:cNvPr id="3" name="Content Placeholder 2">
+            <a:extLst>
+              <a:ext uri="{FF2B5EF4-FFF2-40B4-BE49-F238E27FC236}">
+                <a16:creationId xmlns:a16="http://schemas.microsoft.com/office/drawing/2014/main" id="{2FF3A89F-9DFC-62BB-A057-CD2E07F9D89C}"/>
+              </a:ext>
+            </a:extLst>
+          </p:cNvPr>
+          <p:cNvSpPr>
+            <a:spLocks noGrp="1"/>
+          </p:cNvSpPr>
+          <p:nvPr>
+            <p:ph idx="1"/>
+          </p:nvPr>
+        </p:nvSpPr>
+        <p:spPr/>
+        <p:txBody>
+          <a:bodyPr/>
+          <a:lstStyle/>
+          <a:p>
+            <a:r>
+              <a:rPr lang="en-US" dirty="0"/>
+              <a:t>Create </a:t>
+            </a:r>
+            <a:r>
+              <a:rPr lang="en-US" dirty="0" err="1"/>
+              <a:t>Contex</a:t>
+            </a:r>
+            <a:r>
+              <a:rPr lang="en-US" dirty="0"/>
+              <a:t> </a:t>
+            </a:r>
+          </a:p>
+          <a:p>
+            <a:pPr lvl="1"/>
+            <a:r>
+              <a:rPr lang="en-US" dirty="0"/>
+              <a:t>The model uses </a:t>
+            </a:r>
+            <a:r>
+              <a:rPr lang="en-US" dirty="0" err="1"/>
+              <a:t>DeepWalk</a:t>
+            </a:r>
+            <a:r>
+              <a:rPr lang="en-US" dirty="0"/>
+              <a:t>/Node2Vec random walks to do graph embedding and give context to each node.</a:t>
+            </a:r>
+          </a:p>
+          <a:p>
+            <a:endParaRPr lang="en-US" dirty="0"/>
+          </a:p>
+          <a:p>
+            <a:r>
+              <a:rPr lang="en-US" dirty="0"/>
+              <a:t>Create, train, and test the </a:t>
+            </a:r>
+            <a:r>
+              <a:rPr lang="en-US" dirty="0" err="1"/>
+              <a:t>classifer</a:t>
+            </a:r>
+            <a:r>
+              <a:rPr lang="en-US" dirty="0"/>
+              <a:t>.</a:t>
+            </a:r>
+          </a:p>
+          <a:p>
+            <a:pPr lvl="1"/>
+            <a:r>
+              <a:rPr lang="en-US" dirty="0"/>
+              <a:t>The classifier is </a:t>
+            </a:r>
+            <a:r>
+              <a:rPr lang="en-US" dirty="0" err="1"/>
+              <a:t>LogisticRegression</a:t>
+            </a:r>
+            <a:r>
+              <a:rPr lang="en-US" dirty="0"/>
+              <a:t> from package </a:t>
+            </a:r>
+            <a:r>
+              <a:rPr lang="en-US" dirty="0" err="1"/>
+              <a:t>sklearn.linear_model</a:t>
+            </a:r>
+            <a:r>
+              <a:rPr lang="en-US" dirty="0"/>
+              <a:t> </a:t>
+            </a:r>
+          </a:p>
+          <a:p>
+            <a:pPr lvl="1"/>
+            <a:r>
+              <a:rPr lang="en-US" dirty="0"/>
+              <a:t>The train data that was given context is fitted into the classifier</a:t>
+            </a:r>
+          </a:p>
+          <a:p>
+            <a:pPr lvl="1"/>
+            <a:r>
+              <a:rPr lang="en-US" dirty="0"/>
+              <a:t>The classifier predicts the test data and are compared to the true test labels.</a:t>
+            </a:r>
+          </a:p>
+        </p:txBody>
+      </p:sp>
+    </p:spTree>
+    <p:extLst>
+      <p:ext uri="{BB962C8B-B14F-4D97-AF65-F5344CB8AC3E}">
+        <p14:creationId xmlns:p14="http://schemas.microsoft.com/office/powerpoint/2010/main" val="3906369806"/>
+      </p:ext>
+    </p:extLst>
+  </p:cSld>
+  <p:clrMapOvr>
+    <a:masterClrMapping/>
+  </p:clrMapOvr>
+</p:sld>
+</file>
+
+<file path=ppt/slides/slide16.xml><?xml version="1.0" encoding="utf-8"?>
 <p:sld xmlns:a="http://schemas.openxmlformats.org/drawingml/2006/main" xmlns:r="http://schemas.openxmlformats.org/officeDocument/2006/relationships" xmlns:p="http://schemas.openxmlformats.org/presentationml/2006/main">
   <p:cSld>
     <p:spTree>
@@ -4879,14 +5406,27 @@
             <p:ph type="title"/>
           </p:nvPr>
         </p:nvSpPr>
-        <p:spPr/>
-        <p:txBody>
-          <a:bodyPr/>
-          <a:lstStyle/>
-          <a:p>
-            <a:r>
-              <a:rPr lang="en-US" dirty="0"/>
-              <a:t>Evaluate the model</a:t>
+        <p:spPr>
+          <a:xfrm>
+            <a:off x="0" y="365125"/>
+            <a:ext cx="11353800" cy="1325563"/>
+          </a:xfrm>
+        </p:spPr>
+        <p:txBody>
+          <a:bodyPr/>
+          <a:lstStyle/>
+          <a:p>
+            <a:r>
+              <a:rPr lang="en-US" dirty="0"/>
+              <a:t>Evaluate the model (</a:t>
+            </a:r>
+            <a:r>
+              <a:rPr lang="en-US" dirty="0" err="1"/>
+              <a:t>DeepWalk</a:t>
+            </a:r>
+            <a:r>
+              <a:rPr lang="en-US" dirty="0"/>
+              <a:t>)</a:t>
             </a:r>
           </a:p>
         </p:txBody>
@@ -4907,15 +5447,88 @@
             <p:ph idx="1"/>
           </p:nvPr>
         </p:nvSpPr>
-        <p:spPr/>
-        <p:txBody>
-          <a:bodyPr/>
-          <a:lstStyle/>
-          <a:p>
-            <a:endParaRPr lang="en-US" dirty="0"/>
-          </a:p>
-        </p:txBody>
-      </p:sp>
+        <p:spPr>
+          <a:xfrm>
+            <a:off x="147782" y="1825625"/>
+            <a:ext cx="11206018" cy="4351338"/>
+          </a:xfrm>
+        </p:spPr>
+        <p:txBody>
+          <a:bodyPr/>
+          <a:lstStyle/>
+          <a:p>
+            <a:r>
+              <a:rPr lang="en-US" dirty="0"/>
+              <a:t>Accuracy score range: 60-70% correct.</a:t>
+            </a:r>
+          </a:p>
+          <a:p>
+            <a:r>
+              <a:rPr lang="en-US" dirty="0"/>
+              <a:t>Precision</a:t>
+            </a:r>
+          </a:p>
+          <a:p>
+            <a:r>
+              <a:rPr lang="en-US" dirty="0"/>
+              <a:t>Recall</a:t>
+            </a:r>
+          </a:p>
+          <a:p>
+            <a:r>
+              <a:rPr lang="en-US" dirty="0"/>
+              <a:t>F1 Score: 61%</a:t>
+            </a:r>
+          </a:p>
+          <a:p>
+            <a:r>
+              <a:rPr lang="en-US" dirty="0"/>
+              <a:t>AUC: </a:t>
+            </a:r>
+          </a:p>
+          <a:p>
+            <a:r>
+              <a:rPr lang="en-US" dirty="0"/>
+              <a:t>Runtime: </a:t>
+            </a:r>
+          </a:p>
+        </p:txBody>
+      </p:sp>
+      <p:pic>
+        <p:nvPicPr>
+          <p:cNvPr id="6" name="Content Placeholder 4">
+            <a:extLst>
+              <a:ext uri="{FF2B5EF4-FFF2-40B4-BE49-F238E27FC236}">
+                <a16:creationId xmlns:a16="http://schemas.microsoft.com/office/drawing/2014/main" id="{C9C66F0C-73A3-CDE8-104E-B65497404CB6}"/>
+              </a:ext>
+            </a:extLst>
+          </p:cNvPr>
+          <p:cNvPicPr>
+            <a:picLocks noChangeAspect="1"/>
+          </p:cNvPicPr>
+          <p:nvPr/>
+        </p:nvPicPr>
+        <p:blipFill>
+          <a:blip r:embed="rId2">
+            <a:extLst>
+              <a:ext uri="{28A0092B-C50C-407E-A947-70E740481C1C}">
+                <a14:useLocalDpi xmlns:a14="http://schemas.microsoft.com/office/drawing/2010/main" val="0"/>
+              </a:ext>
+            </a:extLst>
+          </a:blip>
+          <a:srcRect/>
+          <a:stretch/>
+        </p:blipFill>
+        <p:spPr>
+          <a:xfrm>
+            <a:off x="7233717" y="101296"/>
+            <a:ext cx="4894907" cy="4168375"/>
+          </a:xfrm>
+          <a:prstGeom prst="rect">
+            <a:avLst/>
+          </a:prstGeom>
+        </p:spPr>
+      </p:pic>
     </p:spTree>
     <p:extLst>
       <p:ext uri="{BB962C8B-B14F-4D97-AF65-F5344CB8AC3E}">
@@ -4929,7 +5542,7 @@
 </p:sld>
 </file>
 
-<file path=ppt/slides/slide15.xml><?xml version="1.0" encoding="utf-8"?>
+<file path=ppt/slides/slide17.xml><?xml version="1.0" encoding="utf-8"?>
 <p:sld xmlns:a="http://schemas.openxmlformats.org/drawingml/2006/main" xmlns:r="http://schemas.openxmlformats.org/officeDocument/2006/relationships" xmlns:p="http://schemas.openxmlformats.org/presentationml/2006/main">
   <p:cSld>
     <p:spTree>
@@ -5018,7 +5631,7 @@
 </p:sld>
 </file>
 
-<file path=ppt/slides/slide16.xml><?xml version="1.0" encoding="utf-8"?>
+<file path=ppt/slides/slide18.xml><?xml version="1.0" encoding="utf-8"?>
 <p:sld xmlns:a="http://schemas.openxmlformats.org/drawingml/2006/main" xmlns:r="http://schemas.openxmlformats.org/officeDocument/2006/relationships" xmlns:p="http://schemas.openxmlformats.org/presentationml/2006/main">
   <p:cSld>
     <p:spTree>
@@ -5861,7 +6474,7 @@
           <a:p>
             <a:r>
               <a:rPr lang="en-US" dirty="0"/>
-              <a:t>Prepare the dataset</a:t>
+              <a:t>Analyze the dataset</a:t>
             </a:r>
           </a:p>
         </p:txBody>
@@ -5897,7 +6510,13 @@
             </a:r>
             <a:r>
               <a:rPr lang="en-US" dirty="0"/>
-              <a:t> we were left with a vocabulary of size 1433 unique words. All words with document frequency less than 10 were removed.</a:t>
+              <a:t> we were left with a vocabulary of size 1433 unique words. </a:t>
+            </a:r>
+          </a:p>
+          <a:p>
+            <a:r>
+              <a:rPr lang="en-US" dirty="0"/>
+              <a:t>All words with document frequency less than 10 were removed.</a:t>
             </a:r>
           </a:p>
         </p:txBody>
@@ -5955,7 +6574,7 @@
           <a:p>
             <a:r>
               <a:rPr lang="en-US" dirty="0"/>
-              <a:t>Prepare the dataset</a:t>
+              <a:t>Analyze the dataset</a:t>
             </a:r>
           </a:p>
         </p:txBody>
@@ -5978,8 +6597,8 @@
         </p:nvSpPr>
         <p:spPr>
           <a:xfrm>
-            <a:off x="838199" y="1825625"/>
-            <a:ext cx="11188485" cy="4769361"/>
+            <a:off x="838199" y="1475715"/>
+            <a:ext cx="11188485" cy="5382285"/>
           </a:xfrm>
         </p:spPr>
         <p:txBody>
@@ -6095,7 +6714,16 @@
             <a:pPr lvl="1"/>
             <a:r>
               <a:rPr lang="en-US" dirty="0"/>
-              <a:t>&lt;ID of cited paper&gt; &lt;ID of citing paper&gt;</a:t>
+              <a:t>Matrix of  &lt;ID of cited paper&gt; &lt;ID of citing paper&gt;</a:t>
+            </a:r>
+          </a:p>
+          <a:p>
+            <a:pPr marL="457200" lvl="1" indent="0">
+              <a:buNone/>
+            </a:pPr>
+            <a:r>
+              <a:rPr lang="en-US" dirty="0"/>
+              <a:t>Example:  		35			1033</a:t>
             </a:r>
           </a:p>
         </p:txBody>
@@ -6314,7 +6942,13 @@
   <p:cSld>
     <p:spTree>
       <p:nvGrpSpPr>
-        <p:cNvPr id="1" name=""/>
+        <p:cNvPr id="1" name="">
+          <a:extLst>
+            <a:ext uri="{FF2B5EF4-FFF2-40B4-BE49-F238E27FC236}">
+              <a16:creationId xmlns:a16="http://schemas.microsoft.com/office/drawing/2014/main" id="{68871001-9FD1-6359-0B20-3162E185E10A}"/>
+            </a:ext>
+          </a:extLst>
+        </p:cNvPr>
         <p:cNvGrpSpPr/>
         <p:nvPr/>
       </p:nvGrpSpPr>
@@ -6331,7 +6965,7 @@
           <p:cNvPr id="2" name="Title 1">
             <a:extLst>
               <a:ext uri="{FF2B5EF4-FFF2-40B4-BE49-F238E27FC236}">
-                <a16:creationId xmlns:a16="http://schemas.microsoft.com/office/drawing/2014/main" id="{A156F6D1-4960-2E28-653A-D04E67728294}"/>
+                <a16:creationId xmlns:a16="http://schemas.microsoft.com/office/drawing/2014/main" id="{94865DF6-9E9A-D57B-BEE0-EB25F854ADB0}"/>
               </a:ext>
             </a:extLst>
           </p:cNvPr>
@@ -6349,7 +6983,7 @@
           <a:p>
             <a:r>
               <a:rPr lang="en-US" dirty="0"/>
-              <a:t>Models used</a:t>
+              <a:t>Prepare the dataset</a:t>
             </a:r>
           </a:p>
         </p:txBody>
@@ -6359,7 +6993,7 @@
           <p:cNvPr id="3" name="Content Placeholder 2">
             <a:extLst>
               <a:ext uri="{FF2B5EF4-FFF2-40B4-BE49-F238E27FC236}">
-                <a16:creationId xmlns:a16="http://schemas.microsoft.com/office/drawing/2014/main" id="{E7F1470A-6CB0-12C5-E177-0E444DC63823}"/>
+                <a16:creationId xmlns:a16="http://schemas.microsoft.com/office/drawing/2014/main" id="{CDFB5A22-1F47-7F82-4E12-EFDE04BE1A88}"/>
               </a:ext>
             </a:extLst>
           </p:cNvPr>
@@ -6370,37 +7004,289 @@
             <p:ph idx="1"/>
           </p:nvPr>
         </p:nvSpPr>
-        <p:spPr/>
-        <p:txBody>
-          <a:bodyPr/>
-          <a:lstStyle/>
-          <a:p>
+        <p:spPr>
+          <a:xfrm>
+            <a:off x="838199" y="1475715"/>
+            <a:ext cx="11188485" cy="5382285"/>
+          </a:xfrm>
+        </p:spPr>
+        <p:txBody>
+          <a:bodyPr>
+            <a:normAutofit/>
+          </a:bodyPr>
+          <a:lstStyle/>
+          <a:p>
+            <a:pPr marL="0" indent="0">
+              <a:buNone/>
+            </a:pPr>
+            <a:r>
+              <a:rPr lang="en-US" dirty="0"/>
+              <a:t>The vertexes are loaded from the “</a:t>
+            </a:r>
             <a:r>
               <a:rPr lang="en-US" dirty="0" err="1"/>
-              <a:t>DeepWalk</a:t>
-            </a:r>
-            <a:endParaRPr lang="en-US" dirty="0"/>
-          </a:p>
-          <a:p>
-            <a:r>
-              <a:rPr lang="en-US" dirty="0"/>
-              <a:t>Node2Vec</a:t>
-            </a:r>
-          </a:p>
-          <a:p>
-            <a:pPr marL="457200" lvl="1" indent="0">
+              <a:t>Cora.content</a:t>
+            </a:r>
+            <a:r>
+              <a:rPr lang="en-US" dirty="0"/>
+              <a:t>” file </a:t>
+            </a:r>
+          </a:p>
+          <a:p>
+            <a:pPr marL="0" indent="0">
               <a:buNone/>
             </a:pPr>
+            <a:r>
+              <a:rPr lang="en-US" dirty="0"/>
+              <a:t>The edges are loaded with the edges from file “</a:t>
+            </a:r>
+            <a:r>
+              <a:rPr lang="en-US" dirty="0" err="1"/>
+              <a:t>Cora.cites</a:t>
+            </a:r>
+            <a:r>
+              <a:rPr lang="en-US" dirty="0"/>
+              <a:t>” file</a:t>
+            </a:r>
+          </a:p>
+          <a:p>
+            <a:pPr marL="0" indent="0">
+              <a:buNone/>
+            </a:pPr>
+            <a:r>
+              <a:rPr lang="en-US" dirty="0"/>
+              <a:t>Both are converted to a </a:t>
+            </a:r>
+            <a:r>
+              <a:rPr lang="en-US" dirty="0" err="1"/>
+              <a:t>diGraph</a:t>
+            </a:r>
+            <a:r>
+              <a:rPr lang="en-US" dirty="0"/>
+              <a:t> from the </a:t>
+            </a:r>
+            <a:r>
+              <a:rPr lang="en-US" dirty="0" err="1"/>
+              <a:t>networkxx</a:t>
+            </a:r>
+            <a:r>
+              <a:rPr lang="en-US" dirty="0"/>
+              <a:t> library</a:t>
+            </a:r>
+          </a:p>
+          <a:p>
+            <a:pPr marL="0" indent="0">
+              <a:buNone/>
+            </a:pPr>
+            <a:r>
+              <a:rPr lang="en-US" dirty="0"/>
+              <a:t>Both vertexes and edges are given probability using the Alias method.</a:t>
+            </a:r>
+          </a:p>
+        </p:txBody>
+      </p:sp>
+      <p:sp>
+        <p:nvSpPr>
+          <p:cNvPr id="4" name="Content Placeholder 2">
+            <a:extLst>
+              <a:ext uri="{FF2B5EF4-FFF2-40B4-BE49-F238E27FC236}">
+                <a16:creationId xmlns:a16="http://schemas.microsoft.com/office/drawing/2014/main" id="{3933FFB7-C1F6-751F-8A85-5FBED969E8F2}"/>
+              </a:ext>
+            </a:extLst>
+          </p:cNvPr>
+          <p:cNvSpPr txBox="1">
+            <a:spLocks/>
+          </p:cNvSpPr>
+          <p:nvPr/>
+        </p:nvSpPr>
+        <p:spPr>
+          <a:xfrm>
+            <a:off x="838198" y="5269424"/>
+            <a:ext cx="11188485" cy="1325562"/>
+          </a:xfrm>
+          <a:prstGeom prst="rect">
+            <a:avLst/>
+          </a:prstGeom>
+        </p:spPr>
+        <p:txBody>
+          <a:bodyPr vert="horz" lIns="91440" tIns="45720" rIns="91440" bIns="45720" rtlCol="0">
+            <a:normAutofit/>
+          </a:bodyPr>
+          <a:lstStyle>
+            <a:lvl1pPr marL="228600" indent="-228600" algn="l" defTabSz="914400" rtl="0" eaLnBrk="1" latinLnBrk="0" hangingPunct="1">
+              <a:lnSpc>
+                <a:spcPct val="90000"/>
+              </a:lnSpc>
+              <a:spcBef>
+                <a:spcPts val="1000"/>
+              </a:spcBef>
+              <a:buFont typeface="Arial" panose="020B0604020202020204" pitchFamily="34" charset="0"/>
+              <a:buChar char="•"/>
+              <a:defRPr sz="2800" kern="1200">
+                <a:solidFill>
+                  <a:schemeClr val="tx1"/>
+                </a:solidFill>
+                <a:latin typeface="+mn-lt"/>
+                <a:ea typeface="+mn-ea"/>
+                <a:cs typeface="+mn-cs"/>
+              </a:defRPr>
+            </a:lvl1pPr>
+            <a:lvl2pPr marL="685800" indent="-228600" algn="l" defTabSz="914400" rtl="0" eaLnBrk="1" latinLnBrk="0" hangingPunct="1">
+              <a:lnSpc>
+                <a:spcPct val="90000"/>
+              </a:lnSpc>
+              <a:spcBef>
+                <a:spcPts val="500"/>
+              </a:spcBef>
+              <a:buFont typeface="Arial" panose="020B0604020202020204" pitchFamily="34" charset="0"/>
+              <a:buChar char="•"/>
+              <a:defRPr sz="2400" kern="1200">
+                <a:solidFill>
+                  <a:schemeClr val="tx1"/>
+                </a:solidFill>
+                <a:latin typeface="+mn-lt"/>
+                <a:ea typeface="+mn-ea"/>
+                <a:cs typeface="+mn-cs"/>
+              </a:defRPr>
+            </a:lvl2pPr>
+            <a:lvl3pPr marL="1143000" indent="-228600" algn="l" defTabSz="914400" rtl="0" eaLnBrk="1" latinLnBrk="0" hangingPunct="1">
+              <a:lnSpc>
+                <a:spcPct val="90000"/>
+              </a:lnSpc>
+              <a:spcBef>
+                <a:spcPts val="500"/>
+              </a:spcBef>
+              <a:buFont typeface="Arial" panose="020B0604020202020204" pitchFamily="34" charset="0"/>
+              <a:buChar char="•"/>
+              <a:defRPr sz="2000" kern="1200">
+                <a:solidFill>
+                  <a:schemeClr val="tx1"/>
+                </a:solidFill>
+                <a:latin typeface="+mn-lt"/>
+                <a:ea typeface="+mn-ea"/>
+                <a:cs typeface="+mn-cs"/>
+              </a:defRPr>
+            </a:lvl3pPr>
+            <a:lvl4pPr marL="1600200" indent="-228600" algn="l" defTabSz="914400" rtl="0" eaLnBrk="1" latinLnBrk="0" hangingPunct="1">
+              <a:lnSpc>
+                <a:spcPct val="90000"/>
+              </a:lnSpc>
+              <a:spcBef>
+                <a:spcPts val="500"/>
+              </a:spcBef>
+              <a:buFont typeface="Arial" panose="020B0604020202020204" pitchFamily="34" charset="0"/>
+              <a:buChar char="•"/>
+              <a:defRPr sz="1800" kern="1200">
+                <a:solidFill>
+                  <a:schemeClr val="tx1"/>
+                </a:solidFill>
+                <a:latin typeface="+mn-lt"/>
+                <a:ea typeface="+mn-ea"/>
+                <a:cs typeface="+mn-cs"/>
+              </a:defRPr>
+            </a:lvl4pPr>
+            <a:lvl5pPr marL="2057400" indent="-228600" algn="l" defTabSz="914400" rtl="0" eaLnBrk="1" latinLnBrk="0" hangingPunct="1">
+              <a:lnSpc>
+                <a:spcPct val="90000"/>
+              </a:lnSpc>
+              <a:spcBef>
+                <a:spcPts val="500"/>
+              </a:spcBef>
+              <a:buFont typeface="Arial" panose="020B0604020202020204" pitchFamily="34" charset="0"/>
+              <a:buChar char="•"/>
+              <a:defRPr sz="1800" kern="1200">
+                <a:solidFill>
+                  <a:schemeClr val="tx1"/>
+                </a:solidFill>
+                <a:latin typeface="+mn-lt"/>
+                <a:ea typeface="+mn-ea"/>
+                <a:cs typeface="+mn-cs"/>
+              </a:defRPr>
+            </a:lvl5pPr>
+            <a:lvl6pPr marL="2514600" indent="-228600" algn="l" defTabSz="914400" rtl="0" eaLnBrk="1" latinLnBrk="0" hangingPunct="1">
+              <a:lnSpc>
+                <a:spcPct val="90000"/>
+              </a:lnSpc>
+              <a:spcBef>
+                <a:spcPts val="500"/>
+              </a:spcBef>
+              <a:buFont typeface="Arial" panose="020B0604020202020204" pitchFamily="34" charset="0"/>
+              <a:buChar char="•"/>
+              <a:defRPr sz="1800" kern="1200">
+                <a:solidFill>
+                  <a:schemeClr val="tx1"/>
+                </a:solidFill>
+                <a:latin typeface="+mn-lt"/>
+                <a:ea typeface="+mn-ea"/>
+                <a:cs typeface="+mn-cs"/>
+              </a:defRPr>
+            </a:lvl6pPr>
+            <a:lvl7pPr marL="2971800" indent="-228600" algn="l" defTabSz="914400" rtl="0" eaLnBrk="1" latinLnBrk="0" hangingPunct="1">
+              <a:lnSpc>
+                <a:spcPct val="90000"/>
+              </a:lnSpc>
+              <a:spcBef>
+                <a:spcPts val="500"/>
+              </a:spcBef>
+              <a:buFont typeface="Arial" panose="020B0604020202020204" pitchFamily="34" charset="0"/>
+              <a:buChar char="•"/>
+              <a:defRPr sz="1800" kern="1200">
+                <a:solidFill>
+                  <a:schemeClr val="tx1"/>
+                </a:solidFill>
+                <a:latin typeface="+mn-lt"/>
+                <a:ea typeface="+mn-ea"/>
+                <a:cs typeface="+mn-cs"/>
+              </a:defRPr>
+            </a:lvl7pPr>
+            <a:lvl8pPr marL="3429000" indent="-228600" algn="l" defTabSz="914400" rtl="0" eaLnBrk="1" latinLnBrk="0" hangingPunct="1">
+              <a:lnSpc>
+                <a:spcPct val="90000"/>
+              </a:lnSpc>
+              <a:spcBef>
+                <a:spcPts val="500"/>
+              </a:spcBef>
+              <a:buFont typeface="Arial" panose="020B0604020202020204" pitchFamily="34" charset="0"/>
+              <a:buChar char="•"/>
+              <a:defRPr sz="1800" kern="1200">
+                <a:solidFill>
+                  <a:schemeClr val="tx1"/>
+                </a:solidFill>
+                <a:latin typeface="+mn-lt"/>
+                <a:ea typeface="+mn-ea"/>
+                <a:cs typeface="+mn-cs"/>
+              </a:defRPr>
+            </a:lvl8pPr>
+            <a:lvl9pPr marL="3886200" indent="-228600" algn="l" defTabSz="914400" rtl="0" eaLnBrk="1" latinLnBrk="0" hangingPunct="1">
+              <a:lnSpc>
+                <a:spcPct val="90000"/>
+              </a:lnSpc>
+              <a:spcBef>
+                <a:spcPts val="500"/>
+              </a:spcBef>
+              <a:buFont typeface="Arial" panose="020B0604020202020204" pitchFamily="34" charset="0"/>
+              <a:buChar char="•"/>
+              <a:defRPr sz="1800" kern="1200">
+                <a:solidFill>
+                  <a:schemeClr val="tx1"/>
+                </a:solidFill>
+                <a:latin typeface="+mn-lt"/>
+                <a:ea typeface="+mn-ea"/>
+                <a:cs typeface="+mn-cs"/>
+              </a:defRPr>
+            </a:lvl9pPr>
+          </a:lstStyle>
+          <a:p>
             <a:endParaRPr lang="en-US" dirty="0"/>
           </a:p>
         </p:txBody>
       </p:sp>
       <p:pic>
         <p:nvPicPr>
-          <p:cNvPr id="4" name="Picture 3">
-            <a:extLst>
-              <a:ext uri="{FF2B5EF4-FFF2-40B4-BE49-F238E27FC236}">
-                <a16:creationId xmlns:a16="http://schemas.microsoft.com/office/drawing/2014/main" id="{8541B3C5-B383-C202-D2A9-49777A29A63A}"/>
+          <p:cNvPr id="6" name="Picture 5" descr="A colorful ball of dots&#10;&#10;Description automatically generated with medium confidence">
+            <a:extLst>
+              <a:ext uri="{FF2B5EF4-FFF2-40B4-BE49-F238E27FC236}">
+                <a16:creationId xmlns:a16="http://schemas.microsoft.com/office/drawing/2014/main" id="{841F1F4F-14EF-9ED2-3B52-0705F12C74F4}"/>
               </a:ext>
             </a:extLst>
           </p:cNvPr>
@@ -6410,7 +7296,7 @@
           <p:nvPr/>
         </p:nvPicPr>
         <p:blipFill>
-          <a:blip r:embed="rId2">
+          <a:blip r:embed="rId3">
             <a:extLst>
               <a:ext uri="{28A0092B-C50C-407E-A947-70E740481C1C}">
                 <a14:useLocalDpi xmlns:a14="http://schemas.microsoft.com/office/drawing/2010/main" val="0"/>
@@ -6423,8 +7309,8 @@
         </p:blipFill>
         <p:spPr>
           <a:xfrm>
-            <a:off x="5080000" y="3429000"/>
-            <a:ext cx="6954982" cy="3278777"/>
+            <a:off x="8469745" y="3554454"/>
+            <a:ext cx="3096753" cy="3160572"/>
           </a:xfrm>
           <a:prstGeom prst="rect">
             <a:avLst/>
@@ -6434,7 +7320,7 @@
     </p:spTree>
     <p:extLst>
       <p:ext uri="{BB962C8B-B14F-4D97-AF65-F5344CB8AC3E}">
-        <p14:creationId xmlns:p14="http://schemas.microsoft.com/office/powerpoint/2010/main" val="4098665914"/>
+        <p14:creationId xmlns:p14="http://schemas.microsoft.com/office/powerpoint/2010/main" val="3641279483"/>
       </p:ext>
     </p:extLst>
   </p:cSld>

--- a/doc/Graph-Embedding Presentation.pptx
+++ b/doc/Graph-Embedding Presentation.pptx
@@ -5,7 +5,7 @@
     <p:sldMasterId id="2147483648" r:id="rId1"/>
   </p:sldMasterIdLst>
   <p:notesMasterIdLst>
-    <p:notesMasterId r:id="rId20"/>
+    <p:notesMasterId r:id="rId21"/>
   </p:notesMasterIdLst>
   <p:sldIdLst>
     <p:sldId id="256" r:id="rId2"/>
@@ -24,8 +24,9 @@
     <p:sldId id="261" r:id="rId15"/>
     <p:sldId id="274" r:id="rId16"/>
     <p:sldId id="262" r:id="rId17"/>
-    <p:sldId id="263" r:id="rId18"/>
-    <p:sldId id="264" r:id="rId19"/>
+    <p:sldId id="276" r:id="rId18"/>
+    <p:sldId id="263" r:id="rId19"/>
+    <p:sldId id="264" r:id="rId20"/>
   </p:sldIdLst>
   <p:sldSz cx="12192000" cy="6858000"/>
   <p:notesSz cx="6858000" cy="9144000"/>
@@ -214,7 +215,7 @@
           <a:p>
             <a:fld id="{40255490-F3EC-4464-B815-288EE6CB06A0}" type="datetimeFigureOut">
               <a:rPr lang="en-US" smtClean="0"/>
-              <a:t>1/14/2025</a:t>
+              <a:t>1/18/2025</a:t>
             </a:fld>
             <a:endParaRPr lang="en-US"/>
           </a:p>
@@ -671,6 +672,532 @@
 </p:notes>
 </file>
 
+<file path=ppt/notesSlides/notesSlide3.xml><?xml version="1.0" encoding="utf-8"?>
+<p:notes xmlns:a="http://schemas.openxmlformats.org/drawingml/2006/main" xmlns:r="http://schemas.openxmlformats.org/officeDocument/2006/relationships" xmlns:p="http://schemas.openxmlformats.org/presentationml/2006/main">
+  <p:cSld>
+    <p:spTree>
+      <p:nvGrpSpPr>
+        <p:cNvPr id="1" name=""/>
+        <p:cNvGrpSpPr/>
+        <p:nvPr/>
+      </p:nvGrpSpPr>
+      <p:grpSpPr>
+        <a:xfrm>
+          <a:off x="0" y="0"/>
+          <a:ext cx="0" cy="0"/>
+          <a:chOff x="0" y="0"/>
+          <a:chExt cx="0" cy="0"/>
+        </a:xfrm>
+      </p:grpSpPr>
+      <p:sp>
+        <p:nvSpPr>
+          <p:cNvPr id="2" name="Slide Image Placeholder 1"/>
+          <p:cNvSpPr>
+            <a:spLocks noGrp="1" noRot="1" noChangeAspect="1"/>
+          </p:cNvSpPr>
+          <p:nvPr>
+            <p:ph type="sldImg"/>
+          </p:nvPr>
+        </p:nvSpPr>
+        <p:spPr/>
+      </p:sp>
+      <p:sp>
+        <p:nvSpPr>
+          <p:cNvPr id="3" name="Notes Placeholder 2"/>
+          <p:cNvSpPr>
+            <a:spLocks noGrp="1"/>
+          </p:cNvSpPr>
+          <p:nvPr>
+            <p:ph type="body" idx="1"/>
+          </p:nvPr>
+        </p:nvSpPr>
+        <p:spPr/>
+        <p:txBody>
+          <a:bodyPr/>
+          <a:lstStyle/>
+          <a:p>
+            <a:pPr marL="0" marR="0" lvl="0" indent="0" algn="l" defTabSz="914400" rtl="0" eaLnBrk="1" fontAlgn="auto" latinLnBrk="0" hangingPunct="1">
+              <a:lnSpc>
+                <a:spcPct val="100000"/>
+              </a:lnSpc>
+              <a:spcBef>
+                <a:spcPts val="0"/>
+              </a:spcBef>
+              <a:spcAft>
+                <a:spcPts val="0"/>
+              </a:spcAft>
+              <a:buClrTx/>
+              <a:buSzTx/>
+              <a:buFontTx/>
+              <a:buNone/>
+              <a:tabLst/>
+              <a:defRPr/>
+            </a:pPr>
+            <a:r>
+              <a:rPr lang="en-US" sz="1200" dirty="0">
+                <a:solidFill>
+                  <a:srgbClr val="990000"/>
+                </a:solidFill>
+                <a:latin typeface="Times New Roman" panose="02020603050405020304" pitchFamily="18" charset="0"/>
+                <a:cs typeface="Times New Roman" panose="02020603050405020304" pitchFamily="18" charset="0"/>
+              </a:rPr>
+              <a:t>F-measure: 2 / ( (1 / Precision) + (1 / Recall) )</a:t>
+            </a:r>
+          </a:p>
+          <a:p>
+            <a:pPr marL="0" marR="0" lvl="0" indent="0" algn="l" defTabSz="914400" rtl="0" eaLnBrk="1" fontAlgn="auto" latinLnBrk="0" hangingPunct="1">
+              <a:lnSpc>
+                <a:spcPct val="100000"/>
+              </a:lnSpc>
+              <a:spcBef>
+                <a:spcPts val="0"/>
+              </a:spcBef>
+              <a:spcAft>
+                <a:spcPts val="0"/>
+              </a:spcAft>
+              <a:buClrTx/>
+              <a:buSzTx/>
+              <a:buFontTx/>
+              <a:buNone/>
+              <a:tabLst/>
+              <a:defRPr/>
+            </a:pPr>
+            <a:r>
+              <a:rPr lang="en-US" sz="1200" dirty="0">
+                <a:solidFill>
+                  <a:srgbClr val="990000"/>
+                </a:solidFill>
+                <a:latin typeface="Times New Roman" panose="02020603050405020304" pitchFamily="18" charset="0"/>
+                <a:cs typeface="Times New Roman" panose="02020603050405020304" pitchFamily="18" charset="0"/>
+              </a:rPr>
+              <a:t>P = </a:t>
+            </a:r>
+            <a:r>
+              <a:rPr lang="en-US" sz="1200" dirty="0" err="1">
+                <a:solidFill>
+                  <a:srgbClr val="990000"/>
+                </a:solidFill>
+                <a:latin typeface="Times New Roman" panose="02020603050405020304" pitchFamily="18" charset="0"/>
+                <a:cs typeface="Times New Roman" panose="02020603050405020304" pitchFamily="18" charset="0"/>
+              </a:rPr>
+              <a:t>tp</a:t>
+            </a:r>
+            <a:r>
+              <a:rPr lang="en-US" sz="1200" dirty="0">
+                <a:solidFill>
+                  <a:srgbClr val="990000"/>
+                </a:solidFill>
+                <a:latin typeface="Times New Roman" panose="02020603050405020304" pitchFamily="18" charset="0"/>
+                <a:cs typeface="Times New Roman" panose="02020603050405020304" pitchFamily="18" charset="0"/>
+              </a:rPr>
+              <a:t> / (</a:t>
+            </a:r>
+            <a:r>
+              <a:rPr lang="en-US" sz="1200" dirty="0" err="1">
+                <a:solidFill>
+                  <a:srgbClr val="990000"/>
+                </a:solidFill>
+                <a:latin typeface="Times New Roman" panose="02020603050405020304" pitchFamily="18" charset="0"/>
+                <a:cs typeface="Times New Roman" panose="02020603050405020304" pitchFamily="18" charset="0"/>
+              </a:rPr>
+              <a:t>tp+fp</a:t>
+            </a:r>
+            <a:r>
+              <a:rPr lang="en-US" sz="1200" dirty="0">
+                <a:solidFill>
+                  <a:srgbClr val="990000"/>
+                </a:solidFill>
+                <a:latin typeface="Times New Roman" panose="02020603050405020304" pitchFamily="18" charset="0"/>
+                <a:cs typeface="Times New Roman" panose="02020603050405020304" pitchFamily="18" charset="0"/>
+              </a:rPr>
+              <a:t>)</a:t>
+            </a:r>
+          </a:p>
+          <a:p>
+            <a:pPr marL="0" marR="0" lvl="0" indent="0" algn="l" defTabSz="914400" rtl="0" eaLnBrk="1" fontAlgn="auto" latinLnBrk="0" hangingPunct="1">
+              <a:lnSpc>
+                <a:spcPct val="100000"/>
+              </a:lnSpc>
+              <a:spcBef>
+                <a:spcPts val="0"/>
+              </a:spcBef>
+              <a:spcAft>
+                <a:spcPts val="0"/>
+              </a:spcAft>
+              <a:buClrTx/>
+              <a:buSzTx/>
+              <a:buFontTx/>
+              <a:buNone/>
+              <a:tabLst/>
+              <a:defRPr/>
+            </a:pPr>
+            <a:r>
+              <a:rPr lang="en-US" sz="1200" dirty="0">
+                <a:solidFill>
+                  <a:srgbClr val="990000"/>
+                </a:solidFill>
+                <a:latin typeface="Times New Roman" panose="02020603050405020304" pitchFamily="18" charset="0"/>
+                <a:cs typeface="Times New Roman" panose="02020603050405020304" pitchFamily="18" charset="0"/>
+              </a:rPr>
+              <a:t>R = </a:t>
+            </a:r>
+            <a:r>
+              <a:rPr lang="en-US" sz="1200" dirty="0" err="1">
+                <a:solidFill>
+                  <a:srgbClr val="990000"/>
+                </a:solidFill>
+                <a:latin typeface="Times New Roman" panose="02020603050405020304" pitchFamily="18" charset="0"/>
+                <a:cs typeface="Times New Roman" panose="02020603050405020304" pitchFamily="18" charset="0"/>
+              </a:rPr>
+              <a:t>tp</a:t>
+            </a:r>
+            <a:r>
+              <a:rPr lang="en-US" sz="1200" dirty="0">
+                <a:solidFill>
+                  <a:srgbClr val="990000"/>
+                </a:solidFill>
+                <a:latin typeface="Times New Roman" panose="02020603050405020304" pitchFamily="18" charset="0"/>
+                <a:cs typeface="Times New Roman" panose="02020603050405020304" pitchFamily="18" charset="0"/>
+              </a:rPr>
+              <a:t> / (</a:t>
+            </a:r>
+            <a:r>
+              <a:rPr lang="en-US" sz="1200" dirty="0" err="1">
+                <a:solidFill>
+                  <a:srgbClr val="990000"/>
+                </a:solidFill>
+                <a:latin typeface="Times New Roman" panose="02020603050405020304" pitchFamily="18" charset="0"/>
+                <a:cs typeface="Times New Roman" panose="02020603050405020304" pitchFamily="18" charset="0"/>
+              </a:rPr>
+              <a:t>tp+fn</a:t>
+            </a:r>
+            <a:r>
+              <a:rPr lang="en-US" sz="1200" dirty="0">
+                <a:solidFill>
+                  <a:srgbClr val="990000"/>
+                </a:solidFill>
+                <a:latin typeface="Times New Roman" panose="02020603050405020304" pitchFamily="18" charset="0"/>
+                <a:cs typeface="Times New Roman" panose="02020603050405020304" pitchFamily="18" charset="0"/>
+              </a:rPr>
+              <a:t>)</a:t>
+            </a:r>
+          </a:p>
+          <a:p>
+            <a:endParaRPr lang="en-US" dirty="0"/>
+          </a:p>
+        </p:txBody>
+      </p:sp>
+      <p:sp>
+        <p:nvSpPr>
+          <p:cNvPr id="4" name="Slide Number Placeholder 3"/>
+          <p:cNvSpPr>
+            <a:spLocks noGrp="1"/>
+          </p:cNvSpPr>
+          <p:nvPr>
+            <p:ph type="sldNum" sz="quarter" idx="5"/>
+          </p:nvPr>
+        </p:nvSpPr>
+        <p:spPr/>
+        <p:txBody>
+          <a:bodyPr/>
+          <a:lstStyle/>
+          <a:p>
+            <a:fld id="{AFC9B226-C9A0-4F2E-8FB6-1ABBD39453D5}" type="slidenum">
+              <a:rPr lang="en-US" smtClean="0"/>
+              <a:t>16</a:t>
+            </a:fld>
+            <a:endParaRPr lang="en-US"/>
+          </a:p>
+        </p:txBody>
+      </p:sp>
+    </p:spTree>
+    <p:extLst>
+      <p:ext uri="{BB962C8B-B14F-4D97-AF65-F5344CB8AC3E}">
+        <p14:creationId xmlns:p14="http://schemas.microsoft.com/office/powerpoint/2010/main" val="1371097703"/>
+      </p:ext>
+    </p:extLst>
+  </p:cSld>
+  <p:clrMapOvr>
+    <a:masterClrMapping/>
+  </p:clrMapOvr>
+</p:notes>
+</file>
+
+<file path=ppt/notesSlides/notesSlide4.xml><?xml version="1.0" encoding="utf-8"?>
+<p:notes xmlns:a="http://schemas.openxmlformats.org/drawingml/2006/main" xmlns:r="http://schemas.openxmlformats.org/officeDocument/2006/relationships" xmlns:p="http://schemas.openxmlformats.org/presentationml/2006/main">
+  <p:cSld>
+    <p:spTree>
+      <p:nvGrpSpPr>
+        <p:cNvPr id="1" name="">
+          <a:extLst>
+            <a:ext uri="{FF2B5EF4-FFF2-40B4-BE49-F238E27FC236}">
+              <a16:creationId xmlns:a16="http://schemas.microsoft.com/office/drawing/2014/main" id="{2744A766-0DC5-9411-8B70-0785C89D8C03}"/>
+            </a:ext>
+          </a:extLst>
+        </p:cNvPr>
+        <p:cNvGrpSpPr/>
+        <p:nvPr/>
+      </p:nvGrpSpPr>
+      <p:grpSpPr>
+        <a:xfrm>
+          <a:off x="0" y="0"/>
+          <a:ext cx="0" cy="0"/>
+          <a:chOff x="0" y="0"/>
+          <a:chExt cx="0" cy="0"/>
+        </a:xfrm>
+      </p:grpSpPr>
+      <p:sp>
+        <p:nvSpPr>
+          <p:cNvPr id="2" name="Slide Image Placeholder 1">
+            <a:extLst>
+              <a:ext uri="{FF2B5EF4-FFF2-40B4-BE49-F238E27FC236}">
+                <a16:creationId xmlns:a16="http://schemas.microsoft.com/office/drawing/2014/main" id="{99D5B98E-FED3-8C5D-F332-D5770E3BFF43}"/>
+              </a:ext>
+            </a:extLst>
+          </p:cNvPr>
+          <p:cNvSpPr>
+            <a:spLocks noGrp="1" noRot="1" noChangeAspect="1"/>
+          </p:cNvSpPr>
+          <p:nvPr>
+            <p:ph type="sldImg"/>
+          </p:nvPr>
+        </p:nvSpPr>
+        <p:spPr/>
+      </p:sp>
+      <p:sp>
+        <p:nvSpPr>
+          <p:cNvPr id="3" name="Notes Placeholder 2">
+            <a:extLst>
+              <a:ext uri="{FF2B5EF4-FFF2-40B4-BE49-F238E27FC236}">
+                <a16:creationId xmlns:a16="http://schemas.microsoft.com/office/drawing/2014/main" id="{A2695CD0-9D6F-014B-3639-022BBF420612}"/>
+              </a:ext>
+            </a:extLst>
+          </p:cNvPr>
+          <p:cNvSpPr>
+            <a:spLocks noGrp="1"/>
+          </p:cNvSpPr>
+          <p:nvPr>
+            <p:ph type="body" idx="1"/>
+          </p:nvPr>
+        </p:nvSpPr>
+        <p:spPr/>
+        <p:txBody>
+          <a:bodyPr/>
+          <a:lstStyle/>
+          <a:p>
+            <a:pPr marL="0" marR="0" lvl="0" indent="0" algn="l" defTabSz="914400" rtl="0" eaLnBrk="1" fontAlgn="auto" latinLnBrk="0" hangingPunct="1">
+              <a:lnSpc>
+                <a:spcPct val="100000"/>
+              </a:lnSpc>
+              <a:spcBef>
+                <a:spcPts val="0"/>
+              </a:spcBef>
+              <a:spcAft>
+                <a:spcPts val="0"/>
+              </a:spcAft>
+              <a:buClrTx/>
+              <a:buSzTx/>
+              <a:buFontTx/>
+              <a:buNone/>
+              <a:tabLst/>
+              <a:defRPr/>
+            </a:pPr>
+            <a:r>
+              <a:rPr lang="en-US" sz="1200" dirty="0">
+                <a:solidFill>
+                  <a:srgbClr val="990000"/>
+                </a:solidFill>
+                <a:latin typeface="Times New Roman" panose="02020603050405020304" pitchFamily="18" charset="0"/>
+                <a:cs typeface="Times New Roman" panose="02020603050405020304" pitchFamily="18" charset="0"/>
+              </a:rPr>
+              <a:t>F-measure: 2 / ( (1 / Precision) + (1 / Recall) )</a:t>
+            </a:r>
+          </a:p>
+          <a:p>
+            <a:pPr marL="0" marR="0" lvl="0" indent="0" algn="l" defTabSz="914400" rtl="0" eaLnBrk="1" fontAlgn="auto" latinLnBrk="0" hangingPunct="1">
+              <a:lnSpc>
+                <a:spcPct val="100000"/>
+              </a:lnSpc>
+              <a:spcBef>
+                <a:spcPts val="0"/>
+              </a:spcBef>
+              <a:spcAft>
+                <a:spcPts val="0"/>
+              </a:spcAft>
+              <a:buClrTx/>
+              <a:buSzTx/>
+              <a:buFontTx/>
+              <a:buNone/>
+              <a:tabLst/>
+              <a:defRPr/>
+            </a:pPr>
+            <a:r>
+              <a:rPr lang="en-US" sz="1200" dirty="0">
+                <a:solidFill>
+                  <a:srgbClr val="990000"/>
+                </a:solidFill>
+                <a:latin typeface="Times New Roman" panose="02020603050405020304" pitchFamily="18" charset="0"/>
+                <a:cs typeface="Times New Roman" panose="02020603050405020304" pitchFamily="18" charset="0"/>
+              </a:rPr>
+              <a:t>P = </a:t>
+            </a:r>
+            <a:r>
+              <a:rPr lang="en-US" sz="1200" dirty="0" err="1">
+                <a:solidFill>
+                  <a:srgbClr val="990000"/>
+                </a:solidFill>
+                <a:latin typeface="Times New Roman" panose="02020603050405020304" pitchFamily="18" charset="0"/>
+                <a:cs typeface="Times New Roman" panose="02020603050405020304" pitchFamily="18" charset="0"/>
+              </a:rPr>
+              <a:t>tp</a:t>
+            </a:r>
+            <a:r>
+              <a:rPr lang="en-US" sz="1200" dirty="0">
+                <a:solidFill>
+                  <a:srgbClr val="990000"/>
+                </a:solidFill>
+                <a:latin typeface="Times New Roman" panose="02020603050405020304" pitchFamily="18" charset="0"/>
+                <a:cs typeface="Times New Roman" panose="02020603050405020304" pitchFamily="18" charset="0"/>
+              </a:rPr>
+              <a:t> / (</a:t>
+            </a:r>
+            <a:r>
+              <a:rPr lang="en-US" sz="1200" dirty="0" err="1">
+                <a:solidFill>
+                  <a:srgbClr val="990000"/>
+                </a:solidFill>
+                <a:latin typeface="Times New Roman" panose="02020603050405020304" pitchFamily="18" charset="0"/>
+                <a:cs typeface="Times New Roman" panose="02020603050405020304" pitchFamily="18" charset="0"/>
+              </a:rPr>
+              <a:t>tp+fp</a:t>
+            </a:r>
+            <a:r>
+              <a:rPr lang="en-US" sz="1200" dirty="0">
+                <a:solidFill>
+                  <a:srgbClr val="990000"/>
+                </a:solidFill>
+                <a:latin typeface="Times New Roman" panose="02020603050405020304" pitchFamily="18" charset="0"/>
+                <a:cs typeface="Times New Roman" panose="02020603050405020304" pitchFamily="18" charset="0"/>
+              </a:rPr>
+              <a:t>)</a:t>
+            </a:r>
+          </a:p>
+          <a:p>
+            <a:pPr marL="0" marR="0" lvl="0" indent="0" algn="l" defTabSz="914400" rtl="0" eaLnBrk="1" fontAlgn="auto" latinLnBrk="0" hangingPunct="1">
+              <a:lnSpc>
+                <a:spcPct val="100000"/>
+              </a:lnSpc>
+              <a:spcBef>
+                <a:spcPts val="0"/>
+              </a:spcBef>
+              <a:spcAft>
+                <a:spcPts val="0"/>
+              </a:spcAft>
+              <a:buClrTx/>
+              <a:buSzTx/>
+              <a:buFontTx/>
+              <a:buNone/>
+              <a:tabLst/>
+              <a:defRPr/>
+            </a:pPr>
+            <a:r>
+              <a:rPr lang="en-US" sz="1200" dirty="0">
+                <a:solidFill>
+                  <a:srgbClr val="990000"/>
+                </a:solidFill>
+                <a:latin typeface="Times New Roman" panose="02020603050405020304" pitchFamily="18" charset="0"/>
+                <a:cs typeface="Times New Roman" panose="02020603050405020304" pitchFamily="18" charset="0"/>
+              </a:rPr>
+              <a:t>R = </a:t>
+            </a:r>
+            <a:r>
+              <a:rPr lang="en-US" sz="1200" dirty="0" err="1">
+                <a:solidFill>
+                  <a:srgbClr val="990000"/>
+                </a:solidFill>
+                <a:latin typeface="Times New Roman" panose="02020603050405020304" pitchFamily="18" charset="0"/>
+                <a:cs typeface="Times New Roman" panose="02020603050405020304" pitchFamily="18" charset="0"/>
+              </a:rPr>
+              <a:t>tp</a:t>
+            </a:r>
+            <a:r>
+              <a:rPr lang="en-US" sz="1200" dirty="0">
+                <a:solidFill>
+                  <a:srgbClr val="990000"/>
+                </a:solidFill>
+                <a:latin typeface="Times New Roman" panose="02020603050405020304" pitchFamily="18" charset="0"/>
+                <a:cs typeface="Times New Roman" panose="02020603050405020304" pitchFamily="18" charset="0"/>
+              </a:rPr>
+              <a:t> / (</a:t>
+            </a:r>
+            <a:r>
+              <a:rPr lang="en-US" sz="1200" dirty="0" err="1">
+                <a:solidFill>
+                  <a:srgbClr val="990000"/>
+                </a:solidFill>
+                <a:latin typeface="Times New Roman" panose="02020603050405020304" pitchFamily="18" charset="0"/>
+                <a:cs typeface="Times New Roman" panose="02020603050405020304" pitchFamily="18" charset="0"/>
+              </a:rPr>
+              <a:t>tp+fn</a:t>
+            </a:r>
+            <a:r>
+              <a:rPr lang="en-US" sz="1200" dirty="0">
+                <a:solidFill>
+                  <a:srgbClr val="990000"/>
+                </a:solidFill>
+                <a:latin typeface="Times New Roman" panose="02020603050405020304" pitchFamily="18" charset="0"/>
+                <a:cs typeface="Times New Roman" panose="02020603050405020304" pitchFamily="18" charset="0"/>
+              </a:rPr>
+              <a:t>)</a:t>
+            </a:r>
+          </a:p>
+          <a:p>
+            <a:endParaRPr lang="en-US" dirty="0"/>
+          </a:p>
+        </p:txBody>
+      </p:sp>
+      <p:sp>
+        <p:nvSpPr>
+          <p:cNvPr id="4" name="Slide Number Placeholder 3">
+            <a:extLst>
+              <a:ext uri="{FF2B5EF4-FFF2-40B4-BE49-F238E27FC236}">
+                <a16:creationId xmlns:a16="http://schemas.microsoft.com/office/drawing/2014/main" id="{E2A4C97E-9D12-C70F-9ABB-C657DA269436}"/>
+              </a:ext>
+            </a:extLst>
+          </p:cNvPr>
+          <p:cNvSpPr>
+            <a:spLocks noGrp="1"/>
+          </p:cNvSpPr>
+          <p:nvPr>
+            <p:ph type="sldNum" sz="quarter" idx="5"/>
+          </p:nvPr>
+        </p:nvSpPr>
+        <p:spPr/>
+        <p:txBody>
+          <a:bodyPr/>
+          <a:lstStyle/>
+          <a:p>
+            <a:fld id="{AFC9B226-C9A0-4F2E-8FB6-1ABBD39453D5}" type="slidenum">
+              <a:rPr lang="en-US" smtClean="0"/>
+              <a:t>17</a:t>
+            </a:fld>
+            <a:endParaRPr lang="en-US"/>
+          </a:p>
+        </p:txBody>
+      </p:sp>
+    </p:spTree>
+    <p:extLst>
+      <p:ext uri="{BB962C8B-B14F-4D97-AF65-F5344CB8AC3E}">
+        <p14:creationId xmlns:p14="http://schemas.microsoft.com/office/powerpoint/2010/main" val="2672321099"/>
+      </p:ext>
+    </p:extLst>
+  </p:cSld>
+  <p:clrMapOvr>
+    <a:masterClrMapping/>
+  </p:clrMapOvr>
+</p:notes>
+</file>
+
 <file path=ppt/slideLayouts/slideLayout1.xml><?xml version="1.0" encoding="utf-8"?>
 <p:sldLayout xmlns:a="http://schemas.openxmlformats.org/drawingml/2006/main" xmlns:r="http://schemas.openxmlformats.org/officeDocument/2006/relationships" xmlns:p="http://schemas.openxmlformats.org/presentationml/2006/main" type="title" preserve="1">
   <p:cSld name="Title Slide">
@@ -818,7 +1345,7 @@
           <a:p>
             <a:fld id="{6FC2E1BB-ABA2-49E9-A8D9-545C2DE0A0F4}" type="datetimeFigureOut">
               <a:rPr lang="en-US" smtClean="0"/>
-              <a:t>1/14/2025</a:t>
+              <a:t>1/18/2025</a:t>
             </a:fld>
             <a:endParaRPr lang="en-US"/>
           </a:p>
@@ -1016,7 +1543,7 @@
           <a:p>
             <a:fld id="{6FC2E1BB-ABA2-49E9-A8D9-545C2DE0A0F4}" type="datetimeFigureOut">
               <a:rPr lang="en-US" smtClean="0"/>
-              <a:t>1/14/2025</a:t>
+              <a:t>1/18/2025</a:t>
             </a:fld>
             <a:endParaRPr lang="en-US"/>
           </a:p>
@@ -1224,7 +1751,7 @@
           <a:p>
             <a:fld id="{6FC2E1BB-ABA2-49E9-A8D9-545C2DE0A0F4}" type="datetimeFigureOut">
               <a:rPr lang="en-US" smtClean="0"/>
-              <a:t>1/14/2025</a:t>
+              <a:t>1/18/2025</a:t>
             </a:fld>
             <a:endParaRPr lang="en-US"/>
           </a:p>
@@ -1422,7 +1949,7 @@
           <a:p>
             <a:fld id="{6FC2E1BB-ABA2-49E9-A8D9-545C2DE0A0F4}" type="datetimeFigureOut">
               <a:rPr lang="en-US" smtClean="0"/>
-              <a:t>1/14/2025</a:t>
+              <a:t>1/18/2025</a:t>
             </a:fld>
             <a:endParaRPr lang="en-US"/>
           </a:p>
@@ -1697,7 +2224,7 @@
           <a:p>
             <a:fld id="{6FC2E1BB-ABA2-49E9-A8D9-545C2DE0A0F4}" type="datetimeFigureOut">
               <a:rPr lang="en-US" smtClean="0"/>
-              <a:t>1/14/2025</a:t>
+              <a:t>1/18/2025</a:t>
             </a:fld>
             <a:endParaRPr lang="en-US"/>
           </a:p>
@@ -1962,7 +2489,7 @@
           <a:p>
             <a:fld id="{6FC2E1BB-ABA2-49E9-A8D9-545C2DE0A0F4}" type="datetimeFigureOut">
               <a:rPr lang="en-US" smtClean="0"/>
-              <a:t>1/14/2025</a:t>
+              <a:t>1/18/2025</a:t>
             </a:fld>
             <a:endParaRPr lang="en-US"/>
           </a:p>
@@ -2374,7 +2901,7 @@
           <a:p>
             <a:fld id="{6FC2E1BB-ABA2-49E9-A8D9-545C2DE0A0F4}" type="datetimeFigureOut">
               <a:rPr lang="en-US" smtClean="0"/>
-              <a:t>1/14/2025</a:t>
+              <a:t>1/18/2025</a:t>
             </a:fld>
             <a:endParaRPr lang="en-US"/>
           </a:p>
@@ -2515,7 +3042,7 @@
           <a:p>
             <a:fld id="{6FC2E1BB-ABA2-49E9-A8D9-545C2DE0A0F4}" type="datetimeFigureOut">
               <a:rPr lang="en-US" smtClean="0"/>
-              <a:t>1/14/2025</a:t>
+              <a:t>1/18/2025</a:t>
             </a:fld>
             <a:endParaRPr lang="en-US"/>
           </a:p>
@@ -2628,7 +3155,7 @@
           <a:p>
             <a:fld id="{6FC2E1BB-ABA2-49E9-A8D9-545C2DE0A0F4}" type="datetimeFigureOut">
               <a:rPr lang="en-US" smtClean="0"/>
-              <a:t>1/14/2025</a:t>
+              <a:t>1/18/2025</a:t>
             </a:fld>
             <a:endParaRPr lang="en-US"/>
           </a:p>
@@ -2939,7 +3466,7 @@
           <a:p>
             <a:fld id="{6FC2E1BB-ABA2-49E9-A8D9-545C2DE0A0F4}" type="datetimeFigureOut">
               <a:rPr lang="en-US" smtClean="0"/>
-              <a:t>1/14/2025</a:t>
+              <a:t>1/18/2025</a:t>
             </a:fld>
             <a:endParaRPr lang="en-US"/>
           </a:p>
@@ -3227,7 +3754,7 @@
           <a:p>
             <a:fld id="{6FC2E1BB-ABA2-49E9-A8D9-545C2DE0A0F4}" type="datetimeFigureOut">
               <a:rPr lang="en-US" smtClean="0"/>
-              <a:t>1/14/2025</a:t>
+              <a:t>1/18/2025</a:t>
             </a:fld>
             <a:endParaRPr lang="en-US"/>
           </a:p>
@@ -3498,7 +4025,7 @@
           <a:p>
             <a:fld id="{6FC2E1BB-ABA2-49E9-A8D9-545C2DE0A0F4}" type="datetimeFigureOut">
               <a:rPr lang="en-US" smtClean="0"/>
-              <a:t>1/14/2025</a:t>
+              <a:t>1/18/2025</a:t>
             </a:fld>
             <a:endParaRPr lang="en-US"/>
           </a:p>
@@ -4139,12 +4666,59 @@
         </p:blipFill>
         <p:spPr>
           <a:xfrm>
-            <a:off x="5080000" y="3429000"/>
-            <a:ext cx="6954982" cy="3278777"/>
+            <a:off x="8081818" y="4908500"/>
+            <a:ext cx="3953164" cy="1863634"/>
           </a:xfrm>
           <a:prstGeom prst="rect">
             <a:avLst/>
           </a:prstGeom>
+        </p:spPr>
+      </p:pic>
+      <p:pic>
+        <p:nvPicPr>
+          <p:cNvPr id="5" name="Picture 2" descr="A flowchart of TopoDetect framework cycle.">
+            <a:extLst>
+              <a:ext uri="{FF2B5EF4-FFF2-40B4-BE49-F238E27FC236}">
+                <a16:creationId xmlns:a16="http://schemas.microsoft.com/office/drawing/2014/main" id="{DC1E07DE-BDA6-9E09-90D0-F6F7154D919C}"/>
+              </a:ext>
+            </a:extLst>
+          </p:cNvPr>
+          <p:cNvPicPr>
+            <a:picLocks noChangeAspect="1" noChangeArrowheads="1"/>
+          </p:cNvPicPr>
+          <p:nvPr/>
+        </p:nvPicPr>
+        <p:blipFill>
+          <a:blip r:embed="rId3">
+            <a:extLst>
+              <a:ext uri="{28A0092B-C50C-407E-A947-70E740481C1C}">
+                <a14:useLocalDpi xmlns:a14="http://schemas.microsoft.com/office/drawing/2010/main" val="0"/>
+              </a:ext>
+            </a:extLst>
+          </a:blip>
+          <a:srcRect/>
+          <a:stretch>
+            <a:fillRect/>
+          </a:stretch>
+        </p:blipFill>
+        <p:spPr bwMode="auto">
+          <a:xfrm>
+            <a:off x="4876801" y="85866"/>
+            <a:ext cx="7158182" cy="4774928"/>
+          </a:xfrm>
+          <a:prstGeom prst="rect">
+            <a:avLst/>
+          </a:prstGeom>
+          <a:noFill/>
+          <a:extLst>
+            <a:ext uri="{909E8E84-426E-40DD-AFC4-6F175D3DCCD1}">
+              <a14:hiddenFill xmlns:a14="http://schemas.microsoft.com/office/drawing/2010/main">
+                <a:solidFill>
+                  <a:srgbClr val="FFFFFF"/>
+                </a:solidFill>
+              </a14:hiddenFill>
+            </a:ext>
+          </a:extLst>
         </p:spPr>
       </p:pic>
     </p:spTree>
@@ -5265,9 +5839,16 @@
             <p:ph idx="1"/>
           </p:nvPr>
         </p:nvSpPr>
-        <p:spPr/>
-        <p:txBody>
-          <a:bodyPr/>
+        <p:spPr>
+          <a:xfrm>
+            <a:off x="184727" y="1825625"/>
+            <a:ext cx="6936509" cy="4538230"/>
+          </a:xfrm>
+        </p:spPr>
+        <p:txBody>
+          <a:bodyPr>
+            <a:normAutofit lnSpcReduction="10000"/>
+          </a:bodyPr>
           <a:lstStyle/>
           <a:p>
             <a:r>
@@ -5350,6 +5931,90 @@
             <a:r>
               <a:rPr lang="en-US" dirty="0"/>
               <a:t>The classifier predicts the test data and are compared to the true test labels.</a:t>
+            </a:r>
+          </a:p>
+        </p:txBody>
+      </p:sp>
+      <p:pic>
+        <p:nvPicPr>
+          <p:cNvPr id="5" name="Picture 4" descr="A diagram of a process&#10;&#10;Description automatically generated">
+            <a:extLst>
+              <a:ext uri="{FF2B5EF4-FFF2-40B4-BE49-F238E27FC236}">
+                <a16:creationId xmlns:a16="http://schemas.microsoft.com/office/drawing/2014/main" id="{27E01446-13E9-AC6F-9C5E-3762BADB7F85}"/>
+              </a:ext>
+            </a:extLst>
+          </p:cNvPr>
+          <p:cNvPicPr>
+            <a:picLocks noChangeAspect="1"/>
+          </p:cNvPicPr>
+          <p:nvPr/>
+        </p:nvPicPr>
+        <p:blipFill>
+          <a:blip r:embed="rId2">
+            <a:extLst>
+              <a:ext uri="{28A0092B-C50C-407E-A947-70E740481C1C}">
+                <a14:useLocalDpi xmlns:a14="http://schemas.microsoft.com/office/drawing/2010/main" val="0"/>
+              </a:ext>
+            </a:extLst>
+          </a:blip>
+          <a:stretch>
+            <a:fillRect/>
+          </a:stretch>
+        </p:blipFill>
+        <p:spPr>
+          <a:xfrm>
+            <a:off x="7298452" y="46180"/>
+            <a:ext cx="4844979" cy="3407951"/>
+          </a:xfrm>
+          <a:prstGeom prst="rect">
+            <a:avLst/>
+          </a:prstGeom>
+        </p:spPr>
+      </p:pic>
+      <p:sp>
+        <p:nvSpPr>
+          <p:cNvPr id="6" name="Rectangle 5">
+            <a:extLst>
+              <a:ext uri="{FF2B5EF4-FFF2-40B4-BE49-F238E27FC236}">
+                <a16:creationId xmlns:a16="http://schemas.microsoft.com/office/drawing/2014/main" id="{9EB9D746-8FD7-3E44-15AC-70E2310E301A}"/>
+              </a:ext>
+            </a:extLst>
+          </p:cNvPr>
+          <p:cNvSpPr/>
+          <p:nvPr/>
+        </p:nvSpPr>
+        <p:spPr>
+          <a:xfrm>
+            <a:off x="8818454" y="3347623"/>
+            <a:ext cx="1804981" cy="523220"/>
+          </a:xfrm>
+          <a:prstGeom prst="rect">
+            <a:avLst/>
+          </a:prstGeom>
+          <a:noFill/>
+        </p:spPr>
+        <p:txBody>
+          <a:bodyPr wrap="none" lIns="91440" tIns="45720" rIns="91440" bIns="45720">
+            <a:spAutoFit/>
+          </a:bodyPr>
+          <a:lstStyle/>
+          <a:p>
+            <a:pPr algn="ctr"/>
+            <a:r>
+              <a:rPr lang="en-US" sz="2800" b="0" cap="none" spc="0" dirty="0">
+                <a:ln w="0"/>
+                <a:solidFill>
+                  <a:schemeClr val="tx1"/>
+                </a:solidFill>
+                <a:effectLst>
+                  <a:outerShdw blurRad="38100" dist="19050" dir="2700000" algn="tl" rotWithShape="0">
+                    <a:schemeClr val="dk1">
+                      <a:alpha val="40000"/>
+                    </a:schemeClr>
+                  </a:outerShdw>
+                </a:effectLst>
+              </a:rPr>
+              <a:t>Flow chart</a:t>
             </a:r>
           </a:p>
         </p:txBody>
@@ -5392,10 +6057,10 @@
       </p:grpSpPr>
       <p:sp>
         <p:nvSpPr>
-          <p:cNvPr id="2" name="Title 1">
-            <a:extLst>
-              <a:ext uri="{FF2B5EF4-FFF2-40B4-BE49-F238E27FC236}">
-                <a16:creationId xmlns:a16="http://schemas.microsoft.com/office/drawing/2014/main" id="{00C412CF-B7F7-F0BD-0685-5AF1E98E6F5D}"/>
+          <p:cNvPr id="22" name="Title 1">
+            <a:extLst>
+              <a:ext uri="{FF2B5EF4-FFF2-40B4-BE49-F238E27FC236}">
+                <a16:creationId xmlns:a16="http://schemas.microsoft.com/office/drawing/2014/main" id="{F9C6CA41-C1D9-029B-6A72-BBCB0DEEBF89}"/>
               </a:ext>
             </a:extLst>
           </p:cNvPr>
@@ -5408,8 +6073,8 @@
         </p:nvSpPr>
         <p:spPr>
           <a:xfrm>
-            <a:off x="0" y="365125"/>
-            <a:ext cx="11353800" cy="1325563"/>
+            <a:off x="0" y="0"/>
+            <a:ext cx="7373293" cy="1325563"/>
           </a:xfrm>
         </p:spPr>
         <p:txBody>
@@ -5422,84 +6087,21 @@
             </a:r>
             <a:r>
               <a:rPr lang="en-US" dirty="0" err="1"/>
-              <a:t>DeepWalk</a:t>
+              <a:t>Deepwalk</a:t>
             </a:r>
             <a:r>
               <a:rPr lang="en-US" dirty="0"/>
               <a:t>)</a:t>
-            </a:r>
-          </a:p>
-        </p:txBody>
-      </p:sp>
-      <p:sp>
-        <p:nvSpPr>
-          <p:cNvPr id="3" name="Content Placeholder 2">
-            <a:extLst>
-              <a:ext uri="{FF2B5EF4-FFF2-40B4-BE49-F238E27FC236}">
-                <a16:creationId xmlns:a16="http://schemas.microsoft.com/office/drawing/2014/main" id="{6CA09C5A-3435-F6E0-A92D-DB4DBEBDB005}"/>
-              </a:ext>
-            </a:extLst>
-          </p:cNvPr>
-          <p:cNvSpPr>
-            <a:spLocks noGrp="1"/>
-          </p:cNvSpPr>
-          <p:nvPr>
-            <p:ph idx="1"/>
-          </p:nvPr>
-        </p:nvSpPr>
-        <p:spPr>
-          <a:xfrm>
-            <a:off x="147782" y="1825625"/>
-            <a:ext cx="11206018" cy="4351338"/>
-          </a:xfrm>
-        </p:spPr>
-        <p:txBody>
-          <a:bodyPr/>
-          <a:lstStyle/>
-          <a:p>
-            <a:r>
-              <a:rPr lang="en-US" dirty="0"/>
-              <a:t>Accuracy score range: 60-70% correct.</a:t>
-            </a:r>
-          </a:p>
-          <a:p>
-            <a:r>
-              <a:rPr lang="en-US" dirty="0"/>
-              <a:t>Precision</a:t>
-            </a:r>
-          </a:p>
-          <a:p>
-            <a:r>
-              <a:rPr lang="en-US" dirty="0"/>
-              <a:t>Recall</a:t>
-            </a:r>
-          </a:p>
-          <a:p>
-            <a:r>
-              <a:rPr lang="en-US" dirty="0"/>
-              <a:t>F1 Score: 61%</a:t>
-            </a:r>
-          </a:p>
-          <a:p>
-            <a:r>
-              <a:rPr lang="en-US" dirty="0"/>
-              <a:t>AUC: </a:t>
-            </a:r>
-          </a:p>
-          <a:p>
-            <a:r>
-              <a:rPr lang="en-US" dirty="0"/>
-              <a:t>Runtime: </a:t>
             </a:r>
           </a:p>
         </p:txBody>
       </p:sp>
       <p:pic>
         <p:nvPicPr>
-          <p:cNvPr id="6" name="Content Placeholder 4">
-            <a:extLst>
-              <a:ext uri="{FF2B5EF4-FFF2-40B4-BE49-F238E27FC236}">
-                <a16:creationId xmlns:a16="http://schemas.microsoft.com/office/drawing/2014/main" id="{C9C66F0C-73A3-CDE8-104E-B65497404CB6}"/>
+          <p:cNvPr id="24" name="Picture 23" descr="A diagram of a confusion matrix&#10;&#10;Description automatically generated with medium confidence">
+            <a:extLst>
+              <a:ext uri="{FF2B5EF4-FFF2-40B4-BE49-F238E27FC236}">
+                <a16:creationId xmlns:a16="http://schemas.microsoft.com/office/drawing/2014/main" id="{FB7B06A5-AF72-85F5-4FDD-0F1A7AD548C8}"/>
               </a:ext>
             </a:extLst>
           </p:cNvPr>
@@ -5509,26 +6111,197 @@
           <p:nvPr/>
         </p:nvPicPr>
         <p:blipFill>
-          <a:blip r:embed="rId2">
+          <a:blip r:embed="rId3">
             <a:extLst>
               <a:ext uri="{28A0092B-C50C-407E-A947-70E740481C1C}">
                 <a14:useLocalDpi xmlns:a14="http://schemas.microsoft.com/office/drawing/2010/main" val="0"/>
               </a:ext>
             </a:extLst>
           </a:blip>
-          <a:srcRect/>
-          <a:stretch/>
+          <a:stretch>
+            <a:fillRect/>
+          </a:stretch>
         </p:blipFill>
         <p:spPr>
           <a:xfrm>
-            <a:off x="7233717" y="101296"/>
-            <a:ext cx="4894907" cy="4168375"/>
+            <a:off x="7373292" y="80661"/>
+            <a:ext cx="4732721" cy="4030263"/>
           </a:xfrm>
           <a:prstGeom prst="rect">
             <a:avLst/>
           </a:prstGeom>
         </p:spPr>
       </p:pic>
+      <p:pic>
+        <p:nvPicPr>
+          <p:cNvPr id="26" name="Picture 25" descr="A screenshot of a computer&#10;&#10;Description automatically generated">
+            <a:extLst>
+              <a:ext uri="{FF2B5EF4-FFF2-40B4-BE49-F238E27FC236}">
+                <a16:creationId xmlns:a16="http://schemas.microsoft.com/office/drawing/2014/main" id="{1F16F3B7-662A-FD9A-F33A-8BF53AE4A301}"/>
+              </a:ext>
+            </a:extLst>
+          </p:cNvPr>
+          <p:cNvPicPr>
+            <a:picLocks noChangeAspect="1"/>
+          </p:cNvPicPr>
+          <p:nvPr/>
+        </p:nvPicPr>
+        <p:blipFill>
+          <a:blip r:embed="rId4">
+            <a:extLst>
+              <a:ext uri="{28A0092B-C50C-407E-A947-70E740481C1C}">
+                <a14:useLocalDpi xmlns:a14="http://schemas.microsoft.com/office/drawing/2010/main" val="0"/>
+              </a:ext>
+            </a:extLst>
+          </a:blip>
+          <a:srcRect t="807" b="40091"/>
+          <a:stretch/>
+        </p:blipFill>
+        <p:spPr>
+          <a:xfrm>
+            <a:off x="177282" y="1061437"/>
+            <a:ext cx="6213200" cy="4280108"/>
+          </a:xfrm>
+          <a:prstGeom prst="rect">
+            <a:avLst/>
+          </a:prstGeom>
+        </p:spPr>
+      </p:pic>
+      <p:pic>
+        <p:nvPicPr>
+          <p:cNvPr id="27" name="Picture 26" descr="A screenshot of a computer&#10;&#10;Description automatically generated">
+            <a:extLst>
+              <a:ext uri="{FF2B5EF4-FFF2-40B4-BE49-F238E27FC236}">
+                <a16:creationId xmlns:a16="http://schemas.microsoft.com/office/drawing/2014/main" id="{1BBF3701-032F-514C-03C3-DF7B92ABB0AE}"/>
+              </a:ext>
+            </a:extLst>
+          </p:cNvPr>
+          <p:cNvPicPr>
+            <a:picLocks noChangeAspect="1"/>
+          </p:cNvPicPr>
+          <p:nvPr/>
+        </p:nvPicPr>
+        <p:blipFill>
+          <a:blip r:embed="rId4">
+            <a:extLst>
+              <a:ext uri="{28A0092B-C50C-407E-A947-70E740481C1C}">
+                <a14:useLocalDpi xmlns:a14="http://schemas.microsoft.com/office/drawing/2010/main" val="0"/>
+              </a:ext>
+            </a:extLst>
+          </a:blip>
+          <a:srcRect t="59784" b="-1"/>
+          <a:stretch/>
+        </p:blipFill>
+        <p:spPr>
+          <a:xfrm>
+            <a:off x="6762939" y="4191584"/>
+            <a:ext cx="5343074" cy="2504567"/>
+          </a:xfrm>
+          <a:prstGeom prst="rect">
+            <a:avLst/>
+          </a:prstGeom>
+        </p:spPr>
+      </p:pic>
+      <p:sp>
+        <p:nvSpPr>
+          <p:cNvPr id="28" name="Rectangle 27">
+            <a:extLst>
+              <a:ext uri="{FF2B5EF4-FFF2-40B4-BE49-F238E27FC236}">
+                <a16:creationId xmlns:a16="http://schemas.microsoft.com/office/drawing/2014/main" id="{0C29ACF0-B15B-9E9A-4A34-6C8F15A6EA41}"/>
+              </a:ext>
+            </a:extLst>
+          </p:cNvPr>
+          <p:cNvSpPr/>
+          <p:nvPr/>
+        </p:nvSpPr>
+        <p:spPr>
+          <a:xfrm>
+            <a:off x="1973656" y="5097102"/>
+            <a:ext cx="704661" cy="244443"/>
+          </a:xfrm>
+          <a:prstGeom prst="rect">
+            <a:avLst/>
+          </a:prstGeom>
+          <a:noFill/>
+          <a:ln>
+            <a:solidFill>
+              <a:srgbClr val="FF0000"/>
+            </a:solidFill>
+          </a:ln>
+        </p:spPr>
+        <p:style>
+          <a:lnRef idx="2">
+            <a:schemeClr val="accent2"/>
+          </a:lnRef>
+          <a:fillRef idx="1">
+            <a:schemeClr val="lt1"/>
+          </a:fillRef>
+          <a:effectRef idx="0">
+            <a:schemeClr val="accent2"/>
+          </a:effectRef>
+          <a:fontRef idx="minor">
+            <a:schemeClr val="dk1"/>
+          </a:fontRef>
+        </p:style>
+        <p:txBody>
+          <a:bodyPr rtlCol="0" anchor="ctr"/>
+          <a:lstStyle/>
+          <a:p>
+            <a:pPr algn="ctr"/>
+            <a:endParaRPr lang="en-US"/>
+          </a:p>
+        </p:txBody>
+      </p:sp>
+      <p:sp>
+        <p:nvSpPr>
+          <p:cNvPr id="29" name="Rectangle 28">
+            <a:extLst>
+              <a:ext uri="{FF2B5EF4-FFF2-40B4-BE49-F238E27FC236}">
+                <a16:creationId xmlns:a16="http://schemas.microsoft.com/office/drawing/2014/main" id="{DC340285-3170-B91C-2501-0AF5049E51C4}"/>
+              </a:ext>
+            </a:extLst>
+          </p:cNvPr>
+          <p:cNvSpPr/>
+          <p:nvPr/>
+        </p:nvSpPr>
+        <p:spPr>
+          <a:xfrm>
+            <a:off x="10737410" y="6065822"/>
+            <a:ext cx="478324" cy="235389"/>
+          </a:xfrm>
+          <a:prstGeom prst="rect">
+            <a:avLst/>
+          </a:prstGeom>
+          <a:noFill/>
+          <a:ln>
+            <a:solidFill>
+              <a:srgbClr val="FF0000"/>
+            </a:solidFill>
+          </a:ln>
+        </p:spPr>
+        <p:style>
+          <a:lnRef idx="2">
+            <a:schemeClr val="accent2"/>
+          </a:lnRef>
+          <a:fillRef idx="1">
+            <a:schemeClr val="lt1"/>
+          </a:fillRef>
+          <a:effectRef idx="0">
+            <a:schemeClr val="accent2"/>
+          </a:effectRef>
+          <a:fontRef idx="minor">
+            <a:schemeClr val="dk1"/>
+          </a:fontRef>
+        </p:style>
+        <p:txBody>
+          <a:bodyPr rtlCol="0" anchor="ctr"/>
+          <a:lstStyle/>
+          <a:p>
+            <a:pPr algn="ctr"/>
+            <a:endParaRPr lang="en-US"/>
+          </a:p>
+        </p:txBody>
+      </p:sp>
     </p:spTree>
     <p:extLst>
       <p:ext uri="{BB962C8B-B14F-4D97-AF65-F5344CB8AC3E}">
@@ -5543,6 +6316,280 @@
 </file>
 
 <file path=ppt/slides/slide17.xml><?xml version="1.0" encoding="utf-8"?>
+<p:sld xmlns:a="http://schemas.openxmlformats.org/drawingml/2006/main" xmlns:r="http://schemas.openxmlformats.org/officeDocument/2006/relationships" xmlns:p="http://schemas.openxmlformats.org/presentationml/2006/main">
+  <p:cSld>
+    <p:spTree>
+      <p:nvGrpSpPr>
+        <p:cNvPr id="1" name="">
+          <a:extLst>
+            <a:ext uri="{FF2B5EF4-FFF2-40B4-BE49-F238E27FC236}">
+              <a16:creationId xmlns:a16="http://schemas.microsoft.com/office/drawing/2014/main" id="{08C6B0B9-5769-A07C-9CF0-1410D89DC6CB}"/>
+            </a:ext>
+          </a:extLst>
+        </p:cNvPr>
+        <p:cNvGrpSpPr/>
+        <p:nvPr/>
+      </p:nvGrpSpPr>
+      <p:grpSpPr>
+        <a:xfrm>
+          <a:off x="0" y="0"/>
+          <a:ext cx="0" cy="0"/>
+          <a:chOff x="0" y="0"/>
+          <a:chExt cx="0" cy="0"/>
+        </a:xfrm>
+      </p:grpSpPr>
+      <p:sp>
+        <p:nvSpPr>
+          <p:cNvPr id="22" name="Title 1">
+            <a:extLst>
+              <a:ext uri="{FF2B5EF4-FFF2-40B4-BE49-F238E27FC236}">
+                <a16:creationId xmlns:a16="http://schemas.microsoft.com/office/drawing/2014/main" id="{934B786F-E90F-E30D-6911-AFDE956F010D}"/>
+              </a:ext>
+            </a:extLst>
+          </p:cNvPr>
+          <p:cNvSpPr>
+            <a:spLocks noGrp="1"/>
+          </p:cNvSpPr>
+          <p:nvPr>
+            <p:ph type="title"/>
+          </p:nvPr>
+        </p:nvSpPr>
+        <p:spPr>
+          <a:xfrm>
+            <a:off x="0" y="0"/>
+            <a:ext cx="7373293" cy="1325563"/>
+          </a:xfrm>
+        </p:spPr>
+        <p:txBody>
+          <a:bodyPr/>
+          <a:lstStyle/>
+          <a:p>
+            <a:r>
+              <a:rPr lang="en-US" dirty="0"/>
+              <a:t>Evaluate the model (Node2Vec)</a:t>
+            </a:r>
+          </a:p>
+        </p:txBody>
+      </p:sp>
+      <p:pic>
+        <p:nvPicPr>
+          <p:cNvPr id="24" name="Picture 23">
+            <a:extLst>
+              <a:ext uri="{FF2B5EF4-FFF2-40B4-BE49-F238E27FC236}">
+                <a16:creationId xmlns:a16="http://schemas.microsoft.com/office/drawing/2014/main" id="{0F6269E1-2A7B-FA6B-8190-83C7F1BDE476}"/>
+              </a:ext>
+            </a:extLst>
+          </p:cNvPr>
+          <p:cNvPicPr>
+            <a:picLocks noChangeAspect="1"/>
+          </p:cNvPicPr>
+          <p:nvPr/>
+        </p:nvPicPr>
+        <p:blipFill>
+          <a:blip r:embed="rId3">
+            <a:extLst>
+              <a:ext uri="{28A0092B-C50C-407E-A947-70E740481C1C}">
+                <a14:useLocalDpi xmlns:a14="http://schemas.microsoft.com/office/drawing/2010/main" val="0"/>
+              </a:ext>
+            </a:extLst>
+          </a:blip>
+          <a:srcRect/>
+          <a:stretch/>
+        </p:blipFill>
+        <p:spPr>
+          <a:xfrm>
+            <a:off x="7373292" y="80661"/>
+            <a:ext cx="4732721" cy="4030262"/>
+          </a:xfrm>
+          <a:prstGeom prst="rect">
+            <a:avLst/>
+          </a:prstGeom>
+        </p:spPr>
+      </p:pic>
+      <p:pic>
+        <p:nvPicPr>
+          <p:cNvPr id="3" name="Picture 2" descr="A screenshot of a computer&#10;&#10;Description automatically generated">
+            <a:extLst>
+              <a:ext uri="{FF2B5EF4-FFF2-40B4-BE49-F238E27FC236}">
+                <a16:creationId xmlns:a16="http://schemas.microsoft.com/office/drawing/2014/main" id="{46E71685-7268-89CD-A006-2F84025AA9F6}"/>
+              </a:ext>
+            </a:extLst>
+          </p:cNvPr>
+          <p:cNvPicPr>
+            <a:picLocks noChangeAspect="1"/>
+          </p:cNvPicPr>
+          <p:nvPr/>
+        </p:nvPicPr>
+        <p:blipFill>
+          <a:blip r:embed="rId4">
+            <a:extLst>
+              <a:ext uri="{28A0092B-C50C-407E-A947-70E740481C1C}">
+                <a14:useLocalDpi xmlns:a14="http://schemas.microsoft.com/office/drawing/2010/main" val="0"/>
+              </a:ext>
+            </a:extLst>
+          </a:blip>
+          <a:srcRect b="40399"/>
+          <a:stretch/>
+        </p:blipFill>
+        <p:spPr>
+          <a:xfrm>
+            <a:off x="212736" y="1031744"/>
+            <a:ext cx="6645329" cy="4626671"/>
+          </a:xfrm>
+          <a:prstGeom prst="rect">
+            <a:avLst/>
+          </a:prstGeom>
+        </p:spPr>
+      </p:pic>
+      <p:pic>
+        <p:nvPicPr>
+          <p:cNvPr id="4" name="Picture 3" descr="A screenshot of a computer&#10;&#10;Description automatically generated">
+            <a:extLst>
+              <a:ext uri="{FF2B5EF4-FFF2-40B4-BE49-F238E27FC236}">
+                <a16:creationId xmlns:a16="http://schemas.microsoft.com/office/drawing/2014/main" id="{50597DA2-552E-1B12-5D2D-007C3516DFBF}"/>
+              </a:ext>
+            </a:extLst>
+          </p:cNvPr>
+          <p:cNvPicPr>
+            <a:picLocks noChangeAspect="1"/>
+          </p:cNvPicPr>
+          <p:nvPr/>
+        </p:nvPicPr>
+        <p:blipFill>
+          <a:blip r:embed="rId4">
+            <a:extLst>
+              <a:ext uri="{28A0092B-C50C-407E-A947-70E740481C1C}">
+                <a14:useLocalDpi xmlns:a14="http://schemas.microsoft.com/office/drawing/2010/main" val="0"/>
+              </a:ext>
+            </a:extLst>
+          </a:blip>
+          <a:srcRect t="59615"/>
+          <a:stretch/>
+        </p:blipFill>
+        <p:spPr>
+          <a:xfrm>
+            <a:off x="7327120" y="4191584"/>
+            <a:ext cx="4778893" cy="2254483"/>
+          </a:xfrm>
+          <a:prstGeom prst="rect">
+            <a:avLst/>
+          </a:prstGeom>
+        </p:spPr>
+      </p:pic>
+      <p:sp>
+        <p:nvSpPr>
+          <p:cNvPr id="5" name="Rectangle 4">
+            <a:extLst>
+              <a:ext uri="{FF2B5EF4-FFF2-40B4-BE49-F238E27FC236}">
+                <a16:creationId xmlns:a16="http://schemas.microsoft.com/office/drawing/2014/main" id="{9E4EFD5B-3510-A8A4-41CB-5AE15E2DFCD2}"/>
+              </a:ext>
+            </a:extLst>
+          </p:cNvPr>
+          <p:cNvSpPr/>
+          <p:nvPr/>
+        </p:nvSpPr>
+        <p:spPr>
+          <a:xfrm>
+            <a:off x="10945639" y="5920967"/>
+            <a:ext cx="389299" cy="181070"/>
+          </a:xfrm>
+          <a:prstGeom prst="rect">
+            <a:avLst/>
+          </a:prstGeom>
+          <a:noFill/>
+          <a:ln>
+            <a:solidFill>
+              <a:srgbClr val="FF0000"/>
+            </a:solidFill>
+          </a:ln>
+        </p:spPr>
+        <p:style>
+          <a:lnRef idx="2">
+            <a:schemeClr val="accent2"/>
+          </a:lnRef>
+          <a:fillRef idx="1">
+            <a:schemeClr val="lt1"/>
+          </a:fillRef>
+          <a:effectRef idx="0">
+            <a:schemeClr val="accent2"/>
+          </a:effectRef>
+          <a:fontRef idx="minor">
+            <a:schemeClr val="dk1"/>
+          </a:fontRef>
+        </p:style>
+        <p:txBody>
+          <a:bodyPr rtlCol="0" anchor="ctr"/>
+          <a:lstStyle/>
+          <a:p>
+            <a:pPr algn="ctr"/>
+            <a:endParaRPr lang="en-US"/>
+          </a:p>
+        </p:txBody>
+      </p:sp>
+      <p:sp>
+        <p:nvSpPr>
+          <p:cNvPr id="6" name="Rectangle 5">
+            <a:extLst>
+              <a:ext uri="{FF2B5EF4-FFF2-40B4-BE49-F238E27FC236}">
+                <a16:creationId xmlns:a16="http://schemas.microsoft.com/office/drawing/2014/main" id="{609FF2A5-1DF3-AEE5-554E-8781FAAD5727}"/>
+              </a:ext>
+            </a:extLst>
+          </p:cNvPr>
+          <p:cNvSpPr/>
+          <p:nvPr/>
+        </p:nvSpPr>
+        <p:spPr>
+          <a:xfrm>
+            <a:off x="2154725" y="5413972"/>
+            <a:ext cx="704661" cy="244443"/>
+          </a:xfrm>
+          <a:prstGeom prst="rect">
+            <a:avLst/>
+          </a:prstGeom>
+          <a:noFill/>
+          <a:ln>
+            <a:solidFill>
+              <a:srgbClr val="FF0000"/>
+            </a:solidFill>
+          </a:ln>
+        </p:spPr>
+        <p:style>
+          <a:lnRef idx="2">
+            <a:schemeClr val="accent2"/>
+          </a:lnRef>
+          <a:fillRef idx="1">
+            <a:schemeClr val="lt1"/>
+          </a:fillRef>
+          <a:effectRef idx="0">
+            <a:schemeClr val="accent2"/>
+          </a:effectRef>
+          <a:fontRef idx="minor">
+            <a:schemeClr val="dk1"/>
+          </a:fontRef>
+        </p:style>
+        <p:txBody>
+          <a:bodyPr rtlCol="0" anchor="ctr"/>
+          <a:lstStyle/>
+          <a:p>
+            <a:pPr algn="ctr"/>
+            <a:endParaRPr lang="en-US"/>
+          </a:p>
+        </p:txBody>
+      </p:sp>
+    </p:spTree>
+    <p:extLst>
+      <p:ext uri="{BB962C8B-B14F-4D97-AF65-F5344CB8AC3E}">
+        <p14:creationId xmlns:p14="http://schemas.microsoft.com/office/powerpoint/2010/main" val="2393684622"/>
+      </p:ext>
+    </p:extLst>
+  </p:cSld>
+  <p:clrMapOvr>
+    <a:masterClrMapping/>
+  </p:clrMapOvr>
+</p:sld>
+</file>
+
+<file path=ppt/slides/slide18.xml><?xml version="1.0" encoding="utf-8"?>
 <p:sld xmlns:a="http://schemas.openxmlformats.org/drawingml/2006/main" xmlns:r="http://schemas.openxmlformats.org/officeDocument/2006/relationships" xmlns:p="http://schemas.openxmlformats.org/presentationml/2006/main">
   <p:cSld>
     <p:spTree>
@@ -5614,7 +6661,47 @@
           <a:bodyPr/>
           <a:lstStyle/>
           <a:p>
-            <a:endParaRPr lang="en-US"/>
+            <a:r>
+              <a:rPr lang="en-US" dirty="0"/>
+              <a:t>The Node2Vec runs have better scores than </a:t>
+            </a:r>
+            <a:r>
+              <a:rPr lang="en-US" dirty="0" err="1"/>
+              <a:t>DeepWalk</a:t>
+            </a:r>
+            <a:r>
+              <a:rPr lang="en-US" dirty="0"/>
+              <a:t>.</a:t>
+            </a:r>
+          </a:p>
+          <a:p>
+            <a:pPr lvl="1"/>
+            <a:r>
+              <a:rPr lang="en-US" b="0" i="0" dirty="0">
+                <a:effectLst/>
+                <a:latin typeface="gg sans"/>
+              </a:rPr>
+              <a:t>Specifically, in F1 and AUC scores</a:t>
+            </a:r>
+          </a:p>
+          <a:p>
+            <a:pPr marL="457200" lvl="1" indent="0">
+              <a:buNone/>
+            </a:pPr>
+            <a:endParaRPr lang="en-US" dirty="0"/>
+          </a:p>
+          <a:p>
+            <a:r>
+              <a:rPr lang="en-US" dirty="0"/>
+              <a:t>Scores in range of 60-70%</a:t>
+            </a:r>
+          </a:p>
+          <a:p>
+            <a:pPr lvl="1"/>
+            <a:r>
+              <a:rPr lang="en-US" dirty="0"/>
+              <a:t>Accuracy average is low compared to other graph-embedding algorithms such as GAT and GCN, might be because of poor implementation of the algorithms in the given project</a:t>
+            </a:r>
           </a:p>
         </p:txBody>
       </p:sp>
@@ -5631,7 +6718,7 @@
 </p:sld>
 </file>
 
-<file path=ppt/slides/slide18.xml><?xml version="1.0" encoding="utf-8"?>
+<file path=ppt/slides/slide19.xml><?xml version="1.0" encoding="utf-8"?>
 <p:sld xmlns:a="http://schemas.openxmlformats.org/drawingml/2006/main" xmlns:r="http://schemas.openxmlformats.org/officeDocument/2006/relationships" xmlns:p="http://schemas.openxmlformats.org/presentationml/2006/main">
   <p:cSld>
     <p:spTree>
@@ -5711,6 +6798,9 @@
               </a:rPr>
               <a:t>Graph-Embedding</a:t>
             </a:r>
+            <a:endParaRPr lang="en-US" dirty="0"/>
+          </a:p>
+          <a:p>
             <a:endParaRPr lang="en-US" dirty="0"/>
           </a:p>
         </p:txBody>
@@ -5922,6 +7012,42 @@
           </a:p>
         </p:txBody>
       </p:sp>
+      <p:pic>
+        <p:nvPicPr>
+          <p:cNvPr id="4" name="Picture 3" descr="A colorful ball of dots&#10;&#10;Description automatically generated with medium confidence">
+            <a:extLst>
+              <a:ext uri="{FF2B5EF4-FFF2-40B4-BE49-F238E27FC236}">
+                <a16:creationId xmlns:a16="http://schemas.microsoft.com/office/drawing/2014/main" id="{DC4A6EE0-974A-326F-2566-2FDF94EC5078}"/>
+              </a:ext>
+            </a:extLst>
+          </p:cNvPr>
+          <p:cNvPicPr>
+            <a:picLocks noChangeAspect="1"/>
+          </p:cNvPicPr>
+          <p:nvPr/>
+        </p:nvPicPr>
+        <p:blipFill>
+          <a:blip r:embed="rId2">
+            <a:extLst>
+              <a:ext uri="{28A0092B-C50C-407E-A947-70E740481C1C}">
+                <a14:useLocalDpi xmlns:a14="http://schemas.microsoft.com/office/drawing/2010/main" val="0"/>
+              </a:ext>
+            </a:extLst>
+          </a:blip>
+          <a:stretch>
+            <a:fillRect/>
+          </a:stretch>
+        </p:blipFill>
+        <p:spPr>
+          <a:xfrm>
+            <a:off x="8469745" y="3554454"/>
+            <a:ext cx="3096753" cy="3160572"/>
+          </a:xfrm>
+          <a:prstGeom prst="rect">
+            <a:avLst/>
+          </a:prstGeom>
+        </p:spPr>
+      </p:pic>
     </p:spTree>
     <p:extLst>
       <p:ext uri="{BB962C8B-B14F-4D97-AF65-F5344CB8AC3E}">
@@ -6924,6 +8050,149 @@
           </a:p>
         </p:txBody>
       </p:sp>
+      <p:graphicFrame>
+        <p:nvGraphicFramePr>
+          <p:cNvPr id="5" name="Table 4">
+            <a:extLst>
+              <a:ext uri="{FF2B5EF4-FFF2-40B4-BE49-F238E27FC236}">
+                <a16:creationId xmlns:a16="http://schemas.microsoft.com/office/drawing/2014/main" id="{40DA27EF-CC35-AA70-6C4C-B4F4003AFC4A}"/>
+              </a:ext>
+            </a:extLst>
+          </p:cNvPr>
+          <p:cNvGraphicFramePr>
+            <a:graphicFrameLocks noGrp="1"/>
+          </p:cNvGraphicFramePr>
+          <p:nvPr>
+            <p:extLst>
+              <p:ext uri="{D42A27DB-BD31-4B8C-83A1-F6EECF244321}">
+                <p14:modId xmlns:p14="http://schemas.microsoft.com/office/powerpoint/2010/main" val="2237363360"/>
+              </p:ext>
+            </p:extLst>
+          </p:nvPr>
+        </p:nvGraphicFramePr>
+        <p:xfrm>
+          <a:off x="6962115" y="861489"/>
+          <a:ext cx="1387192" cy="756048"/>
+        </p:xfrm>
+        <a:graphic>
+          <a:graphicData uri="http://schemas.openxmlformats.org/drawingml/2006/table">
+            <a:tbl>
+              <a:tblPr firstRow="1" bandRow="1">
+                <a:tableStyleId>{5C22544A-7EE6-4342-B048-85BDC9FD1C3A}</a:tableStyleId>
+              </a:tblPr>
+              <a:tblGrid>
+                <a:gridCol w="693596">
+                  <a:extLst>
+                    <a:ext uri="{9D8B030D-6E8A-4147-A177-3AD203B41FA5}">
+                      <a16:colId xmlns:a16="http://schemas.microsoft.com/office/drawing/2014/main" val="3503886817"/>
+                    </a:ext>
+                  </a:extLst>
+                </a:gridCol>
+                <a:gridCol w="693596">
+                  <a:extLst>
+                    <a:ext uri="{9D8B030D-6E8A-4147-A177-3AD203B41FA5}">
+                      <a16:colId xmlns:a16="http://schemas.microsoft.com/office/drawing/2014/main" val="1554324864"/>
+                    </a:ext>
+                  </a:extLst>
+                </a:gridCol>
+              </a:tblGrid>
+              <a:tr h="378024">
+                <a:tc>
+                  <a:txBody>
+                    <a:bodyPr/>
+                    <a:lstStyle/>
+                    <a:p>
+                      <a:endParaRPr lang="en-US" dirty="0"/>
+                    </a:p>
+                  </a:txBody>
+                  <a:tcPr/>
+                </a:tc>
+                <a:tc>
+                  <a:txBody>
+                    <a:bodyPr/>
+                    <a:lstStyle/>
+                    <a:p>
+                      <a:endParaRPr lang="en-US"/>
+                    </a:p>
+                  </a:txBody>
+                  <a:tcPr/>
+                </a:tc>
+                <a:extLst>
+                  <a:ext uri="{0D108BD9-81ED-4DB2-BD59-A6C34878D82A}">
+                    <a16:rowId xmlns:a16="http://schemas.microsoft.com/office/drawing/2014/main" val="2563689484"/>
+                  </a:ext>
+                </a:extLst>
+              </a:tr>
+              <a:tr h="378024">
+                <a:tc>
+                  <a:txBody>
+                    <a:bodyPr/>
+                    <a:lstStyle/>
+                    <a:p>
+                      <a:endParaRPr lang="en-US" dirty="0"/>
+                    </a:p>
+                  </a:txBody>
+                  <a:tcPr/>
+                </a:tc>
+                <a:tc>
+                  <a:txBody>
+                    <a:bodyPr/>
+                    <a:lstStyle/>
+                    <a:p>
+                      <a:endParaRPr lang="en-US" dirty="0"/>
+                    </a:p>
+                  </a:txBody>
+                  <a:tcPr/>
+                </a:tc>
+                <a:extLst>
+                  <a:ext uri="{0D108BD9-81ED-4DB2-BD59-A6C34878D82A}">
+                    <a16:rowId xmlns:a16="http://schemas.microsoft.com/office/drawing/2014/main" val="267305348"/>
+                  </a:ext>
+                </a:extLst>
+              </a:tr>
+            </a:tbl>
+          </a:graphicData>
+        </a:graphic>
+      </p:graphicFrame>
+      <p:cxnSp>
+        <p:nvCxnSpPr>
+          <p:cNvPr id="7" name="Straight Arrow Connector 6">
+            <a:extLst>
+              <a:ext uri="{FF2B5EF4-FFF2-40B4-BE49-F238E27FC236}">
+                <a16:creationId xmlns:a16="http://schemas.microsoft.com/office/drawing/2014/main" id="{754191FA-5D44-8137-615B-0FB268F53A57}"/>
+              </a:ext>
+            </a:extLst>
+          </p:cNvPr>
+          <p:cNvCxnSpPr/>
+          <p:nvPr/>
+        </p:nvCxnSpPr>
+        <p:spPr>
+          <a:xfrm>
+            <a:off x="8944824" y="6174463"/>
+            <a:ext cx="1908431" cy="0"/>
+          </a:xfrm>
+          <a:prstGeom prst="straightConnector1">
+            <a:avLst/>
+          </a:prstGeom>
+          <a:ln>
+            <a:tailEnd type="triangle"/>
+          </a:ln>
+        </p:spPr>
+        <p:style>
+          <a:lnRef idx="2">
+            <a:schemeClr val="accent1"/>
+          </a:lnRef>
+          <a:fillRef idx="0">
+            <a:schemeClr val="accent1"/>
+          </a:fillRef>
+          <a:effectRef idx="1">
+            <a:schemeClr val="accent1"/>
+          </a:effectRef>
+          <a:fontRef idx="minor">
+            <a:schemeClr val="tx1"/>
+          </a:fontRef>
+        </p:style>
+      </p:cxnSp>
     </p:spTree>
     <p:extLst>
       <p:ext uri="{BB962C8B-B14F-4D97-AF65-F5344CB8AC3E}">
@@ -7281,42 +8550,6 @@
           </a:p>
         </p:txBody>
       </p:sp>
-      <p:pic>
-        <p:nvPicPr>
-          <p:cNvPr id="6" name="Picture 5" descr="A colorful ball of dots&#10;&#10;Description automatically generated with medium confidence">
-            <a:extLst>
-              <a:ext uri="{FF2B5EF4-FFF2-40B4-BE49-F238E27FC236}">
-                <a16:creationId xmlns:a16="http://schemas.microsoft.com/office/drawing/2014/main" id="{841F1F4F-14EF-9ED2-3B52-0705F12C74F4}"/>
-              </a:ext>
-            </a:extLst>
-          </p:cNvPr>
-          <p:cNvPicPr>
-            <a:picLocks noChangeAspect="1"/>
-          </p:cNvPicPr>
-          <p:nvPr/>
-        </p:nvPicPr>
-        <p:blipFill>
-          <a:blip r:embed="rId3">
-            <a:extLst>
-              <a:ext uri="{28A0092B-C50C-407E-A947-70E740481C1C}">
-                <a14:useLocalDpi xmlns:a14="http://schemas.microsoft.com/office/drawing/2010/main" val="0"/>
-              </a:ext>
-            </a:extLst>
-          </a:blip>
-          <a:stretch>
-            <a:fillRect/>
-          </a:stretch>
-        </p:blipFill>
-        <p:spPr>
-          <a:xfrm>
-            <a:off x="8469745" y="3554454"/>
-            <a:ext cx="3096753" cy="3160572"/>
-          </a:xfrm>
-          <a:prstGeom prst="rect">
-            <a:avLst/>
-          </a:prstGeom>
-        </p:spPr>
-      </p:pic>
     </p:spTree>
     <p:extLst>
       <p:ext uri="{BB962C8B-B14F-4D97-AF65-F5344CB8AC3E}">

--- a/doc/Graph-Embedding Presentation.pptx
+++ b/doc/Graph-Embedding Presentation.pptx
@@ -6671,24 +6671,20 @@
             </a:r>
             <a:r>
               <a:rPr lang="en-US" dirty="0"/>
-              <a:t>.</a:t>
-            </a:r>
-          </a:p>
-          <a:p>
-            <a:pPr lvl="1"/>
-            <a:r>
-              <a:rPr lang="en-US" b="0" i="0" dirty="0">
+              <a:t>.                </a:t>
+            </a:r>
+            <a:r>
+              <a:rPr lang="en-US" sz="2000" dirty="0"/>
+              <a:t>(</a:t>
+            </a:r>
+            <a:r>
+              <a:rPr lang="en-US" sz="2000" b="0" i="0" dirty="0">
                 <a:effectLst/>
                 <a:latin typeface="gg sans"/>
               </a:rPr>
-              <a:t>Specifically, in F1 and AUC scores</a:t>
-            </a:r>
-          </a:p>
-          <a:p>
-            <a:pPr marL="457200" lvl="1" indent="0">
-              <a:buNone/>
-            </a:pPr>
-            <a:endParaRPr lang="en-US" dirty="0"/>
+              <a:t>Specifically, in F1 and AUC scores)</a:t>
+            </a:r>
+            <a:endParaRPr lang="en-US" sz="2000" dirty="0"/>
           </a:p>
           <a:p>
             <a:r>
@@ -6700,7 +6696,22 @@
             <a:pPr lvl="1"/>
             <a:r>
               <a:rPr lang="en-US" dirty="0"/>
-              <a:t>Accuracy average is low compared to other graph-embedding algorithms such as GAT and GCN, might be because of poor implementation of the algorithms in the given project</a:t>
+              <a:t>Scores low compared to other algorithms GAT or GCN. </a:t>
+            </a:r>
+          </a:p>
+          <a:p>
+            <a:pPr lvl="1"/>
+            <a:r>
+              <a:rPr lang="en-US" dirty="0"/>
+              <a:t>This might be because of implementation of the algorithms and the </a:t>
+            </a:r>
+            <a:r>
+              <a:rPr lang="en-US"/>
+              <a:t>used datasets </a:t>
+            </a:r>
+            <a:r>
+              <a:rPr lang="en-US" dirty="0"/>
+              <a:t>in the given project</a:t>
             </a:r>
           </a:p>
         </p:txBody>

--- a/doc/Graph-Embedding Presentation.pptx
+++ b/doc/Graph-Embedding Presentation.pptx
@@ -21,8 +21,8 @@
     <p:sldId id="259" r:id="rId12"/>
     <p:sldId id="271" r:id="rId13"/>
     <p:sldId id="273" r:id="rId14"/>
-    <p:sldId id="261" r:id="rId15"/>
-    <p:sldId id="274" r:id="rId16"/>
+    <p:sldId id="274" r:id="rId15"/>
+    <p:sldId id="261" r:id="rId16"/>
     <p:sldId id="262" r:id="rId17"/>
     <p:sldId id="276" r:id="rId18"/>
     <p:sldId id="263" r:id="rId19"/>
@@ -215,7 +215,7 @@
           <a:p>
             <a:fld id="{40255490-F3EC-4464-B815-288EE6CB06A0}" type="datetimeFigureOut">
               <a:rPr lang="en-US" smtClean="0"/>
-              <a:t>1/18/2025</a:t>
+              <a:t>1/19/2025</a:t>
             </a:fld>
             <a:endParaRPr lang="en-US"/>
           </a:p>
@@ -1345,7 +1345,7 @@
           <a:p>
             <a:fld id="{6FC2E1BB-ABA2-49E9-A8D9-545C2DE0A0F4}" type="datetimeFigureOut">
               <a:rPr lang="en-US" smtClean="0"/>
-              <a:t>1/18/2025</a:t>
+              <a:t>1/19/2025</a:t>
             </a:fld>
             <a:endParaRPr lang="en-US"/>
           </a:p>
@@ -1543,7 +1543,7 @@
           <a:p>
             <a:fld id="{6FC2E1BB-ABA2-49E9-A8D9-545C2DE0A0F4}" type="datetimeFigureOut">
               <a:rPr lang="en-US" smtClean="0"/>
-              <a:t>1/18/2025</a:t>
+              <a:t>1/19/2025</a:t>
             </a:fld>
             <a:endParaRPr lang="en-US"/>
           </a:p>
@@ -1751,7 +1751,7 @@
           <a:p>
             <a:fld id="{6FC2E1BB-ABA2-49E9-A8D9-545C2DE0A0F4}" type="datetimeFigureOut">
               <a:rPr lang="en-US" smtClean="0"/>
-              <a:t>1/18/2025</a:t>
+              <a:t>1/19/2025</a:t>
             </a:fld>
             <a:endParaRPr lang="en-US"/>
           </a:p>
@@ -1949,7 +1949,7 @@
           <a:p>
             <a:fld id="{6FC2E1BB-ABA2-49E9-A8D9-545C2DE0A0F4}" type="datetimeFigureOut">
               <a:rPr lang="en-US" smtClean="0"/>
-              <a:t>1/18/2025</a:t>
+              <a:t>1/19/2025</a:t>
             </a:fld>
             <a:endParaRPr lang="en-US"/>
           </a:p>
@@ -2224,7 +2224,7 @@
           <a:p>
             <a:fld id="{6FC2E1BB-ABA2-49E9-A8D9-545C2DE0A0F4}" type="datetimeFigureOut">
               <a:rPr lang="en-US" smtClean="0"/>
-              <a:t>1/18/2025</a:t>
+              <a:t>1/19/2025</a:t>
             </a:fld>
             <a:endParaRPr lang="en-US"/>
           </a:p>
@@ -2489,7 +2489,7 @@
           <a:p>
             <a:fld id="{6FC2E1BB-ABA2-49E9-A8D9-545C2DE0A0F4}" type="datetimeFigureOut">
               <a:rPr lang="en-US" smtClean="0"/>
-              <a:t>1/18/2025</a:t>
+              <a:t>1/19/2025</a:t>
             </a:fld>
             <a:endParaRPr lang="en-US"/>
           </a:p>
@@ -2901,7 +2901,7 @@
           <a:p>
             <a:fld id="{6FC2E1BB-ABA2-49E9-A8D9-545C2DE0A0F4}" type="datetimeFigureOut">
               <a:rPr lang="en-US" smtClean="0"/>
-              <a:t>1/18/2025</a:t>
+              <a:t>1/19/2025</a:t>
             </a:fld>
             <a:endParaRPr lang="en-US"/>
           </a:p>
@@ -3042,7 +3042,7 @@
           <a:p>
             <a:fld id="{6FC2E1BB-ABA2-49E9-A8D9-545C2DE0A0F4}" type="datetimeFigureOut">
               <a:rPr lang="en-US" smtClean="0"/>
-              <a:t>1/18/2025</a:t>
+              <a:t>1/19/2025</a:t>
             </a:fld>
             <a:endParaRPr lang="en-US"/>
           </a:p>
@@ -3155,7 +3155,7 @@
           <a:p>
             <a:fld id="{6FC2E1BB-ABA2-49E9-A8D9-545C2DE0A0F4}" type="datetimeFigureOut">
               <a:rPr lang="en-US" smtClean="0"/>
-              <a:t>1/18/2025</a:t>
+              <a:t>1/19/2025</a:t>
             </a:fld>
             <a:endParaRPr lang="en-US"/>
           </a:p>
@@ -3466,7 +3466,7 @@
           <a:p>
             <a:fld id="{6FC2E1BB-ABA2-49E9-A8D9-545C2DE0A0F4}" type="datetimeFigureOut">
               <a:rPr lang="en-US" smtClean="0"/>
-              <a:t>1/18/2025</a:t>
+              <a:t>1/19/2025</a:t>
             </a:fld>
             <a:endParaRPr lang="en-US"/>
           </a:p>
@@ -3754,7 +3754,7 @@
           <a:p>
             <a:fld id="{6FC2E1BB-ABA2-49E9-A8D9-545C2DE0A0F4}" type="datetimeFigureOut">
               <a:rPr lang="en-US" smtClean="0"/>
-              <a:t>1/18/2025</a:t>
+              <a:t>1/19/2025</a:t>
             </a:fld>
             <a:endParaRPr lang="en-US"/>
           </a:p>
@@ -4025,7 +4025,7 @@
           <a:p>
             <a:fld id="{6FC2E1BB-ABA2-49E9-A8D9-545C2DE0A0F4}" type="datetimeFigureOut">
               <a:rPr lang="en-US" smtClean="0"/>
-              <a:t>1/18/2025</a:t>
+              <a:t>1/19/2025</a:t>
             </a:fld>
             <a:endParaRPr lang="en-US"/>
           </a:p>
@@ -4841,7 +4841,7 @@
         <p:spPr>
           <a:xfrm>
             <a:off x="276885" y="1438489"/>
-            <a:ext cx="7869588" cy="4808402"/>
+            <a:ext cx="7869588" cy="5054386"/>
           </a:xfrm>
           <a:prstGeom prst="rect">
             <a:avLst/>
@@ -5056,7 +5056,7 @@
                 <a:effectLst/>
                 <a:latin typeface="inherit"/>
               </a:rPr>
-              <a:t>and using a Skip-gram model to capture node relationships. </a:t>
+              <a:t>and uses a Skip-gram model to capture node relationships. </a:t>
             </a:r>
           </a:p>
           <a:p>
@@ -5080,13 +5080,32 @@
                 <a:effectLst/>
                 <a:latin typeface="gg sans"/>
               </a:rPr>
-              <a:t>The purpose of these walks is to create sequences of nodes </a:t>
+              <a:t>The purpose of these walks is to create </a:t>
+            </a:r>
+            <a:br>
+              <a:rPr lang="en-US" b="0" i="0" dirty="0">
+                <a:effectLst/>
+                <a:latin typeface="gg sans"/>
+              </a:rPr>
+            </a:br>
+            <a:r>
+              <a:rPr lang="en-US" b="0" i="0" dirty="0">
+                <a:effectLst/>
+                <a:latin typeface="gg sans"/>
+              </a:rPr>
+              <a:t>sequences of nodes </a:t>
             </a:r>
           </a:p>
           <a:p>
             <a:pPr marL="0" indent="0" algn="l" fontAlgn="base">
               <a:buNone/>
             </a:pPr>
+            <a:br>
+              <a:rPr lang="en-US" b="0" i="0" dirty="0">
+                <a:effectLst/>
+                <a:latin typeface="gg sans"/>
+              </a:rPr>
+            </a:br>
             <a:r>
               <a:rPr lang="en-US" b="0" i="0" dirty="0">
                 <a:effectLst/>
@@ -5555,14 +5574,14 @@
             </a:r>
             <a:r>
               <a:rPr lang="en-US" dirty="0"/>
-              <a:t> p=q=1</a:t>
+              <a:t>: p=q=1</a:t>
             </a:r>
           </a:p>
           <a:p>
             <a:pPr lvl="1"/>
             <a:r>
               <a:rPr lang="en-US" dirty="0"/>
-              <a:t>For Node2Vec p=5, q=1</a:t>
+              <a:t>For Node2Vec: p=5, q=1</a:t>
             </a:r>
           </a:p>
           <a:p>
@@ -5585,7 +5604,7 @@
           <a:p>
             <a:r>
               <a:rPr lang="en-US" dirty="0"/>
-              <a:t>The model is built via the word2Vec library with random walks and params.</a:t>
+              <a:t>The model is built with the word2Vec library. It runs random walks with params.</a:t>
             </a:r>
           </a:p>
           <a:p>
@@ -5596,7 +5615,17 @@
             </a:r>
             <a:r>
               <a:rPr lang="en-US" dirty="0"/>
-              <a:t> = 5</a:t>
+              <a:t> = 5  </a:t>
+            </a:r>
+            <a:r>
+              <a:rPr lang="en-US" dirty="0">
+                <a:solidFill>
+                  <a:schemeClr val="bg1">
+                    <a:lumMod val="50000"/>
+                  </a:schemeClr>
+                </a:solidFill>
+              </a:rPr>
+              <a:t>// representation of each node</a:t>
             </a:r>
           </a:p>
           <a:p>
@@ -5607,15 +5636,36 @@
             </a:r>
             <a:r>
               <a:rPr lang="en-US" dirty="0"/>
-              <a:t> =1</a:t>
+              <a:t> =1 </a:t>
+            </a:r>
+            <a:r>
+              <a:rPr lang="en-US" dirty="0">
+                <a:solidFill>
+                  <a:schemeClr val="bg1">
+                    <a:lumMod val="50000"/>
+                  </a:schemeClr>
+                </a:solidFill>
+              </a:rPr>
+              <a:t>// target word</a:t>
             </a:r>
           </a:p>
           <a:p>
             <a:pPr lvl="1"/>
             <a:r>
               <a:rPr lang="en-US" dirty="0"/>
-              <a:t>epochs = 5</a:t>
-            </a:r>
+              <a:t>epochs = 5 </a:t>
+            </a:r>
+            <a:r>
+              <a:rPr lang="en-US" dirty="0">
+                <a:solidFill>
+                  <a:schemeClr val="bg1">
+                    <a:lumMod val="50000"/>
+                  </a:schemeClr>
+                </a:solidFill>
+              </a:rPr>
+              <a:t>// iterations </a:t>
+            </a:r>
+            <a:endParaRPr lang="en-US" dirty="0"/>
           </a:p>
           <a:p>
             <a:pPr marL="457200" lvl="1" indent="0">
@@ -5642,6 +5692,259 @@
 </file>
 
 <file path=ppt/slides/slide14.xml><?xml version="1.0" encoding="utf-8"?>
+<p:sld xmlns:a="http://schemas.openxmlformats.org/drawingml/2006/main" xmlns:r="http://schemas.openxmlformats.org/officeDocument/2006/relationships" xmlns:p="http://schemas.openxmlformats.org/presentationml/2006/main">
+  <p:cSld>
+    <p:spTree>
+      <p:nvGrpSpPr>
+        <p:cNvPr id="1" name=""/>
+        <p:cNvGrpSpPr/>
+        <p:nvPr/>
+      </p:nvGrpSpPr>
+      <p:grpSpPr>
+        <a:xfrm>
+          <a:off x="0" y="0"/>
+          <a:ext cx="0" cy="0"/>
+          <a:chOff x="0" y="0"/>
+          <a:chExt cx="0" cy="0"/>
+        </a:xfrm>
+      </p:grpSpPr>
+      <p:sp>
+        <p:nvSpPr>
+          <p:cNvPr id="2" name="Title 1">
+            <a:extLst>
+              <a:ext uri="{FF2B5EF4-FFF2-40B4-BE49-F238E27FC236}">
+                <a16:creationId xmlns:a16="http://schemas.microsoft.com/office/drawing/2014/main" id="{38565C52-3F21-282C-4FEF-AFE3853B86E4}"/>
+              </a:ext>
+            </a:extLst>
+          </p:cNvPr>
+          <p:cNvSpPr>
+            <a:spLocks noGrp="1"/>
+          </p:cNvSpPr>
+          <p:nvPr>
+            <p:ph type="title"/>
+          </p:nvPr>
+        </p:nvSpPr>
+        <p:spPr/>
+        <p:txBody>
+          <a:bodyPr/>
+          <a:lstStyle/>
+          <a:p>
+            <a:r>
+              <a:rPr lang="en-US" dirty="0"/>
+              <a:t>Model Architecture</a:t>
+            </a:r>
+          </a:p>
+        </p:txBody>
+      </p:sp>
+      <p:sp>
+        <p:nvSpPr>
+          <p:cNvPr id="3" name="Content Placeholder 2">
+            <a:extLst>
+              <a:ext uri="{FF2B5EF4-FFF2-40B4-BE49-F238E27FC236}">
+                <a16:creationId xmlns:a16="http://schemas.microsoft.com/office/drawing/2014/main" id="{2FF3A89F-9DFC-62BB-A057-CD2E07F9D89C}"/>
+              </a:ext>
+            </a:extLst>
+          </p:cNvPr>
+          <p:cNvSpPr>
+            <a:spLocks noGrp="1"/>
+          </p:cNvSpPr>
+          <p:nvPr>
+            <p:ph idx="1"/>
+          </p:nvPr>
+        </p:nvSpPr>
+        <p:spPr>
+          <a:xfrm>
+            <a:off x="184727" y="1825625"/>
+            <a:ext cx="6936509" cy="4538230"/>
+          </a:xfrm>
+        </p:spPr>
+        <p:txBody>
+          <a:bodyPr>
+            <a:normAutofit lnSpcReduction="10000"/>
+          </a:bodyPr>
+          <a:lstStyle/>
+          <a:p>
+            <a:r>
+              <a:rPr lang="en-US" dirty="0"/>
+              <a:t>Create </a:t>
+            </a:r>
+            <a:r>
+              <a:rPr lang="en-US" dirty="0" err="1"/>
+              <a:t>Contex</a:t>
+            </a:r>
+            <a:r>
+              <a:rPr lang="en-US" dirty="0"/>
+              <a:t> </a:t>
+            </a:r>
+          </a:p>
+          <a:p>
+            <a:pPr lvl="1"/>
+            <a:r>
+              <a:rPr lang="en-US" dirty="0"/>
+              <a:t>The model uses </a:t>
+            </a:r>
+            <a:r>
+              <a:rPr lang="en-US" dirty="0" err="1"/>
+              <a:t>DeepWalk</a:t>
+            </a:r>
+            <a:r>
+              <a:rPr lang="en-US" dirty="0"/>
+              <a:t>/Node2Vec random walks to do graph embedding and give context to each node.</a:t>
+            </a:r>
+          </a:p>
+          <a:p>
+            <a:endParaRPr lang="en-US" dirty="0"/>
+          </a:p>
+          <a:p>
+            <a:r>
+              <a:rPr lang="en-US" dirty="0"/>
+              <a:t>Create, train, and test the </a:t>
+            </a:r>
+            <a:r>
+              <a:rPr lang="en-US" dirty="0" err="1"/>
+              <a:t>classifer</a:t>
+            </a:r>
+            <a:r>
+              <a:rPr lang="en-US" dirty="0"/>
+              <a:t>.</a:t>
+            </a:r>
+          </a:p>
+          <a:p>
+            <a:pPr lvl="1"/>
+            <a:r>
+              <a:rPr lang="en-US" dirty="0"/>
+              <a:t>The classifier is </a:t>
+            </a:r>
+            <a:r>
+              <a:rPr lang="en-US" dirty="0" err="1"/>
+              <a:t>LogisticRegression</a:t>
+            </a:r>
+            <a:r>
+              <a:rPr lang="en-US" dirty="0"/>
+              <a:t> from package </a:t>
+            </a:r>
+            <a:r>
+              <a:rPr lang="en-US" dirty="0" err="1"/>
+              <a:t>sklearn.linear_model</a:t>
+            </a:r>
+            <a:r>
+              <a:rPr lang="en-US" dirty="0"/>
+              <a:t> </a:t>
+            </a:r>
+          </a:p>
+          <a:p>
+            <a:pPr lvl="1"/>
+            <a:r>
+              <a:rPr lang="en-US" dirty="0"/>
+              <a:t>The train data that was given context is fitted into the classifier</a:t>
+            </a:r>
+          </a:p>
+          <a:p>
+            <a:pPr lvl="1"/>
+            <a:r>
+              <a:rPr lang="en-US" dirty="0"/>
+              <a:t>The classifier predicts the test data and are compared to the true test labels.</a:t>
+            </a:r>
+          </a:p>
+        </p:txBody>
+      </p:sp>
+      <p:pic>
+        <p:nvPicPr>
+          <p:cNvPr id="5" name="Picture 4">
+            <a:extLst>
+              <a:ext uri="{FF2B5EF4-FFF2-40B4-BE49-F238E27FC236}">
+                <a16:creationId xmlns:a16="http://schemas.microsoft.com/office/drawing/2014/main" id="{27E01446-13E9-AC6F-9C5E-3762BADB7F85}"/>
+              </a:ext>
+            </a:extLst>
+          </p:cNvPr>
+          <p:cNvPicPr>
+            <a:picLocks noChangeAspect="1"/>
+          </p:cNvPicPr>
+          <p:nvPr/>
+        </p:nvPicPr>
+        <p:blipFill>
+          <a:blip r:embed="rId2">
+            <a:extLst>
+              <a:ext uri="{28A0092B-C50C-407E-A947-70E740481C1C}">
+                <a14:useLocalDpi xmlns:a14="http://schemas.microsoft.com/office/drawing/2010/main" val="0"/>
+              </a:ext>
+            </a:extLst>
+          </a:blip>
+          <a:srcRect/>
+          <a:stretch/>
+        </p:blipFill>
+        <p:spPr>
+          <a:xfrm>
+            <a:off x="7303903" y="46180"/>
+            <a:ext cx="4834077" cy="3407951"/>
+          </a:xfrm>
+          <a:prstGeom prst="rect">
+            <a:avLst/>
+          </a:prstGeom>
+        </p:spPr>
+      </p:pic>
+      <p:sp>
+        <p:nvSpPr>
+          <p:cNvPr id="6" name="Rectangle 5">
+            <a:extLst>
+              <a:ext uri="{FF2B5EF4-FFF2-40B4-BE49-F238E27FC236}">
+                <a16:creationId xmlns:a16="http://schemas.microsoft.com/office/drawing/2014/main" id="{9EB9D746-8FD7-3E44-15AC-70E2310E301A}"/>
+              </a:ext>
+            </a:extLst>
+          </p:cNvPr>
+          <p:cNvSpPr/>
+          <p:nvPr/>
+        </p:nvSpPr>
+        <p:spPr>
+          <a:xfrm>
+            <a:off x="8818454" y="3347623"/>
+            <a:ext cx="1804981" cy="523220"/>
+          </a:xfrm>
+          <a:prstGeom prst="rect">
+            <a:avLst/>
+          </a:prstGeom>
+          <a:noFill/>
+        </p:spPr>
+        <p:txBody>
+          <a:bodyPr wrap="none" lIns="91440" tIns="45720" rIns="91440" bIns="45720">
+            <a:spAutoFit/>
+          </a:bodyPr>
+          <a:lstStyle/>
+          <a:p>
+            <a:pPr algn="ctr"/>
+            <a:r>
+              <a:rPr lang="en-US" sz="2800" b="0" cap="none" spc="0" dirty="0">
+                <a:ln w="0"/>
+                <a:solidFill>
+                  <a:schemeClr val="tx1"/>
+                </a:solidFill>
+                <a:effectLst>
+                  <a:outerShdw blurRad="38100" dist="19050" dir="2700000" algn="tl" rotWithShape="0">
+                    <a:schemeClr val="dk1">
+                      <a:alpha val="40000"/>
+                    </a:schemeClr>
+                  </a:outerShdw>
+                </a:effectLst>
+              </a:rPr>
+              <a:t>Flow chart</a:t>
+            </a:r>
+          </a:p>
+        </p:txBody>
+      </p:sp>
+    </p:spTree>
+    <p:extLst>
+      <p:ext uri="{BB962C8B-B14F-4D97-AF65-F5344CB8AC3E}">
+        <p14:creationId xmlns:p14="http://schemas.microsoft.com/office/powerpoint/2010/main" val="3906369806"/>
+      </p:ext>
+    </p:extLst>
+  </p:cSld>
+  <p:clrMapOvr>
+    <a:masterClrMapping/>
+  </p:clrMapOvr>
+</p:sld>
+</file>
+
+<file path=ppt/slides/slide15.xml><?xml version="1.0" encoding="utf-8"?>
 <p:sld xmlns:a="http://schemas.openxmlformats.org/drawingml/2006/main" xmlns:r="http://schemas.openxmlformats.org/officeDocument/2006/relationships" xmlns:p="http://schemas.openxmlformats.org/presentationml/2006/main">
   <p:cSld>
     <p:spTree>
@@ -5710,12 +6013,20 @@
         </p:nvSpPr>
         <p:spPr/>
         <p:txBody>
-          <a:bodyPr/>
+          <a:bodyPr>
+            <a:normAutofit/>
+          </a:bodyPr>
           <a:lstStyle/>
           <a:p>
             <a:r>
               <a:rPr lang="en-US" dirty="0"/>
-              <a:t>The model splits the data to train and test datasets and each context is taken from the word2Vec object.</a:t>
+              <a:t>Each context is taken from the word2Vec object.</a:t>
+            </a:r>
+          </a:p>
+          <a:p>
+            <a:r>
+              <a:rPr lang="en-US" dirty="0"/>
+              <a:t>The model splits the data to train and test datasets. </a:t>
             </a:r>
           </a:p>
           <a:p>
@@ -5741,15 +6052,7 @@
           <a:p>
             <a:r>
               <a:rPr lang="en-US" dirty="0"/>
-              <a:t>The </a:t>
-            </a:r>
-            <a:r>
-              <a:rPr lang="en-US" dirty="0" err="1"/>
-              <a:t>classifer</a:t>
-            </a:r>
-            <a:r>
-              <a:rPr lang="en-US" dirty="0"/>
-              <a:t> is called upon to make the predictions on the test set.</a:t>
+              <a:t>The classifier is called to make the predictions on the test set.</a:t>
             </a:r>
           </a:p>
           <a:p>
@@ -5769,260 +6072,6 @@
     <p:extLst>
       <p:ext uri="{BB962C8B-B14F-4D97-AF65-F5344CB8AC3E}">
         <p14:creationId xmlns:p14="http://schemas.microsoft.com/office/powerpoint/2010/main" val="2570983923"/>
-      </p:ext>
-    </p:extLst>
-  </p:cSld>
-  <p:clrMapOvr>
-    <a:masterClrMapping/>
-  </p:clrMapOvr>
-</p:sld>
-</file>
-
-<file path=ppt/slides/slide15.xml><?xml version="1.0" encoding="utf-8"?>
-<p:sld xmlns:a="http://schemas.openxmlformats.org/drawingml/2006/main" xmlns:r="http://schemas.openxmlformats.org/officeDocument/2006/relationships" xmlns:p="http://schemas.openxmlformats.org/presentationml/2006/main">
-  <p:cSld>
-    <p:spTree>
-      <p:nvGrpSpPr>
-        <p:cNvPr id="1" name=""/>
-        <p:cNvGrpSpPr/>
-        <p:nvPr/>
-      </p:nvGrpSpPr>
-      <p:grpSpPr>
-        <a:xfrm>
-          <a:off x="0" y="0"/>
-          <a:ext cx="0" cy="0"/>
-          <a:chOff x="0" y="0"/>
-          <a:chExt cx="0" cy="0"/>
-        </a:xfrm>
-      </p:grpSpPr>
-      <p:sp>
-        <p:nvSpPr>
-          <p:cNvPr id="2" name="Title 1">
-            <a:extLst>
-              <a:ext uri="{FF2B5EF4-FFF2-40B4-BE49-F238E27FC236}">
-                <a16:creationId xmlns:a16="http://schemas.microsoft.com/office/drawing/2014/main" id="{38565C52-3F21-282C-4FEF-AFE3853B86E4}"/>
-              </a:ext>
-            </a:extLst>
-          </p:cNvPr>
-          <p:cNvSpPr>
-            <a:spLocks noGrp="1"/>
-          </p:cNvSpPr>
-          <p:nvPr>
-            <p:ph type="title"/>
-          </p:nvPr>
-        </p:nvSpPr>
-        <p:spPr/>
-        <p:txBody>
-          <a:bodyPr/>
-          <a:lstStyle/>
-          <a:p>
-            <a:r>
-              <a:rPr lang="en-US" dirty="0"/>
-              <a:t>Model Architecture</a:t>
-            </a:r>
-          </a:p>
-        </p:txBody>
-      </p:sp>
-      <p:sp>
-        <p:nvSpPr>
-          <p:cNvPr id="3" name="Content Placeholder 2">
-            <a:extLst>
-              <a:ext uri="{FF2B5EF4-FFF2-40B4-BE49-F238E27FC236}">
-                <a16:creationId xmlns:a16="http://schemas.microsoft.com/office/drawing/2014/main" id="{2FF3A89F-9DFC-62BB-A057-CD2E07F9D89C}"/>
-              </a:ext>
-            </a:extLst>
-          </p:cNvPr>
-          <p:cNvSpPr>
-            <a:spLocks noGrp="1"/>
-          </p:cNvSpPr>
-          <p:nvPr>
-            <p:ph idx="1"/>
-          </p:nvPr>
-        </p:nvSpPr>
-        <p:spPr>
-          <a:xfrm>
-            <a:off x="184727" y="1825625"/>
-            <a:ext cx="6936509" cy="4538230"/>
-          </a:xfrm>
-        </p:spPr>
-        <p:txBody>
-          <a:bodyPr>
-            <a:normAutofit lnSpcReduction="10000"/>
-          </a:bodyPr>
-          <a:lstStyle/>
-          <a:p>
-            <a:r>
-              <a:rPr lang="en-US" dirty="0"/>
-              <a:t>Create </a:t>
-            </a:r>
-            <a:r>
-              <a:rPr lang="en-US" dirty="0" err="1"/>
-              <a:t>Contex</a:t>
-            </a:r>
-            <a:r>
-              <a:rPr lang="en-US" dirty="0"/>
-              <a:t> </a:t>
-            </a:r>
-          </a:p>
-          <a:p>
-            <a:pPr lvl="1"/>
-            <a:r>
-              <a:rPr lang="en-US" dirty="0"/>
-              <a:t>The model uses </a:t>
-            </a:r>
-            <a:r>
-              <a:rPr lang="en-US" dirty="0" err="1"/>
-              <a:t>DeepWalk</a:t>
-            </a:r>
-            <a:r>
-              <a:rPr lang="en-US" dirty="0"/>
-              <a:t>/Node2Vec random walks to do graph embedding and give context to each node.</a:t>
-            </a:r>
-          </a:p>
-          <a:p>
-            <a:endParaRPr lang="en-US" dirty="0"/>
-          </a:p>
-          <a:p>
-            <a:r>
-              <a:rPr lang="en-US" dirty="0"/>
-              <a:t>Create, train, and test the </a:t>
-            </a:r>
-            <a:r>
-              <a:rPr lang="en-US" dirty="0" err="1"/>
-              <a:t>classifer</a:t>
-            </a:r>
-            <a:r>
-              <a:rPr lang="en-US" dirty="0"/>
-              <a:t>.</a:t>
-            </a:r>
-          </a:p>
-          <a:p>
-            <a:pPr lvl="1"/>
-            <a:r>
-              <a:rPr lang="en-US" dirty="0"/>
-              <a:t>The classifier is </a:t>
-            </a:r>
-            <a:r>
-              <a:rPr lang="en-US" dirty="0" err="1"/>
-              <a:t>LogisticRegression</a:t>
-            </a:r>
-            <a:r>
-              <a:rPr lang="en-US" dirty="0"/>
-              <a:t> from package </a:t>
-            </a:r>
-            <a:r>
-              <a:rPr lang="en-US" dirty="0" err="1"/>
-              <a:t>sklearn.linear_model</a:t>
-            </a:r>
-            <a:r>
-              <a:rPr lang="en-US" dirty="0"/>
-              <a:t> </a:t>
-            </a:r>
-          </a:p>
-          <a:p>
-            <a:pPr lvl="1"/>
-            <a:r>
-              <a:rPr lang="en-US" dirty="0"/>
-              <a:t>The train data that was given context is fitted into the classifier</a:t>
-            </a:r>
-          </a:p>
-          <a:p>
-            <a:pPr lvl="1"/>
-            <a:r>
-              <a:rPr lang="en-US" dirty="0"/>
-              <a:t>The classifier predicts the test data and are compared to the true test labels.</a:t>
-            </a:r>
-          </a:p>
-        </p:txBody>
-      </p:sp>
-      <p:pic>
-        <p:nvPicPr>
-          <p:cNvPr id="5" name="Picture 4" descr="A diagram of a process&#10;&#10;Description automatically generated">
-            <a:extLst>
-              <a:ext uri="{FF2B5EF4-FFF2-40B4-BE49-F238E27FC236}">
-                <a16:creationId xmlns:a16="http://schemas.microsoft.com/office/drawing/2014/main" id="{27E01446-13E9-AC6F-9C5E-3762BADB7F85}"/>
-              </a:ext>
-            </a:extLst>
-          </p:cNvPr>
-          <p:cNvPicPr>
-            <a:picLocks noChangeAspect="1"/>
-          </p:cNvPicPr>
-          <p:nvPr/>
-        </p:nvPicPr>
-        <p:blipFill>
-          <a:blip r:embed="rId2">
-            <a:extLst>
-              <a:ext uri="{28A0092B-C50C-407E-A947-70E740481C1C}">
-                <a14:useLocalDpi xmlns:a14="http://schemas.microsoft.com/office/drawing/2010/main" val="0"/>
-              </a:ext>
-            </a:extLst>
-          </a:blip>
-          <a:stretch>
-            <a:fillRect/>
-          </a:stretch>
-        </p:blipFill>
-        <p:spPr>
-          <a:xfrm>
-            <a:off x="7298452" y="46180"/>
-            <a:ext cx="4844979" cy="3407951"/>
-          </a:xfrm>
-          <a:prstGeom prst="rect">
-            <a:avLst/>
-          </a:prstGeom>
-        </p:spPr>
-      </p:pic>
-      <p:sp>
-        <p:nvSpPr>
-          <p:cNvPr id="6" name="Rectangle 5">
-            <a:extLst>
-              <a:ext uri="{FF2B5EF4-FFF2-40B4-BE49-F238E27FC236}">
-                <a16:creationId xmlns:a16="http://schemas.microsoft.com/office/drawing/2014/main" id="{9EB9D746-8FD7-3E44-15AC-70E2310E301A}"/>
-              </a:ext>
-            </a:extLst>
-          </p:cNvPr>
-          <p:cNvSpPr/>
-          <p:nvPr/>
-        </p:nvSpPr>
-        <p:spPr>
-          <a:xfrm>
-            <a:off x="8818454" y="3347623"/>
-            <a:ext cx="1804981" cy="523220"/>
-          </a:xfrm>
-          <a:prstGeom prst="rect">
-            <a:avLst/>
-          </a:prstGeom>
-          <a:noFill/>
-        </p:spPr>
-        <p:txBody>
-          <a:bodyPr wrap="none" lIns="91440" tIns="45720" rIns="91440" bIns="45720">
-            <a:spAutoFit/>
-          </a:bodyPr>
-          <a:lstStyle/>
-          <a:p>
-            <a:pPr algn="ctr"/>
-            <a:r>
-              <a:rPr lang="en-US" sz="2800" b="0" cap="none" spc="0" dirty="0">
-                <a:ln w="0"/>
-                <a:solidFill>
-                  <a:schemeClr val="tx1"/>
-                </a:solidFill>
-                <a:effectLst>
-                  <a:outerShdw blurRad="38100" dist="19050" dir="2700000" algn="tl" rotWithShape="0">
-                    <a:schemeClr val="dk1">
-                      <a:alpha val="40000"/>
-                    </a:schemeClr>
-                  </a:outerShdw>
-                </a:effectLst>
-              </a:rPr>
-              <a:t>Flow chart</a:t>
-            </a:r>
-          </a:p>
-        </p:txBody>
-      </p:sp>
-    </p:spTree>
-    <p:extLst>
-      <p:ext uri="{BB962C8B-B14F-4D97-AF65-F5344CB8AC3E}">
-        <p14:creationId xmlns:p14="http://schemas.microsoft.com/office/powerpoint/2010/main" val="3906369806"/>
       </p:ext>
     </p:extLst>
   </p:cSld>
@@ -6468,8 +6517,8 @@
         </p:blipFill>
         <p:spPr>
           <a:xfrm>
-            <a:off x="7327120" y="4191584"/>
-            <a:ext cx="4778893" cy="2254483"/>
+            <a:off x="7020066" y="4191584"/>
+            <a:ext cx="5085948" cy="2399339"/>
           </a:xfrm>
           <a:prstGeom prst="rect">
             <a:avLst/>
@@ -6663,7 +6712,7 @@
           <a:p>
             <a:r>
               <a:rPr lang="en-US" dirty="0"/>
-              <a:t>The Node2Vec runs have better scores than </a:t>
+              <a:t>The Node2Vec runs have slight better scores than </a:t>
             </a:r>
             <a:r>
               <a:rPr lang="en-US" dirty="0" err="1"/>
@@ -6684,7 +6733,16 @@
               </a:rPr>
               <a:t>Specifically, in F1 and AUC scores)</a:t>
             </a:r>
-            <a:endParaRPr lang="en-US" sz="2000" dirty="0"/>
+          </a:p>
+          <a:p>
+            <a:pPr lvl="1"/>
+            <a:r>
+              <a:rPr lang="en-US" dirty="0">
+                <a:latin typeface="gg sans"/>
+              </a:rPr>
+              <a:t>Due to a wider exploration area in the graph</a:t>
+            </a:r>
+            <a:endParaRPr lang="en-US" dirty="0"/>
           </a:p>
           <a:p>
             <a:r>
@@ -6703,15 +6761,7 @@
             <a:pPr lvl="1"/>
             <a:r>
               <a:rPr lang="en-US" dirty="0"/>
-              <a:t>This might be because of implementation of the algorithms and the </a:t>
-            </a:r>
-            <a:r>
-              <a:rPr lang="en-US"/>
-              <a:t>used datasets </a:t>
-            </a:r>
-            <a:r>
-              <a:rPr lang="en-US" dirty="0"/>
-              <a:t>in the given project</a:t>
+              <a:t>This might be because of implementation of the algorithms and the used dataset in the given project</a:t>
             </a:r>
           </a:p>
         </p:txBody>
@@ -6812,6 +6862,126 @@
             <a:endParaRPr lang="en-US" dirty="0"/>
           </a:p>
           <a:p>
+            <a:r>
+              <a:rPr lang="en-US" b="0" i="0" dirty="0" err="1">
+                <a:solidFill>
+                  <a:srgbClr val="1F2328"/>
+                </a:solidFill>
+                <a:effectLst/>
+                <a:latin typeface="-apple-system"/>
+              </a:rPr>
+              <a:t>DeepWalk</a:t>
+            </a:r>
+            <a:r>
+              <a:rPr lang="en-US" b="0" i="0" dirty="0">
+                <a:solidFill>
+                  <a:srgbClr val="1F2328"/>
+                </a:solidFill>
+                <a:effectLst/>
+                <a:latin typeface="-apple-system"/>
+              </a:rPr>
+              <a:t>: Online Learning of Social Representations. Bryan </a:t>
+            </a:r>
+            <a:r>
+              <a:rPr lang="en-US" b="0" i="0" dirty="0" err="1">
+                <a:solidFill>
+                  <a:srgbClr val="1F2328"/>
+                </a:solidFill>
+                <a:effectLst/>
+                <a:latin typeface="-apple-system"/>
+              </a:rPr>
+              <a:t>Perozzi</a:t>
+            </a:r>
+            <a:r>
+              <a:rPr lang="en-US" b="0" i="0" dirty="0">
+                <a:solidFill>
+                  <a:srgbClr val="1F2328"/>
+                </a:solidFill>
+                <a:effectLst/>
+                <a:latin typeface="-apple-system"/>
+              </a:rPr>
+              <a:t>, Rami Al-</a:t>
+            </a:r>
+            <a:r>
+              <a:rPr lang="en-US" b="0" i="0" dirty="0" err="1">
+                <a:solidFill>
+                  <a:srgbClr val="1F2328"/>
+                </a:solidFill>
+                <a:effectLst/>
+                <a:latin typeface="-apple-system"/>
+              </a:rPr>
+              <a:t>Rfou</a:t>
+            </a:r>
+            <a:r>
+              <a:rPr lang="en-US" b="0" i="0" dirty="0">
+                <a:solidFill>
+                  <a:srgbClr val="1F2328"/>
+                </a:solidFill>
+                <a:effectLst/>
+                <a:latin typeface="-apple-system"/>
+              </a:rPr>
+              <a:t>, Steven </a:t>
+            </a:r>
+            <a:r>
+              <a:rPr lang="en-US" b="0" i="0" dirty="0" err="1">
+                <a:solidFill>
+                  <a:srgbClr val="1F2328"/>
+                </a:solidFill>
+                <a:effectLst/>
+                <a:latin typeface="-apple-system"/>
+              </a:rPr>
+              <a:t>Skiena</a:t>
+            </a:r>
+            <a:r>
+              <a:rPr lang="en-US" b="0" i="0" dirty="0">
+                <a:solidFill>
+                  <a:srgbClr val="1F2328"/>
+                </a:solidFill>
+                <a:effectLst/>
+                <a:latin typeface="-apple-system"/>
+              </a:rPr>
+              <a:t>. KDD 2014.</a:t>
+            </a:r>
+          </a:p>
+          <a:p>
+            <a:r>
+              <a:rPr lang="en-US" b="0" i="0" dirty="0">
+                <a:solidFill>
+                  <a:srgbClr val="1F2328"/>
+                </a:solidFill>
+                <a:effectLst/>
+                <a:latin typeface="-apple-system"/>
+              </a:rPr>
+              <a:t>node2vec: Scalable Feature Learning for Networks. Aditya Grover, Jure </a:t>
+            </a:r>
+            <a:r>
+              <a:rPr lang="en-US" b="0" i="0" dirty="0" err="1">
+                <a:solidFill>
+                  <a:srgbClr val="1F2328"/>
+                </a:solidFill>
+                <a:effectLst/>
+                <a:latin typeface="-apple-system"/>
+              </a:rPr>
+              <a:t>Leskovec</a:t>
+            </a:r>
+            <a:r>
+              <a:rPr lang="en-US" b="0" i="0" dirty="0">
+                <a:solidFill>
+                  <a:srgbClr val="1F2328"/>
+                </a:solidFill>
+                <a:effectLst/>
+                <a:latin typeface="-apple-system"/>
+              </a:rPr>
+              <a:t>. KDD 2016</a:t>
+            </a:r>
+          </a:p>
+          <a:p>
+            <a:pPr marL="0" indent="0">
+              <a:buNone/>
+            </a:pPr>
+            <a:endParaRPr lang="en-US" dirty="0"/>
+          </a:p>
+          <a:p>
             <a:endParaRPr lang="en-US" dirty="0"/>
           </a:p>
         </p:txBody>
@@ -7001,24 +7171,8 @@
               <a:buNone/>
             </a:pPr>
             <a:r>
-              <a:rPr lang="en-US" b="0" i="0" dirty="0">
-                <a:effectLst/>
-                <a:latin typeface="gg sans"/>
-              </a:rPr>
-              <a:t>Graph embedding is a technique used to represent graph-structured data in a lower-dimensional vector space while preserving its inherent structural and relational information. </a:t>
-            </a:r>
-            <a:br>
-              <a:rPr lang="en-US" b="0" i="0" dirty="0">
-                <a:effectLst/>
-                <a:latin typeface="gg sans"/>
-              </a:rPr>
-            </a:br>
-            <a:r>
-              <a:rPr lang="en-US" b="0" i="0" dirty="0">
-                <a:effectLst/>
-                <a:latin typeface="gg sans"/>
-              </a:rPr>
-              <a:t>This representation enables efficient processing and use in downstream machine learning tasks.</a:t>
+              <a:rPr lang="en-US" dirty="0"/>
+              <a:t>Graph embedding represents graph data as low-dimensional vectors, capturing its structure and relationships for easier use in machine learning tasks.</a:t>
             </a:r>
           </a:p>
         </p:txBody>
@@ -7045,14 +7199,13 @@
               </a:ext>
             </a:extLst>
           </a:blip>
-          <a:stretch>
-            <a:fillRect/>
-          </a:stretch>
+          <a:srcRect l="7736" t="8191" r="6465" b="4947"/>
+          <a:stretch/>
         </p:blipFill>
         <p:spPr>
           <a:xfrm>
-            <a:off x="8469745" y="3554454"/>
-            <a:ext cx="3096753" cy="3160572"/>
+            <a:off x="8157172" y="2753214"/>
+            <a:ext cx="3929204" cy="4059855"/>
           </a:xfrm>
           <a:prstGeom prst="rect">
             <a:avLst/>
@@ -7147,15 +7300,25 @@
               <a:buNone/>
             </a:pPr>
             <a:r>
-              <a:rPr lang="en-US" dirty="0"/>
-              <a:t>To </a:t>
-            </a:r>
-            <a:r>
               <a:rPr lang="en-US" b="0" i="0" dirty="0">
                 <a:effectLst/>
                 <a:latin typeface="gg sans"/>
               </a:rPr>
-              <a:t>develop a graph embedding model that can transform nodes, edges, or entire subgraphs into meaningful vector representations. </a:t>
+              <a:t>Develop a graph embedding model that can transform nodes and edges</a:t>
+            </a:r>
+            <a:r>
+              <a:rPr lang="he-IL" b="0" i="0" dirty="0">
+                <a:effectLst/>
+                <a:latin typeface="gg sans"/>
+              </a:rPr>
+              <a:t> </a:t>
+            </a:r>
+            <a:r>
+              <a:rPr lang="en-US" b="0" i="0" dirty="0">
+                <a:effectLst/>
+                <a:latin typeface="gg sans"/>
+              </a:rPr>
+              <a:t>into meaningful vector representations. </a:t>
             </a:r>
             <a:br>
               <a:rPr lang="en-US" b="0" i="0" dirty="0">
@@ -7180,6 +7343,41 @@
           </a:p>
         </p:txBody>
       </p:sp>
+      <p:pic>
+        <p:nvPicPr>
+          <p:cNvPr id="5" name="Picture 4">
+            <a:extLst>
+              <a:ext uri="{FF2B5EF4-FFF2-40B4-BE49-F238E27FC236}">
+                <a16:creationId xmlns:a16="http://schemas.microsoft.com/office/drawing/2014/main" id="{B12B5D73-E75B-9EDA-1701-8F25D2C0CF7F}"/>
+              </a:ext>
+            </a:extLst>
+          </p:cNvPr>
+          <p:cNvPicPr>
+            <a:picLocks noChangeAspect="1"/>
+          </p:cNvPicPr>
+          <p:nvPr/>
+        </p:nvPicPr>
+        <p:blipFill>
+          <a:blip r:embed="rId2">
+            <a:extLst>
+              <a:ext uri="{28A0092B-C50C-407E-A947-70E740481C1C}">
+                <a14:useLocalDpi xmlns:a14="http://schemas.microsoft.com/office/drawing/2010/main" val="0"/>
+              </a:ext>
+            </a:extLst>
+          </a:blip>
+          <a:srcRect b="7895"/>
+          <a:stretch/>
+        </p:blipFill>
+        <p:spPr>
+          <a:xfrm>
+            <a:off x="8800582" y="3968624"/>
+            <a:ext cx="2962253" cy="2889376"/>
+          </a:xfrm>
+          <a:prstGeom prst="rect">
+            <a:avLst/>
+          </a:prstGeom>
+        </p:spPr>
+      </p:pic>
     </p:spTree>
     <p:extLst>
       <p:ext uri="{BB962C8B-B14F-4D97-AF65-F5344CB8AC3E}">
@@ -7331,7 +7529,7 @@
               <a:rPr lang="en-US" dirty="0">
                 <a:latin typeface="gg sans"/>
               </a:rPr>
-              <a:t> Uses </a:t>
+              <a:t> Use </a:t>
             </a:r>
             <a:r>
               <a:rPr lang="en-US" b="0" i="0" dirty="0">
@@ -7344,6 +7542,42 @@
           </a:p>
         </p:txBody>
       </p:sp>
+      <p:pic>
+        <p:nvPicPr>
+          <p:cNvPr id="5" name="Picture 4" descr="A diagram of a network&#10;&#10;Description automatically generated">
+            <a:extLst>
+              <a:ext uri="{FF2B5EF4-FFF2-40B4-BE49-F238E27FC236}">
+                <a16:creationId xmlns:a16="http://schemas.microsoft.com/office/drawing/2014/main" id="{37587056-3EB3-1EAC-9FE2-5C6E26DF923D}"/>
+              </a:ext>
+            </a:extLst>
+          </p:cNvPr>
+          <p:cNvPicPr>
+            <a:picLocks noChangeAspect="1"/>
+          </p:cNvPicPr>
+          <p:nvPr/>
+        </p:nvPicPr>
+        <p:blipFill>
+          <a:blip r:embed="rId2">
+            <a:extLst>
+              <a:ext uri="{28A0092B-C50C-407E-A947-70E740481C1C}">
+                <a14:useLocalDpi xmlns:a14="http://schemas.microsoft.com/office/drawing/2010/main" val="0"/>
+              </a:ext>
+            </a:extLst>
+          </a:blip>
+          <a:stretch>
+            <a:fillRect/>
+          </a:stretch>
+        </p:blipFill>
+        <p:spPr>
+          <a:xfrm>
+            <a:off x="8436098" y="4803646"/>
+            <a:ext cx="3511303" cy="1822708"/>
+          </a:xfrm>
+          <a:prstGeom prst="rect">
+            <a:avLst/>
+          </a:prstGeom>
+        </p:spPr>
+      </p:pic>
     </p:spTree>
     <p:extLst>
       <p:ext uri="{BB962C8B-B14F-4D97-AF65-F5344CB8AC3E}">
@@ -7647,7 +7881,7 @@
             </a:r>
             <a:r>
               <a:rPr lang="en-US" dirty="0"/>
-              <a:t> we were left with a vocabulary of size 1433 unique words. </a:t>
+              <a:t> we were left with a vocabulary of size 1,433 unique words. </a:t>
             </a:r>
           </a:p>
           <a:p>
@@ -7759,7 +7993,7 @@
             </a:r>
             <a:r>
               <a:rPr lang="en-US" dirty="0"/>
-              <a:t>: (Vertexes)</a:t>
+              <a:t>: (Papers as Nodes)</a:t>
             </a:r>
           </a:p>
           <a:p>
@@ -7781,7 +8015,7 @@
             <a:pPr lvl="1"/>
             <a:r>
               <a:rPr lang="en-US" dirty="0"/>
-              <a:t>Word attributes values are 0 or 1 whether each word is present</a:t>
+              <a:t>Word attribute values are 0 or 1 whether each word is present in paper</a:t>
             </a:r>
           </a:p>
           <a:p>
@@ -7803,32 +8037,6 @@
             <a:pPr marL="457200" lvl="1" indent="0">
               <a:buNone/>
             </a:pPr>
-            <a:r>
-              <a:rPr lang="en-US" dirty="0" err="1"/>
-              <a:t>paper_id</a:t>
-            </a:r>
-            <a:r>
-              <a:rPr lang="en-US" dirty="0"/>
-              <a:t>     w1	w2	w3	… 	w1433		</a:t>
-            </a:r>
-            <a:r>
-              <a:rPr lang="en-US" dirty="0" err="1"/>
-              <a:t>Class_label</a:t>
-            </a:r>
-            <a:endParaRPr lang="en-US" dirty="0"/>
-          </a:p>
-          <a:p>
-            <a:pPr marL="457200" lvl="1" indent="0">
-              <a:buNone/>
-            </a:pPr>
-            <a:r>
-              <a:rPr lang="en-US" dirty="0"/>
-              <a:t>950052 	1 	0 	0  	…. 	0		</a:t>
-            </a:r>
-            <a:r>
-              <a:rPr lang="en-US" dirty="0" err="1"/>
-              <a:t>Neural_Networks</a:t>
-            </a:r>
             <a:endParaRPr lang="en-US" dirty="0"/>
           </a:p>
           <a:p>
@@ -7838,13 +8046,16 @@
             <a:endParaRPr lang="en-US" dirty="0"/>
           </a:p>
           <a:p>
+            <a:endParaRPr lang="en-US" dirty="0"/>
+          </a:p>
+          <a:p>
             <a:r>
               <a:rPr lang="en-US" dirty="0" err="1"/>
               <a:t>Cora.cites</a:t>
             </a:r>
             <a:r>
               <a:rPr lang="en-US" dirty="0"/>
-              <a:t>: (Edges)</a:t>
+              <a:t>: (Cites as Edges)</a:t>
             </a:r>
           </a:p>
           <a:p>
@@ -8061,110 +8272,6 @@
           </a:p>
         </p:txBody>
       </p:sp>
-      <p:graphicFrame>
-        <p:nvGraphicFramePr>
-          <p:cNvPr id="5" name="Table 4">
-            <a:extLst>
-              <a:ext uri="{FF2B5EF4-FFF2-40B4-BE49-F238E27FC236}">
-                <a16:creationId xmlns:a16="http://schemas.microsoft.com/office/drawing/2014/main" id="{40DA27EF-CC35-AA70-6C4C-B4F4003AFC4A}"/>
-              </a:ext>
-            </a:extLst>
-          </p:cNvPr>
-          <p:cNvGraphicFramePr>
-            <a:graphicFrameLocks noGrp="1"/>
-          </p:cNvGraphicFramePr>
-          <p:nvPr>
-            <p:extLst>
-              <p:ext uri="{D42A27DB-BD31-4B8C-83A1-F6EECF244321}">
-                <p14:modId xmlns:p14="http://schemas.microsoft.com/office/powerpoint/2010/main" val="2237363360"/>
-              </p:ext>
-            </p:extLst>
-          </p:nvPr>
-        </p:nvGraphicFramePr>
-        <p:xfrm>
-          <a:off x="6962115" y="861489"/>
-          <a:ext cx="1387192" cy="756048"/>
-        </p:xfrm>
-        <a:graphic>
-          <a:graphicData uri="http://schemas.openxmlformats.org/drawingml/2006/table">
-            <a:tbl>
-              <a:tblPr firstRow="1" bandRow="1">
-                <a:tableStyleId>{5C22544A-7EE6-4342-B048-85BDC9FD1C3A}</a:tableStyleId>
-              </a:tblPr>
-              <a:tblGrid>
-                <a:gridCol w="693596">
-                  <a:extLst>
-                    <a:ext uri="{9D8B030D-6E8A-4147-A177-3AD203B41FA5}">
-                      <a16:colId xmlns:a16="http://schemas.microsoft.com/office/drawing/2014/main" val="3503886817"/>
-                    </a:ext>
-                  </a:extLst>
-                </a:gridCol>
-                <a:gridCol w="693596">
-                  <a:extLst>
-                    <a:ext uri="{9D8B030D-6E8A-4147-A177-3AD203B41FA5}">
-                      <a16:colId xmlns:a16="http://schemas.microsoft.com/office/drawing/2014/main" val="1554324864"/>
-                    </a:ext>
-                  </a:extLst>
-                </a:gridCol>
-              </a:tblGrid>
-              <a:tr h="378024">
-                <a:tc>
-                  <a:txBody>
-                    <a:bodyPr/>
-                    <a:lstStyle/>
-                    <a:p>
-                      <a:endParaRPr lang="en-US" dirty="0"/>
-                    </a:p>
-                  </a:txBody>
-                  <a:tcPr/>
-                </a:tc>
-                <a:tc>
-                  <a:txBody>
-                    <a:bodyPr/>
-                    <a:lstStyle/>
-                    <a:p>
-                      <a:endParaRPr lang="en-US"/>
-                    </a:p>
-                  </a:txBody>
-                  <a:tcPr/>
-                </a:tc>
-                <a:extLst>
-                  <a:ext uri="{0D108BD9-81ED-4DB2-BD59-A6C34878D82A}">
-                    <a16:rowId xmlns:a16="http://schemas.microsoft.com/office/drawing/2014/main" val="2563689484"/>
-                  </a:ext>
-                </a:extLst>
-              </a:tr>
-              <a:tr h="378024">
-                <a:tc>
-                  <a:txBody>
-                    <a:bodyPr/>
-                    <a:lstStyle/>
-                    <a:p>
-                      <a:endParaRPr lang="en-US" dirty="0"/>
-                    </a:p>
-                  </a:txBody>
-                  <a:tcPr/>
-                </a:tc>
-                <a:tc>
-                  <a:txBody>
-                    <a:bodyPr/>
-                    <a:lstStyle/>
-                    <a:p>
-                      <a:endParaRPr lang="en-US" dirty="0"/>
-                    </a:p>
-                  </a:txBody>
-                  <a:tcPr/>
-                </a:tc>
-                <a:extLst>
-                  <a:ext uri="{0D108BD9-81ED-4DB2-BD59-A6C34878D82A}">
-                    <a16:rowId xmlns:a16="http://schemas.microsoft.com/office/drawing/2014/main" val="267305348"/>
-                  </a:ext>
-                </a:extLst>
-              </a:tr>
-            </a:tbl>
-          </a:graphicData>
-        </a:graphic>
-      </p:graphicFrame>
       <p:cxnSp>
         <p:nvCxnSpPr>
           <p:cNvPr id="7" name="Straight Arrow Connector 6">
@@ -8174,18 +8281,22 @@
               </a:ext>
             </a:extLst>
           </p:cNvPr>
-          <p:cNvCxnSpPr/>
+          <p:cNvCxnSpPr>
+            <a:cxnSpLocks/>
+            <a:stCxn id="8" idx="6"/>
+            <a:endCxn id="11" idx="2"/>
+          </p:cNvCxnSpPr>
           <p:nvPr/>
         </p:nvCxnSpPr>
         <p:spPr>
           <a:xfrm>
-            <a:off x="8944824" y="6174463"/>
-            <a:ext cx="1908431" cy="0"/>
+            <a:off x="9587621" y="5969018"/>
+            <a:ext cx="1088255" cy="0"/>
           </a:xfrm>
           <a:prstGeom prst="straightConnector1">
             <a:avLst/>
           </a:prstGeom>
-          <a:ln>
+          <a:ln w="38100">
             <a:tailEnd type="triangle"/>
           </a:ln>
         </p:spPr>
@@ -8204,6 +8315,446 @@
           </a:fontRef>
         </p:style>
       </p:cxnSp>
+      <p:graphicFrame>
+        <p:nvGraphicFramePr>
+          <p:cNvPr id="6" name="Table 5">
+            <a:extLst>
+              <a:ext uri="{FF2B5EF4-FFF2-40B4-BE49-F238E27FC236}">
+                <a16:creationId xmlns:a16="http://schemas.microsoft.com/office/drawing/2014/main" id="{B6DE8CAD-902D-65EA-200E-592FF1011A53}"/>
+              </a:ext>
+            </a:extLst>
+          </p:cNvPr>
+          <p:cNvGraphicFramePr>
+            <a:graphicFrameLocks noGrp="1"/>
+          </p:cNvGraphicFramePr>
+          <p:nvPr>
+            <p:extLst>
+              <p:ext uri="{D42A27DB-BD31-4B8C-83A1-F6EECF244321}">
+                <p14:modId xmlns:p14="http://schemas.microsoft.com/office/powerpoint/2010/main" val="2397999315"/>
+              </p:ext>
+            </p:extLst>
+          </p:nvPr>
+        </p:nvGraphicFramePr>
+        <p:xfrm>
+          <a:off x="1231900" y="3998790"/>
+          <a:ext cx="9621355" cy="859638"/>
+        </p:xfrm>
+        <a:graphic>
+          <a:graphicData uri="http://schemas.openxmlformats.org/drawingml/2006/table">
+            <a:tbl>
+              <a:tblPr firstRow="1" bandRow="1">
+                <a:tableStyleId>{5940675A-B579-460E-94D1-54222C63F5DA}</a:tableStyleId>
+              </a:tblPr>
+              <a:tblGrid>
+                <a:gridCol w="1374479">
+                  <a:extLst>
+                    <a:ext uri="{9D8B030D-6E8A-4147-A177-3AD203B41FA5}">
+                      <a16:colId xmlns:a16="http://schemas.microsoft.com/office/drawing/2014/main" val="2529474545"/>
+                    </a:ext>
+                  </a:extLst>
+                </a:gridCol>
+                <a:gridCol w="1374479">
+                  <a:extLst>
+                    <a:ext uri="{9D8B030D-6E8A-4147-A177-3AD203B41FA5}">
+                      <a16:colId xmlns:a16="http://schemas.microsoft.com/office/drawing/2014/main" val="2202091731"/>
+                    </a:ext>
+                  </a:extLst>
+                </a:gridCol>
+                <a:gridCol w="1374479">
+                  <a:extLst>
+                    <a:ext uri="{9D8B030D-6E8A-4147-A177-3AD203B41FA5}">
+                      <a16:colId xmlns:a16="http://schemas.microsoft.com/office/drawing/2014/main" val="2960007540"/>
+                    </a:ext>
+                  </a:extLst>
+                </a:gridCol>
+                <a:gridCol w="1207388">
+                  <a:extLst>
+                    <a:ext uri="{9D8B030D-6E8A-4147-A177-3AD203B41FA5}">
+                      <a16:colId xmlns:a16="http://schemas.microsoft.com/office/drawing/2014/main" val="1732883119"/>
+                    </a:ext>
+                  </a:extLst>
+                </a:gridCol>
+                <a:gridCol w="936326">
+                  <a:extLst>
+                    <a:ext uri="{9D8B030D-6E8A-4147-A177-3AD203B41FA5}">
+                      <a16:colId xmlns:a16="http://schemas.microsoft.com/office/drawing/2014/main" val="1799478186"/>
+                    </a:ext>
+                  </a:extLst>
+                </a:gridCol>
+                <a:gridCol w="1282999">
+                  <a:extLst>
+                    <a:ext uri="{9D8B030D-6E8A-4147-A177-3AD203B41FA5}">
+                      <a16:colId xmlns:a16="http://schemas.microsoft.com/office/drawing/2014/main" val="1712071056"/>
+                    </a:ext>
+                  </a:extLst>
+                </a:gridCol>
+                <a:gridCol w="2071205">
+                  <a:extLst>
+                    <a:ext uri="{9D8B030D-6E8A-4147-A177-3AD203B41FA5}">
+                      <a16:colId xmlns:a16="http://schemas.microsoft.com/office/drawing/2014/main" val="18041483"/>
+                    </a:ext>
+                  </a:extLst>
+                </a:gridCol>
+              </a:tblGrid>
+              <a:tr h="380610">
+                <a:tc>
+                  <a:txBody>
+                    <a:bodyPr/>
+                    <a:lstStyle/>
+                    <a:p>
+                      <a:r>
+                        <a:rPr lang="en-US" dirty="0" err="1"/>
+                        <a:t>Paper_id</a:t>
+                      </a:r>
+                      <a:endParaRPr lang="en-US" dirty="0"/>
+                    </a:p>
+                  </a:txBody>
+                  <a:tcPr/>
+                </a:tc>
+                <a:tc>
+                  <a:txBody>
+                    <a:bodyPr/>
+                    <a:lstStyle/>
+                    <a:p>
+                      <a:r>
+                        <a:rPr lang="en-US" dirty="0"/>
+                        <a:t>W1</a:t>
+                      </a:r>
+                    </a:p>
+                  </a:txBody>
+                  <a:tcPr/>
+                </a:tc>
+                <a:tc>
+                  <a:txBody>
+                    <a:bodyPr/>
+                    <a:lstStyle/>
+                    <a:p>
+                      <a:r>
+                        <a:rPr lang="en-US" dirty="0"/>
+                        <a:t>W2</a:t>
+                      </a:r>
+                    </a:p>
+                  </a:txBody>
+                  <a:tcPr/>
+                </a:tc>
+                <a:tc>
+                  <a:txBody>
+                    <a:bodyPr/>
+                    <a:lstStyle/>
+                    <a:p>
+                      <a:r>
+                        <a:rPr lang="en-US" dirty="0"/>
+                        <a:t>W3</a:t>
+                      </a:r>
+                    </a:p>
+                  </a:txBody>
+                  <a:tcPr/>
+                </a:tc>
+                <a:tc>
+                  <a:txBody>
+                    <a:bodyPr/>
+                    <a:lstStyle/>
+                    <a:p>
+                      <a:r>
+                        <a:rPr lang="en-US" dirty="0"/>
+                        <a:t>…</a:t>
+                      </a:r>
+                    </a:p>
+                  </a:txBody>
+                  <a:tcPr/>
+                </a:tc>
+                <a:tc>
+                  <a:txBody>
+                    <a:bodyPr/>
+                    <a:lstStyle/>
+                    <a:p>
+                      <a:r>
+                        <a:rPr lang="en-US" dirty="0"/>
+                        <a:t>W1433</a:t>
+                      </a:r>
+                    </a:p>
+                  </a:txBody>
+                  <a:tcPr/>
+                </a:tc>
+                <a:tc>
+                  <a:txBody>
+                    <a:bodyPr/>
+                    <a:lstStyle/>
+                    <a:p>
+                      <a:r>
+                        <a:rPr lang="en-US" dirty="0" err="1"/>
+                        <a:t>Class_label</a:t>
+                      </a:r>
+                      <a:endParaRPr lang="en-US" dirty="0"/>
+                    </a:p>
+                  </a:txBody>
+                  <a:tcPr/>
+                </a:tc>
+                <a:extLst>
+                  <a:ext uri="{0D108BD9-81ED-4DB2-BD59-A6C34878D82A}">
+                    <a16:rowId xmlns:a16="http://schemas.microsoft.com/office/drawing/2014/main" val="1094716795"/>
+                  </a:ext>
+                </a:extLst>
+              </a:tr>
+              <a:tr h="479028">
+                <a:tc>
+                  <a:txBody>
+                    <a:bodyPr/>
+                    <a:lstStyle/>
+                    <a:p>
+                      <a:r>
+                        <a:rPr lang="en-US" dirty="0"/>
+                        <a:t>950052</a:t>
+                      </a:r>
+                    </a:p>
+                  </a:txBody>
+                  <a:tcPr/>
+                </a:tc>
+                <a:tc>
+                  <a:txBody>
+                    <a:bodyPr/>
+                    <a:lstStyle/>
+                    <a:p>
+                      <a:r>
+                        <a:rPr lang="en-US" dirty="0"/>
+                        <a:t>1</a:t>
+                      </a:r>
+                    </a:p>
+                  </a:txBody>
+                  <a:tcPr/>
+                </a:tc>
+                <a:tc>
+                  <a:txBody>
+                    <a:bodyPr/>
+                    <a:lstStyle/>
+                    <a:p>
+                      <a:r>
+                        <a:rPr lang="en-US" dirty="0"/>
+                        <a:t>0</a:t>
+                      </a:r>
+                    </a:p>
+                  </a:txBody>
+                  <a:tcPr/>
+                </a:tc>
+                <a:tc>
+                  <a:txBody>
+                    <a:bodyPr/>
+                    <a:lstStyle/>
+                    <a:p>
+                      <a:r>
+                        <a:rPr lang="en-US" dirty="0"/>
+                        <a:t>0</a:t>
+                      </a:r>
+                    </a:p>
+                  </a:txBody>
+                  <a:tcPr/>
+                </a:tc>
+                <a:tc>
+                  <a:txBody>
+                    <a:bodyPr/>
+                    <a:lstStyle/>
+                    <a:p>
+                      <a:r>
+                        <a:rPr lang="en-US" dirty="0"/>
+                        <a:t>…</a:t>
+                      </a:r>
+                    </a:p>
+                  </a:txBody>
+                  <a:tcPr/>
+                </a:tc>
+                <a:tc>
+                  <a:txBody>
+                    <a:bodyPr/>
+                    <a:lstStyle/>
+                    <a:p>
+                      <a:r>
+                        <a:rPr lang="en-US" dirty="0"/>
+                        <a:t>0</a:t>
+                      </a:r>
+                    </a:p>
+                  </a:txBody>
+                  <a:tcPr/>
+                </a:tc>
+                <a:tc>
+                  <a:txBody>
+                    <a:bodyPr/>
+                    <a:lstStyle/>
+                    <a:p>
+                      <a:r>
+                        <a:rPr lang="en-US" dirty="0" err="1"/>
+                        <a:t>Neural_Network</a:t>
+                      </a:r>
+                      <a:endParaRPr lang="en-US" dirty="0"/>
+                    </a:p>
+                  </a:txBody>
+                  <a:tcPr/>
+                </a:tc>
+                <a:extLst>
+                  <a:ext uri="{0D108BD9-81ED-4DB2-BD59-A6C34878D82A}">
+                    <a16:rowId xmlns:a16="http://schemas.microsoft.com/office/drawing/2014/main" val="300780840"/>
+                  </a:ext>
+                </a:extLst>
+              </a:tr>
+            </a:tbl>
+          </a:graphicData>
+        </a:graphic>
+      </p:graphicFrame>
+      <p:sp>
+        <p:nvSpPr>
+          <p:cNvPr id="8" name="Oval 7">
+            <a:extLst>
+              <a:ext uri="{FF2B5EF4-FFF2-40B4-BE49-F238E27FC236}">
+                <a16:creationId xmlns:a16="http://schemas.microsoft.com/office/drawing/2014/main" id="{CA4CC3AC-5EC4-B47F-2C6F-794FA4AB3CD8}"/>
+              </a:ext>
+            </a:extLst>
+          </p:cNvPr>
+          <p:cNvSpPr/>
+          <p:nvPr/>
+        </p:nvSpPr>
+        <p:spPr>
+          <a:xfrm>
+            <a:off x="8836183" y="5674780"/>
+            <a:ext cx="751438" cy="588475"/>
+          </a:xfrm>
+          <a:prstGeom prst="ellipse">
+            <a:avLst/>
+          </a:prstGeom>
+          <a:noFill/>
+        </p:spPr>
+        <p:style>
+          <a:lnRef idx="2">
+            <a:schemeClr val="accent1">
+              <a:shade val="15000"/>
+            </a:schemeClr>
+          </a:lnRef>
+          <a:fillRef idx="1">
+            <a:schemeClr val="accent1"/>
+          </a:fillRef>
+          <a:effectRef idx="0">
+            <a:schemeClr val="accent1"/>
+          </a:effectRef>
+          <a:fontRef idx="minor">
+            <a:schemeClr val="lt1"/>
+          </a:fontRef>
+        </p:style>
+        <p:txBody>
+          <a:bodyPr rtlCol="0" anchor="ctr"/>
+          <a:lstStyle/>
+          <a:p>
+            <a:pPr algn="ctr"/>
+            <a:r>
+              <a:rPr lang="en-US" dirty="0">
+                <a:solidFill>
+                  <a:sysClr val="windowText" lastClr="000000"/>
+                </a:solidFill>
+              </a:rPr>
+              <a:t>35</a:t>
+            </a:r>
+          </a:p>
+        </p:txBody>
+      </p:sp>
+      <p:sp>
+        <p:nvSpPr>
+          <p:cNvPr id="11" name="Oval 10">
+            <a:extLst>
+              <a:ext uri="{FF2B5EF4-FFF2-40B4-BE49-F238E27FC236}">
+                <a16:creationId xmlns:a16="http://schemas.microsoft.com/office/drawing/2014/main" id="{0F19577B-7594-4144-AAB0-1604A7378830}"/>
+              </a:ext>
+            </a:extLst>
+          </p:cNvPr>
+          <p:cNvSpPr/>
+          <p:nvPr/>
+        </p:nvSpPr>
+        <p:spPr>
+          <a:xfrm>
+            <a:off x="10675876" y="5674780"/>
+            <a:ext cx="966880" cy="588475"/>
+          </a:xfrm>
+          <a:prstGeom prst="ellipse">
+            <a:avLst/>
+          </a:prstGeom>
+          <a:noFill/>
+        </p:spPr>
+        <p:style>
+          <a:lnRef idx="2">
+            <a:schemeClr val="accent1">
+              <a:shade val="15000"/>
+            </a:schemeClr>
+          </a:lnRef>
+          <a:fillRef idx="1">
+            <a:schemeClr val="accent1"/>
+          </a:fillRef>
+          <a:effectRef idx="0">
+            <a:schemeClr val="accent1"/>
+          </a:effectRef>
+          <a:fontRef idx="minor">
+            <a:schemeClr val="lt1"/>
+          </a:fontRef>
+        </p:style>
+        <p:txBody>
+          <a:bodyPr rtlCol="0" anchor="ctr"/>
+          <a:lstStyle/>
+          <a:p>
+            <a:pPr algn="ctr"/>
+            <a:r>
+              <a:rPr lang="en-US" dirty="0">
+                <a:solidFill>
+                  <a:sysClr val="windowText" lastClr="000000"/>
+                </a:solidFill>
+              </a:rPr>
+              <a:t>1033</a:t>
+            </a:r>
+          </a:p>
+        </p:txBody>
+      </p:sp>
+      <p:sp>
+        <p:nvSpPr>
+          <p:cNvPr id="18" name="Rectangle 17">
+            <a:extLst>
+              <a:ext uri="{FF2B5EF4-FFF2-40B4-BE49-F238E27FC236}">
+                <a16:creationId xmlns:a16="http://schemas.microsoft.com/office/drawing/2014/main" id="{8AA44EEF-7204-5C49-D95A-D43587E6BBCA}"/>
+              </a:ext>
+            </a:extLst>
+          </p:cNvPr>
+          <p:cNvSpPr/>
+          <p:nvPr/>
+        </p:nvSpPr>
+        <p:spPr>
+          <a:xfrm>
+            <a:off x="9641943" y="5587248"/>
+            <a:ext cx="839652" cy="369332"/>
+          </a:xfrm>
+          <a:prstGeom prst="rect">
+            <a:avLst/>
+          </a:prstGeom>
+          <a:noFill/>
+        </p:spPr>
+        <p:txBody>
+          <a:bodyPr wrap="none" lIns="91440" tIns="45720" rIns="91440" bIns="45720">
+            <a:spAutoFit/>
+          </a:bodyPr>
+          <a:lstStyle/>
+          <a:p>
+            <a:pPr algn="ctr"/>
+            <a:r>
+              <a:rPr lang="en-US" b="0" cap="none" spc="0" dirty="0">
+                <a:ln w="0"/>
+                <a:solidFill>
+                  <a:schemeClr val="tx1"/>
+                </a:solidFill>
+                <a:effectLst>
+                  <a:outerShdw blurRad="38100" dist="19050" dir="2700000" algn="tl" rotWithShape="0">
+                    <a:schemeClr val="dk1">
+                      <a:alpha val="40000"/>
+                    </a:schemeClr>
+                  </a:outerShdw>
+                </a:effectLst>
+              </a:rPr>
+              <a:t>weight</a:t>
+            </a:r>
+          </a:p>
+        </p:txBody>
+      </p:sp>
     </p:spTree>
     <p:extLst>
       <p:ext uri="{BB962C8B-B14F-4D97-AF65-F5344CB8AC3E}">
@@ -8318,7 +8869,7 @@
             </a:pPr>
             <a:r>
               <a:rPr lang="en-US" dirty="0"/>
-              <a:t>The edges are loaded with the edges from file “</a:t>
+              <a:t>The edges are loaded from the file “</a:t>
             </a:r>
             <a:r>
               <a:rPr lang="en-US" dirty="0" err="1"/>

--- a/doc/Graph-Embedding Presentation.pptx
+++ b/doc/Graph-Embedding Presentation.pptx
@@ -6539,7 +6539,7 @@
         </p:nvSpPr>
         <p:spPr>
           <a:xfrm>
-            <a:off x="10945639" y="5920967"/>
+            <a:off x="10882265" y="6020555"/>
             <a:ext cx="389299" cy="181070"/>
           </a:xfrm>
           <a:prstGeom prst="rect">

--- a/doc/Graph-Embedding Presentation.pptx
+++ b/doc/Graph-Embedding Presentation.pptx
@@ -5,28 +5,30 @@
     <p:sldMasterId id="2147483648" r:id="rId1"/>
   </p:sldMasterIdLst>
   <p:notesMasterIdLst>
-    <p:notesMasterId r:id="rId21"/>
+    <p:notesMasterId r:id="rId23"/>
   </p:notesMasterIdLst>
   <p:sldIdLst>
     <p:sldId id="256" r:id="rId2"/>
-    <p:sldId id="257" r:id="rId3"/>
-    <p:sldId id="266" r:id="rId4"/>
-    <p:sldId id="267" r:id="rId5"/>
-    <p:sldId id="268" r:id="rId6"/>
-    <p:sldId id="265" r:id="rId7"/>
-    <p:sldId id="258" r:id="rId8"/>
-    <p:sldId id="270" r:id="rId9"/>
-    <p:sldId id="272" r:id="rId10"/>
-    <p:sldId id="269" r:id="rId11"/>
-    <p:sldId id="259" r:id="rId12"/>
-    <p:sldId id="271" r:id="rId13"/>
-    <p:sldId id="273" r:id="rId14"/>
-    <p:sldId id="274" r:id="rId15"/>
-    <p:sldId id="261" r:id="rId16"/>
-    <p:sldId id="262" r:id="rId17"/>
-    <p:sldId id="276" r:id="rId18"/>
-    <p:sldId id="263" r:id="rId19"/>
-    <p:sldId id="264" r:id="rId20"/>
+    <p:sldId id="277" r:id="rId3"/>
+    <p:sldId id="257" r:id="rId4"/>
+    <p:sldId id="266" r:id="rId5"/>
+    <p:sldId id="267" r:id="rId6"/>
+    <p:sldId id="268" r:id="rId7"/>
+    <p:sldId id="265" r:id="rId8"/>
+    <p:sldId id="258" r:id="rId9"/>
+    <p:sldId id="270" r:id="rId10"/>
+    <p:sldId id="272" r:id="rId11"/>
+    <p:sldId id="269" r:id="rId12"/>
+    <p:sldId id="259" r:id="rId13"/>
+    <p:sldId id="271" r:id="rId14"/>
+    <p:sldId id="273" r:id="rId15"/>
+    <p:sldId id="278" r:id="rId16"/>
+    <p:sldId id="274" r:id="rId17"/>
+    <p:sldId id="261" r:id="rId18"/>
+    <p:sldId id="262" r:id="rId19"/>
+    <p:sldId id="276" r:id="rId20"/>
+    <p:sldId id="263" r:id="rId21"/>
+    <p:sldId id="264" r:id="rId22"/>
   </p:sldIdLst>
   <p:sldSz cx="12192000" cy="6858000"/>
   <p:notesSz cx="6858000" cy="9144000"/>
@@ -215,7 +217,7 @@
           <a:p>
             <a:fld id="{40255490-F3EC-4464-B815-288EE6CB06A0}" type="datetimeFigureOut">
               <a:rPr lang="en-US" smtClean="0"/>
-              <a:t>1/19/2025</a:t>
+              <a:t>1/24/2025</a:t>
             </a:fld>
             <a:endParaRPr lang="en-US"/>
           </a:p>
@@ -653,7 +655,7 @@
           <a:p>
             <a:fld id="{AFC9B226-C9A0-4F2E-8FB6-1ABBD39453D5}" type="slidenum">
               <a:rPr lang="en-US" smtClean="0"/>
-              <a:t>9</a:t>
+              <a:t>10</a:t>
             </a:fld>
             <a:endParaRPr lang="en-US"/>
           </a:p>
@@ -904,7 +906,7 @@
           <a:p>
             <a:fld id="{AFC9B226-C9A0-4F2E-8FB6-1ABBD39453D5}" type="slidenum">
               <a:rPr lang="en-US" smtClean="0"/>
-              <a:t>16</a:t>
+              <a:t>18</a:t>
             </a:fld>
             <a:endParaRPr lang="en-US"/>
           </a:p>
@@ -1179,7 +1181,7 @@
           <a:p>
             <a:fld id="{AFC9B226-C9A0-4F2E-8FB6-1ABBD39453D5}" type="slidenum">
               <a:rPr lang="en-US" smtClean="0"/>
-              <a:t>17</a:t>
+              <a:t>19</a:t>
             </a:fld>
             <a:endParaRPr lang="en-US"/>
           </a:p>
@@ -1345,7 +1347,7 @@
           <a:p>
             <a:fld id="{6FC2E1BB-ABA2-49E9-A8D9-545C2DE0A0F4}" type="datetimeFigureOut">
               <a:rPr lang="en-US" smtClean="0"/>
-              <a:t>1/19/2025</a:t>
+              <a:t>1/24/2025</a:t>
             </a:fld>
             <a:endParaRPr lang="en-US"/>
           </a:p>
@@ -1543,7 +1545,7 @@
           <a:p>
             <a:fld id="{6FC2E1BB-ABA2-49E9-A8D9-545C2DE0A0F4}" type="datetimeFigureOut">
               <a:rPr lang="en-US" smtClean="0"/>
-              <a:t>1/19/2025</a:t>
+              <a:t>1/24/2025</a:t>
             </a:fld>
             <a:endParaRPr lang="en-US"/>
           </a:p>
@@ -1751,7 +1753,7 @@
           <a:p>
             <a:fld id="{6FC2E1BB-ABA2-49E9-A8D9-545C2DE0A0F4}" type="datetimeFigureOut">
               <a:rPr lang="en-US" smtClean="0"/>
-              <a:t>1/19/2025</a:t>
+              <a:t>1/24/2025</a:t>
             </a:fld>
             <a:endParaRPr lang="en-US"/>
           </a:p>
@@ -1949,7 +1951,7 @@
           <a:p>
             <a:fld id="{6FC2E1BB-ABA2-49E9-A8D9-545C2DE0A0F4}" type="datetimeFigureOut">
               <a:rPr lang="en-US" smtClean="0"/>
-              <a:t>1/19/2025</a:t>
+              <a:t>1/24/2025</a:t>
             </a:fld>
             <a:endParaRPr lang="en-US"/>
           </a:p>
@@ -2224,7 +2226,7 @@
           <a:p>
             <a:fld id="{6FC2E1BB-ABA2-49E9-A8D9-545C2DE0A0F4}" type="datetimeFigureOut">
               <a:rPr lang="en-US" smtClean="0"/>
-              <a:t>1/19/2025</a:t>
+              <a:t>1/24/2025</a:t>
             </a:fld>
             <a:endParaRPr lang="en-US"/>
           </a:p>
@@ -2489,7 +2491,7 @@
           <a:p>
             <a:fld id="{6FC2E1BB-ABA2-49E9-A8D9-545C2DE0A0F4}" type="datetimeFigureOut">
               <a:rPr lang="en-US" smtClean="0"/>
-              <a:t>1/19/2025</a:t>
+              <a:t>1/24/2025</a:t>
             </a:fld>
             <a:endParaRPr lang="en-US"/>
           </a:p>
@@ -2901,7 +2903,7 @@
           <a:p>
             <a:fld id="{6FC2E1BB-ABA2-49E9-A8D9-545C2DE0A0F4}" type="datetimeFigureOut">
               <a:rPr lang="en-US" smtClean="0"/>
-              <a:t>1/19/2025</a:t>
+              <a:t>1/24/2025</a:t>
             </a:fld>
             <a:endParaRPr lang="en-US"/>
           </a:p>
@@ -3042,7 +3044,7 @@
           <a:p>
             <a:fld id="{6FC2E1BB-ABA2-49E9-A8D9-545C2DE0A0F4}" type="datetimeFigureOut">
               <a:rPr lang="en-US" smtClean="0"/>
-              <a:t>1/19/2025</a:t>
+              <a:t>1/24/2025</a:t>
             </a:fld>
             <a:endParaRPr lang="en-US"/>
           </a:p>
@@ -3155,7 +3157,7 @@
           <a:p>
             <a:fld id="{6FC2E1BB-ABA2-49E9-A8D9-545C2DE0A0F4}" type="datetimeFigureOut">
               <a:rPr lang="en-US" smtClean="0"/>
-              <a:t>1/19/2025</a:t>
+              <a:t>1/24/2025</a:t>
             </a:fld>
             <a:endParaRPr lang="en-US"/>
           </a:p>
@@ -3466,7 +3468,7 @@
           <a:p>
             <a:fld id="{6FC2E1BB-ABA2-49E9-A8D9-545C2DE0A0F4}" type="datetimeFigureOut">
               <a:rPr lang="en-US" smtClean="0"/>
-              <a:t>1/19/2025</a:t>
+              <a:t>1/24/2025</a:t>
             </a:fld>
             <a:endParaRPr lang="en-US"/>
           </a:p>
@@ -3754,7 +3756,7 @@
           <a:p>
             <a:fld id="{6FC2E1BB-ABA2-49E9-A8D9-545C2DE0A0F4}" type="datetimeFigureOut">
               <a:rPr lang="en-US" smtClean="0"/>
-              <a:t>1/19/2025</a:t>
+              <a:t>1/24/2025</a:t>
             </a:fld>
             <a:endParaRPr lang="en-US"/>
           </a:p>
@@ -4025,7 +4027,7 @@
           <a:p>
             <a:fld id="{6FC2E1BB-ABA2-49E9-A8D9-545C2DE0A0F4}" type="datetimeFigureOut">
               <a:rPr lang="en-US" smtClean="0"/>
-              <a:t>1/19/2025</a:t>
+              <a:t>1/24/2025</a:t>
             </a:fld>
             <a:endParaRPr lang="en-US"/>
           </a:p>
@@ -4557,6 +4559,363 @@
   <p:cSld>
     <p:spTree>
       <p:nvGrpSpPr>
+        <p:cNvPr id="1" name="">
+          <a:extLst>
+            <a:ext uri="{FF2B5EF4-FFF2-40B4-BE49-F238E27FC236}">
+              <a16:creationId xmlns:a16="http://schemas.microsoft.com/office/drawing/2014/main" id="{68871001-9FD1-6359-0B20-3162E185E10A}"/>
+            </a:ext>
+          </a:extLst>
+        </p:cNvPr>
+        <p:cNvGrpSpPr/>
+        <p:nvPr/>
+      </p:nvGrpSpPr>
+      <p:grpSpPr>
+        <a:xfrm>
+          <a:off x="0" y="0"/>
+          <a:ext cx="0" cy="0"/>
+          <a:chOff x="0" y="0"/>
+          <a:chExt cx="0" cy="0"/>
+        </a:xfrm>
+      </p:grpSpPr>
+      <p:sp>
+        <p:nvSpPr>
+          <p:cNvPr id="2" name="Title 1">
+            <a:extLst>
+              <a:ext uri="{FF2B5EF4-FFF2-40B4-BE49-F238E27FC236}">
+                <a16:creationId xmlns:a16="http://schemas.microsoft.com/office/drawing/2014/main" id="{94865DF6-9E9A-D57B-BEE0-EB25F854ADB0}"/>
+              </a:ext>
+            </a:extLst>
+          </p:cNvPr>
+          <p:cNvSpPr>
+            <a:spLocks noGrp="1"/>
+          </p:cNvSpPr>
+          <p:nvPr>
+            <p:ph type="title"/>
+          </p:nvPr>
+        </p:nvSpPr>
+        <p:spPr/>
+        <p:txBody>
+          <a:bodyPr/>
+          <a:lstStyle/>
+          <a:p>
+            <a:r>
+              <a:rPr lang="en-US" dirty="0"/>
+              <a:t>Prepare the dataset</a:t>
+            </a:r>
+          </a:p>
+        </p:txBody>
+      </p:sp>
+      <p:sp>
+        <p:nvSpPr>
+          <p:cNvPr id="3" name="Content Placeholder 2">
+            <a:extLst>
+              <a:ext uri="{FF2B5EF4-FFF2-40B4-BE49-F238E27FC236}">
+                <a16:creationId xmlns:a16="http://schemas.microsoft.com/office/drawing/2014/main" id="{CDFB5A22-1F47-7F82-4E12-EFDE04BE1A88}"/>
+              </a:ext>
+            </a:extLst>
+          </p:cNvPr>
+          <p:cNvSpPr>
+            <a:spLocks noGrp="1"/>
+          </p:cNvSpPr>
+          <p:nvPr>
+            <p:ph idx="1"/>
+          </p:nvPr>
+        </p:nvSpPr>
+        <p:spPr>
+          <a:xfrm>
+            <a:off x="838199" y="1475715"/>
+            <a:ext cx="11188485" cy="5382285"/>
+          </a:xfrm>
+        </p:spPr>
+        <p:txBody>
+          <a:bodyPr>
+            <a:normAutofit/>
+          </a:bodyPr>
+          <a:lstStyle/>
+          <a:p>
+            <a:pPr marL="0" indent="0">
+              <a:buNone/>
+            </a:pPr>
+            <a:r>
+              <a:rPr lang="en-US" dirty="0"/>
+              <a:t>The vertexes are loaded from the “</a:t>
+            </a:r>
+            <a:r>
+              <a:rPr lang="en-US" dirty="0" err="1"/>
+              <a:t>Cora.content</a:t>
+            </a:r>
+            <a:r>
+              <a:rPr lang="en-US" dirty="0"/>
+              <a:t>” file </a:t>
+            </a:r>
+          </a:p>
+          <a:p>
+            <a:pPr marL="0" indent="0">
+              <a:buNone/>
+            </a:pPr>
+            <a:r>
+              <a:rPr lang="en-US" dirty="0"/>
+              <a:t>The edges are loaded from the file “</a:t>
+            </a:r>
+            <a:r>
+              <a:rPr lang="en-US" dirty="0" err="1"/>
+              <a:t>Cora.cites</a:t>
+            </a:r>
+            <a:r>
+              <a:rPr lang="en-US" dirty="0"/>
+              <a:t>” file</a:t>
+            </a:r>
+          </a:p>
+          <a:p>
+            <a:pPr marL="0" indent="0">
+              <a:buNone/>
+            </a:pPr>
+            <a:r>
+              <a:rPr lang="en-US" dirty="0"/>
+              <a:t>Both are converted to a </a:t>
+            </a:r>
+            <a:r>
+              <a:rPr lang="en-US" dirty="0" err="1"/>
+              <a:t>diGraph</a:t>
+            </a:r>
+            <a:r>
+              <a:rPr lang="en-US" dirty="0"/>
+              <a:t> from the </a:t>
+            </a:r>
+            <a:r>
+              <a:rPr lang="en-US" dirty="0" err="1"/>
+              <a:t>networkxx</a:t>
+            </a:r>
+            <a:r>
+              <a:rPr lang="en-US" dirty="0"/>
+              <a:t> library</a:t>
+            </a:r>
+          </a:p>
+          <a:p>
+            <a:pPr marL="0" indent="0">
+              <a:buNone/>
+            </a:pPr>
+            <a:r>
+              <a:rPr lang="en-US" dirty="0"/>
+              <a:t>Both vertexes and edges are given probability using the Alias method.</a:t>
+            </a:r>
+          </a:p>
+        </p:txBody>
+      </p:sp>
+      <p:sp>
+        <p:nvSpPr>
+          <p:cNvPr id="4" name="Content Placeholder 2">
+            <a:extLst>
+              <a:ext uri="{FF2B5EF4-FFF2-40B4-BE49-F238E27FC236}">
+                <a16:creationId xmlns:a16="http://schemas.microsoft.com/office/drawing/2014/main" id="{3933FFB7-C1F6-751F-8A85-5FBED969E8F2}"/>
+              </a:ext>
+            </a:extLst>
+          </p:cNvPr>
+          <p:cNvSpPr txBox="1">
+            <a:spLocks/>
+          </p:cNvSpPr>
+          <p:nvPr/>
+        </p:nvSpPr>
+        <p:spPr>
+          <a:xfrm>
+            <a:off x="838198" y="5269424"/>
+            <a:ext cx="11188485" cy="1325562"/>
+          </a:xfrm>
+          <a:prstGeom prst="rect">
+            <a:avLst/>
+          </a:prstGeom>
+        </p:spPr>
+        <p:txBody>
+          <a:bodyPr vert="horz" lIns="91440" tIns="45720" rIns="91440" bIns="45720" rtlCol="0">
+            <a:normAutofit/>
+          </a:bodyPr>
+          <a:lstStyle>
+            <a:lvl1pPr marL="228600" indent="-228600" algn="l" defTabSz="914400" rtl="0" eaLnBrk="1" latinLnBrk="0" hangingPunct="1">
+              <a:lnSpc>
+                <a:spcPct val="90000"/>
+              </a:lnSpc>
+              <a:spcBef>
+                <a:spcPts val="1000"/>
+              </a:spcBef>
+              <a:buFont typeface="Arial" panose="020B0604020202020204" pitchFamily="34" charset="0"/>
+              <a:buChar char="•"/>
+              <a:defRPr sz="2800" kern="1200">
+                <a:solidFill>
+                  <a:schemeClr val="tx1"/>
+                </a:solidFill>
+                <a:latin typeface="+mn-lt"/>
+                <a:ea typeface="+mn-ea"/>
+                <a:cs typeface="+mn-cs"/>
+              </a:defRPr>
+            </a:lvl1pPr>
+            <a:lvl2pPr marL="685800" indent="-228600" algn="l" defTabSz="914400" rtl="0" eaLnBrk="1" latinLnBrk="0" hangingPunct="1">
+              <a:lnSpc>
+                <a:spcPct val="90000"/>
+              </a:lnSpc>
+              <a:spcBef>
+                <a:spcPts val="500"/>
+              </a:spcBef>
+              <a:buFont typeface="Arial" panose="020B0604020202020204" pitchFamily="34" charset="0"/>
+              <a:buChar char="•"/>
+              <a:defRPr sz="2400" kern="1200">
+                <a:solidFill>
+                  <a:schemeClr val="tx1"/>
+                </a:solidFill>
+                <a:latin typeface="+mn-lt"/>
+                <a:ea typeface="+mn-ea"/>
+                <a:cs typeface="+mn-cs"/>
+              </a:defRPr>
+            </a:lvl2pPr>
+            <a:lvl3pPr marL="1143000" indent="-228600" algn="l" defTabSz="914400" rtl="0" eaLnBrk="1" latinLnBrk="0" hangingPunct="1">
+              <a:lnSpc>
+                <a:spcPct val="90000"/>
+              </a:lnSpc>
+              <a:spcBef>
+                <a:spcPts val="500"/>
+              </a:spcBef>
+              <a:buFont typeface="Arial" panose="020B0604020202020204" pitchFamily="34" charset="0"/>
+              <a:buChar char="•"/>
+              <a:defRPr sz="2000" kern="1200">
+                <a:solidFill>
+                  <a:schemeClr val="tx1"/>
+                </a:solidFill>
+                <a:latin typeface="+mn-lt"/>
+                <a:ea typeface="+mn-ea"/>
+                <a:cs typeface="+mn-cs"/>
+              </a:defRPr>
+            </a:lvl3pPr>
+            <a:lvl4pPr marL="1600200" indent="-228600" algn="l" defTabSz="914400" rtl="0" eaLnBrk="1" latinLnBrk="0" hangingPunct="1">
+              <a:lnSpc>
+                <a:spcPct val="90000"/>
+              </a:lnSpc>
+              <a:spcBef>
+                <a:spcPts val="500"/>
+              </a:spcBef>
+              <a:buFont typeface="Arial" panose="020B0604020202020204" pitchFamily="34" charset="0"/>
+              <a:buChar char="•"/>
+              <a:defRPr sz="1800" kern="1200">
+                <a:solidFill>
+                  <a:schemeClr val="tx1"/>
+                </a:solidFill>
+                <a:latin typeface="+mn-lt"/>
+                <a:ea typeface="+mn-ea"/>
+                <a:cs typeface="+mn-cs"/>
+              </a:defRPr>
+            </a:lvl4pPr>
+            <a:lvl5pPr marL="2057400" indent="-228600" algn="l" defTabSz="914400" rtl="0" eaLnBrk="1" latinLnBrk="0" hangingPunct="1">
+              <a:lnSpc>
+                <a:spcPct val="90000"/>
+              </a:lnSpc>
+              <a:spcBef>
+                <a:spcPts val="500"/>
+              </a:spcBef>
+              <a:buFont typeface="Arial" panose="020B0604020202020204" pitchFamily="34" charset="0"/>
+              <a:buChar char="•"/>
+              <a:defRPr sz="1800" kern="1200">
+                <a:solidFill>
+                  <a:schemeClr val="tx1"/>
+                </a:solidFill>
+                <a:latin typeface="+mn-lt"/>
+                <a:ea typeface="+mn-ea"/>
+                <a:cs typeface="+mn-cs"/>
+              </a:defRPr>
+            </a:lvl5pPr>
+            <a:lvl6pPr marL="2514600" indent="-228600" algn="l" defTabSz="914400" rtl="0" eaLnBrk="1" latinLnBrk="0" hangingPunct="1">
+              <a:lnSpc>
+                <a:spcPct val="90000"/>
+              </a:lnSpc>
+              <a:spcBef>
+                <a:spcPts val="500"/>
+              </a:spcBef>
+              <a:buFont typeface="Arial" panose="020B0604020202020204" pitchFamily="34" charset="0"/>
+              <a:buChar char="•"/>
+              <a:defRPr sz="1800" kern="1200">
+                <a:solidFill>
+                  <a:schemeClr val="tx1"/>
+                </a:solidFill>
+                <a:latin typeface="+mn-lt"/>
+                <a:ea typeface="+mn-ea"/>
+                <a:cs typeface="+mn-cs"/>
+              </a:defRPr>
+            </a:lvl6pPr>
+            <a:lvl7pPr marL="2971800" indent="-228600" algn="l" defTabSz="914400" rtl="0" eaLnBrk="1" latinLnBrk="0" hangingPunct="1">
+              <a:lnSpc>
+                <a:spcPct val="90000"/>
+              </a:lnSpc>
+              <a:spcBef>
+                <a:spcPts val="500"/>
+              </a:spcBef>
+              <a:buFont typeface="Arial" panose="020B0604020202020204" pitchFamily="34" charset="0"/>
+              <a:buChar char="•"/>
+              <a:defRPr sz="1800" kern="1200">
+                <a:solidFill>
+                  <a:schemeClr val="tx1"/>
+                </a:solidFill>
+                <a:latin typeface="+mn-lt"/>
+                <a:ea typeface="+mn-ea"/>
+                <a:cs typeface="+mn-cs"/>
+              </a:defRPr>
+            </a:lvl7pPr>
+            <a:lvl8pPr marL="3429000" indent="-228600" algn="l" defTabSz="914400" rtl="0" eaLnBrk="1" latinLnBrk="0" hangingPunct="1">
+              <a:lnSpc>
+                <a:spcPct val="90000"/>
+              </a:lnSpc>
+              <a:spcBef>
+                <a:spcPts val="500"/>
+              </a:spcBef>
+              <a:buFont typeface="Arial" panose="020B0604020202020204" pitchFamily="34" charset="0"/>
+              <a:buChar char="•"/>
+              <a:defRPr sz="1800" kern="1200">
+                <a:solidFill>
+                  <a:schemeClr val="tx1"/>
+                </a:solidFill>
+                <a:latin typeface="+mn-lt"/>
+                <a:ea typeface="+mn-ea"/>
+                <a:cs typeface="+mn-cs"/>
+              </a:defRPr>
+            </a:lvl8pPr>
+            <a:lvl9pPr marL="3886200" indent="-228600" algn="l" defTabSz="914400" rtl="0" eaLnBrk="1" latinLnBrk="0" hangingPunct="1">
+              <a:lnSpc>
+                <a:spcPct val="90000"/>
+              </a:lnSpc>
+              <a:spcBef>
+                <a:spcPts val="500"/>
+              </a:spcBef>
+              <a:buFont typeface="Arial" panose="020B0604020202020204" pitchFamily="34" charset="0"/>
+              <a:buChar char="•"/>
+              <a:defRPr sz="1800" kern="1200">
+                <a:solidFill>
+                  <a:schemeClr val="tx1"/>
+                </a:solidFill>
+                <a:latin typeface="+mn-lt"/>
+                <a:ea typeface="+mn-ea"/>
+                <a:cs typeface="+mn-cs"/>
+              </a:defRPr>
+            </a:lvl9pPr>
+          </a:lstStyle>
+          <a:p>
+            <a:endParaRPr lang="en-US" dirty="0"/>
+          </a:p>
+        </p:txBody>
+      </p:sp>
+    </p:spTree>
+    <p:extLst>
+      <p:ext uri="{BB962C8B-B14F-4D97-AF65-F5344CB8AC3E}">
+        <p14:creationId xmlns:p14="http://schemas.microsoft.com/office/powerpoint/2010/main" val="3641279483"/>
+      </p:ext>
+    </p:extLst>
+  </p:cSld>
+  <p:clrMapOvr>
+    <a:masterClrMapping/>
+  </p:clrMapOvr>
+</p:sld>
+</file>
+
+<file path=ppt/slides/slide11.xml><?xml version="1.0" encoding="utf-8"?>
+<p:sld xmlns:a="http://schemas.openxmlformats.org/drawingml/2006/main" xmlns:r="http://schemas.openxmlformats.org/officeDocument/2006/relationships" xmlns:p="http://schemas.openxmlformats.org/presentationml/2006/main">
+  <p:cSld>
+    <p:spTree>
+      <p:nvGrpSpPr>
         <p:cNvPr id="1" name=""/>
         <p:cNvGrpSpPr/>
         <p:nvPr/>
@@ -4734,7 +5093,7 @@
 </p:sld>
 </file>
 
-<file path=ppt/slides/slide11.xml><?xml version="1.0" encoding="utf-8"?>
+<file path=ppt/slides/slide12.xml><?xml version="1.0" encoding="utf-8"?>
 <p:sld xmlns:a="http://schemas.openxmlformats.org/drawingml/2006/main" xmlns:r="http://schemas.openxmlformats.org/officeDocument/2006/relationships" xmlns:p="http://schemas.openxmlformats.org/presentationml/2006/main">
   <p:cSld>
     <p:spTree>
@@ -4789,59 +5148,24 @@
           </a:p>
         </p:txBody>
       </p:sp>
-      <p:pic>
-        <p:nvPicPr>
-          <p:cNvPr id="5" name="Content Placeholder 4" descr="A screenshot of a math program&#10;&#10;Description automatically generated">
-            <a:extLst>
-              <a:ext uri="{FF2B5EF4-FFF2-40B4-BE49-F238E27FC236}">
-                <a16:creationId xmlns:a16="http://schemas.microsoft.com/office/drawing/2014/main" id="{3A68E44D-794E-4D51-FA90-FC3554E12D17}"/>
-              </a:ext>
-            </a:extLst>
-          </p:cNvPr>
-          <p:cNvPicPr>
-            <a:picLocks noGrp="1" noChangeAspect="1"/>
-          </p:cNvPicPr>
-          <p:nvPr>
-            <p:ph idx="1"/>
-          </p:nvPr>
-        </p:nvPicPr>
-        <p:blipFill>
-          <a:blip r:embed="rId2">
-            <a:extLst>
-              <a:ext uri="{28A0092B-C50C-407E-A947-70E740481C1C}">
-                <a14:useLocalDpi xmlns:a14="http://schemas.microsoft.com/office/drawing/2010/main" val="0"/>
-              </a:ext>
-            </a:extLst>
-          </a:blip>
-          <a:stretch>
-            <a:fillRect/>
-          </a:stretch>
-        </p:blipFill>
+      <p:sp>
+        <p:nvSpPr>
+          <p:cNvPr id="6" name="Content Placeholder 2">
+            <a:extLst>
+              <a:ext uri="{FF2B5EF4-FFF2-40B4-BE49-F238E27FC236}">
+                <a16:creationId xmlns:a16="http://schemas.microsoft.com/office/drawing/2014/main" id="{9546ECDE-31D7-135D-A2EC-E3D94E2C42F2}"/>
+              </a:ext>
+            </a:extLst>
+          </p:cNvPr>
+          <p:cNvSpPr txBox="1">
+            <a:spLocks/>
+          </p:cNvSpPr>
+          <p:nvPr/>
+        </p:nvSpPr>
         <p:spPr>
           <a:xfrm>
-            <a:off x="8146473" y="110837"/>
-            <a:ext cx="3943927" cy="2862164"/>
-          </a:xfrm>
-        </p:spPr>
-      </p:pic>
-      <p:sp>
-        <p:nvSpPr>
-          <p:cNvPr id="6" name="Content Placeholder 2">
-            <a:extLst>
-              <a:ext uri="{FF2B5EF4-FFF2-40B4-BE49-F238E27FC236}">
-                <a16:creationId xmlns:a16="http://schemas.microsoft.com/office/drawing/2014/main" id="{9546ECDE-31D7-135D-A2EC-E3D94E2C42F2}"/>
-              </a:ext>
-            </a:extLst>
-          </p:cNvPr>
-          <p:cNvSpPr txBox="1">
-            <a:spLocks/>
-          </p:cNvSpPr>
-          <p:nvPr/>
-        </p:nvSpPr>
-        <p:spPr>
-          <a:xfrm>
-            <a:off x="276885" y="1438489"/>
-            <a:ext cx="7869588" cy="5054386"/>
+            <a:off x="276885" y="2238375"/>
+            <a:ext cx="11823040" cy="4254500"/>
           </a:xfrm>
           <a:prstGeom prst="rect">
             <a:avLst/>
@@ -4849,7 +5173,7 @@
         </p:spPr>
         <p:txBody>
           <a:bodyPr vert="horz" lIns="91440" tIns="45720" rIns="91440" bIns="45720" rtlCol="0">
-            <a:normAutofit lnSpcReduction="10000"/>
+            <a:normAutofit fontScale="92500" lnSpcReduction="10000"/>
           </a:bodyPr>
           <a:lstStyle>
             <a:lvl1pPr marL="228600" indent="-228600" algn="l" defTabSz="914400" rtl="0" eaLnBrk="1" latinLnBrk="0" hangingPunct="1">
@@ -5149,58 +5473,22 @@
           </a:p>
         </p:txBody>
       </p:sp>
-      <p:pic>
-        <p:nvPicPr>
-          <p:cNvPr id="8" name="Picture 7" descr="A white background with black text&#10;&#10;Description automatically generated">
-            <a:extLst>
-              <a:ext uri="{FF2B5EF4-FFF2-40B4-BE49-F238E27FC236}">
-                <a16:creationId xmlns:a16="http://schemas.microsoft.com/office/drawing/2014/main" id="{2DD0505E-A725-EB21-DBE8-0156BA815B15}"/>
-              </a:ext>
-            </a:extLst>
-          </p:cNvPr>
-          <p:cNvPicPr>
-            <a:picLocks noChangeAspect="1"/>
-          </p:cNvPicPr>
+      <p:sp>
+        <p:nvSpPr>
+          <p:cNvPr id="9" name="Rectangle 8">
+            <a:extLst>
+              <a:ext uri="{FF2B5EF4-FFF2-40B4-BE49-F238E27FC236}">
+                <a16:creationId xmlns:a16="http://schemas.microsoft.com/office/drawing/2014/main" id="{3FC3D4ED-F141-A7F3-9F6E-89D54E57E725}"/>
+              </a:ext>
+            </a:extLst>
+          </p:cNvPr>
+          <p:cNvSpPr/>
           <p:nvPr/>
-        </p:nvPicPr>
-        <p:blipFill>
-          <a:blip r:embed="rId3">
-            <a:extLst>
-              <a:ext uri="{28A0092B-C50C-407E-A947-70E740481C1C}">
-                <a14:useLocalDpi xmlns:a14="http://schemas.microsoft.com/office/drawing/2010/main" val="0"/>
-              </a:ext>
-            </a:extLst>
-          </a:blip>
-          <a:stretch>
-            <a:fillRect/>
-          </a:stretch>
-        </p:blipFill>
+        </p:nvSpPr>
         <p:spPr>
           <a:xfrm>
-            <a:off x="8146472" y="3097780"/>
-            <a:ext cx="3943927" cy="1415925"/>
-          </a:xfrm>
-          <a:prstGeom prst="rect">
-            <a:avLst/>
-          </a:prstGeom>
-        </p:spPr>
-      </p:pic>
-      <p:sp>
-        <p:nvSpPr>
-          <p:cNvPr id="9" name="Rectangle 8">
-            <a:extLst>
-              <a:ext uri="{FF2B5EF4-FFF2-40B4-BE49-F238E27FC236}">
-                <a16:creationId xmlns:a16="http://schemas.microsoft.com/office/drawing/2014/main" id="{3FC3D4ED-F141-A7F3-9F6E-89D54E57E725}"/>
-              </a:ext>
-            </a:extLst>
-          </p:cNvPr>
-          <p:cNvSpPr/>
-          <p:nvPr/>
-        </p:nvSpPr>
-        <p:spPr>
-          <a:xfrm>
-            <a:off x="9203910" y="4513705"/>
-            <a:ext cx="2886490" cy="830997"/>
+            <a:off x="9213435" y="5661878"/>
+            <a:ext cx="2886490" cy="1077218"/>
           </a:xfrm>
           <a:prstGeom prst="rect">
             <a:avLst/>
@@ -5216,7 +5504,7 @@
             <a:pPr algn="ctr"/>
             <a:r>
               <a:rPr lang="en-US" sz="1600" dirty="0"/>
-              <a:t>maximizes the co-occurrence probability among the words that appear within a window, w</a:t>
+              <a:t> Skip-Gram - maximizes the co-occurrence probability among the words that appear within a window, w</a:t>
             </a:r>
             <a:endParaRPr lang="en-US" sz="1600" b="0" cap="none" spc="0" dirty="0">
               <a:ln w="0"/>
@@ -5234,138 +5522,12 @@
           </a:p>
         </p:txBody>
       </p:sp>
-    </p:spTree>
-    <p:extLst>
-      <p:ext uri="{BB962C8B-B14F-4D97-AF65-F5344CB8AC3E}">
-        <p14:creationId xmlns:p14="http://schemas.microsoft.com/office/powerpoint/2010/main" val="31138926"/>
-      </p:ext>
-    </p:extLst>
-  </p:cSld>
-  <p:clrMapOvr>
-    <a:masterClrMapping/>
-  </p:clrMapOvr>
-</p:sld>
-</file>
-
-<file path=ppt/slides/slide12.xml><?xml version="1.0" encoding="utf-8"?>
-<p:sld xmlns:a="http://schemas.openxmlformats.org/drawingml/2006/main" xmlns:r="http://schemas.openxmlformats.org/officeDocument/2006/relationships" xmlns:p="http://schemas.openxmlformats.org/presentationml/2006/main">
-  <p:cSld>
-    <p:spTree>
-      <p:nvGrpSpPr>
-        <p:cNvPr id="1" name=""/>
-        <p:cNvGrpSpPr/>
-        <p:nvPr/>
-      </p:nvGrpSpPr>
-      <p:grpSpPr>
-        <a:xfrm>
-          <a:off x="0" y="0"/>
-          <a:ext cx="0" cy="0"/>
-          <a:chOff x="0" y="0"/>
-          <a:chExt cx="0" cy="0"/>
-        </a:xfrm>
-      </p:grpSpPr>
-      <p:sp>
-        <p:nvSpPr>
-          <p:cNvPr id="2" name="Title 1">
-            <a:extLst>
-              <a:ext uri="{FF2B5EF4-FFF2-40B4-BE49-F238E27FC236}">
-                <a16:creationId xmlns:a16="http://schemas.microsoft.com/office/drawing/2014/main" id="{39897392-3213-63F9-7924-BD365813D73D}"/>
-              </a:ext>
-            </a:extLst>
-          </p:cNvPr>
-          <p:cNvSpPr>
-            <a:spLocks noGrp="1"/>
-          </p:cNvSpPr>
-          <p:nvPr>
-            <p:ph type="title"/>
-          </p:nvPr>
-        </p:nvSpPr>
-        <p:spPr/>
-        <p:txBody>
-          <a:bodyPr/>
-          <a:lstStyle/>
-          <a:p>
-            <a:r>
-              <a:rPr lang="en-US" dirty="0"/>
-              <a:t>Node2Vec</a:t>
-            </a:r>
-          </a:p>
-        </p:txBody>
-      </p:sp>
-      <p:sp>
-        <p:nvSpPr>
-          <p:cNvPr id="3" name="Content Placeholder 2">
-            <a:extLst>
-              <a:ext uri="{FF2B5EF4-FFF2-40B4-BE49-F238E27FC236}">
-                <a16:creationId xmlns:a16="http://schemas.microsoft.com/office/drawing/2014/main" id="{6F10ACF6-7BDE-1486-9569-7623BFC4298D}"/>
-              </a:ext>
-            </a:extLst>
-          </p:cNvPr>
-          <p:cNvSpPr>
-            <a:spLocks noGrp="1"/>
-          </p:cNvSpPr>
-          <p:nvPr>
-            <p:ph idx="1"/>
-          </p:nvPr>
-        </p:nvSpPr>
-        <p:spPr>
-          <a:xfrm>
-            <a:off x="0" y="1594427"/>
-            <a:ext cx="8562108" cy="4898448"/>
-          </a:xfrm>
-        </p:spPr>
-        <p:txBody>
-          <a:bodyPr>
-            <a:normAutofit/>
-          </a:bodyPr>
-          <a:lstStyle/>
-          <a:p>
-            <a:pPr marL="0" indent="0">
-              <a:buNone/>
-            </a:pPr>
-            <a:r>
-              <a:rPr lang="en-US" b="1" i="0" dirty="0">
-                <a:effectLst/>
-                <a:latin typeface="gg sans"/>
-              </a:rPr>
-              <a:t>Node2Vec</a:t>
-            </a:r>
-            <a:r>
-              <a:rPr lang="en-US" b="0" i="0" dirty="0">
-                <a:effectLst/>
-                <a:latin typeface="gg sans"/>
-              </a:rPr>
-              <a:t>, controls the navigation of the nodes in the random walks with two parameters p (return parameter) and q (in-out parameter) that control the bias of the random walks. </a:t>
-            </a:r>
-          </a:p>
-          <a:p>
-            <a:pPr marL="0" indent="0">
-              <a:buNone/>
-            </a:pPr>
-            <a:endParaRPr lang="en-US" dirty="0">
-              <a:latin typeface="gg sans"/>
-            </a:endParaRPr>
-          </a:p>
-          <a:p>
-            <a:pPr marL="0" indent="0">
-              <a:buNone/>
-            </a:pPr>
-            <a:r>
-              <a:rPr lang="en-US" b="0" i="0" dirty="0">
-                <a:effectLst/>
-                <a:latin typeface="gg sans"/>
-              </a:rPr>
-              <a:t>This allows Node2Vec to perform biased random walks. The algorithm can switch between exploration (broadly exploring the graph) and exploitation (focusing on nearby nodes), enabling it to capture both local and global structure in the graph.</a:t>
-            </a:r>
-          </a:p>
-        </p:txBody>
-      </p:sp>
       <p:pic>
         <p:nvPicPr>
-          <p:cNvPr id="5" name="Picture 4" descr="A screenshot of a computer program&#10;&#10;Description automatically generated">
-            <a:extLst>
-              <a:ext uri="{FF2B5EF4-FFF2-40B4-BE49-F238E27FC236}">
-                <a16:creationId xmlns:a16="http://schemas.microsoft.com/office/drawing/2014/main" id="{8E9D4C8C-1E47-4394-4C68-0A58C616A089}"/>
+          <p:cNvPr id="10" name="Picture 9" descr="A diagram of a number of circles&#10;&#10;Description automatically generated">
+            <a:extLst>
+              <a:ext uri="{FF2B5EF4-FFF2-40B4-BE49-F238E27FC236}">
+                <a16:creationId xmlns:a16="http://schemas.microsoft.com/office/drawing/2014/main" id="{1A802AC9-CDC7-679D-14C2-DC15CF7EAB78}"/>
               </a:ext>
             </a:extLst>
           </p:cNvPr>
@@ -5388,93 +5550,18 @@
         </p:blipFill>
         <p:spPr>
           <a:xfrm>
-            <a:off x="8562108" y="0"/>
-            <a:ext cx="3629891" cy="3363627"/>
+            <a:off x="5353043" y="118902"/>
+            <a:ext cx="6746883" cy="1873251"/>
           </a:xfrm>
           <a:prstGeom prst="rect">
             <a:avLst/>
           </a:prstGeom>
         </p:spPr>
       </p:pic>
-      <p:sp>
-        <p:nvSpPr>
-          <p:cNvPr id="7" name="TextBox 6">
-            <a:extLst>
-              <a:ext uri="{FF2B5EF4-FFF2-40B4-BE49-F238E27FC236}">
-                <a16:creationId xmlns:a16="http://schemas.microsoft.com/office/drawing/2014/main" id="{8E97C5BC-5016-AF19-A6AD-1C7CAF05D9D7}"/>
-              </a:ext>
-            </a:extLst>
-          </p:cNvPr>
-          <p:cNvSpPr txBox="1"/>
-          <p:nvPr/>
-        </p:nvSpPr>
-        <p:spPr>
-          <a:xfrm>
-            <a:off x="8562108" y="3261457"/>
-            <a:ext cx="3694546" cy="2800767"/>
-          </a:xfrm>
-          <a:prstGeom prst="rect">
-            <a:avLst/>
-          </a:prstGeom>
-          <a:noFill/>
-        </p:spPr>
-        <p:txBody>
-          <a:bodyPr wrap="square">
-            <a:spAutoFit/>
-          </a:bodyPr>
-          <a:lstStyle/>
-          <a:p>
-            <a:pPr algn="l" fontAlgn="base"/>
-            <a:endParaRPr lang="en-US" sz="1600" b="0" i="0" dirty="0">
-              <a:solidFill>
-                <a:srgbClr val="000000"/>
-              </a:solidFill>
-              <a:effectLst/>
-              <a:latin typeface="inherit"/>
-            </a:endParaRPr>
-          </a:p>
-          <a:p>
-            <a:pPr algn="l" fontAlgn="base"/>
-            <a:r>
-              <a:rPr lang="en-US" sz="1600" b="0" i="0" dirty="0">
-                <a:solidFill>
-                  <a:srgbClr val="000000"/>
-                </a:solidFill>
-                <a:effectLst/>
-                <a:latin typeface="inherit"/>
-              </a:rPr>
-              <a:t>p - controls the likelihood of revisiting the previous node in a random walk. A higher p value means the walk is less likely to return to the previous node, encouraging exploration of new nodes. </a:t>
-            </a:r>
-          </a:p>
-          <a:p>
-            <a:pPr algn="l" fontAlgn="base"/>
-            <a:endParaRPr lang="en-US" sz="1600" b="0" i="0" dirty="0">
-              <a:solidFill>
-                <a:srgbClr val="000000"/>
-              </a:solidFill>
-              <a:effectLst/>
-              <a:latin typeface="inherit"/>
-            </a:endParaRPr>
-          </a:p>
-          <a:p>
-            <a:pPr algn="l" fontAlgn="base"/>
-            <a:r>
-              <a:rPr lang="en-US" sz="1600" b="0" i="0" dirty="0">
-                <a:solidFill>
-                  <a:srgbClr val="000000"/>
-                </a:solidFill>
-                <a:effectLst/>
-                <a:latin typeface="inherit"/>
-              </a:rPr>
-              <a:t>q - controls the tendency to explore nodes that are far from the starting node. Higher q value encourages the walk to explore nodes further away.</a:t>
-            </a:r>
-          </a:p>
-        </p:txBody>
-      </p:sp>
     </p:spTree>
     <p:extLst>
       <p:ext uri="{BB962C8B-B14F-4D97-AF65-F5344CB8AC3E}">
-        <p14:creationId xmlns:p14="http://schemas.microsoft.com/office/powerpoint/2010/main" val="1084411937"/>
+        <p14:creationId xmlns:p14="http://schemas.microsoft.com/office/powerpoint/2010/main" val="31138926"/>
       </p:ext>
     </p:extLst>
   </p:cSld>
@@ -5506,7 +5593,7 @@
           <p:cNvPr id="2" name="Title 1">
             <a:extLst>
               <a:ext uri="{FF2B5EF4-FFF2-40B4-BE49-F238E27FC236}">
-                <a16:creationId xmlns:a16="http://schemas.microsoft.com/office/drawing/2014/main" id="{454E43FC-5CAD-31CA-1298-FBB4C0ED02B5}"/>
+                <a16:creationId xmlns:a16="http://schemas.microsoft.com/office/drawing/2014/main" id="{39897392-3213-63F9-7924-BD365813D73D}"/>
               </a:ext>
             </a:extLst>
           </p:cNvPr>
@@ -5524,7 +5611,7 @@
           <a:p>
             <a:r>
               <a:rPr lang="en-US" dirty="0"/>
-              <a:t>Create the model</a:t>
+              <a:t>Node2Vec</a:t>
             </a:r>
           </a:p>
         </p:txBody>
@@ -5534,7 +5621,7 @@
           <p:cNvPr id="3" name="Content Placeholder 2">
             <a:extLst>
               <a:ext uri="{FF2B5EF4-FFF2-40B4-BE49-F238E27FC236}">
-                <a16:creationId xmlns:a16="http://schemas.microsoft.com/office/drawing/2014/main" id="{12FE1F39-298C-35A4-AF8C-72D0ADCF5B75}"/>
+                <a16:creationId xmlns:a16="http://schemas.microsoft.com/office/drawing/2014/main" id="{6F10ACF6-7BDE-1486-9569-7623BFC4298D}"/>
               </a:ext>
             </a:extLst>
           </p:cNvPr>
@@ -5547,8 +5634,8 @@
         </p:nvSpPr>
         <p:spPr>
           <a:xfrm>
-            <a:off x="838200" y="1825624"/>
-            <a:ext cx="11141990" cy="5032375"/>
+            <a:off x="0" y="1594427"/>
+            <a:ext cx="8562108" cy="4898448"/>
           </a:xfrm>
         </p:spPr>
         <p:txBody>
@@ -5557,123 +5644,117 @@
           </a:bodyPr>
           <a:lstStyle/>
           <a:p>
-            <a:r>
-              <a:rPr lang="en-US" dirty="0"/>
-              <a:t>For every node in the alias graph, the script creates word2Vec random walk with custom parameters in each module.</a:t>
-            </a:r>
-          </a:p>
-          <a:p>
-            <a:pPr lvl="1"/>
-            <a:r>
-              <a:rPr lang="en-US" dirty="0"/>
-              <a:t>For </a:t>
-            </a:r>
-            <a:r>
-              <a:rPr lang="en-US" dirty="0" err="1"/>
-              <a:t>Deepwalk</a:t>
-            </a:r>
-            <a:r>
-              <a:rPr lang="en-US" dirty="0"/>
-              <a:t>: p=q=1</a:t>
-            </a:r>
-          </a:p>
-          <a:p>
-            <a:pPr lvl="1"/>
-            <a:r>
-              <a:rPr lang="en-US" dirty="0"/>
-              <a:t>For Node2Vec: p=5, q=1</a:t>
-            </a:r>
-          </a:p>
-          <a:p>
-            <a:pPr marL="457200" lvl="1" indent="0">
+            <a:pPr marL="0" indent="0">
               <a:buNone/>
             </a:pPr>
             <a:r>
-              <a:rPr lang="en-US" dirty="0" err="1"/>
-              <a:t>walk_length</a:t>
-            </a:r>
-            <a:r>
-              <a:rPr lang="en-US" dirty="0"/>
-              <a:t> = 100</a:t>
-            </a:r>
-          </a:p>
-          <a:p>
-            <a:pPr lvl="1"/>
-            <a:endParaRPr lang="en-US" dirty="0"/>
-          </a:p>
-          <a:p>
-            <a:r>
-              <a:rPr lang="en-US" dirty="0"/>
-              <a:t>The model is built with the word2Vec library. It runs random walks with params.</a:t>
-            </a:r>
-          </a:p>
-          <a:p>
-            <a:pPr lvl="1"/>
-            <a:r>
-              <a:rPr lang="en-US" dirty="0" err="1"/>
-              <a:t>vector_size</a:t>
-            </a:r>
-            <a:r>
-              <a:rPr lang="en-US" dirty="0"/>
-              <a:t> = 5  </a:t>
-            </a:r>
-            <a:r>
-              <a:rPr lang="en-US" dirty="0">
-                <a:solidFill>
-                  <a:schemeClr val="bg1">
-                    <a:lumMod val="50000"/>
-                  </a:schemeClr>
-                </a:solidFill>
+              <a:rPr lang="en-US" b="1" i="0" dirty="0">
+                <a:effectLst/>
+                <a:latin typeface="gg sans"/>
               </a:rPr>
-              <a:t>// representation of each node</a:t>
-            </a:r>
-          </a:p>
-          <a:p>
-            <a:pPr lvl="1"/>
-            <a:r>
-              <a:rPr lang="en-US" dirty="0" err="1"/>
-              <a:t>skip_Gram</a:t>
-            </a:r>
-            <a:r>
-              <a:rPr lang="en-US" dirty="0"/>
-              <a:t> =1 </a:t>
-            </a:r>
-            <a:r>
-              <a:rPr lang="en-US" dirty="0">
-                <a:solidFill>
-                  <a:schemeClr val="bg1">
-                    <a:lumMod val="50000"/>
-                  </a:schemeClr>
-                </a:solidFill>
+              <a:t>Node2Vec</a:t>
+            </a:r>
+            <a:r>
+              <a:rPr lang="en-US" b="0" i="0" dirty="0">
+                <a:effectLst/>
+                <a:latin typeface="gg sans"/>
               </a:rPr>
-              <a:t>// target word</a:t>
-            </a:r>
-          </a:p>
-          <a:p>
-            <a:pPr lvl="1"/>
-            <a:r>
-              <a:rPr lang="en-US" dirty="0"/>
-              <a:t>epochs = 5 </a:t>
-            </a:r>
-            <a:r>
-              <a:rPr lang="en-US" dirty="0">
-                <a:solidFill>
-                  <a:schemeClr val="bg1">
-                    <a:lumMod val="50000"/>
-                  </a:schemeClr>
-                </a:solidFill>
-              </a:rPr>
-              <a:t>// iterations </a:t>
-            </a:r>
-            <a:endParaRPr lang="en-US" dirty="0"/>
-          </a:p>
-          <a:p>
-            <a:pPr marL="457200" lvl="1" indent="0">
+              <a:t>, controls the navigation of the nodes in the random walks with two parameters p (return parameter) and q (in-out parameter) that control the bias of the random walks. </a:t>
+            </a:r>
+          </a:p>
+          <a:p>
+            <a:pPr marL="0" indent="0">
               <a:buNone/>
             </a:pPr>
-            <a:r>
-              <a:rPr lang="en-US" dirty="0"/>
-              <a:t>The model gives each node its context based on the walks the algorithm created </a:t>
+            <a:endParaRPr lang="en-US" dirty="0">
+              <a:latin typeface="gg sans"/>
+            </a:endParaRPr>
+          </a:p>
+          <a:p>
+            <a:pPr marL="0" indent="0">
+              <a:buNone/>
+            </a:pPr>
+            <a:r>
+              <a:rPr lang="en-US" b="0" i="0" dirty="0">
+                <a:effectLst/>
+                <a:latin typeface="gg sans"/>
+              </a:rPr>
+              <a:t>This allows Node2Vec to perform biased random walks. The algorithm can switch between exploration (broadly exploring the graph) and exploitation (focusing on nearby nodes), enabling it to capture both local and global structure in the graph.</a:t>
+            </a:r>
+          </a:p>
+        </p:txBody>
+      </p:sp>
+      <p:sp>
+        <p:nvSpPr>
+          <p:cNvPr id="7" name="TextBox 6">
+            <a:extLst>
+              <a:ext uri="{FF2B5EF4-FFF2-40B4-BE49-F238E27FC236}">
+                <a16:creationId xmlns:a16="http://schemas.microsoft.com/office/drawing/2014/main" id="{8E97C5BC-5016-AF19-A6AD-1C7CAF05D9D7}"/>
+              </a:ext>
+            </a:extLst>
+          </p:cNvPr>
+          <p:cNvSpPr txBox="1"/>
+          <p:nvPr/>
+        </p:nvSpPr>
+        <p:spPr>
+          <a:xfrm>
+            <a:off x="8562108" y="3261457"/>
+            <a:ext cx="3694546" cy="2800767"/>
+          </a:xfrm>
+          <a:prstGeom prst="rect">
+            <a:avLst/>
+          </a:prstGeom>
+          <a:noFill/>
+        </p:spPr>
+        <p:txBody>
+          <a:bodyPr wrap="square">
+            <a:spAutoFit/>
+          </a:bodyPr>
+          <a:lstStyle/>
+          <a:p>
+            <a:pPr algn="l" fontAlgn="base"/>
+            <a:endParaRPr lang="en-US" sz="1600" b="0" i="0" dirty="0">
+              <a:solidFill>
+                <a:srgbClr val="000000"/>
+              </a:solidFill>
+              <a:effectLst/>
+              <a:latin typeface="inherit"/>
+            </a:endParaRPr>
+          </a:p>
+          <a:p>
+            <a:pPr algn="l" fontAlgn="base"/>
+            <a:r>
+              <a:rPr lang="en-US" sz="1600" b="0" i="0" dirty="0">
+                <a:solidFill>
+                  <a:srgbClr val="000000"/>
+                </a:solidFill>
+                <a:effectLst/>
+                <a:latin typeface="inherit"/>
+              </a:rPr>
+              <a:t>p - controls the likelihood of revisiting the previous node in a random walk. A higher p value means the walk is less likely to return to the previous node, encouraging exploration of new nodes. </a:t>
+            </a:r>
+          </a:p>
+          <a:p>
+            <a:pPr algn="l" fontAlgn="base"/>
+            <a:endParaRPr lang="en-US" sz="1600" b="0" i="0" dirty="0">
+              <a:solidFill>
+                <a:srgbClr val="000000"/>
+              </a:solidFill>
+              <a:effectLst/>
+              <a:latin typeface="inherit"/>
+            </a:endParaRPr>
+          </a:p>
+          <a:p>
+            <a:pPr algn="l" fontAlgn="base"/>
+            <a:r>
+              <a:rPr lang="en-US" sz="1600" b="0" i="0" dirty="0">
+                <a:solidFill>
+                  <a:srgbClr val="000000"/>
+                </a:solidFill>
+                <a:effectLst/>
+                <a:latin typeface="inherit"/>
+              </a:rPr>
+              <a:t>q - controls the tendency to explore nodes that are far from the starting node. Higher q value encourages the walk to explore nodes further away.</a:t>
             </a:r>
           </a:p>
         </p:txBody>
@@ -5681,7 +5762,7 @@
     </p:spTree>
     <p:extLst>
       <p:ext uri="{BB962C8B-B14F-4D97-AF65-F5344CB8AC3E}">
-        <p14:creationId xmlns:p14="http://schemas.microsoft.com/office/powerpoint/2010/main" val="619094052"/>
+        <p14:creationId xmlns:p14="http://schemas.microsoft.com/office/powerpoint/2010/main" val="1084411937"/>
       </p:ext>
     </p:extLst>
   </p:cSld>
@@ -5713,6 +5794,401 @@
           <p:cNvPr id="2" name="Title 1">
             <a:extLst>
               <a:ext uri="{FF2B5EF4-FFF2-40B4-BE49-F238E27FC236}">
+                <a16:creationId xmlns:a16="http://schemas.microsoft.com/office/drawing/2014/main" id="{454E43FC-5CAD-31CA-1298-FBB4C0ED02B5}"/>
+              </a:ext>
+            </a:extLst>
+          </p:cNvPr>
+          <p:cNvSpPr>
+            <a:spLocks noGrp="1"/>
+          </p:cNvSpPr>
+          <p:nvPr>
+            <p:ph type="title"/>
+          </p:nvPr>
+        </p:nvSpPr>
+        <p:spPr/>
+        <p:txBody>
+          <a:bodyPr/>
+          <a:lstStyle/>
+          <a:p>
+            <a:r>
+              <a:rPr lang="en-US" dirty="0"/>
+              <a:t>Create the model</a:t>
+            </a:r>
+          </a:p>
+        </p:txBody>
+      </p:sp>
+      <p:sp>
+        <p:nvSpPr>
+          <p:cNvPr id="3" name="Content Placeholder 2">
+            <a:extLst>
+              <a:ext uri="{FF2B5EF4-FFF2-40B4-BE49-F238E27FC236}">
+                <a16:creationId xmlns:a16="http://schemas.microsoft.com/office/drawing/2014/main" id="{12FE1F39-298C-35A4-AF8C-72D0ADCF5B75}"/>
+              </a:ext>
+            </a:extLst>
+          </p:cNvPr>
+          <p:cNvSpPr>
+            <a:spLocks noGrp="1"/>
+          </p:cNvSpPr>
+          <p:nvPr>
+            <p:ph idx="1"/>
+          </p:nvPr>
+        </p:nvSpPr>
+        <p:spPr>
+          <a:xfrm>
+            <a:off x="838200" y="1825624"/>
+            <a:ext cx="11141990" cy="5032375"/>
+          </a:xfrm>
+        </p:spPr>
+        <p:txBody>
+          <a:bodyPr>
+            <a:normAutofit/>
+          </a:bodyPr>
+          <a:lstStyle/>
+          <a:p>
+            <a:r>
+              <a:rPr lang="en-US" dirty="0"/>
+              <a:t>For every node in the alias graph, the script creates word2Vec random walk with custom parameters in each module.</a:t>
+            </a:r>
+          </a:p>
+          <a:p>
+            <a:pPr lvl="1"/>
+            <a:r>
+              <a:rPr lang="en-US" dirty="0"/>
+              <a:t>For </a:t>
+            </a:r>
+            <a:r>
+              <a:rPr lang="en-US" dirty="0" err="1"/>
+              <a:t>Deepwalk</a:t>
+            </a:r>
+            <a:r>
+              <a:rPr lang="en-US" dirty="0"/>
+              <a:t>: p=q=1</a:t>
+            </a:r>
+          </a:p>
+          <a:p>
+            <a:pPr lvl="1"/>
+            <a:r>
+              <a:rPr lang="en-US" dirty="0"/>
+              <a:t>For Node2Vec: p=5, q=1</a:t>
+            </a:r>
+          </a:p>
+          <a:p>
+            <a:pPr marL="457200" lvl="1" indent="0">
+              <a:buNone/>
+            </a:pPr>
+            <a:r>
+              <a:rPr lang="en-US" dirty="0" err="1"/>
+              <a:t>walk_length</a:t>
+            </a:r>
+            <a:r>
+              <a:rPr lang="en-US" dirty="0"/>
+              <a:t> = 100</a:t>
+            </a:r>
+          </a:p>
+          <a:p>
+            <a:pPr lvl="1"/>
+            <a:endParaRPr lang="en-US" dirty="0"/>
+          </a:p>
+          <a:p>
+            <a:r>
+              <a:rPr lang="en-US" dirty="0"/>
+              <a:t>The model is built with the word2Vec library. It runs random walks with params.</a:t>
+            </a:r>
+          </a:p>
+          <a:p>
+            <a:pPr lvl="1"/>
+            <a:r>
+              <a:rPr lang="en-US" dirty="0" err="1"/>
+              <a:t>vector_size</a:t>
+            </a:r>
+            <a:r>
+              <a:rPr lang="en-US" dirty="0"/>
+              <a:t> = 5  </a:t>
+            </a:r>
+            <a:r>
+              <a:rPr lang="en-US" dirty="0">
+                <a:solidFill>
+                  <a:schemeClr val="bg1">
+                    <a:lumMod val="50000"/>
+                  </a:schemeClr>
+                </a:solidFill>
+              </a:rPr>
+              <a:t>// representation of each node</a:t>
+            </a:r>
+          </a:p>
+          <a:p>
+            <a:pPr lvl="1"/>
+            <a:r>
+              <a:rPr lang="en-US" dirty="0" err="1"/>
+              <a:t>skip_Gram</a:t>
+            </a:r>
+            <a:r>
+              <a:rPr lang="en-US" dirty="0"/>
+              <a:t> =1 </a:t>
+            </a:r>
+            <a:r>
+              <a:rPr lang="en-US" dirty="0">
+                <a:solidFill>
+                  <a:schemeClr val="bg1">
+                    <a:lumMod val="50000"/>
+                  </a:schemeClr>
+                </a:solidFill>
+              </a:rPr>
+              <a:t>// target word</a:t>
+            </a:r>
+          </a:p>
+          <a:p>
+            <a:pPr lvl="1"/>
+            <a:r>
+              <a:rPr lang="en-US" dirty="0"/>
+              <a:t>epochs = 5 </a:t>
+            </a:r>
+            <a:r>
+              <a:rPr lang="en-US" dirty="0">
+                <a:solidFill>
+                  <a:schemeClr val="bg1">
+                    <a:lumMod val="50000"/>
+                  </a:schemeClr>
+                </a:solidFill>
+              </a:rPr>
+              <a:t>// iterations </a:t>
+            </a:r>
+            <a:endParaRPr lang="en-US" dirty="0"/>
+          </a:p>
+          <a:p>
+            <a:pPr marL="457200" lvl="1" indent="0">
+              <a:buNone/>
+            </a:pPr>
+            <a:r>
+              <a:rPr lang="en-US" dirty="0"/>
+              <a:t>The model gives each node its context based on the walks the algorithm created </a:t>
+            </a:r>
+          </a:p>
+        </p:txBody>
+      </p:sp>
+    </p:spTree>
+    <p:extLst>
+      <p:ext uri="{BB962C8B-B14F-4D97-AF65-F5344CB8AC3E}">
+        <p14:creationId xmlns:p14="http://schemas.microsoft.com/office/powerpoint/2010/main" val="619094052"/>
+      </p:ext>
+    </p:extLst>
+  </p:cSld>
+  <p:clrMapOvr>
+    <a:masterClrMapping/>
+  </p:clrMapOvr>
+</p:sld>
+</file>
+
+<file path=ppt/slides/slide15.xml><?xml version="1.0" encoding="utf-8"?>
+<p:sld xmlns:a="http://schemas.openxmlformats.org/drawingml/2006/main" xmlns:r="http://schemas.openxmlformats.org/officeDocument/2006/relationships" xmlns:p="http://schemas.openxmlformats.org/presentationml/2006/main">
+  <p:cSld>
+    <p:spTree>
+      <p:nvGrpSpPr>
+        <p:cNvPr id="1" name=""/>
+        <p:cNvGrpSpPr/>
+        <p:nvPr/>
+      </p:nvGrpSpPr>
+      <p:grpSpPr>
+        <a:xfrm>
+          <a:off x="0" y="0"/>
+          <a:ext cx="0" cy="0"/>
+          <a:chOff x="0" y="0"/>
+          <a:chExt cx="0" cy="0"/>
+        </a:xfrm>
+      </p:grpSpPr>
+      <p:sp>
+        <p:nvSpPr>
+          <p:cNvPr id="2" name="Title 1">
+            <a:extLst>
+              <a:ext uri="{FF2B5EF4-FFF2-40B4-BE49-F238E27FC236}">
+                <a16:creationId xmlns:a16="http://schemas.microsoft.com/office/drawing/2014/main" id="{2DCA0AA5-4E24-A25C-590E-AE02E49118A2}"/>
+              </a:ext>
+            </a:extLst>
+          </p:cNvPr>
+          <p:cNvSpPr>
+            <a:spLocks noGrp="1"/>
+          </p:cNvSpPr>
+          <p:nvPr>
+            <p:ph type="title"/>
+          </p:nvPr>
+        </p:nvSpPr>
+        <p:spPr/>
+        <p:txBody>
+          <a:bodyPr/>
+          <a:lstStyle/>
+          <a:p>
+            <a:r>
+              <a:rPr lang="en-US" dirty="0"/>
+              <a:t>Model steps</a:t>
+            </a:r>
+          </a:p>
+        </p:txBody>
+      </p:sp>
+      <p:sp>
+        <p:nvSpPr>
+          <p:cNvPr id="3" name="Content Placeholder 2">
+            <a:extLst>
+              <a:ext uri="{FF2B5EF4-FFF2-40B4-BE49-F238E27FC236}">
+                <a16:creationId xmlns:a16="http://schemas.microsoft.com/office/drawing/2014/main" id="{8D903A17-AC80-BDCE-454D-EB32560320F3}"/>
+              </a:ext>
+            </a:extLst>
+          </p:cNvPr>
+          <p:cNvSpPr>
+            <a:spLocks noGrp="1"/>
+          </p:cNvSpPr>
+          <p:nvPr>
+            <p:ph idx="1"/>
+          </p:nvPr>
+        </p:nvSpPr>
+        <p:spPr>
+          <a:xfrm>
+            <a:off x="838200" y="1825625"/>
+            <a:ext cx="6276975" cy="4876924"/>
+          </a:xfrm>
+        </p:spPr>
+        <p:txBody>
+          <a:bodyPr>
+            <a:normAutofit/>
+          </a:bodyPr>
+          <a:lstStyle/>
+          <a:p>
+            <a:r>
+              <a:rPr lang="en-US" dirty="0"/>
+              <a:t>Preprocess:</a:t>
+            </a:r>
+          </a:p>
+          <a:p>
+            <a:pPr lvl="1"/>
+            <a:r>
+              <a:rPr lang="en-US" dirty="0"/>
+              <a:t>Load vertexes and edges</a:t>
+            </a:r>
+          </a:p>
+          <a:p>
+            <a:pPr lvl="1"/>
+            <a:r>
+              <a:rPr lang="en-US" dirty="0"/>
+              <a:t>Build the graph</a:t>
+            </a:r>
+          </a:p>
+          <a:p>
+            <a:pPr lvl="1"/>
+            <a:r>
+              <a:rPr lang="en-US" dirty="0"/>
+              <a:t>Give probability to vertexes and edges (Alias Graph)</a:t>
+            </a:r>
+          </a:p>
+          <a:p>
+            <a:pPr lvl="1"/>
+            <a:r>
+              <a:rPr lang="en-US" dirty="0"/>
+              <a:t>Generate random walks</a:t>
+            </a:r>
+          </a:p>
+          <a:p>
+            <a:r>
+              <a:rPr lang="en-US" dirty="0"/>
+              <a:t>Build Word2Vec Model</a:t>
+            </a:r>
+          </a:p>
+          <a:p>
+            <a:pPr lvl="1"/>
+            <a:r>
+              <a:rPr lang="en-US" dirty="0"/>
+              <a:t>Generate Context</a:t>
+            </a:r>
+          </a:p>
+          <a:p>
+            <a:r>
+              <a:rPr lang="en-US" dirty="0"/>
+              <a:t>Split Train and Data sets</a:t>
+            </a:r>
+          </a:p>
+          <a:p>
+            <a:r>
+              <a:rPr lang="en-US" dirty="0"/>
+              <a:t>Train Classifier</a:t>
+            </a:r>
+          </a:p>
+          <a:p>
+            <a:r>
+              <a:rPr lang="en-US" dirty="0"/>
+              <a:t>Test Classifier</a:t>
+            </a:r>
+          </a:p>
+        </p:txBody>
+      </p:sp>
+      <p:pic>
+        <p:nvPicPr>
+          <p:cNvPr id="4" name="Picture 3" descr="A diagram of a program&#10;&#10;Description automatically generated">
+            <a:extLst>
+              <a:ext uri="{FF2B5EF4-FFF2-40B4-BE49-F238E27FC236}">
+                <a16:creationId xmlns:a16="http://schemas.microsoft.com/office/drawing/2014/main" id="{6543A864-BBBE-6CBB-E5C9-791084471BA7}"/>
+              </a:ext>
+            </a:extLst>
+          </p:cNvPr>
+          <p:cNvPicPr>
+            <a:picLocks noChangeAspect="1"/>
+          </p:cNvPicPr>
+          <p:nvPr/>
+        </p:nvPicPr>
+        <p:blipFill>
+          <a:blip r:embed="rId2">
+            <a:extLst>
+              <a:ext uri="{28A0092B-C50C-407E-A947-70E740481C1C}">
+                <a14:useLocalDpi xmlns:a14="http://schemas.microsoft.com/office/drawing/2010/main" val="0"/>
+              </a:ext>
+            </a:extLst>
+          </a:blip>
+          <a:stretch>
+            <a:fillRect/>
+          </a:stretch>
+        </p:blipFill>
+        <p:spPr>
+          <a:xfrm>
+            <a:off x="8039099" y="276224"/>
+            <a:ext cx="3813003" cy="6426325"/>
+          </a:xfrm>
+          <a:prstGeom prst="rect">
+            <a:avLst/>
+          </a:prstGeom>
+        </p:spPr>
+      </p:pic>
+    </p:spTree>
+    <p:extLst>
+      <p:ext uri="{BB962C8B-B14F-4D97-AF65-F5344CB8AC3E}">
+        <p14:creationId xmlns:p14="http://schemas.microsoft.com/office/powerpoint/2010/main" val="1020240973"/>
+      </p:ext>
+    </p:extLst>
+  </p:cSld>
+  <p:clrMapOvr>
+    <a:masterClrMapping/>
+  </p:clrMapOvr>
+</p:sld>
+</file>
+
+<file path=ppt/slides/slide16.xml><?xml version="1.0" encoding="utf-8"?>
+<p:sld xmlns:a="http://schemas.openxmlformats.org/drawingml/2006/main" xmlns:r="http://schemas.openxmlformats.org/officeDocument/2006/relationships" xmlns:p="http://schemas.openxmlformats.org/presentationml/2006/main">
+  <p:cSld>
+    <p:spTree>
+      <p:nvGrpSpPr>
+        <p:cNvPr id="1" name=""/>
+        <p:cNvGrpSpPr/>
+        <p:nvPr/>
+      </p:nvGrpSpPr>
+      <p:grpSpPr>
+        <a:xfrm>
+          <a:off x="0" y="0"/>
+          <a:ext cx="0" cy="0"/>
+          <a:chOff x="0" y="0"/>
+          <a:chExt cx="0" cy="0"/>
+        </a:xfrm>
+      </p:grpSpPr>
+      <p:sp>
+        <p:nvSpPr>
+          <p:cNvPr id="2" name="Title 1">
+            <a:extLst>
+              <a:ext uri="{FF2B5EF4-FFF2-40B4-BE49-F238E27FC236}">
                 <a16:creationId xmlns:a16="http://schemas.microsoft.com/office/drawing/2014/main" id="{38565C52-3F21-282C-4FEF-AFE3853B86E4}"/>
               </a:ext>
             </a:extLst>
@@ -5760,21 +6236,13 @@
         </p:spPr>
         <p:txBody>
           <a:bodyPr>
-            <a:normAutofit lnSpcReduction="10000"/>
+            <a:normAutofit fontScale="92500"/>
           </a:bodyPr>
           <a:lstStyle/>
           <a:p>
             <a:r>
               <a:rPr lang="en-US" dirty="0"/>
-              <a:t>Create </a:t>
-            </a:r>
-            <a:r>
-              <a:rPr lang="en-US" dirty="0" err="1"/>
-              <a:t>Contex</a:t>
-            </a:r>
-            <a:r>
-              <a:rPr lang="en-US" dirty="0"/>
-              <a:t> </a:t>
+              <a:t>Create Context </a:t>
             </a:r>
           </a:p>
           <a:p>
@@ -5789,7 +6257,7 @@
             </a:r>
             <a:r>
               <a:rPr lang="en-US" dirty="0"/>
-              <a:t>/Node2Vec random walks to do graph embedding and give context to each node.</a:t>
+              <a:t>/Node2Vec (Unsupervised models) random walks to do graph embedding and give context to each node.</a:t>
             </a:r>
           </a:p>
           <a:p>
@@ -5798,15 +6266,7 @@
           <a:p>
             <a:r>
               <a:rPr lang="en-US" dirty="0"/>
-              <a:t>Create, train, and test the </a:t>
-            </a:r>
-            <a:r>
-              <a:rPr lang="en-US" dirty="0" err="1"/>
-              <a:t>classifer</a:t>
-            </a:r>
-            <a:r>
-              <a:rPr lang="en-US" dirty="0"/>
-              <a:t>.</a:t>
+              <a:t>Create, train, and test the classifier.</a:t>
             </a:r>
           </a:p>
           <a:p>
@@ -5821,7 +6281,7 @@
             </a:r>
             <a:r>
               <a:rPr lang="en-US" dirty="0"/>
-              <a:t> from package </a:t>
+              <a:t> (Supervised model) from package </a:t>
             </a:r>
             <a:r>
               <a:rPr lang="en-US" dirty="0" err="1"/>
@@ -5944,7 +6404,7 @@
 </p:sld>
 </file>
 
-<file path=ppt/slides/slide15.xml><?xml version="1.0" encoding="utf-8"?>
+<file path=ppt/slides/slide17.xml><?xml version="1.0" encoding="utf-8"?>
 <p:sld xmlns:a="http://schemas.openxmlformats.org/drawingml/2006/main" xmlns:r="http://schemas.openxmlformats.org/officeDocument/2006/relationships" xmlns:p="http://schemas.openxmlformats.org/presentationml/2006/main">
   <p:cSld>
     <p:spTree>
@@ -6081,7 +6541,7 @@
 </p:sld>
 </file>
 
-<file path=ppt/slides/slide16.xml><?xml version="1.0" encoding="utf-8"?>
+<file path=ppt/slides/slide18.xml><?xml version="1.0" encoding="utf-8"?>
 <p:sld xmlns:a="http://schemas.openxmlformats.org/drawingml/2006/main" xmlns:r="http://schemas.openxmlformats.org/officeDocument/2006/relationships" xmlns:p="http://schemas.openxmlformats.org/presentationml/2006/main">
   <p:cSld>
     <p:spTree>
@@ -6364,7 +6824,7 @@
 </p:sld>
 </file>
 
-<file path=ppt/slides/slide17.xml><?xml version="1.0" encoding="utf-8"?>
+<file path=ppt/slides/slide19.xml><?xml version="1.0" encoding="utf-8"?>
 <p:sld xmlns:a="http://schemas.openxmlformats.org/drawingml/2006/main" xmlns:r="http://schemas.openxmlformats.org/officeDocument/2006/relationships" xmlns:p="http://schemas.openxmlformats.org/presentationml/2006/main">
   <p:cSld>
     <p:spTree>
@@ -6638,7 +7098,778 @@
 </p:sld>
 </file>
 
-<file path=ppt/slides/slide18.xml><?xml version="1.0" encoding="utf-8"?>
+<file path=ppt/slides/slide2.xml><?xml version="1.0" encoding="utf-8"?>
+<p:sld xmlns:a="http://schemas.openxmlformats.org/drawingml/2006/main" xmlns:r="http://schemas.openxmlformats.org/officeDocument/2006/relationships" xmlns:p="http://schemas.openxmlformats.org/presentationml/2006/main">
+  <p:cSld>
+    <p:spTree>
+      <p:nvGrpSpPr>
+        <p:cNvPr id="1" name=""/>
+        <p:cNvGrpSpPr/>
+        <p:nvPr/>
+      </p:nvGrpSpPr>
+      <p:grpSpPr>
+        <a:xfrm>
+          <a:off x="0" y="0"/>
+          <a:ext cx="0" cy="0"/>
+          <a:chOff x="0" y="0"/>
+          <a:chExt cx="0" cy="0"/>
+        </a:xfrm>
+      </p:grpSpPr>
+      <p:sp>
+        <p:nvSpPr>
+          <p:cNvPr id="2" name="Title 1">
+            <a:extLst>
+              <a:ext uri="{FF2B5EF4-FFF2-40B4-BE49-F238E27FC236}">
+                <a16:creationId xmlns:a16="http://schemas.microsoft.com/office/drawing/2014/main" id="{A044614E-3047-1915-0707-3CB66C6C93AF}"/>
+              </a:ext>
+            </a:extLst>
+          </p:cNvPr>
+          <p:cNvSpPr>
+            <a:spLocks noGrp="1"/>
+          </p:cNvSpPr>
+          <p:nvPr>
+            <p:ph type="title"/>
+          </p:nvPr>
+        </p:nvSpPr>
+        <p:spPr/>
+        <p:txBody>
+          <a:bodyPr/>
+          <a:lstStyle/>
+          <a:p>
+            <a:r>
+              <a:rPr lang="en-US" dirty="0"/>
+              <a:t>Members</a:t>
+            </a:r>
+          </a:p>
+        </p:txBody>
+      </p:sp>
+      <p:pic>
+        <p:nvPicPr>
+          <p:cNvPr id="12" name="Content Placeholder 11" descr="A person standing in front of a body of water&#10;&#10;Description automatically generated">
+            <a:extLst>
+              <a:ext uri="{FF2B5EF4-FFF2-40B4-BE49-F238E27FC236}">
+                <a16:creationId xmlns:a16="http://schemas.microsoft.com/office/drawing/2014/main" id="{38769269-579D-FC5A-D27F-3F64BC65CF96}"/>
+              </a:ext>
+            </a:extLst>
+          </p:cNvPr>
+          <p:cNvPicPr>
+            <a:picLocks noGrp="1" noChangeAspect="1"/>
+          </p:cNvPicPr>
+          <p:nvPr>
+            <p:ph idx="1"/>
+          </p:nvPr>
+        </p:nvPicPr>
+        <p:blipFill>
+          <a:blip r:embed="rId2">
+            <a:extLst>
+              <a:ext uri="{28A0092B-C50C-407E-A947-70E740481C1C}">
+                <a14:useLocalDpi xmlns:a14="http://schemas.microsoft.com/office/drawing/2010/main" val="0"/>
+              </a:ext>
+            </a:extLst>
+          </a:blip>
+          <a:stretch>
+            <a:fillRect/>
+          </a:stretch>
+        </p:blipFill>
+        <p:spPr>
+          <a:xfrm>
+            <a:off x="8897984" y="2578100"/>
+            <a:ext cx="2324604" cy="2336800"/>
+          </a:xfrm>
+        </p:spPr>
+      </p:pic>
+      <p:sp>
+        <p:nvSpPr>
+          <p:cNvPr id="13" name="Content Placeholder 2">
+            <a:extLst>
+              <a:ext uri="{FF2B5EF4-FFF2-40B4-BE49-F238E27FC236}">
+                <a16:creationId xmlns:a16="http://schemas.microsoft.com/office/drawing/2014/main" id="{5795A09C-1817-E9AD-DAB0-1034FC468F3B}"/>
+              </a:ext>
+            </a:extLst>
+          </p:cNvPr>
+          <p:cNvSpPr txBox="1">
+            <a:spLocks/>
+          </p:cNvSpPr>
+          <p:nvPr/>
+        </p:nvSpPr>
+        <p:spPr>
+          <a:xfrm>
+            <a:off x="8667750" y="5064125"/>
+            <a:ext cx="3200400" cy="546100"/>
+          </a:xfrm>
+          <a:prstGeom prst="rect">
+            <a:avLst/>
+          </a:prstGeom>
+        </p:spPr>
+        <p:txBody>
+          <a:bodyPr vert="horz" lIns="91440" tIns="45720" rIns="91440" bIns="45720" rtlCol="0">
+            <a:normAutofit/>
+          </a:bodyPr>
+          <a:lstStyle>
+            <a:lvl1pPr marL="228600" indent="-228600" algn="l" defTabSz="914400" rtl="0" eaLnBrk="1" latinLnBrk="0" hangingPunct="1">
+              <a:lnSpc>
+                <a:spcPct val="90000"/>
+              </a:lnSpc>
+              <a:spcBef>
+                <a:spcPts val="1000"/>
+              </a:spcBef>
+              <a:buFont typeface="Arial" panose="020B0604020202020204" pitchFamily="34" charset="0"/>
+              <a:buChar char="•"/>
+              <a:defRPr sz="2800" kern="1200">
+                <a:solidFill>
+                  <a:schemeClr val="tx1"/>
+                </a:solidFill>
+                <a:latin typeface="+mn-lt"/>
+                <a:ea typeface="+mn-ea"/>
+                <a:cs typeface="+mn-cs"/>
+              </a:defRPr>
+            </a:lvl1pPr>
+            <a:lvl2pPr marL="685800" indent="-228600" algn="l" defTabSz="914400" rtl="0" eaLnBrk="1" latinLnBrk="0" hangingPunct="1">
+              <a:lnSpc>
+                <a:spcPct val="90000"/>
+              </a:lnSpc>
+              <a:spcBef>
+                <a:spcPts val="500"/>
+              </a:spcBef>
+              <a:buFont typeface="Arial" panose="020B0604020202020204" pitchFamily="34" charset="0"/>
+              <a:buChar char="•"/>
+              <a:defRPr sz="2400" kern="1200">
+                <a:solidFill>
+                  <a:schemeClr val="tx1"/>
+                </a:solidFill>
+                <a:latin typeface="+mn-lt"/>
+                <a:ea typeface="+mn-ea"/>
+                <a:cs typeface="+mn-cs"/>
+              </a:defRPr>
+            </a:lvl2pPr>
+            <a:lvl3pPr marL="1143000" indent="-228600" algn="l" defTabSz="914400" rtl="0" eaLnBrk="1" latinLnBrk="0" hangingPunct="1">
+              <a:lnSpc>
+                <a:spcPct val="90000"/>
+              </a:lnSpc>
+              <a:spcBef>
+                <a:spcPts val="500"/>
+              </a:spcBef>
+              <a:buFont typeface="Arial" panose="020B0604020202020204" pitchFamily="34" charset="0"/>
+              <a:buChar char="•"/>
+              <a:defRPr sz="2000" kern="1200">
+                <a:solidFill>
+                  <a:schemeClr val="tx1"/>
+                </a:solidFill>
+                <a:latin typeface="+mn-lt"/>
+                <a:ea typeface="+mn-ea"/>
+                <a:cs typeface="+mn-cs"/>
+              </a:defRPr>
+            </a:lvl3pPr>
+            <a:lvl4pPr marL="1600200" indent="-228600" algn="l" defTabSz="914400" rtl="0" eaLnBrk="1" latinLnBrk="0" hangingPunct="1">
+              <a:lnSpc>
+                <a:spcPct val="90000"/>
+              </a:lnSpc>
+              <a:spcBef>
+                <a:spcPts val="500"/>
+              </a:spcBef>
+              <a:buFont typeface="Arial" panose="020B0604020202020204" pitchFamily="34" charset="0"/>
+              <a:buChar char="•"/>
+              <a:defRPr sz="1800" kern="1200">
+                <a:solidFill>
+                  <a:schemeClr val="tx1"/>
+                </a:solidFill>
+                <a:latin typeface="+mn-lt"/>
+                <a:ea typeface="+mn-ea"/>
+                <a:cs typeface="+mn-cs"/>
+              </a:defRPr>
+            </a:lvl4pPr>
+            <a:lvl5pPr marL="2057400" indent="-228600" algn="l" defTabSz="914400" rtl="0" eaLnBrk="1" latinLnBrk="0" hangingPunct="1">
+              <a:lnSpc>
+                <a:spcPct val="90000"/>
+              </a:lnSpc>
+              <a:spcBef>
+                <a:spcPts val="500"/>
+              </a:spcBef>
+              <a:buFont typeface="Arial" panose="020B0604020202020204" pitchFamily="34" charset="0"/>
+              <a:buChar char="•"/>
+              <a:defRPr sz="1800" kern="1200">
+                <a:solidFill>
+                  <a:schemeClr val="tx1"/>
+                </a:solidFill>
+                <a:latin typeface="+mn-lt"/>
+                <a:ea typeface="+mn-ea"/>
+                <a:cs typeface="+mn-cs"/>
+              </a:defRPr>
+            </a:lvl5pPr>
+            <a:lvl6pPr marL="2514600" indent="-228600" algn="l" defTabSz="914400" rtl="0" eaLnBrk="1" latinLnBrk="0" hangingPunct="1">
+              <a:lnSpc>
+                <a:spcPct val="90000"/>
+              </a:lnSpc>
+              <a:spcBef>
+                <a:spcPts val="500"/>
+              </a:spcBef>
+              <a:buFont typeface="Arial" panose="020B0604020202020204" pitchFamily="34" charset="0"/>
+              <a:buChar char="•"/>
+              <a:defRPr sz="1800" kern="1200">
+                <a:solidFill>
+                  <a:schemeClr val="tx1"/>
+                </a:solidFill>
+                <a:latin typeface="+mn-lt"/>
+                <a:ea typeface="+mn-ea"/>
+                <a:cs typeface="+mn-cs"/>
+              </a:defRPr>
+            </a:lvl6pPr>
+            <a:lvl7pPr marL="2971800" indent="-228600" algn="l" defTabSz="914400" rtl="0" eaLnBrk="1" latinLnBrk="0" hangingPunct="1">
+              <a:lnSpc>
+                <a:spcPct val="90000"/>
+              </a:lnSpc>
+              <a:spcBef>
+                <a:spcPts val="500"/>
+              </a:spcBef>
+              <a:buFont typeface="Arial" panose="020B0604020202020204" pitchFamily="34" charset="0"/>
+              <a:buChar char="•"/>
+              <a:defRPr sz="1800" kern="1200">
+                <a:solidFill>
+                  <a:schemeClr val="tx1"/>
+                </a:solidFill>
+                <a:latin typeface="+mn-lt"/>
+                <a:ea typeface="+mn-ea"/>
+                <a:cs typeface="+mn-cs"/>
+              </a:defRPr>
+            </a:lvl7pPr>
+            <a:lvl8pPr marL="3429000" indent="-228600" algn="l" defTabSz="914400" rtl="0" eaLnBrk="1" latinLnBrk="0" hangingPunct="1">
+              <a:lnSpc>
+                <a:spcPct val="90000"/>
+              </a:lnSpc>
+              <a:spcBef>
+                <a:spcPts val="500"/>
+              </a:spcBef>
+              <a:buFont typeface="Arial" panose="020B0604020202020204" pitchFamily="34" charset="0"/>
+              <a:buChar char="•"/>
+              <a:defRPr sz="1800" kern="1200">
+                <a:solidFill>
+                  <a:schemeClr val="tx1"/>
+                </a:solidFill>
+                <a:latin typeface="+mn-lt"/>
+                <a:ea typeface="+mn-ea"/>
+                <a:cs typeface="+mn-cs"/>
+              </a:defRPr>
+            </a:lvl8pPr>
+            <a:lvl9pPr marL="3886200" indent="-228600" algn="l" defTabSz="914400" rtl="0" eaLnBrk="1" latinLnBrk="0" hangingPunct="1">
+              <a:lnSpc>
+                <a:spcPct val="90000"/>
+              </a:lnSpc>
+              <a:spcBef>
+                <a:spcPts val="500"/>
+              </a:spcBef>
+              <a:buFont typeface="Arial" panose="020B0604020202020204" pitchFamily="34" charset="0"/>
+              <a:buChar char="•"/>
+              <a:defRPr sz="1800" kern="1200">
+                <a:solidFill>
+                  <a:schemeClr val="tx1"/>
+                </a:solidFill>
+                <a:latin typeface="+mn-lt"/>
+                <a:ea typeface="+mn-ea"/>
+                <a:cs typeface="+mn-cs"/>
+              </a:defRPr>
+            </a:lvl9pPr>
+          </a:lstStyle>
+          <a:p>
+            <a:pPr marL="0" indent="0">
+              <a:buNone/>
+            </a:pPr>
+            <a:r>
+              <a:rPr lang="en-US" dirty="0"/>
+              <a:t>Shahar Berenson</a:t>
+            </a:r>
+          </a:p>
+        </p:txBody>
+      </p:sp>
+      <p:sp>
+        <p:nvSpPr>
+          <p:cNvPr id="14" name="Content Placeholder 2">
+            <a:extLst>
+              <a:ext uri="{FF2B5EF4-FFF2-40B4-BE49-F238E27FC236}">
+                <a16:creationId xmlns:a16="http://schemas.microsoft.com/office/drawing/2014/main" id="{B2213C64-90B9-B5D0-3CC9-59842F70DD4A}"/>
+              </a:ext>
+            </a:extLst>
+          </p:cNvPr>
+          <p:cNvSpPr txBox="1">
+            <a:spLocks/>
+          </p:cNvSpPr>
+          <p:nvPr/>
+        </p:nvSpPr>
+        <p:spPr>
+          <a:xfrm>
+            <a:off x="4953000" y="5064125"/>
+            <a:ext cx="3200400" cy="546100"/>
+          </a:xfrm>
+          <a:prstGeom prst="rect">
+            <a:avLst/>
+          </a:prstGeom>
+        </p:spPr>
+        <p:txBody>
+          <a:bodyPr vert="horz" lIns="91440" tIns="45720" rIns="91440" bIns="45720" rtlCol="0">
+            <a:normAutofit/>
+          </a:bodyPr>
+          <a:lstStyle>
+            <a:lvl1pPr marL="228600" indent="-228600" algn="l" defTabSz="914400" rtl="0" eaLnBrk="1" latinLnBrk="0" hangingPunct="1">
+              <a:lnSpc>
+                <a:spcPct val="90000"/>
+              </a:lnSpc>
+              <a:spcBef>
+                <a:spcPts val="1000"/>
+              </a:spcBef>
+              <a:buFont typeface="Arial" panose="020B0604020202020204" pitchFamily="34" charset="0"/>
+              <a:buChar char="•"/>
+              <a:defRPr sz="2800" kern="1200">
+                <a:solidFill>
+                  <a:schemeClr val="tx1"/>
+                </a:solidFill>
+                <a:latin typeface="+mn-lt"/>
+                <a:ea typeface="+mn-ea"/>
+                <a:cs typeface="+mn-cs"/>
+              </a:defRPr>
+            </a:lvl1pPr>
+            <a:lvl2pPr marL="685800" indent="-228600" algn="l" defTabSz="914400" rtl="0" eaLnBrk="1" latinLnBrk="0" hangingPunct="1">
+              <a:lnSpc>
+                <a:spcPct val="90000"/>
+              </a:lnSpc>
+              <a:spcBef>
+                <a:spcPts val="500"/>
+              </a:spcBef>
+              <a:buFont typeface="Arial" panose="020B0604020202020204" pitchFamily="34" charset="0"/>
+              <a:buChar char="•"/>
+              <a:defRPr sz="2400" kern="1200">
+                <a:solidFill>
+                  <a:schemeClr val="tx1"/>
+                </a:solidFill>
+                <a:latin typeface="+mn-lt"/>
+                <a:ea typeface="+mn-ea"/>
+                <a:cs typeface="+mn-cs"/>
+              </a:defRPr>
+            </a:lvl2pPr>
+            <a:lvl3pPr marL="1143000" indent="-228600" algn="l" defTabSz="914400" rtl="0" eaLnBrk="1" latinLnBrk="0" hangingPunct="1">
+              <a:lnSpc>
+                <a:spcPct val="90000"/>
+              </a:lnSpc>
+              <a:spcBef>
+                <a:spcPts val="500"/>
+              </a:spcBef>
+              <a:buFont typeface="Arial" panose="020B0604020202020204" pitchFamily="34" charset="0"/>
+              <a:buChar char="•"/>
+              <a:defRPr sz="2000" kern="1200">
+                <a:solidFill>
+                  <a:schemeClr val="tx1"/>
+                </a:solidFill>
+                <a:latin typeface="+mn-lt"/>
+                <a:ea typeface="+mn-ea"/>
+                <a:cs typeface="+mn-cs"/>
+              </a:defRPr>
+            </a:lvl3pPr>
+            <a:lvl4pPr marL="1600200" indent="-228600" algn="l" defTabSz="914400" rtl="0" eaLnBrk="1" latinLnBrk="0" hangingPunct="1">
+              <a:lnSpc>
+                <a:spcPct val="90000"/>
+              </a:lnSpc>
+              <a:spcBef>
+                <a:spcPts val="500"/>
+              </a:spcBef>
+              <a:buFont typeface="Arial" panose="020B0604020202020204" pitchFamily="34" charset="0"/>
+              <a:buChar char="•"/>
+              <a:defRPr sz="1800" kern="1200">
+                <a:solidFill>
+                  <a:schemeClr val="tx1"/>
+                </a:solidFill>
+                <a:latin typeface="+mn-lt"/>
+                <a:ea typeface="+mn-ea"/>
+                <a:cs typeface="+mn-cs"/>
+              </a:defRPr>
+            </a:lvl4pPr>
+            <a:lvl5pPr marL="2057400" indent="-228600" algn="l" defTabSz="914400" rtl="0" eaLnBrk="1" latinLnBrk="0" hangingPunct="1">
+              <a:lnSpc>
+                <a:spcPct val="90000"/>
+              </a:lnSpc>
+              <a:spcBef>
+                <a:spcPts val="500"/>
+              </a:spcBef>
+              <a:buFont typeface="Arial" panose="020B0604020202020204" pitchFamily="34" charset="0"/>
+              <a:buChar char="•"/>
+              <a:defRPr sz="1800" kern="1200">
+                <a:solidFill>
+                  <a:schemeClr val="tx1"/>
+                </a:solidFill>
+                <a:latin typeface="+mn-lt"/>
+                <a:ea typeface="+mn-ea"/>
+                <a:cs typeface="+mn-cs"/>
+              </a:defRPr>
+            </a:lvl5pPr>
+            <a:lvl6pPr marL="2514600" indent="-228600" algn="l" defTabSz="914400" rtl="0" eaLnBrk="1" latinLnBrk="0" hangingPunct="1">
+              <a:lnSpc>
+                <a:spcPct val="90000"/>
+              </a:lnSpc>
+              <a:spcBef>
+                <a:spcPts val="500"/>
+              </a:spcBef>
+              <a:buFont typeface="Arial" panose="020B0604020202020204" pitchFamily="34" charset="0"/>
+              <a:buChar char="•"/>
+              <a:defRPr sz="1800" kern="1200">
+                <a:solidFill>
+                  <a:schemeClr val="tx1"/>
+                </a:solidFill>
+                <a:latin typeface="+mn-lt"/>
+                <a:ea typeface="+mn-ea"/>
+                <a:cs typeface="+mn-cs"/>
+              </a:defRPr>
+            </a:lvl6pPr>
+            <a:lvl7pPr marL="2971800" indent="-228600" algn="l" defTabSz="914400" rtl="0" eaLnBrk="1" latinLnBrk="0" hangingPunct="1">
+              <a:lnSpc>
+                <a:spcPct val="90000"/>
+              </a:lnSpc>
+              <a:spcBef>
+                <a:spcPts val="500"/>
+              </a:spcBef>
+              <a:buFont typeface="Arial" panose="020B0604020202020204" pitchFamily="34" charset="0"/>
+              <a:buChar char="•"/>
+              <a:defRPr sz="1800" kern="1200">
+                <a:solidFill>
+                  <a:schemeClr val="tx1"/>
+                </a:solidFill>
+                <a:latin typeface="+mn-lt"/>
+                <a:ea typeface="+mn-ea"/>
+                <a:cs typeface="+mn-cs"/>
+              </a:defRPr>
+            </a:lvl7pPr>
+            <a:lvl8pPr marL="3429000" indent="-228600" algn="l" defTabSz="914400" rtl="0" eaLnBrk="1" latinLnBrk="0" hangingPunct="1">
+              <a:lnSpc>
+                <a:spcPct val="90000"/>
+              </a:lnSpc>
+              <a:spcBef>
+                <a:spcPts val="500"/>
+              </a:spcBef>
+              <a:buFont typeface="Arial" panose="020B0604020202020204" pitchFamily="34" charset="0"/>
+              <a:buChar char="•"/>
+              <a:defRPr sz="1800" kern="1200">
+                <a:solidFill>
+                  <a:schemeClr val="tx1"/>
+                </a:solidFill>
+                <a:latin typeface="+mn-lt"/>
+                <a:ea typeface="+mn-ea"/>
+                <a:cs typeface="+mn-cs"/>
+              </a:defRPr>
+            </a:lvl8pPr>
+            <a:lvl9pPr marL="3886200" indent="-228600" algn="l" defTabSz="914400" rtl="0" eaLnBrk="1" latinLnBrk="0" hangingPunct="1">
+              <a:lnSpc>
+                <a:spcPct val="90000"/>
+              </a:lnSpc>
+              <a:spcBef>
+                <a:spcPts val="500"/>
+              </a:spcBef>
+              <a:buFont typeface="Arial" panose="020B0604020202020204" pitchFamily="34" charset="0"/>
+              <a:buChar char="•"/>
+              <a:defRPr sz="1800" kern="1200">
+                <a:solidFill>
+                  <a:schemeClr val="tx1"/>
+                </a:solidFill>
+                <a:latin typeface="+mn-lt"/>
+                <a:ea typeface="+mn-ea"/>
+                <a:cs typeface="+mn-cs"/>
+              </a:defRPr>
+            </a:lvl9pPr>
+          </a:lstStyle>
+          <a:p>
+            <a:pPr marL="0" indent="0">
+              <a:buNone/>
+            </a:pPr>
+            <a:r>
+              <a:rPr lang="en-US" dirty="0"/>
+              <a:t>Omer Goldstein</a:t>
+            </a:r>
+          </a:p>
+        </p:txBody>
+      </p:sp>
+      <p:sp>
+        <p:nvSpPr>
+          <p:cNvPr id="15" name="Content Placeholder 2">
+            <a:extLst>
+              <a:ext uri="{FF2B5EF4-FFF2-40B4-BE49-F238E27FC236}">
+                <a16:creationId xmlns:a16="http://schemas.microsoft.com/office/drawing/2014/main" id="{04AACD0C-69F3-17BD-4395-A2F75D71FAB9}"/>
+              </a:ext>
+            </a:extLst>
+          </p:cNvPr>
+          <p:cNvSpPr txBox="1">
+            <a:spLocks/>
+          </p:cNvSpPr>
+          <p:nvPr/>
+        </p:nvSpPr>
+        <p:spPr>
+          <a:xfrm>
+            <a:off x="912262" y="5064125"/>
+            <a:ext cx="3200400" cy="546100"/>
+          </a:xfrm>
+          <a:prstGeom prst="rect">
+            <a:avLst/>
+          </a:prstGeom>
+        </p:spPr>
+        <p:txBody>
+          <a:bodyPr vert="horz" lIns="91440" tIns="45720" rIns="91440" bIns="45720" rtlCol="0">
+            <a:normAutofit/>
+          </a:bodyPr>
+          <a:lstStyle>
+            <a:lvl1pPr marL="228600" indent="-228600" algn="l" defTabSz="914400" rtl="0" eaLnBrk="1" latinLnBrk="0" hangingPunct="1">
+              <a:lnSpc>
+                <a:spcPct val="90000"/>
+              </a:lnSpc>
+              <a:spcBef>
+                <a:spcPts val="1000"/>
+              </a:spcBef>
+              <a:buFont typeface="Arial" panose="020B0604020202020204" pitchFamily="34" charset="0"/>
+              <a:buChar char="•"/>
+              <a:defRPr sz="2800" kern="1200">
+                <a:solidFill>
+                  <a:schemeClr val="tx1"/>
+                </a:solidFill>
+                <a:latin typeface="+mn-lt"/>
+                <a:ea typeface="+mn-ea"/>
+                <a:cs typeface="+mn-cs"/>
+              </a:defRPr>
+            </a:lvl1pPr>
+            <a:lvl2pPr marL="685800" indent="-228600" algn="l" defTabSz="914400" rtl="0" eaLnBrk="1" latinLnBrk="0" hangingPunct="1">
+              <a:lnSpc>
+                <a:spcPct val="90000"/>
+              </a:lnSpc>
+              <a:spcBef>
+                <a:spcPts val="500"/>
+              </a:spcBef>
+              <a:buFont typeface="Arial" panose="020B0604020202020204" pitchFamily="34" charset="0"/>
+              <a:buChar char="•"/>
+              <a:defRPr sz="2400" kern="1200">
+                <a:solidFill>
+                  <a:schemeClr val="tx1"/>
+                </a:solidFill>
+                <a:latin typeface="+mn-lt"/>
+                <a:ea typeface="+mn-ea"/>
+                <a:cs typeface="+mn-cs"/>
+              </a:defRPr>
+            </a:lvl2pPr>
+            <a:lvl3pPr marL="1143000" indent="-228600" algn="l" defTabSz="914400" rtl="0" eaLnBrk="1" latinLnBrk="0" hangingPunct="1">
+              <a:lnSpc>
+                <a:spcPct val="90000"/>
+              </a:lnSpc>
+              <a:spcBef>
+                <a:spcPts val="500"/>
+              </a:spcBef>
+              <a:buFont typeface="Arial" panose="020B0604020202020204" pitchFamily="34" charset="0"/>
+              <a:buChar char="•"/>
+              <a:defRPr sz="2000" kern="1200">
+                <a:solidFill>
+                  <a:schemeClr val="tx1"/>
+                </a:solidFill>
+                <a:latin typeface="+mn-lt"/>
+                <a:ea typeface="+mn-ea"/>
+                <a:cs typeface="+mn-cs"/>
+              </a:defRPr>
+            </a:lvl3pPr>
+            <a:lvl4pPr marL="1600200" indent="-228600" algn="l" defTabSz="914400" rtl="0" eaLnBrk="1" latinLnBrk="0" hangingPunct="1">
+              <a:lnSpc>
+                <a:spcPct val="90000"/>
+              </a:lnSpc>
+              <a:spcBef>
+                <a:spcPts val="500"/>
+              </a:spcBef>
+              <a:buFont typeface="Arial" panose="020B0604020202020204" pitchFamily="34" charset="0"/>
+              <a:buChar char="•"/>
+              <a:defRPr sz="1800" kern="1200">
+                <a:solidFill>
+                  <a:schemeClr val="tx1"/>
+                </a:solidFill>
+                <a:latin typeface="+mn-lt"/>
+                <a:ea typeface="+mn-ea"/>
+                <a:cs typeface="+mn-cs"/>
+              </a:defRPr>
+            </a:lvl4pPr>
+            <a:lvl5pPr marL="2057400" indent="-228600" algn="l" defTabSz="914400" rtl="0" eaLnBrk="1" latinLnBrk="0" hangingPunct="1">
+              <a:lnSpc>
+                <a:spcPct val="90000"/>
+              </a:lnSpc>
+              <a:spcBef>
+                <a:spcPts val="500"/>
+              </a:spcBef>
+              <a:buFont typeface="Arial" panose="020B0604020202020204" pitchFamily="34" charset="0"/>
+              <a:buChar char="•"/>
+              <a:defRPr sz="1800" kern="1200">
+                <a:solidFill>
+                  <a:schemeClr val="tx1"/>
+                </a:solidFill>
+                <a:latin typeface="+mn-lt"/>
+                <a:ea typeface="+mn-ea"/>
+                <a:cs typeface="+mn-cs"/>
+              </a:defRPr>
+            </a:lvl5pPr>
+            <a:lvl6pPr marL="2514600" indent="-228600" algn="l" defTabSz="914400" rtl="0" eaLnBrk="1" latinLnBrk="0" hangingPunct="1">
+              <a:lnSpc>
+                <a:spcPct val="90000"/>
+              </a:lnSpc>
+              <a:spcBef>
+                <a:spcPts val="500"/>
+              </a:spcBef>
+              <a:buFont typeface="Arial" panose="020B0604020202020204" pitchFamily="34" charset="0"/>
+              <a:buChar char="•"/>
+              <a:defRPr sz="1800" kern="1200">
+                <a:solidFill>
+                  <a:schemeClr val="tx1"/>
+                </a:solidFill>
+                <a:latin typeface="+mn-lt"/>
+                <a:ea typeface="+mn-ea"/>
+                <a:cs typeface="+mn-cs"/>
+              </a:defRPr>
+            </a:lvl6pPr>
+            <a:lvl7pPr marL="2971800" indent="-228600" algn="l" defTabSz="914400" rtl="0" eaLnBrk="1" latinLnBrk="0" hangingPunct="1">
+              <a:lnSpc>
+                <a:spcPct val="90000"/>
+              </a:lnSpc>
+              <a:spcBef>
+                <a:spcPts val="500"/>
+              </a:spcBef>
+              <a:buFont typeface="Arial" panose="020B0604020202020204" pitchFamily="34" charset="0"/>
+              <a:buChar char="•"/>
+              <a:defRPr sz="1800" kern="1200">
+                <a:solidFill>
+                  <a:schemeClr val="tx1"/>
+                </a:solidFill>
+                <a:latin typeface="+mn-lt"/>
+                <a:ea typeface="+mn-ea"/>
+                <a:cs typeface="+mn-cs"/>
+              </a:defRPr>
+            </a:lvl7pPr>
+            <a:lvl8pPr marL="3429000" indent="-228600" algn="l" defTabSz="914400" rtl="0" eaLnBrk="1" latinLnBrk="0" hangingPunct="1">
+              <a:lnSpc>
+                <a:spcPct val="90000"/>
+              </a:lnSpc>
+              <a:spcBef>
+                <a:spcPts val="500"/>
+              </a:spcBef>
+              <a:buFont typeface="Arial" panose="020B0604020202020204" pitchFamily="34" charset="0"/>
+              <a:buChar char="•"/>
+              <a:defRPr sz="1800" kern="1200">
+                <a:solidFill>
+                  <a:schemeClr val="tx1"/>
+                </a:solidFill>
+                <a:latin typeface="+mn-lt"/>
+                <a:ea typeface="+mn-ea"/>
+                <a:cs typeface="+mn-cs"/>
+              </a:defRPr>
+            </a:lvl8pPr>
+            <a:lvl9pPr marL="3886200" indent="-228600" algn="l" defTabSz="914400" rtl="0" eaLnBrk="1" latinLnBrk="0" hangingPunct="1">
+              <a:lnSpc>
+                <a:spcPct val="90000"/>
+              </a:lnSpc>
+              <a:spcBef>
+                <a:spcPts val="500"/>
+              </a:spcBef>
+              <a:buFont typeface="Arial" panose="020B0604020202020204" pitchFamily="34" charset="0"/>
+              <a:buChar char="•"/>
+              <a:defRPr sz="1800" kern="1200">
+                <a:solidFill>
+                  <a:schemeClr val="tx1"/>
+                </a:solidFill>
+                <a:latin typeface="+mn-lt"/>
+                <a:ea typeface="+mn-ea"/>
+                <a:cs typeface="+mn-cs"/>
+              </a:defRPr>
+            </a:lvl9pPr>
+          </a:lstStyle>
+          <a:p>
+            <a:pPr marL="0" indent="0">
+              <a:buNone/>
+            </a:pPr>
+            <a:r>
+              <a:rPr lang="en-US" dirty="0"/>
+              <a:t>Shlomi Fridman</a:t>
+            </a:r>
+          </a:p>
+        </p:txBody>
+      </p:sp>
+      <p:pic>
+        <p:nvPicPr>
+          <p:cNvPr id="17" name="Picture 16" descr="A person taking a selfie&#10;&#10;Description automatically generated">
+            <a:extLst>
+              <a:ext uri="{FF2B5EF4-FFF2-40B4-BE49-F238E27FC236}">
+                <a16:creationId xmlns:a16="http://schemas.microsoft.com/office/drawing/2014/main" id="{3CD98B70-1DB6-C0C5-B2CC-602404FFDF42}"/>
+              </a:ext>
+            </a:extLst>
+          </p:cNvPr>
+          <p:cNvPicPr>
+            <a:picLocks noChangeAspect="1"/>
+          </p:cNvPicPr>
+          <p:nvPr/>
+        </p:nvPicPr>
+        <p:blipFill>
+          <a:blip r:embed="rId3">
+            <a:extLst>
+              <a:ext uri="{28A0092B-C50C-407E-A947-70E740481C1C}">
+                <a14:useLocalDpi xmlns:a14="http://schemas.microsoft.com/office/drawing/2010/main" val="0"/>
+              </a:ext>
+            </a:extLst>
+          </a:blip>
+          <a:stretch>
+            <a:fillRect/>
+          </a:stretch>
+        </p:blipFill>
+        <p:spPr>
+          <a:xfrm>
+            <a:off x="5078459" y="2501900"/>
+            <a:ext cx="2324604" cy="2341823"/>
+          </a:xfrm>
+          <a:prstGeom prst="rect">
+            <a:avLst/>
+          </a:prstGeom>
+        </p:spPr>
+      </p:pic>
+      <p:pic>
+        <p:nvPicPr>
+          <p:cNvPr id="19" name="Picture 18" descr="A person wearing sunglasses and backpack&#10;&#10;Description automatically generated">
+            <a:extLst>
+              <a:ext uri="{FF2B5EF4-FFF2-40B4-BE49-F238E27FC236}">
+                <a16:creationId xmlns:a16="http://schemas.microsoft.com/office/drawing/2014/main" id="{856DE587-FFA0-8E25-F7EE-2E4A43CAF923}"/>
+              </a:ext>
+            </a:extLst>
+          </p:cNvPr>
+          <p:cNvPicPr>
+            <a:picLocks noChangeAspect="1"/>
+          </p:cNvPicPr>
+          <p:nvPr/>
+        </p:nvPicPr>
+        <p:blipFill>
+          <a:blip r:embed="rId4">
+            <a:extLst>
+              <a:ext uri="{28A0092B-C50C-407E-A947-70E740481C1C}">
+                <a14:useLocalDpi xmlns:a14="http://schemas.microsoft.com/office/drawing/2010/main" val="0"/>
+              </a:ext>
+            </a:extLst>
+          </a:blip>
+          <a:stretch>
+            <a:fillRect/>
+          </a:stretch>
+        </p:blipFill>
+        <p:spPr>
+          <a:xfrm>
+            <a:off x="969412" y="2519118"/>
+            <a:ext cx="2324605" cy="2324605"/>
+          </a:xfrm>
+          <a:prstGeom prst="rect">
+            <a:avLst/>
+          </a:prstGeom>
+        </p:spPr>
+      </p:pic>
+    </p:spTree>
+    <p:extLst>
+      <p:ext uri="{BB962C8B-B14F-4D97-AF65-F5344CB8AC3E}">
+        <p14:creationId xmlns:p14="http://schemas.microsoft.com/office/powerpoint/2010/main" val="4044605042"/>
+      </p:ext>
+    </p:extLst>
+  </p:cSld>
+  <p:clrMapOvr>
+    <a:masterClrMapping/>
+  </p:clrMapOvr>
+</p:sld>
+</file>
+
+<file path=ppt/slides/slide20.xml><?xml version="1.0" encoding="utf-8"?>
 <p:sld xmlns:a="http://schemas.openxmlformats.org/drawingml/2006/main" xmlns:r="http://schemas.openxmlformats.org/officeDocument/2006/relationships" xmlns:p="http://schemas.openxmlformats.org/presentationml/2006/main">
   <p:cSld>
     <p:spTree>
@@ -6779,7 +8010,7 @@
 </p:sld>
 </file>
 
-<file path=ppt/slides/slide19.xml><?xml version="1.0" encoding="utf-8"?>
+<file path=ppt/slides/slide21.xml><?xml version="1.0" encoding="utf-8"?>
 <p:sld xmlns:a="http://schemas.openxmlformats.org/drawingml/2006/main" xmlns:r="http://schemas.openxmlformats.org/officeDocument/2006/relationships" xmlns:p="http://schemas.openxmlformats.org/presentationml/2006/main">
   <p:cSld>
     <p:spTree>
@@ -6990,106 +8221,6 @@
     <p:extLst>
       <p:ext uri="{BB962C8B-B14F-4D97-AF65-F5344CB8AC3E}">
         <p14:creationId xmlns:p14="http://schemas.microsoft.com/office/powerpoint/2010/main" val="3921531051"/>
-      </p:ext>
-    </p:extLst>
-  </p:cSld>
-  <p:clrMapOvr>
-    <a:masterClrMapping/>
-  </p:clrMapOvr>
-</p:sld>
-</file>
-
-<file path=ppt/slides/slide2.xml><?xml version="1.0" encoding="utf-8"?>
-<p:sld xmlns:a="http://schemas.openxmlformats.org/drawingml/2006/main" xmlns:r="http://schemas.openxmlformats.org/officeDocument/2006/relationships" xmlns:p="http://schemas.openxmlformats.org/presentationml/2006/main">
-  <p:cSld>
-    <p:spTree>
-      <p:nvGrpSpPr>
-        <p:cNvPr id="1" name=""/>
-        <p:cNvGrpSpPr/>
-        <p:nvPr/>
-      </p:nvGrpSpPr>
-      <p:grpSpPr>
-        <a:xfrm>
-          <a:off x="0" y="0"/>
-          <a:ext cx="0" cy="0"/>
-          <a:chOff x="0" y="0"/>
-          <a:chExt cx="0" cy="0"/>
-        </a:xfrm>
-      </p:grpSpPr>
-      <p:sp>
-        <p:nvSpPr>
-          <p:cNvPr id="2" name="Title 1">
-            <a:extLst>
-              <a:ext uri="{FF2B5EF4-FFF2-40B4-BE49-F238E27FC236}">
-                <a16:creationId xmlns:a16="http://schemas.microsoft.com/office/drawing/2014/main" id="{18078138-57BE-DF9B-D50C-9250C2C87CC7}"/>
-              </a:ext>
-            </a:extLst>
-          </p:cNvPr>
-          <p:cNvSpPr>
-            <a:spLocks noGrp="1"/>
-          </p:cNvSpPr>
-          <p:nvPr>
-            <p:ph type="title"/>
-          </p:nvPr>
-        </p:nvSpPr>
-        <p:spPr/>
-        <p:txBody>
-          <a:bodyPr/>
-          <a:lstStyle/>
-          <a:p>
-            <a:r>
-              <a:rPr lang="en-US" dirty="0"/>
-              <a:t>Introduction</a:t>
-            </a:r>
-          </a:p>
-        </p:txBody>
-      </p:sp>
-      <p:sp>
-        <p:nvSpPr>
-          <p:cNvPr id="3" name="Content Placeholder 2">
-            <a:extLst>
-              <a:ext uri="{FF2B5EF4-FFF2-40B4-BE49-F238E27FC236}">
-                <a16:creationId xmlns:a16="http://schemas.microsoft.com/office/drawing/2014/main" id="{C4235CA1-C10C-D481-551D-2E63768D84AE}"/>
-              </a:ext>
-            </a:extLst>
-          </p:cNvPr>
-          <p:cNvSpPr>
-            <a:spLocks noGrp="1"/>
-          </p:cNvSpPr>
-          <p:nvPr>
-            <p:ph idx="1"/>
-          </p:nvPr>
-        </p:nvSpPr>
-        <p:spPr/>
-        <p:txBody>
-          <a:bodyPr/>
-          <a:lstStyle/>
-          <a:p>
-            <a:r>
-              <a:rPr lang="en-US" dirty="0"/>
-              <a:t>This is the works for the final project of the “Data Mining and Learning systems“ course in Braude College (Winter 2025)</a:t>
-            </a:r>
-          </a:p>
-          <a:p>
-            <a:r>
-              <a:rPr lang="en-US" dirty="0"/>
-              <a:t>We’ll explain the implementation of two network graph embedding algorithms (</a:t>
-            </a:r>
-            <a:r>
-              <a:rPr lang="en-US" dirty="0" err="1"/>
-              <a:t>Deepwalk</a:t>
-            </a:r>
-            <a:r>
-              <a:rPr lang="en-US" dirty="0"/>
-              <a:t>, node2vec) for one dataset (Cora)</a:t>
-            </a:r>
-          </a:p>
-        </p:txBody>
-      </p:sp>
-    </p:spTree>
-    <p:extLst>
-      <p:ext uri="{BB962C8B-B14F-4D97-AF65-F5344CB8AC3E}">
-        <p14:creationId xmlns:p14="http://schemas.microsoft.com/office/powerpoint/2010/main" val="2956746925"/>
       </p:ext>
     </p:extLst>
   </p:cSld>
@@ -7121,7 +8252,7 @@
           <p:cNvPr id="2" name="Title 1">
             <a:extLst>
               <a:ext uri="{FF2B5EF4-FFF2-40B4-BE49-F238E27FC236}">
-                <a16:creationId xmlns:a16="http://schemas.microsoft.com/office/drawing/2014/main" id="{08DB4D8B-1766-3B49-6576-74D138A112C9}"/>
+                <a16:creationId xmlns:a16="http://schemas.microsoft.com/office/drawing/2014/main" id="{18078138-57BE-DF9B-D50C-9250C2C87CC7}"/>
               </a:ext>
             </a:extLst>
           </p:cNvPr>
@@ -7139,7 +8270,7 @@
           <a:p>
             <a:r>
               <a:rPr lang="en-US" dirty="0"/>
-              <a:t>Problem definition</a:t>
+              <a:t>Introduction</a:t>
             </a:r>
           </a:p>
         </p:txBody>
@@ -7149,7 +8280,7 @@
           <p:cNvPr id="3" name="Content Placeholder 2">
             <a:extLst>
               <a:ext uri="{FF2B5EF4-FFF2-40B4-BE49-F238E27FC236}">
-                <a16:creationId xmlns:a16="http://schemas.microsoft.com/office/drawing/2014/main" id="{85BF1240-887E-5893-C0DD-57704624E0AB}"/>
+                <a16:creationId xmlns:a16="http://schemas.microsoft.com/office/drawing/2014/main" id="{C4235CA1-C10C-D481-551D-2E63768D84AE}"/>
               </a:ext>
             </a:extLst>
           </p:cNvPr>
@@ -7162,27 +8293,36 @@
         </p:nvSpPr>
         <p:spPr/>
         <p:txBody>
-          <a:bodyPr>
-            <a:normAutofit/>
-          </a:bodyPr>
+          <a:bodyPr/>
           <a:lstStyle/>
           <a:p>
-            <a:pPr marL="0" indent="0">
-              <a:buNone/>
-            </a:pPr>
             <a:r>
               <a:rPr lang="en-US" dirty="0"/>
-              <a:t>Graph embedding represents graph data as low-dimensional vectors, capturing its structure and relationships for easier use in machine learning tasks.</a:t>
+              <a:t>This is the works for the final project of the “Data Mining and Learning systems“ course in Braude College (Winter 2025)</a:t>
+            </a:r>
+          </a:p>
+          <a:p>
+            <a:r>
+              <a:rPr lang="en-US" dirty="0"/>
+              <a:t>We’ll explain the implementation of two network graph embedding algorithms (</a:t>
+            </a:r>
+            <a:r>
+              <a:rPr lang="en-US" dirty="0" err="1"/>
+              <a:t>Deepwalk</a:t>
+            </a:r>
+            <a:r>
+              <a:rPr lang="en-US" dirty="0"/>
+              <a:t>, node2vec) for one dataset (Cora)</a:t>
             </a:r>
           </a:p>
         </p:txBody>
       </p:sp>
       <p:pic>
         <p:nvPicPr>
-          <p:cNvPr id="4" name="Picture 3" descr="A colorful ball of dots&#10;&#10;Description automatically generated with medium confidence">
-            <a:extLst>
-              <a:ext uri="{FF2B5EF4-FFF2-40B4-BE49-F238E27FC236}">
-                <a16:creationId xmlns:a16="http://schemas.microsoft.com/office/drawing/2014/main" id="{DC4A6EE0-974A-326F-2566-2FDF94EC5078}"/>
+          <p:cNvPr id="4" name="Picture 3" descr="A diagram of a network&#10;&#10;Description automatically generated">
+            <a:extLst>
+              <a:ext uri="{FF2B5EF4-FFF2-40B4-BE49-F238E27FC236}">
+                <a16:creationId xmlns:a16="http://schemas.microsoft.com/office/drawing/2014/main" id="{89C54C7E-0F64-CAC4-7705-684A473BC2C4}"/>
               </a:ext>
             </a:extLst>
           </p:cNvPr>
@@ -7199,13 +8339,176 @@
               </a:ext>
             </a:extLst>
           </a:blip>
+          <a:stretch>
+            <a:fillRect/>
+          </a:stretch>
+        </p:blipFill>
+        <p:spPr>
+          <a:xfrm>
+            <a:off x="6174463" y="3713884"/>
+            <a:ext cx="5628083" cy="2921523"/>
+          </a:xfrm>
+          <a:prstGeom prst="rect">
+            <a:avLst/>
+          </a:prstGeom>
+        </p:spPr>
+      </p:pic>
+    </p:spTree>
+    <p:extLst>
+      <p:ext uri="{BB962C8B-B14F-4D97-AF65-F5344CB8AC3E}">
+        <p14:creationId xmlns:p14="http://schemas.microsoft.com/office/powerpoint/2010/main" val="2956746925"/>
+      </p:ext>
+    </p:extLst>
+  </p:cSld>
+  <p:clrMapOvr>
+    <a:masterClrMapping/>
+  </p:clrMapOvr>
+</p:sld>
+</file>
+
+<file path=ppt/slides/slide4.xml><?xml version="1.0" encoding="utf-8"?>
+<p:sld xmlns:a="http://schemas.openxmlformats.org/drawingml/2006/main" xmlns:r="http://schemas.openxmlformats.org/officeDocument/2006/relationships" xmlns:p="http://schemas.openxmlformats.org/presentationml/2006/main">
+  <p:cSld>
+    <p:spTree>
+      <p:nvGrpSpPr>
+        <p:cNvPr id="1" name=""/>
+        <p:cNvGrpSpPr/>
+        <p:nvPr/>
+      </p:nvGrpSpPr>
+      <p:grpSpPr>
+        <a:xfrm>
+          <a:off x="0" y="0"/>
+          <a:ext cx="0" cy="0"/>
+          <a:chOff x="0" y="0"/>
+          <a:chExt cx="0" cy="0"/>
+        </a:xfrm>
+      </p:grpSpPr>
+      <p:sp>
+        <p:nvSpPr>
+          <p:cNvPr id="2" name="Title 1">
+            <a:extLst>
+              <a:ext uri="{FF2B5EF4-FFF2-40B4-BE49-F238E27FC236}">
+                <a16:creationId xmlns:a16="http://schemas.microsoft.com/office/drawing/2014/main" id="{08DB4D8B-1766-3B49-6576-74D138A112C9}"/>
+              </a:ext>
+            </a:extLst>
+          </p:cNvPr>
+          <p:cNvSpPr>
+            <a:spLocks noGrp="1"/>
+          </p:cNvSpPr>
+          <p:nvPr>
+            <p:ph type="title"/>
+          </p:nvPr>
+        </p:nvSpPr>
+        <p:spPr/>
+        <p:txBody>
+          <a:bodyPr/>
+          <a:lstStyle/>
+          <a:p>
+            <a:r>
+              <a:rPr lang="en-US" dirty="0"/>
+              <a:t>Problem definition</a:t>
+            </a:r>
+          </a:p>
+        </p:txBody>
+      </p:sp>
+      <p:sp>
+        <p:nvSpPr>
+          <p:cNvPr id="3" name="Content Placeholder 2">
+            <a:extLst>
+              <a:ext uri="{FF2B5EF4-FFF2-40B4-BE49-F238E27FC236}">
+                <a16:creationId xmlns:a16="http://schemas.microsoft.com/office/drawing/2014/main" id="{85BF1240-887E-5893-C0DD-57704624E0AB}"/>
+              </a:ext>
+            </a:extLst>
+          </p:cNvPr>
+          <p:cNvSpPr>
+            <a:spLocks noGrp="1"/>
+          </p:cNvSpPr>
+          <p:nvPr>
+            <p:ph idx="1"/>
+          </p:nvPr>
+        </p:nvSpPr>
+        <p:spPr/>
+        <p:txBody>
+          <a:bodyPr>
+            <a:normAutofit/>
+          </a:bodyPr>
+          <a:lstStyle/>
+          <a:p>
+            <a:pPr marL="0" indent="0">
+              <a:buNone/>
+            </a:pPr>
+            <a:r>
+              <a:rPr lang="en-US" dirty="0"/>
+              <a:t>Graph embedding represents graph data as low-dimensional vectors, capturing its structure and relationships for easier use in machine learning tasks.</a:t>
+            </a:r>
+          </a:p>
+        </p:txBody>
+      </p:sp>
+      <p:pic>
+        <p:nvPicPr>
+          <p:cNvPr id="4" name="Picture 3" descr="A colorful ball of dots&#10;&#10;Description automatically generated with medium confidence">
+            <a:extLst>
+              <a:ext uri="{FF2B5EF4-FFF2-40B4-BE49-F238E27FC236}">
+                <a16:creationId xmlns:a16="http://schemas.microsoft.com/office/drawing/2014/main" id="{DC4A6EE0-974A-326F-2566-2FDF94EC5078}"/>
+              </a:ext>
+            </a:extLst>
+          </p:cNvPr>
+          <p:cNvPicPr>
+            <a:picLocks noChangeAspect="1"/>
+          </p:cNvPicPr>
+          <p:nvPr/>
+        </p:nvPicPr>
+        <p:blipFill>
+          <a:blip r:embed="rId2">
+            <a:extLst>
+              <a:ext uri="{28A0092B-C50C-407E-A947-70E740481C1C}">
+                <a14:useLocalDpi xmlns:a14="http://schemas.microsoft.com/office/drawing/2010/main" val="0"/>
+              </a:ext>
+            </a:extLst>
+          </a:blip>
           <a:srcRect l="7736" t="8191" r="6465" b="4947"/>
           <a:stretch/>
         </p:blipFill>
         <p:spPr>
           <a:xfrm>
-            <a:off x="8157172" y="2753214"/>
-            <a:ext cx="3929204" cy="4059855"/>
+            <a:off x="8010525" y="2601692"/>
+            <a:ext cx="4075851" cy="4211378"/>
+          </a:xfrm>
+          <a:prstGeom prst="rect">
+            <a:avLst/>
+          </a:prstGeom>
+        </p:spPr>
+      </p:pic>
+      <p:pic>
+        <p:nvPicPr>
+          <p:cNvPr id="6" name="Picture 5">
+            <a:extLst>
+              <a:ext uri="{FF2B5EF4-FFF2-40B4-BE49-F238E27FC236}">
+                <a16:creationId xmlns:a16="http://schemas.microsoft.com/office/drawing/2014/main" id="{5B10D5EC-9A27-25F7-84E4-7F0DAB2739A5}"/>
+              </a:ext>
+            </a:extLst>
+          </p:cNvPr>
+          <p:cNvPicPr>
+            <a:picLocks noChangeAspect="1"/>
+          </p:cNvPicPr>
+          <p:nvPr/>
+        </p:nvPicPr>
+        <p:blipFill>
+          <a:blip r:embed="rId3">
+            <a:extLst>
+              <a:ext uri="{28A0092B-C50C-407E-A947-70E740481C1C}">
+                <a14:useLocalDpi xmlns:a14="http://schemas.microsoft.com/office/drawing/2010/main" val="0"/>
+              </a:ext>
+            </a:extLst>
+          </a:blip>
+          <a:stretch>
+            <a:fillRect/>
+          </a:stretch>
+        </p:blipFill>
+        <p:spPr>
+          <a:xfrm>
+            <a:off x="289500" y="3310997"/>
+            <a:ext cx="7620392" cy="3422826"/>
           </a:xfrm>
           <a:prstGeom prst="rect">
             <a:avLst/>
@@ -7225,7 +8528,7 @@
 </p:sld>
 </file>
 
-<file path=ppt/slides/slide4.xml><?xml version="1.0" encoding="utf-8"?>
+<file path=ppt/slides/slide5.xml><?xml version="1.0" encoding="utf-8"?>
 <p:sld xmlns:a="http://schemas.openxmlformats.org/drawingml/2006/main" xmlns:r="http://schemas.openxmlformats.org/officeDocument/2006/relationships" xmlns:p="http://schemas.openxmlformats.org/presentationml/2006/main">
   <p:cSld>
     <p:spTree>
@@ -7391,7 +8694,7 @@
 </p:sld>
 </file>
 
-<file path=ppt/slides/slide5.xml><?xml version="1.0" encoding="utf-8"?>
+<file path=ppt/slides/slide6.xml><?xml version="1.0" encoding="utf-8"?>
 <p:sld xmlns:a="http://schemas.openxmlformats.org/drawingml/2006/main" xmlns:r="http://schemas.openxmlformats.org/officeDocument/2006/relationships" xmlns:p="http://schemas.openxmlformats.org/presentationml/2006/main">
   <p:cSld>
     <p:spTree>
@@ -7544,10 +8847,10 @@
       </p:sp>
       <p:pic>
         <p:nvPicPr>
-          <p:cNvPr id="5" name="Picture 4" descr="A diagram of a network&#10;&#10;Description automatically generated">
-            <a:extLst>
-              <a:ext uri="{FF2B5EF4-FFF2-40B4-BE49-F238E27FC236}">
-                <a16:creationId xmlns:a16="http://schemas.microsoft.com/office/drawing/2014/main" id="{37587056-3EB3-1EAC-9FE2-5C6E26DF923D}"/>
+          <p:cNvPr id="7" name="Picture 6" descr="A diagram of people connected to each other&#10;&#10;Description automatically generated">
+            <a:extLst>
+              <a:ext uri="{FF2B5EF4-FFF2-40B4-BE49-F238E27FC236}">
+                <a16:creationId xmlns:a16="http://schemas.microsoft.com/office/drawing/2014/main" id="{A0B8CD3B-0F3D-9588-85E3-8520866A7280}"/>
               </a:ext>
             </a:extLst>
           </p:cNvPr>
@@ -7570,8 +8873,8 @@
         </p:blipFill>
         <p:spPr>
           <a:xfrm>
-            <a:off x="8436098" y="4803646"/>
-            <a:ext cx="3511303" cy="1822708"/>
+            <a:off x="7695446" y="4510161"/>
+            <a:ext cx="4360597" cy="2234670"/>
           </a:xfrm>
           <a:prstGeom prst="rect">
             <a:avLst/>
@@ -7591,7 +8894,7 @@
 </p:sld>
 </file>
 
-<file path=ppt/slides/slide6.xml><?xml version="1.0" encoding="utf-8"?>
+<file path=ppt/slides/slide7.xml><?xml version="1.0" encoding="utf-8"?>
 <p:sld xmlns:a="http://schemas.openxmlformats.org/drawingml/2006/main" xmlns:r="http://schemas.openxmlformats.org/officeDocument/2006/relationships" xmlns:p="http://schemas.openxmlformats.org/presentationml/2006/main">
   <p:cSld>
     <p:spTree>
@@ -7799,7 +9102,7 @@
 </p:sld>
 </file>
 
-<file path=ppt/slides/slide7.xml><?xml version="1.0" encoding="utf-8"?>
+<file path=ppt/slides/slide8.xml><?xml version="1.0" encoding="utf-8"?>
 <p:sld xmlns:a="http://schemas.openxmlformats.org/drawingml/2006/main" xmlns:r="http://schemas.openxmlformats.org/officeDocument/2006/relationships" xmlns:p="http://schemas.openxmlformats.org/presentationml/2006/main">
   <p:cSld>
     <p:spTree>
@@ -7905,7 +9208,7 @@
 </p:sld>
 </file>
 
-<file path=ppt/slides/slide8.xml><?xml version="1.0" encoding="utf-8"?>
+<file path=ppt/slides/slide9.xml><?xml version="1.0" encoding="utf-8"?>
 <p:sld xmlns:a="http://schemas.openxmlformats.org/drawingml/2006/main" xmlns:r="http://schemas.openxmlformats.org/officeDocument/2006/relationships" xmlns:p="http://schemas.openxmlformats.org/presentationml/2006/main">
   <p:cSld>
     <p:spTree>
@@ -8759,363 +10062,6 @@
     <p:extLst>
       <p:ext uri="{BB962C8B-B14F-4D97-AF65-F5344CB8AC3E}">
         <p14:creationId xmlns:p14="http://schemas.microsoft.com/office/powerpoint/2010/main" val="1887687406"/>
-      </p:ext>
-    </p:extLst>
-  </p:cSld>
-  <p:clrMapOvr>
-    <a:masterClrMapping/>
-  </p:clrMapOvr>
-</p:sld>
-</file>
-
-<file path=ppt/slides/slide9.xml><?xml version="1.0" encoding="utf-8"?>
-<p:sld xmlns:a="http://schemas.openxmlformats.org/drawingml/2006/main" xmlns:r="http://schemas.openxmlformats.org/officeDocument/2006/relationships" xmlns:p="http://schemas.openxmlformats.org/presentationml/2006/main">
-  <p:cSld>
-    <p:spTree>
-      <p:nvGrpSpPr>
-        <p:cNvPr id="1" name="">
-          <a:extLst>
-            <a:ext uri="{FF2B5EF4-FFF2-40B4-BE49-F238E27FC236}">
-              <a16:creationId xmlns:a16="http://schemas.microsoft.com/office/drawing/2014/main" id="{68871001-9FD1-6359-0B20-3162E185E10A}"/>
-            </a:ext>
-          </a:extLst>
-        </p:cNvPr>
-        <p:cNvGrpSpPr/>
-        <p:nvPr/>
-      </p:nvGrpSpPr>
-      <p:grpSpPr>
-        <a:xfrm>
-          <a:off x="0" y="0"/>
-          <a:ext cx="0" cy="0"/>
-          <a:chOff x="0" y="0"/>
-          <a:chExt cx="0" cy="0"/>
-        </a:xfrm>
-      </p:grpSpPr>
-      <p:sp>
-        <p:nvSpPr>
-          <p:cNvPr id="2" name="Title 1">
-            <a:extLst>
-              <a:ext uri="{FF2B5EF4-FFF2-40B4-BE49-F238E27FC236}">
-                <a16:creationId xmlns:a16="http://schemas.microsoft.com/office/drawing/2014/main" id="{94865DF6-9E9A-D57B-BEE0-EB25F854ADB0}"/>
-              </a:ext>
-            </a:extLst>
-          </p:cNvPr>
-          <p:cNvSpPr>
-            <a:spLocks noGrp="1"/>
-          </p:cNvSpPr>
-          <p:nvPr>
-            <p:ph type="title"/>
-          </p:nvPr>
-        </p:nvSpPr>
-        <p:spPr/>
-        <p:txBody>
-          <a:bodyPr/>
-          <a:lstStyle/>
-          <a:p>
-            <a:r>
-              <a:rPr lang="en-US" dirty="0"/>
-              <a:t>Prepare the dataset</a:t>
-            </a:r>
-          </a:p>
-        </p:txBody>
-      </p:sp>
-      <p:sp>
-        <p:nvSpPr>
-          <p:cNvPr id="3" name="Content Placeholder 2">
-            <a:extLst>
-              <a:ext uri="{FF2B5EF4-FFF2-40B4-BE49-F238E27FC236}">
-                <a16:creationId xmlns:a16="http://schemas.microsoft.com/office/drawing/2014/main" id="{CDFB5A22-1F47-7F82-4E12-EFDE04BE1A88}"/>
-              </a:ext>
-            </a:extLst>
-          </p:cNvPr>
-          <p:cNvSpPr>
-            <a:spLocks noGrp="1"/>
-          </p:cNvSpPr>
-          <p:nvPr>
-            <p:ph idx="1"/>
-          </p:nvPr>
-        </p:nvSpPr>
-        <p:spPr>
-          <a:xfrm>
-            <a:off x="838199" y="1475715"/>
-            <a:ext cx="11188485" cy="5382285"/>
-          </a:xfrm>
-        </p:spPr>
-        <p:txBody>
-          <a:bodyPr>
-            <a:normAutofit/>
-          </a:bodyPr>
-          <a:lstStyle/>
-          <a:p>
-            <a:pPr marL="0" indent="0">
-              <a:buNone/>
-            </a:pPr>
-            <a:r>
-              <a:rPr lang="en-US" dirty="0"/>
-              <a:t>The vertexes are loaded from the “</a:t>
-            </a:r>
-            <a:r>
-              <a:rPr lang="en-US" dirty="0" err="1"/>
-              <a:t>Cora.content</a:t>
-            </a:r>
-            <a:r>
-              <a:rPr lang="en-US" dirty="0"/>
-              <a:t>” file </a:t>
-            </a:r>
-          </a:p>
-          <a:p>
-            <a:pPr marL="0" indent="0">
-              <a:buNone/>
-            </a:pPr>
-            <a:r>
-              <a:rPr lang="en-US" dirty="0"/>
-              <a:t>The edges are loaded from the file “</a:t>
-            </a:r>
-            <a:r>
-              <a:rPr lang="en-US" dirty="0" err="1"/>
-              <a:t>Cora.cites</a:t>
-            </a:r>
-            <a:r>
-              <a:rPr lang="en-US" dirty="0"/>
-              <a:t>” file</a:t>
-            </a:r>
-          </a:p>
-          <a:p>
-            <a:pPr marL="0" indent="0">
-              <a:buNone/>
-            </a:pPr>
-            <a:r>
-              <a:rPr lang="en-US" dirty="0"/>
-              <a:t>Both are converted to a </a:t>
-            </a:r>
-            <a:r>
-              <a:rPr lang="en-US" dirty="0" err="1"/>
-              <a:t>diGraph</a:t>
-            </a:r>
-            <a:r>
-              <a:rPr lang="en-US" dirty="0"/>
-              <a:t> from the </a:t>
-            </a:r>
-            <a:r>
-              <a:rPr lang="en-US" dirty="0" err="1"/>
-              <a:t>networkxx</a:t>
-            </a:r>
-            <a:r>
-              <a:rPr lang="en-US" dirty="0"/>
-              <a:t> library</a:t>
-            </a:r>
-          </a:p>
-          <a:p>
-            <a:pPr marL="0" indent="0">
-              <a:buNone/>
-            </a:pPr>
-            <a:r>
-              <a:rPr lang="en-US" dirty="0"/>
-              <a:t>Both vertexes and edges are given probability using the Alias method.</a:t>
-            </a:r>
-          </a:p>
-        </p:txBody>
-      </p:sp>
-      <p:sp>
-        <p:nvSpPr>
-          <p:cNvPr id="4" name="Content Placeholder 2">
-            <a:extLst>
-              <a:ext uri="{FF2B5EF4-FFF2-40B4-BE49-F238E27FC236}">
-                <a16:creationId xmlns:a16="http://schemas.microsoft.com/office/drawing/2014/main" id="{3933FFB7-C1F6-751F-8A85-5FBED969E8F2}"/>
-              </a:ext>
-            </a:extLst>
-          </p:cNvPr>
-          <p:cNvSpPr txBox="1">
-            <a:spLocks/>
-          </p:cNvSpPr>
-          <p:nvPr/>
-        </p:nvSpPr>
-        <p:spPr>
-          <a:xfrm>
-            <a:off x="838198" y="5269424"/>
-            <a:ext cx="11188485" cy="1325562"/>
-          </a:xfrm>
-          <a:prstGeom prst="rect">
-            <a:avLst/>
-          </a:prstGeom>
-        </p:spPr>
-        <p:txBody>
-          <a:bodyPr vert="horz" lIns="91440" tIns="45720" rIns="91440" bIns="45720" rtlCol="0">
-            <a:normAutofit/>
-          </a:bodyPr>
-          <a:lstStyle>
-            <a:lvl1pPr marL="228600" indent="-228600" algn="l" defTabSz="914400" rtl="0" eaLnBrk="1" latinLnBrk="0" hangingPunct="1">
-              <a:lnSpc>
-                <a:spcPct val="90000"/>
-              </a:lnSpc>
-              <a:spcBef>
-                <a:spcPts val="1000"/>
-              </a:spcBef>
-              <a:buFont typeface="Arial" panose="020B0604020202020204" pitchFamily="34" charset="0"/>
-              <a:buChar char="•"/>
-              <a:defRPr sz="2800" kern="1200">
-                <a:solidFill>
-                  <a:schemeClr val="tx1"/>
-                </a:solidFill>
-                <a:latin typeface="+mn-lt"/>
-                <a:ea typeface="+mn-ea"/>
-                <a:cs typeface="+mn-cs"/>
-              </a:defRPr>
-            </a:lvl1pPr>
-            <a:lvl2pPr marL="685800" indent="-228600" algn="l" defTabSz="914400" rtl="0" eaLnBrk="1" latinLnBrk="0" hangingPunct="1">
-              <a:lnSpc>
-                <a:spcPct val="90000"/>
-              </a:lnSpc>
-              <a:spcBef>
-                <a:spcPts val="500"/>
-              </a:spcBef>
-              <a:buFont typeface="Arial" panose="020B0604020202020204" pitchFamily="34" charset="0"/>
-              <a:buChar char="•"/>
-              <a:defRPr sz="2400" kern="1200">
-                <a:solidFill>
-                  <a:schemeClr val="tx1"/>
-                </a:solidFill>
-                <a:latin typeface="+mn-lt"/>
-                <a:ea typeface="+mn-ea"/>
-                <a:cs typeface="+mn-cs"/>
-              </a:defRPr>
-            </a:lvl2pPr>
-            <a:lvl3pPr marL="1143000" indent="-228600" algn="l" defTabSz="914400" rtl="0" eaLnBrk="1" latinLnBrk="0" hangingPunct="1">
-              <a:lnSpc>
-                <a:spcPct val="90000"/>
-              </a:lnSpc>
-              <a:spcBef>
-                <a:spcPts val="500"/>
-              </a:spcBef>
-              <a:buFont typeface="Arial" panose="020B0604020202020204" pitchFamily="34" charset="0"/>
-              <a:buChar char="•"/>
-              <a:defRPr sz="2000" kern="1200">
-                <a:solidFill>
-                  <a:schemeClr val="tx1"/>
-                </a:solidFill>
-                <a:latin typeface="+mn-lt"/>
-                <a:ea typeface="+mn-ea"/>
-                <a:cs typeface="+mn-cs"/>
-              </a:defRPr>
-            </a:lvl3pPr>
-            <a:lvl4pPr marL="1600200" indent="-228600" algn="l" defTabSz="914400" rtl="0" eaLnBrk="1" latinLnBrk="0" hangingPunct="1">
-              <a:lnSpc>
-                <a:spcPct val="90000"/>
-              </a:lnSpc>
-              <a:spcBef>
-                <a:spcPts val="500"/>
-              </a:spcBef>
-              <a:buFont typeface="Arial" panose="020B0604020202020204" pitchFamily="34" charset="0"/>
-              <a:buChar char="•"/>
-              <a:defRPr sz="1800" kern="1200">
-                <a:solidFill>
-                  <a:schemeClr val="tx1"/>
-                </a:solidFill>
-                <a:latin typeface="+mn-lt"/>
-                <a:ea typeface="+mn-ea"/>
-                <a:cs typeface="+mn-cs"/>
-              </a:defRPr>
-            </a:lvl4pPr>
-            <a:lvl5pPr marL="2057400" indent="-228600" algn="l" defTabSz="914400" rtl="0" eaLnBrk="1" latinLnBrk="0" hangingPunct="1">
-              <a:lnSpc>
-                <a:spcPct val="90000"/>
-              </a:lnSpc>
-              <a:spcBef>
-                <a:spcPts val="500"/>
-              </a:spcBef>
-              <a:buFont typeface="Arial" panose="020B0604020202020204" pitchFamily="34" charset="0"/>
-              <a:buChar char="•"/>
-              <a:defRPr sz="1800" kern="1200">
-                <a:solidFill>
-                  <a:schemeClr val="tx1"/>
-                </a:solidFill>
-                <a:latin typeface="+mn-lt"/>
-                <a:ea typeface="+mn-ea"/>
-                <a:cs typeface="+mn-cs"/>
-              </a:defRPr>
-            </a:lvl5pPr>
-            <a:lvl6pPr marL="2514600" indent="-228600" algn="l" defTabSz="914400" rtl="0" eaLnBrk="1" latinLnBrk="0" hangingPunct="1">
-              <a:lnSpc>
-                <a:spcPct val="90000"/>
-              </a:lnSpc>
-              <a:spcBef>
-                <a:spcPts val="500"/>
-              </a:spcBef>
-              <a:buFont typeface="Arial" panose="020B0604020202020204" pitchFamily="34" charset="0"/>
-              <a:buChar char="•"/>
-              <a:defRPr sz="1800" kern="1200">
-                <a:solidFill>
-                  <a:schemeClr val="tx1"/>
-                </a:solidFill>
-                <a:latin typeface="+mn-lt"/>
-                <a:ea typeface="+mn-ea"/>
-                <a:cs typeface="+mn-cs"/>
-              </a:defRPr>
-            </a:lvl6pPr>
-            <a:lvl7pPr marL="2971800" indent="-228600" algn="l" defTabSz="914400" rtl="0" eaLnBrk="1" latinLnBrk="0" hangingPunct="1">
-              <a:lnSpc>
-                <a:spcPct val="90000"/>
-              </a:lnSpc>
-              <a:spcBef>
-                <a:spcPts val="500"/>
-              </a:spcBef>
-              <a:buFont typeface="Arial" panose="020B0604020202020204" pitchFamily="34" charset="0"/>
-              <a:buChar char="•"/>
-              <a:defRPr sz="1800" kern="1200">
-                <a:solidFill>
-                  <a:schemeClr val="tx1"/>
-                </a:solidFill>
-                <a:latin typeface="+mn-lt"/>
-                <a:ea typeface="+mn-ea"/>
-                <a:cs typeface="+mn-cs"/>
-              </a:defRPr>
-            </a:lvl7pPr>
-            <a:lvl8pPr marL="3429000" indent="-228600" algn="l" defTabSz="914400" rtl="0" eaLnBrk="1" latinLnBrk="0" hangingPunct="1">
-              <a:lnSpc>
-                <a:spcPct val="90000"/>
-              </a:lnSpc>
-              <a:spcBef>
-                <a:spcPts val="500"/>
-              </a:spcBef>
-              <a:buFont typeface="Arial" panose="020B0604020202020204" pitchFamily="34" charset="0"/>
-              <a:buChar char="•"/>
-              <a:defRPr sz="1800" kern="1200">
-                <a:solidFill>
-                  <a:schemeClr val="tx1"/>
-                </a:solidFill>
-                <a:latin typeface="+mn-lt"/>
-                <a:ea typeface="+mn-ea"/>
-                <a:cs typeface="+mn-cs"/>
-              </a:defRPr>
-            </a:lvl8pPr>
-            <a:lvl9pPr marL="3886200" indent="-228600" algn="l" defTabSz="914400" rtl="0" eaLnBrk="1" latinLnBrk="0" hangingPunct="1">
-              <a:lnSpc>
-                <a:spcPct val="90000"/>
-              </a:lnSpc>
-              <a:spcBef>
-                <a:spcPts val="500"/>
-              </a:spcBef>
-              <a:buFont typeface="Arial" panose="020B0604020202020204" pitchFamily="34" charset="0"/>
-              <a:buChar char="•"/>
-              <a:defRPr sz="1800" kern="1200">
-                <a:solidFill>
-                  <a:schemeClr val="tx1"/>
-                </a:solidFill>
-                <a:latin typeface="+mn-lt"/>
-                <a:ea typeface="+mn-ea"/>
-                <a:cs typeface="+mn-cs"/>
-              </a:defRPr>
-            </a:lvl9pPr>
-          </a:lstStyle>
-          <a:p>
-            <a:endParaRPr lang="en-US" dirty="0"/>
-          </a:p>
-        </p:txBody>
-      </p:sp>
-    </p:spTree>
-    <p:extLst>
-      <p:ext uri="{BB962C8B-B14F-4D97-AF65-F5344CB8AC3E}">
-        <p14:creationId xmlns:p14="http://schemas.microsoft.com/office/powerpoint/2010/main" val="3641279483"/>
       </p:ext>
     </p:extLst>
   </p:cSld>

--- a/doc/Graph-Embedding Presentation.pptx
+++ b/doc/Graph-Embedding Presentation.pptx
@@ -217,7 +217,7 @@
           <a:p>
             <a:fld id="{40255490-F3EC-4464-B815-288EE6CB06A0}" type="datetimeFigureOut">
               <a:rPr lang="en-US" smtClean="0"/>
-              <a:t>1/24/2025</a:t>
+              <a:t>1/27/2025</a:t>
             </a:fld>
             <a:endParaRPr lang="en-US"/>
           </a:p>
@@ -620,20 +620,6 @@
           <a:bodyPr/>
           <a:lstStyle/>
           <a:p>
-            <a:r>
-              <a:rPr lang="en-US" b="0" i="0" dirty="0" err="1">
-                <a:effectLst/>
-                <a:latin typeface="gg sans"/>
-              </a:rPr>
-              <a:t>DiGraph</a:t>
-            </a:r>
-            <a:r>
-              <a:rPr lang="en-US" b="0" i="0" dirty="0">
-                <a:effectLst/>
-                <a:latin typeface="gg sans"/>
-              </a:rPr>
-              <a:t>—Directed graphs with self loops</a:t>
-            </a:r>
             <a:endParaRPr lang="en-US" dirty="0"/>
           </a:p>
         </p:txBody>
@@ -655,7 +641,7 @@
           <a:p>
             <a:fld id="{AFC9B226-C9A0-4F2E-8FB6-1ABBD39453D5}" type="slidenum">
               <a:rPr lang="en-US" smtClean="0"/>
-              <a:t>10</a:t>
+              <a:t>3</a:t>
             </a:fld>
             <a:endParaRPr lang="en-US"/>
           </a:p>
@@ -664,7 +650,7 @@
     </p:spTree>
     <p:extLst>
       <p:ext uri="{BB962C8B-B14F-4D97-AF65-F5344CB8AC3E}">
-        <p14:creationId xmlns:p14="http://schemas.microsoft.com/office/powerpoint/2010/main" val="2466024889"/>
+        <p14:creationId xmlns:p14="http://schemas.microsoft.com/office/powerpoint/2010/main" val="2939035599"/>
       </p:ext>
     </p:extLst>
   </p:cSld>
@@ -718,6 +704,204 @@
           <a:bodyPr/>
           <a:lstStyle/>
           <a:p>
+            <a:r>
+              <a:rPr lang="en-US" b="0" i="0" dirty="0" err="1">
+                <a:effectLst/>
+                <a:latin typeface="gg sans"/>
+              </a:rPr>
+              <a:t>DiGraph</a:t>
+            </a:r>
+            <a:r>
+              <a:rPr lang="en-US" b="0" i="0" dirty="0">
+                <a:effectLst/>
+                <a:latin typeface="gg sans"/>
+              </a:rPr>
+              <a:t>—Directed graphs with self loops</a:t>
+            </a:r>
+            <a:br>
+              <a:rPr lang="en-US" b="0" i="0" dirty="0">
+                <a:effectLst/>
+                <a:latin typeface="gg sans"/>
+              </a:rPr>
+            </a:br>
+            <a:r>
+              <a:rPr lang="en-US" b="0" i="0" dirty="0">
+                <a:effectLst/>
+                <a:latin typeface="gg sans"/>
+              </a:rPr>
+              <a:t>alias explaining later</a:t>
+            </a:r>
+            <a:endParaRPr lang="en-US" dirty="0"/>
+          </a:p>
+        </p:txBody>
+      </p:sp>
+      <p:sp>
+        <p:nvSpPr>
+          <p:cNvPr id="4" name="Slide Number Placeholder 3"/>
+          <p:cNvSpPr>
+            <a:spLocks noGrp="1"/>
+          </p:cNvSpPr>
+          <p:nvPr>
+            <p:ph type="sldNum" sz="quarter" idx="5"/>
+          </p:nvPr>
+        </p:nvSpPr>
+        <p:spPr/>
+        <p:txBody>
+          <a:bodyPr/>
+          <a:lstStyle/>
+          <a:p>
+            <a:fld id="{AFC9B226-C9A0-4F2E-8FB6-1ABBD39453D5}" type="slidenum">
+              <a:rPr lang="en-US" smtClean="0"/>
+              <a:t>10</a:t>
+            </a:fld>
+            <a:endParaRPr lang="en-US"/>
+          </a:p>
+        </p:txBody>
+      </p:sp>
+    </p:spTree>
+    <p:extLst>
+      <p:ext uri="{BB962C8B-B14F-4D97-AF65-F5344CB8AC3E}">
+        <p14:creationId xmlns:p14="http://schemas.microsoft.com/office/powerpoint/2010/main" val="2466024889"/>
+      </p:ext>
+    </p:extLst>
+  </p:cSld>
+  <p:clrMapOvr>
+    <a:masterClrMapping/>
+  </p:clrMapOvr>
+</p:notes>
+</file>
+
+<file path=ppt/notesSlides/notesSlide4.xml><?xml version="1.0" encoding="utf-8"?>
+<p:notes xmlns:a="http://schemas.openxmlformats.org/drawingml/2006/main" xmlns:r="http://schemas.openxmlformats.org/officeDocument/2006/relationships" xmlns:p="http://schemas.openxmlformats.org/presentationml/2006/main">
+  <p:cSld>
+    <p:spTree>
+      <p:nvGrpSpPr>
+        <p:cNvPr id="1" name=""/>
+        <p:cNvGrpSpPr/>
+        <p:nvPr/>
+      </p:nvGrpSpPr>
+      <p:grpSpPr>
+        <a:xfrm>
+          <a:off x="0" y="0"/>
+          <a:ext cx="0" cy="0"/>
+          <a:chOff x="0" y="0"/>
+          <a:chExt cx="0" cy="0"/>
+        </a:xfrm>
+      </p:grpSpPr>
+      <p:sp>
+        <p:nvSpPr>
+          <p:cNvPr id="2" name="Slide Image Placeholder 1"/>
+          <p:cNvSpPr>
+            <a:spLocks noGrp="1" noRot="1" noChangeAspect="1"/>
+          </p:cNvSpPr>
+          <p:nvPr>
+            <p:ph type="sldImg"/>
+          </p:nvPr>
+        </p:nvSpPr>
+        <p:spPr/>
+      </p:sp>
+      <p:sp>
+        <p:nvSpPr>
+          <p:cNvPr id="3" name="Notes Placeholder 2"/>
+          <p:cNvSpPr>
+            <a:spLocks noGrp="1"/>
+          </p:cNvSpPr>
+          <p:nvPr>
+            <p:ph type="body" idx="1"/>
+          </p:nvPr>
+        </p:nvSpPr>
+        <p:spPr/>
+        <p:txBody>
+          <a:bodyPr/>
+          <a:lstStyle/>
+          <a:p>
+            <a:r>
+              <a:rPr lang="en-US" dirty="0"/>
+              <a:t>Sg=1, target word to other words</a:t>
+            </a:r>
+          </a:p>
+        </p:txBody>
+      </p:sp>
+      <p:sp>
+        <p:nvSpPr>
+          <p:cNvPr id="4" name="Slide Number Placeholder 3"/>
+          <p:cNvSpPr>
+            <a:spLocks noGrp="1"/>
+          </p:cNvSpPr>
+          <p:nvPr>
+            <p:ph type="sldNum" sz="quarter" idx="5"/>
+          </p:nvPr>
+        </p:nvSpPr>
+        <p:spPr/>
+        <p:txBody>
+          <a:bodyPr/>
+          <a:lstStyle/>
+          <a:p>
+            <a:fld id="{AFC9B226-C9A0-4F2E-8FB6-1ABBD39453D5}" type="slidenum">
+              <a:rPr lang="en-US" smtClean="0"/>
+              <a:t>14</a:t>
+            </a:fld>
+            <a:endParaRPr lang="en-US"/>
+          </a:p>
+        </p:txBody>
+      </p:sp>
+    </p:spTree>
+    <p:extLst>
+      <p:ext uri="{BB962C8B-B14F-4D97-AF65-F5344CB8AC3E}">
+        <p14:creationId xmlns:p14="http://schemas.microsoft.com/office/powerpoint/2010/main" val="2221071020"/>
+      </p:ext>
+    </p:extLst>
+  </p:cSld>
+  <p:clrMapOvr>
+    <a:masterClrMapping/>
+  </p:clrMapOvr>
+</p:notes>
+</file>
+
+<file path=ppt/notesSlides/notesSlide5.xml><?xml version="1.0" encoding="utf-8"?>
+<p:notes xmlns:a="http://schemas.openxmlformats.org/drawingml/2006/main" xmlns:r="http://schemas.openxmlformats.org/officeDocument/2006/relationships" xmlns:p="http://schemas.openxmlformats.org/presentationml/2006/main">
+  <p:cSld>
+    <p:spTree>
+      <p:nvGrpSpPr>
+        <p:cNvPr id="1" name=""/>
+        <p:cNvGrpSpPr/>
+        <p:nvPr/>
+      </p:nvGrpSpPr>
+      <p:grpSpPr>
+        <a:xfrm>
+          <a:off x="0" y="0"/>
+          <a:ext cx="0" cy="0"/>
+          <a:chOff x="0" y="0"/>
+          <a:chExt cx="0" cy="0"/>
+        </a:xfrm>
+      </p:grpSpPr>
+      <p:sp>
+        <p:nvSpPr>
+          <p:cNvPr id="2" name="Slide Image Placeholder 1"/>
+          <p:cNvSpPr>
+            <a:spLocks noGrp="1" noRot="1" noChangeAspect="1"/>
+          </p:cNvSpPr>
+          <p:nvPr>
+            <p:ph type="sldImg"/>
+          </p:nvPr>
+        </p:nvSpPr>
+        <p:spPr/>
+      </p:sp>
+      <p:sp>
+        <p:nvSpPr>
+          <p:cNvPr id="3" name="Notes Placeholder 2"/>
+          <p:cNvSpPr>
+            <a:spLocks noGrp="1"/>
+          </p:cNvSpPr>
+          <p:nvPr>
+            <p:ph type="body" idx="1"/>
+          </p:nvPr>
+        </p:nvSpPr>
+        <p:spPr/>
+        <p:txBody>
+          <a:bodyPr/>
+          <a:lstStyle/>
+          <a:p>
             <a:pPr marL="0" marR="0" lvl="0" indent="0" algn="l" defTabSz="914400" rtl="0" eaLnBrk="1" fontAlgn="auto" latinLnBrk="0" hangingPunct="1">
               <a:lnSpc>
                 <a:spcPct val="100000"/>
@@ -925,7 +1109,7 @@
 </p:notes>
 </file>
 
-<file path=ppt/notesSlides/notesSlide4.xml><?xml version="1.0" encoding="utf-8"?>
+<file path=ppt/notesSlides/notesSlide6.xml><?xml version="1.0" encoding="utf-8"?>
 <p:notes xmlns:a="http://schemas.openxmlformats.org/drawingml/2006/main" xmlns:r="http://schemas.openxmlformats.org/officeDocument/2006/relationships" xmlns:p="http://schemas.openxmlformats.org/presentationml/2006/main">
   <p:cSld>
     <p:spTree>
@@ -1347,7 +1531,7 @@
           <a:p>
             <a:fld id="{6FC2E1BB-ABA2-49E9-A8D9-545C2DE0A0F4}" type="datetimeFigureOut">
               <a:rPr lang="en-US" smtClean="0"/>
-              <a:t>1/24/2025</a:t>
+              <a:t>1/27/2025</a:t>
             </a:fld>
             <a:endParaRPr lang="en-US"/>
           </a:p>
@@ -1545,7 +1729,7 @@
           <a:p>
             <a:fld id="{6FC2E1BB-ABA2-49E9-A8D9-545C2DE0A0F4}" type="datetimeFigureOut">
               <a:rPr lang="en-US" smtClean="0"/>
-              <a:t>1/24/2025</a:t>
+              <a:t>1/27/2025</a:t>
             </a:fld>
             <a:endParaRPr lang="en-US"/>
           </a:p>
@@ -1753,7 +1937,7 @@
           <a:p>
             <a:fld id="{6FC2E1BB-ABA2-49E9-A8D9-545C2DE0A0F4}" type="datetimeFigureOut">
               <a:rPr lang="en-US" smtClean="0"/>
-              <a:t>1/24/2025</a:t>
+              <a:t>1/27/2025</a:t>
             </a:fld>
             <a:endParaRPr lang="en-US"/>
           </a:p>
@@ -1951,7 +2135,7 @@
           <a:p>
             <a:fld id="{6FC2E1BB-ABA2-49E9-A8D9-545C2DE0A0F4}" type="datetimeFigureOut">
               <a:rPr lang="en-US" smtClean="0"/>
-              <a:t>1/24/2025</a:t>
+              <a:t>1/27/2025</a:t>
             </a:fld>
             <a:endParaRPr lang="en-US"/>
           </a:p>
@@ -2226,7 +2410,7 @@
           <a:p>
             <a:fld id="{6FC2E1BB-ABA2-49E9-A8D9-545C2DE0A0F4}" type="datetimeFigureOut">
               <a:rPr lang="en-US" smtClean="0"/>
-              <a:t>1/24/2025</a:t>
+              <a:t>1/27/2025</a:t>
             </a:fld>
             <a:endParaRPr lang="en-US"/>
           </a:p>
@@ -2491,7 +2675,7 @@
           <a:p>
             <a:fld id="{6FC2E1BB-ABA2-49E9-A8D9-545C2DE0A0F4}" type="datetimeFigureOut">
               <a:rPr lang="en-US" smtClean="0"/>
-              <a:t>1/24/2025</a:t>
+              <a:t>1/27/2025</a:t>
             </a:fld>
             <a:endParaRPr lang="en-US"/>
           </a:p>
@@ -2903,7 +3087,7 @@
           <a:p>
             <a:fld id="{6FC2E1BB-ABA2-49E9-A8D9-545C2DE0A0F4}" type="datetimeFigureOut">
               <a:rPr lang="en-US" smtClean="0"/>
-              <a:t>1/24/2025</a:t>
+              <a:t>1/27/2025</a:t>
             </a:fld>
             <a:endParaRPr lang="en-US"/>
           </a:p>
@@ -3044,7 +3228,7 @@
           <a:p>
             <a:fld id="{6FC2E1BB-ABA2-49E9-A8D9-545C2DE0A0F4}" type="datetimeFigureOut">
               <a:rPr lang="en-US" smtClean="0"/>
-              <a:t>1/24/2025</a:t>
+              <a:t>1/27/2025</a:t>
             </a:fld>
             <a:endParaRPr lang="en-US"/>
           </a:p>
@@ -3157,7 +3341,7 @@
           <a:p>
             <a:fld id="{6FC2E1BB-ABA2-49E9-A8D9-545C2DE0A0F4}" type="datetimeFigureOut">
               <a:rPr lang="en-US" smtClean="0"/>
-              <a:t>1/24/2025</a:t>
+              <a:t>1/27/2025</a:t>
             </a:fld>
             <a:endParaRPr lang="en-US"/>
           </a:p>
@@ -3468,7 +3652,7 @@
           <a:p>
             <a:fld id="{6FC2E1BB-ABA2-49E9-A8D9-545C2DE0A0F4}" type="datetimeFigureOut">
               <a:rPr lang="en-US" smtClean="0"/>
-              <a:t>1/24/2025</a:t>
+              <a:t>1/27/2025</a:t>
             </a:fld>
             <a:endParaRPr lang="en-US"/>
           </a:p>
@@ -3756,7 +3940,7 @@
           <a:p>
             <a:fld id="{6FC2E1BB-ABA2-49E9-A8D9-545C2DE0A0F4}" type="datetimeFigureOut">
               <a:rPr lang="en-US" smtClean="0"/>
-              <a:t>1/24/2025</a:t>
+              <a:t>1/27/2025</a:t>
             </a:fld>
             <a:endParaRPr lang="en-US"/>
           </a:p>
@@ -4027,7 +4211,7 @@
           <a:p>
             <a:fld id="{6FC2E1BB-ABA2-49E9-A8D9-545C2DE0A0F4}" type="datetimeFigureOut">
               <a:rPr lang="en-US" smtClean="0"/>
-              <a:t>1/24/2025</a:t>
+              <a:t>1/27/2025</a:t>
             </a:fld>
             <a:endParaRPr lang="en-US"/>
           </a:p>
@@ -4700,6 +4884,53 @@
               <a:t>Both vertexes and edges are given probability using the Alias method.</a:t>
             </a:r>
           </a:p>
+          <a:p>
+            <a:pPr marL="0" indent="0">
+              <a:buNone/>
+            </a:pPr>
+            <a:endParaRPr lang="en-US" dirty="0"/>
+          </a:p>
+          <a:p>
+            <a:pPr marL="0" indent="0">
+              <a:buNone/>
+            </a:pPr>
+            <a:r>
+              <a:rPr lang="en-US" dirty="0"/>
+              <a:t>Alias method –</a:t>
+            </a:r>
+          </a:p>
+          <a:p>
+            <a:pPr marL="0" indent="0">
+              <a:buNone/>
+            </a:pPr>
+            <a:r>
+              <a:rPr lang="en-US" dirty="0"/>
+              <a:t>For each vertex and edge it gives weight value based on its </a:t>
+            </a:r>
+            <a:r>
+              <a:rPr lang="en-US" dirty="0" err="1"/>
+              <a:t>neighbours</a:t>
+            </a:r>
+            <a:r>
+              <a:rPr lang="en-US" dirty="0"/>
+              <a:t>. </a:t>
+            </a:r>
+          </a:p>
+          <a:p>
+            <a:pPr marL="0" indent="0">
+              <a:buNone/>
+            </a:pPr>
+            <a:r>
+              <a:rPr lang="en-US" dirty="0"/>
+              <a:t>Value is between [0,1].</a:t>
+            </a:r>
+          </a:p>
+          <a:p>
+            <a:pPr marL="0" indent="0">
+              <a:buNone/>
+            </a:pPr>
+            <a:endParaRPr lang="en-US" dirty="0"/>
+          </a:p>
         </p:txBody>
       </p:sp>
       <p:sp>
@@ -5847,7 +6078,14 @@
           <a:p>
             <a:r>
               <a:rPr lang="en-US" dirty="0"/>
-              <a:t>For every node in the alias graph, the script creates word2Vec random walk with custom parameters in each module.</a:t>
+              <a:t>For each node in the alias graph, it starts 1,000 random walks.</a:t>
+            </a:r>
+            <a:br>
+              <a:rPr lang="en-US" dirty="0"/>
+            </a:br>
+            <a:r>
+              <a:rPr lang="en-US" dirty="0"/>
+              <a:t>The walks are with the following parameters:</a:t>
             </a:r>
           </a:p>
           <a:p>
@@ -5903,7 +6141,7 @@
             </a:r>
             <a:r>
               <a:rPr lang="en-US" dirty="0"/>
-              <a:t> = 5  </a:t>
+              <a:t> = 200  </a:t>
             </a:r>
             <a:r>
               <a:rPr lang="en-US" dirty="0">
@@ -7978,7 +8216,13 @@
           <a:p>
             <a:r>
               <a:rPr lang="en-US" dirty="0"/>
-              <a:t>Scores in range of 60-70%</a:t>
+              <a:t>AUC scores are in range of 85-95%</a:t>
+            </a:r>
+          </a:p>
+          <a:p>
+            <a:r>
+              <a:rPr lang="en-US" dirty="0"/>
+              <a:t>Accuracy scores are in range of 65-70%</a:t>
             </a:r>
           </a:p>
           <a:p>
@@ -8332,7 +8576,7 @@
           <p:nvPr/>
         </p:nvPicPr>
         <p:blipFill>
-          <a:blip r:embed="rId2">
+          <a:blip r:embed="rId3">
             <a:extLst>
               <a:ext uri="{28A0092B-C50C-407E-A947-70E740481C1C}">
                 <a14:useLocalDpi xmlns:a14="http://schemas.microsoft.com/office/drawing/2010/main" val="0"/>
@@ -9633,7 +9877,7 @@
           <p:nvPr>
             <p:extLst>
               <p:ext uri="{D42A27DB-BD31-4B8C-83A1-F6EECF244321}">
-                <p14:modId xmlns:p14="http://schemas.microsoft.com/office/powerpoint/2010/main" val="2397999315"/>
+                <p14:modId xmlns:p14="http://schemas.microsoft.com/office/powerpoint/2010/main" val="206951018"/>
               </p:ext>
             </p:extLst>
           </p:nvPr>
@@ -9705,6 +9949,7 @@
                     <a:bodyPr/>
                     <a:lstStyle/>
                     <a:p>
+                      <a:pPr algn="ctr"/>
                       <a:r>
                         <a:rPr lang="en-US" dirty="0" err="1"/>
                         <a:t>Paper_id</a:t>
@@ -9719,6 +9964,7 @@
                     <a:bodyPr/>
                     <a:lstStyle/>
                     <a:p>
+                      <a:pPr algn="ctr"/>
                       <a:r>
                         <a:rPr lang="en-US" dirty="0"/>
                         <a:t>W1</a:t>
@@ -9732,6 +9978,7 @@
                     <a:bodyPr/>
                     <a:lstStyle/>
                     <a:p>
+                      <a:pPr algn="ctr"/>
                       <a:r>
                         <a:rPr lang="en-US" dirty="0"/>
                         <a:t>W2</a:t>
@@ -9745,6 +9992,7 @@
                     <a:bodyPr/>
                     <a:lstStyle/>
                     <a:p>
+                      <a:pPr algn="ctr"/>
                       <a:r>
                         <a:rPr lang="en-US" dirty="0"/>
                         <a:t>W3</a:t>
@@ -9758,6 +10006,7 @@
                     <a:bodyPr/>
                     <a:lstStyle/>
                     <a:p>
+                      <a:pPr algn="ctr"/>
                       <a:r>
                         <a:rPr lang="en-US" dirty="0"/>
                         <a:t>…</a:t>
@@ -9771,6 +10020,7 @@
                     <a:bodyPr/>
                     <a:lstStyle/>
                     <a:p>
+                      <a:pPr algn="ctr"/>
                       <a:r>
                         <a:rPr lang="en-US" dirty="0"/>
                         <a:t>W1433</a:t>
@@ -9784,6 +10034,7 @@
                     <a:bodyPr/>
                     <a:lstStyle/>
                     <a:p>
+                      <a:pPr algn="ctr"/>
                       <a:r>
                         <a:rPr lang="en-US" dirty="0" err="1"/>
                         <a:t>Class_label</a:t>
@@ -9805,6 +10056,7 @@
                     <a:bodyPr/>
                     <a:lstStyle/>
                     <a:p>
+                      <a:pPr algn="ctr"/>
                       <a:r>
                         <a:rPr lang="en-US" dirty="0"/>
                         <a:t>950052</a:t>
@@ -9818,6 +10070,7 @@
                     <a:bodyPr/>
                     <a:lstStyle/>
                     <a:p>
+                      <a:pPr algn="ctr"/>
                       <a:r>
                         <a:rPr lang="en-US" dirty="0"/>
                         <a:t>1</a:t>
@@ -9831,6 +10084,7 @@
                     <a:bodyPr/>
                     <a:lstStyle/>
                     <a:p>
+                      <a:pPr algn="ctr"/>
                       <a:r>
                         <a:rPr lang="en-US" dirty="0"/>
                         <a:t>0</a:t>
@@ -9844,6 +10098,7 @@
                     <a:bodyPr/>
                     <a:lstStyle/>
                     <a:p>
+                      <a:pPr algn="ctr"/>
                       <a:r>
                         <a:rPr lang="en-US" dirty="0"/>
                         <a:t>0</a:t>
@@ -9857,6 +10112,7 @@
                     <a:bodyPr/>
                     <a:lstStyle/>
                     <a:p>
+                      <a:pPr algn="ctr"/>
                       <a:r>
                         <a:rPr lang="en-US" dirty="0"/>
                         <a:t>…</a:t>
@@ -9870,6 +10126,7 @@
                     <a:bodyPr/>
                     <a:lstStyle/>
                     <a:p>
+                      <a:pPr algn="ctr"/>
                       <a:r>
                         <a:rPr lang="en-US" dirty="0"/>
                         <a:t>0</a:t>
@@ -9883,6 +10140,7 @@
                     <a:bodyPr/>
                     <a:lstStyle/>
                     <a:p>
+                      <a:pPr algn="ctr"/>
                       <a:r>
                         <a:rPr lang="en-US" dirty="0" err="1"/>
                         <a:t>Neural_Network</a:t>

--- a/doc/Graph-Embedding Presentation.pptx
+++ b/doc/Graph-Embedding Presentation.pptx
@@ -217,7 +217,7 @@
           <a:p>
             <a:fld id="{40255490-F3EC-4464-B815-288EE6CB06A0}" type="datetimeFigureOut">
               <a:rPr lang="en-US" smtClean="0"/>
-              <a:t>1/27/2025</a:t>
+              <a:t>1/28/2025</a:t>
             </a:fld>
             <a:endParaRPr lang="en-US"/>
           </a:p>
@@ -820,6 +820,24 @@
               <a:t>Sg=1, target word to other words</a:t>
             </a:r>
           </a:p>
+          <a:p>
+            <a:r>
+              <a:rPr lang="en-US" dirty="0"/>
+              <a:t>	it guesses the context of the surrounding words</a:t>
+            </a:r>
+          </a:p>
+          <a:p>
+            <a:endParaRPr lang="en-US" dirty="0"/>
+          </a:p>
+          <a:p>
+            <a:r>
+              <a:rPr lang="en-US" dirty="0"/>
+              <a:t>SG=0, it guesses the context of the word based on its surrounding</a:t>
+            </a:r>
+          </a:p>
+          <a:p>
+            <a:endParaRPr lang="en-US" dirty="0"/>
+          </a:p>
         </p:txBody>
       </p:sp>
       <p:sp>
@@ -1375,6 +1393,90 @@
     <p:extLst>
       <p:ext uri="{BB962C8B-B14F-4D97-AF65-F5344CB8AC3E}">
         <p14:creationId xmlns:p14="http://schemas.microsoft.com/office/powerpoint/2010/main" val="2672321099"/>
+      </p:ext>
+    </p:extLst>
+  </p:cSld>
+  <p:clrMapOvr>
+    <a:masterClrMapping/>
+  </p:clrMapOvr>
+</p:notes>
+</file>
+
+<file path=ppt/notesSlides/notesSlide7.xml><?xml version="1.0" encoding="utf-8"?>
+<p:notes xmlns:a="http://schemas.openxmlformats.org/drawingml/2006/main" xmlns:r="http://schemas.openxmlformats.org/officeDocument/2006/relationships" xmlns:p="http://schemas.openxmlformats.org/presentationml/2006/main">
+  <p:cSld>
+    <p:spTree>
+      <p:nvGrpSpPr>
+        <p:cNvPr id="1" name=""/>
+        <p:cNvGrpSpPr/>
+        <p:nvPr/>
+      </p:nvGrpSpPr>
+      <p:grpSpPr>
+        <a:xfrm>
+          <a:off x="0" y="0"/>
+          <a:ext cx="0" cy="0"/>
+          <a:chOff x="0" y="0"/>
+          <a:chExt cx="0" cy="0"/>
+        </a:xfrm>
+      </p:grpSpPr>
+      <p:sp>
+        <p:nvSpPr>
+          <p:cNvPr id="2" name="Slide Image Placeholder 1"/>
+          <p:cNvSpPr>
+            <a:spLocks noGrp="1" noRot="1" noChangeAspect="1"/>
+          </p:cNvSpPr>
+          <p:nvPr>
+            <p:ph type="sldImg"/>
+          </p:nvPr>
+        </p:nvSpPr>
+        <p:spPr/>
+      </p:sp>
+      <p:sp>
+        <p:nvSpPr>
+          <p:cNvPr id="3" name="Notes Placeholder 2"/>
+          <p:cNvSpPr>
+            <a:spLocks noGrp="1"/>
+          </p:cNvSpPr>
+          <p:nvPr>
+            <p:ph type="body" idx="1"/>
+          </p:nvPr>
+        </p:nvSpPr>
+        <p:spPr/>
+        <p:txBody>
+          <a:bodyPr/>
+          <a:lstStyle/>
+          <a:p>
+            <a:endParaRPr lang="en-IL" dirty="0"/>
+          </a:p>
+        </p:txBody>
+      </p:sp>
+      <p:sp>
+        <p:nvSpPr>
+          <p:cNvPr id="4" name="Slide Number Placeholder 3"/>
+          <p:cNvSpPr>
+            <a:spLocks noGrp="1"/>
+          </p:cNvSpPr>
+          <p:nvPr>
+            <p:ph type="sldNum" sz="quarter" idx="5"/>
+          </p:nvPr>
+        </p:nvSpPr>
+        <p:spPr/>
+        <p:txBody>
+          <a:bodyPr/>
+          <a:lstStyle/>
+          <a:p>
+            <a:fld id="{AFC9B226-C9A0-4F2E-8FB6-1ABBD39453D5}" type="slidenum">
+              <a:rPr lang="en-US" smtClean="0"/>
+              <a:t>21</a:t>
+            </a:fld>
+            <a:endParaRPr lang="en-US"/>
+          </a:p>
+        </p:txBody>
+      </p:sp>
+    </p:spTree>
+    <p:extLst>
+      <p:ext uri="{BB962C8B-B14F-4D97-AF65-F5344CB8AC3E}">
+        <p14:creationId xmlns:p14="http://schemas.microsoft.com/office/powerpoint/2010/main" val="3322153257"/>
       </p:ext>
     </p:extLst>
   </p:cSld>
@@ -1531,7 +1633,7 @@
           <a:p>
             <a:fld id="{6FC2E1BB-ABA2-49E9-A8D9-545C2DE0A0F4}" type="datetimeFigureOut">
               <a:rPr lang="en-US" smtClean="0"/>
-              <a:t>1/27/2025</a:t>
+              <a:t>1/28/2025</a:t>
             </a:fld>
             <a:endParaRPr lang="en-US"/>
           </a:p>
@@ -1729,7 +1831,7 @@
           <a:p>
             <a:fld id="{6FC2E1BB-ABA2-49E9-A8D9-545C2DE0A0F4}" type="datetimeFigureOut">
               <a:rPr lang="en-US" smtClean="0"/>
-              <a:t>1/27/2025</a:t>
+              <a:t>1/28/2025</a:t>
             </a:fld>
             <a:endParaRPr lang="en-US"/>
           </a:p>
@@ -1937,7 +2039,7 @@
           <a:p>
             <a:fld id="{6FC2E1BB-ABA2-49E9-A8D9-545C2DE0A0F4}" type="datetimeFigureOut">
               <a:rPr lang="en-US" smtClean="0"/>
-              <a:t>1/27/2025</a:t>
+              <a:t>1/28/2025</a:t>
             </a:fld>
             <a:endParaRPr lang="en-US"/>
           </a:p>
@@ -2135,7 +2237,7 @@
           <a:p>
             <a:fld id="{6FC2E1BB-ABA2-49E9-A8D9-545C2DE0A0F4}" type="datetimeFigureOut">
               <a:rPr lang="en-US" smtClean="0"/>
-              <a:t>1/27/2025</a:t>
+              <a:t>1/28/2025</a:t>
             </a:fld>
             <a:endParaRPr lang="en-US"/>
           </a:p>
@@ -2410,7 +2512,7 @@
           <a:p>
             <a:fld id="{6FC2E1BB-ABA2-49E9-A8D9-545C2DE0A0F4}" type="datetimeFigureOut">
               <a:rPr lang="en-US" smtClean="0"/>
-              <a:t>1/27/2025</a:t>
+              <a:t>1/28/2025</a:t>
             </a:fld>
             <a:endParaRPr lang="en-US"/>
           </a:p>
@@ -2675,7 +2777,7 @@
           <a:p>
             <a:fld id="{6FC2E1BB-ABA2-49E9-A8D9-545C2DE0A0F4}" type="datetimeFigureOut">
               <a:rPr lang="en-US" smtClean="0"/>
-              <a:t>1/27/2025</a:t>
+              <a:t>1/28/2025</a:t>
             </a:fld>
             <a:endParaRPr lang="en-US"/>
           </a:p>
@@ -3087,7 +3189,7 @@
           <a:p>
             <a:fld id="{6FC2E1BB-ABA2-49E9-A8D9-545C2DE0A0F4}" type="datetimeFigureOut">
               <a:rPr lang="en-US" smtClean="0"/>
-              <a:t>1/27/2025</a:t>
+              <a:t>1/28/2025</a:t>
             </a:fld>
             <a:endParaRPr lang="en-US"/>
           </a:p>
@@ -3228,7 +3330,7 @@
           <a:p>
             <a:fld id="{6FC2E1BB-ABA2-49E9-A8D9-545C2DE0A0F4}" type="datetimeFigureOut">
               <a:rPr lang="en-US" smtClean="0"/>
-              <a:t>1/27/2025</a:t>
+              <a:t>1/28/2025</a:t>
             </a:fld>
             <a:endParaRPr lang="en-US"/>
           </a:p>
@@ -3341,7 +3443,7 @@
           <a:p>
             <a:fld id="{6FC2E1BB-ABA2-49E9-A8D9-545C2DE0A0F4}" type="datetimeFigureOut">
               <a:rPr lang="en-US" smtClean="0"/>
-              <a:t>1/27/2025</a:t>
+              <a:t>1/28/2025</a:t>
             </a:fld>
             <a:endParaRPr lang="en-US"/>
           </a:p>
@@ -3652,7 +3754,7 @@
           <a:p>
             <a:fld id="{6FC2E1BB-ABA2-49E9-A8D9-545C2DE0A0F4}" type="datetimeFigureOut">
               <a:rPr lang="en-US" smtClean="0"/>
-              <a:t>1/27/2025</a:t>
+              <a:t>1/28/2025</a:t>
             </a:fld>
             <a:endParaRPr lang="en-US"/>
           </a:p>
@@ -3940,7 +4042,7 @@
           <a:p>
             <a:fld id="{6FC2E1BB-ABA2-49E9-A8D9-545C2DE0A0F4}" type="datetimeFigureOut">
               <a:rPr lang="en-US" smtClean="0"/>
-              <a:t>1/27/2025</a:t>
+              <a:t>1/28/2025</a:t>
             </a:fld>
             <a:endParaRPr lang="en-US"/>
           </a:p>
@@ -4211,7 +4313,7 @@
           <a:p>
             <a:fld id="{6FC2E1BB-ABA2-49E9-A8D9-545C2DE0A0F4}" type="datetimeFigureOut">
               <a:rPr lang="en-US" smtClean="0"/>
-              <a:t>1/27/2025</a:t>
+              <a:t>1/28/2025</a:t>
             </a:fld>
             <a:endParaRPr lang="en-US"/>
           </a:p>
@@ -6358,10 +6460,10 @@
       </p:sp>
       <p:pic>
         <p:nvPicPr>
-          <p:cNvPr id="4" name="Picture 3" descr="A diagram of a program&#10;&#10;Description automatically generated">
-            <a:extLst>
-              <a:ext uri="{FF2B5EF4-FFF2-40B4-BE49-F238E27FC236}">
-                <a16:creationId xmlns:a16="http://schemas.microsoft.com/office/drawing/2014/main" id="{6543A864-BBBE-6CBB-E5C9-791084471BA7}"/>
+          <p:cNvPr id="6" name="Picture 5" descr="A diagram of a program&#10;&#10;Description automatically generated">
+            <a:extLst>
+              <a:ext uri="{FF2B5EF4-FFF2-40B4-BE49-F238E27FC236}">
+                <a16:creationId xmlns:a16="http://schemas.microsoft.com/office/drawing/2014/main" id="{DD07DE7C-06F2-2632-7688-C1A81AC8613A}"/>
               </a:ext>
             </a:extLst>
           </p:cNvPr>
@@ -6384,8 +6486,8 @@
         </p:blipFill>
         <p:spPr>
           <a:xfrm>
-            <a:off x="8039099" y="276224"/>
-            <a:ext cx="3813003" cy="6426325"/>
+            <a:off x="8091192" y="258805"/>
+            <a:ext cx="3673158" cy="6340389"/>
           </a:xfrm>
           <a:prstGeom prst="rect">
             <a:avLst/>
@@ -8330,7 +8432,7 @@
             </a:r>
             <a:r>
               <a:rPr lang="en-US" dirty="0">
-                <a:hlinkClick r:id="rId2"/>
+                <a:hlinkClick r:id="rId3"/>
               </a:rPr>
               <a:t>Graph-Embedding</a:t>
             </a:r>
@@ -8451,10 +8553,47 @@
             </a:r>
           </a:p>
           <a:p>
-            <a:pPr marL="0" indent="0">
-              <a:buNone/>
-            </a:pPr>
-            <a:endParaRPr lang="en-US" dirty="0"/>
+            <a:r>
+              <a:rPr lang="en-US" b="0" i="0" dirty="0">
+                <a:solidFill>
+                  <a:srgbClr val="1F2328"/>
+                </a:solidFill>
+                <a:effectLst/>
+                <a:latin typeface="-apple-system"/>
+                <a:hlinkClick r:id="rId4"/>
+              </a:rPr>
+              <a:t>Deep Walk and Node2Vec: Graph Embeddings</a:t>
+            </a:r>
+            <a:r>
+              <a:rPr lang="en-US" b="0" i="0" dirty="0">
+                <a:solidFill>
+                  <a:srgbClr val="1F2328"/>
+                </a:solidFill>
+                <a:effectLst/>
+                <a:latin typeface="-apple-system"/>
+              </a:rPr>
+              <a:t>, Tejpal Kumawat, medium, 2023</a:t>
+            </a:r>
+          </a:p>
+          <a:p>
+            <a:r>
+              <a:rPr lang="en-US" dirty="0">
+                <a:hlinkClick r:id="rId5"/>
+              </a:rPr>
+              <a:t>Skip-Gram Word2Vec Algorithm</a:t>
+            </a:r>
+            <a:r>
+              <a:rPr lang="en-US" dirty="0"/>
+              <a:t>, Ido </a:t>
+            </a:r>
+            <a:r>
+              <a:rPr lang="en-US" dirty="0" err="1"/>
+              <a:t>Leshem</a:t>
+            </a:r>
+            <a:r>
+              <a:rPr lang="en-US" dirty="0"/>
+              <a:t>, medium, 2023</a:t>
+            </a:r>
           </a:p>
           <a:p>
             <a:endParaRPr lang="en-US" dirty="0"/>

--- a/doc/Graph-Embedding Presentation.pptx
+++ b/doc/Graph-Embedding Presentation.pptx
@@ -4879,7 +4879,12 @@
             <p:ph type="title"/>
           </p:nvPr>
         </p:nvSpPr>
-        <p:spPr/>
+        <p:spPr>
+          <a:xfrm>
+            <a:off x="182217" y="102111"/>
+            <a:ext cx="9030005" cy="1325563"/>
+          </a:xfrm>
+        </p:spPr>
         <p:txBody>
           <a:bodyPr/>
           <a:lstStyle/>
@@ -4909,8 +4914,8 @@
         </p:nvSpPr>
         <p:spPr>
           <a:xfrm>
-            <a:off x="838199" y="1475715"/>
-            <a:ext cx="11188485" cy="5382285"/>
+            <a:off x="182217" y="1212701"/>
+            <a:ext cx="8603974" cy="5382285"/>
           </a:xfrm>
         </p:spPr>
         <p:txBody>
@@ -4923,15 +4928,15 @@
               <a:buNone/>
             </a:pPr>
             <a:r>
-              <a:rPr lang="en-US" dirty="0"/>
+              <a:rPr lang="en-US" sz="2400" dirty="0"/>
               <a:t>The vertexes are loaded from the “</a:t>
             </a:r>
             <a:r>
-              <a:rPr lang="en-US" dirty="0" err="1"/>
+              <a:rPr lang="en-US" sz="2400" dirty="0" err="1"/>
               <a:t>Cora.content</a:t>
             </a:r>
             <a:r>
-              <a:rPr lang="en-US" dirty="0"/>
+              <a:rPr lang="en-US" sz="2400" dirty="0"/>
               <a:t>” file </a:t>
             </a:r>
           </a:p>
@@ -4940,15 +4945,15 @@
               <a:buNone/>
             </a:pPr>
             <a:r>
-              <a:rPr lang="en-US" dirty="0"/>
+              <a:rPr lang="en-US" sz="2400" dirty="0"/>
               <a:t>The edges are loaded from the file “</a:t>
             </a:r>
             <a:r>
-              <a:rPr lang="en-US" dirty="0" err="1"/>
+              <a:rPr lang="en-US" sz="2400" dirty="0" err="1"/>
               <a:t>Cora.cites</a:t>
             </a:r>
             <a:r>
-              <a:rPr lang="en-US" dirty="0"/>
+              <a:rPr lang="en-US" sz="2400" dirty="0"/>
               <a:t>” file</a:t>
             </a:r>
           </a:p>
@@ -4957,23 +4962,23 @@
               <a:buNone/>
             </a:pPr>
             <a:r>
-              <a:rPr lang="en-US" dirty="0"/>
+              <a:rPr lang="en-US" sz="2400" dirty="0"/>
               <a:t>Both are converted to a </a:t>
             </a:r>
             <a:r>
-              <a:rPr lang="en-US" dirty="0" err="1"/>
+              <a:rPr lang="en-US" sz="2400" dirty="0" err="1"/>
               <a:t>diGraph</a:t>
             </a:r>
             <a:r>
-              <a:rPr lang="en-US" dirty="0"/>
+              <a:rPr lang="en-US" sz="2400" dirty="0"/>
               <a:t> from the </a:t>
             </a:r>
             <a:r>
-              <a:rPr lang="en-US" dirty="0" err="1"/>
+              <a:rPr lang="en-US" sz="2400" dirty="0" err="1"/>
               <a:t>networkxx</a:t>
             </a:r>
             <a:r>
-              <a:rPr lang="en-US" dirty="0"/>
+              <a:rPr lang="en-US" sz="2400" dirty="0"/>
               <a:t> library</a:t>
             </a:r>
           </a:p>
@@ -4982,7 +4987,7 @@
               <a:buNone/>
             </a:pPr>
             <a:r>
-              <a:rPr lang="en-US" dirty="0"/>
+              <a:rPr lang="en-US" sz="2400" dirty="0"/>
               <a:t>Both vertexes and edges are given probability using the Alias method.</a:t>
             </a:r>
           </a:p>
@@ -4990,14 +4995,14 @@
             <a:pPr marL="0" indent="0">
               <a:buNone/>
             </a:pPr>
-            <a:endParaRPr lang="en-US" dirty="0"/>
+            <a:endParaRPr lang="en-US" sz="2400" dirty="0"/>
           </a:p>
           <a:p>
             <a:pPr marL="0" indent="0">
               <a:buNone/>
             </a:pPr>
             <a:r>
-              <a:rPr lang="en-US" dirty="0"/>
+              <a:rPr lang="en-US" sz="2400" dirty="0"/>
               <a:t>Alias method –</a:t>
             </a:r>
           </a:p>
@@ -5006,32 +5011,42 @@
               <a:buNone/>
             </a:pPr>
             <a:r>
-              <a:rPr lang="en-US" dirty="0"/>
-              <a:t>For each vertex and edge it gives weight value based on its </a:t>
-            </a:r>
-            <a:r>
-              <a:rPr lang="en-US" dirty="0" err="1"/>
-              <a:t>neighbours</a:t>
-            </a:r>
-            <a:r>
-              <a:rPr lang="en-US" dirty="0"/>
-              <a:t>. </a:t>
-            </a:r>
-          </a:p>
-          <a:p>
-            <a:pPr marL="0" indent="0">
-              <a:buNone/>
-            </a:pPr>
-            <a:r>
-              <a:rPr lang="en-US" dirty="0"/>
-              <a:t>Value is between [0,1].</a:t>
-            </a:r>
-          </a:p>
-          <a:p>
-            <a:pPr marL="0" indent="0">
-              <a:buNone/>
-            </a:pPr>
-            <a:endParaRPr lang="en-US" dirty="0"/>
+              <a:rPr lang="en-US" sz="2400" dirty="0" smtClean="0"/>
+              <a:t>Each </a:t>
+            </a:r>
+            <a:r>
+              <a:rPr lang="en-US" sz="2400" dirty="0"/>
+              <a:t>vertex and edge </a:t>
+            </a:r>
+            <a:r>
+              <a:rPr lang="en-US" sz="2400" dirty="0" smtClean="0"/>
+              <a:t>is given a </a:t>
+            </a:r>
+            <a:r>
+              <a:rPr lang="en-US" sz="2400" dirty="0"/>
+              <a:t>weight value </a:t>
+            </a:r>
+            <a:r>
+              <a:rPr lang="en-US" sz="2400" dirty="0" smtClean="0"/>
+              <a:t>in range of </a:t>
+            </a:r>
+            <a:r>
+              <a:rPr lang="en-US" sz="2400" dirty="0"/>
+              <a:t>[0,1]</a:t>
+            </a:r>
+            <a:r>
+              <a:rPr lang="en-US" sz="2400" dirty="0" smtClean="0"/>
+              <a:t> </a:t>
+            </a:r>
+            <a:r>
+              <a:rPr lang="en-US" sz="2400" dirty="0"/>
+              <a:t>based on its </a:t>
+            </a:r>
+            <a:r>
+              <a:rPr lang="en-US" sz="2400" dirty="0" smtClean="0"/>
+              <a:t>neighbors. </a:t>
+            </a:r>
+            <a:endParaRPr lang="en-US" sz="2400" dirty="0"/>
           </a:p>
         </p:txBody>
       </p:sp>
@@ -5231,6 +5246,60 @@
           </a:p>
         </p:txBody>
       </p:sp>
+      <p:pic>
+        <p:nvPicPr>
+          <p:cNvPr id="6" name="תמונה 5"/>
+          <p:cNvPicPr>
+            <a:picLocks noChangeAspect="1"/>
+          </p:cNvPicPr>
+          <p:nvPr/>
+        </p:nvPicPr>
+        <p:blipFill>
+          <a:blip r:embed="rId3"/>
+          <a:stretch>
+            <a:fillRect/>
+          </a:stretch>
+        </p:blipFill>
+        <p:spPr>
+          <a:xfrm>
+            <a:off x="8670731" y="3789174"/>
+            <a:ext cx="3471413" cy="2960500"/>
+          </a:xfrm>
+          <a:prstGeom prst="rect">
+            <a:avLst/>
+          </a:prstGeom>
+        </p:spPr>
+      </p:pic>
+      <p:pic>
+        <p:nvPicPr>
+          <p:cNvPr id="7" name="תמונה 6"/>
+          <p:cNvPicPr>
+            <a:picLocks noChangeAspect="1"/>
+          </p:cNvPicPr>
+          <p:nvPr/>
+        </p:nvPicPr>
+        <p:blipFill>
+          <a:blip r:embed="rId4">
+            <a:extLst>
+              <a:ext uri="{28A0092B-C50C-407E-A947-70E740481C1C}">
+                <a14:useLocalDpi xmlns:a14="http://schemas.microsoft.com/office/drawing/2010/main" val="0"/>
+              </a:ext>
+            </a:extLst>
+          </a:blip>
+          <a:stretch>
+            <a:fillRect/>
+          </a:stretch>
+        </p:blipFill>
+        <p:spPr>
+          <a:xfrm>
+            <a:off x="7775428" y="106931"/>
+            <a:ext cx="4251255" cy="2641485"/>
+          </a:xfrm>
+          <a:prstGeom prst="rect">
+            <a:avLst/>
+          </a:prstGeom>
+        </p:spPr>
+      </p:pic>
     </p:spTree>
     <p:extLst>
       <p:ext uri="{BB962C8B-B14F-4D97-AF65-F5344CB8AC3E}">
@@ -5332,7 +5401,7 @@
       </p:sp>
       <p:pic>
         <p:nvPicPr>
-          <p:cNvPr id="4" name="Picture 3">
+          <p:cNvPr id="6" name="Picture 3">
             <a:extLst>
               <a:ext uri="{FF2B5EF4-FFF2-40B4-BE49-F238E27FC236}">
                 <a16:creationId xmlns:a16="http://schemas.microsoft.com/office/drawing/2014/main" id="{8541B3C5-B383-C202-D2A9-49777A29A63A}"/>
@@ -5358,8 +5427,8 @@
         </p:blipFill>
         <p:spPr>
           <a:xfrm>
-            <a:off x="8081818" y="4908500"/>
-            <a:ext cx="3953164" cy="1863634"/>
+            <a:off x="6862679" y="4117035"/>
+            <a:ext cx="5172303" cy="2438371"/>
           </a:xfrm>
           <a:prstGeom prst="rect">
             <a:avLst/>
@@ -5368,7 +5437,7 @@
       </p:pic>
       <p:pic>
         <p:nvPicPr>
-          <p:cNvPr id="5" name="Picture 2" descr="A flowchart of TopoDetect framework cycle.">
+          <p:cNvPr id="7" name="Picture 2" descr="A flowchart of TopoDetect framework cycle.">
             <a:extLst>
               <a:ext uri="{FF2B5EF4-FFF2-40B4-BE49-F238E27FC236}">
                 <a16:creationId xmlns:a16="http://schemas.microsoft.com/office/drawing/2014/main" id="{DC1E07DE-BDA6-9E09-90D0-F6F7154D919C}"/>
@@ -5395,8 +5464,8 @@
         </p:blipFill>
         <p:spPr bwMode="auto">
           <a:xfrm>
-            <a:off x="4876801" y="85866"/>
-            <a:ext cx="7158182" cy="4774928"/>
+            <a:off x="6570658" y="253207"/>
+            <a:ext cx="5464324" cy="3645025"/>
           </a:xfrm>
           <a:prstGeom prst="rect">
             <a:avLst/>
@@ -5411,6 +5480,36 @@
               </a14:hiddenFill>
             </a:ext>
           </a:extLst>
+        </p:spPr>
+      </p:pic>
+      <p:pic>
+        <p:nvPicPr>
+          <p:cNvPr id="8" name="תמונה 7"/>
+          <p:cNvPicPr>
+            <a:picLocks noChangeAspect="1"/>
+          </p:cNvPicPr>
+          <p:nvPr/>
+        </p:nvPicPr>
+        <p:blipFill>
+          <a:blip r:embed="rId4">
+            <a:extLst>
+              <a:ext uri="{28A0092B-C50C-407E-A947-70E740481C1C}">
+                <a14:useLocalDpi xmlns:a14="http://schemas.microsoft.com/office/drawing/2010/main" val="0"/>
+              </a:ext>
+            </a:extLst>
+          </a:blip>
+          <a:stretch>
+            <a:fillRect/>
+          </a:stretch>
+        </p:blipFill>
+        <p:spPr>
+          <a:xfrm>
+            <a:off x="650008" y="3734602"/>
+            <a:ext cx="4948779" cy="2820804"/>
+          </a:xfrm>
+          <a:prstGeom prst="rect">
+            <a:avLst/>
+          </a:prstGeom>
         </p:spPr>
       </p:pic>
     </p:spTree>
@@ -5757,6 +5856,13 @@
             <a:pPr marL="0" indent="0" algn="l" fontAlgn="base">
               <a:buNone/>
             </a:pPr>
+            <a:r>
+              <a:rPr lang="en-US" b="0" i="0" dirty="0">
+                <a:effectLst/>
+                <a:latin typeface="gg sans"/>
+              </a:rPr>
+              <a:t/>
+            </a:r>
             <a:br>
               <a:rPr lang="en-US" b="0" i="0" dirty="0">
                 <a:effectLst/>
@@ -6092,6 +6198,30 @@
           </a:p>
         </p:txBody>
       </p:sp>
+      <p:pic>
+        <p:nvPicPr>
+          <p:cNvPr id="5" name="תמונה 4"/>
+          <p:cNvPicPr>
+            <a:picLocks noChangeAspect="1"/>
+          </p:cNvPicPr>
+          <p:nvPr/>
+        </p:nvPicPr>
+        <p:blipFill>
+          <a:blip r:embed="rId2"/>
+          <a:stretch>
+            <a:fillRect/>
+          </a:stretch>
+        </p:blipFill>
+        <p:spPr>
+          <a:xfrm>
+            <a:off x="8345103" y="208346"/>
+            <a:ext cx="3625460" cy="2028863"/>
+          </a:xfrm>
+          <a:prstGeom prst="rect">
+            <a:avLst/>
+          </a:prstGeom>
+        </p:spPr>
+      </p:pic>
     </p:spTree>
     <p:extLst>
       <p:ext uri="{BB962C8B-B14F-4D97-AF65-F5344CB8AC3E}">
@@ -6174,7 +6304,7 @@
         </p:spPr>
         <p:txBody>
           <a:bodyPr>
-            <a:normAutofit/>
+            <a:normAutofit fontScale="92500" lnSpcReduction="10000"/>
           </a:bodyPr>
           <a:lstStyle/>
           <a:p>
@@ -6576,7 +6706,7 @@
         </p:spPr>
         <p:txBody>
           <a:bodyPr>
-            <a:normAutofit fontScale="92500"/>
+            <a:normAutofit fontScale="85000" lnSpcReduction="20000"/>
           </a:bodyPr>
           <a:lstStyle/>
           <a:p>
@@ -6783,7 +6913,12 @@
             <p:ph type="title"/>
           </p:nvPr>
         </p:nvSpPr>
-        <p:spPr/>
+        <p:spPr>
+          <a:xfrm>
+            <a:off x="172278" y="196160"/>
+            <a:ext cx="6675783" cy="1325563"/>
+          </a:xfrm>
+        </p:spPr>
         <p:txBody>
           <a:bodyPr/>
           <a:lstStyle/>
@@ -6811,31 +6946,56 @@
             <p:ph idx="1"/>
           </p:nvPr>
         </p:nvSpPr>
-        <p:spPr/>
+        <p:spPr>
+          <a:xfrm>
+            <a:off x="172278" y="1441174"/>
+            <a:ext cx="8605963" cy="5138530"/>
+          </a:xfrm>
+        </p:spPr>
         <p:txBody>
           <a:bodyPr>
-            <a:normAutofit/>
+            <a:normAutofit fontScale="85000" lnSpcReduction="20000"/>
           </a:bodyPr>
           <a:lstStyle/>
           <a:p>
+            <a:pPr>
+              <a:lnSpc>
+                <a:spcPct val="120000"/>
+              </a:lnSpc>
+            </a:pPr>
             <a:r>
               <a:rPr lang="en-US" dirty="0"/>
               <a:t>Each context is taken from the word2Vec object.</a:t>
             </a:r>
           </a:p>
           <a:p>
+            <a:pPr>
+              <a:lnSpc>
+                <a:spcPct val="120000"/>
+              </a:lnSpc>
+            </a:pPr>
             <a:r>
               <a:rPr lang="en-US" dirty="0"/>
               <a:t>The model splits the data to train and test datasets. </a:t>
             </a:r>
           </a:p>
           <a:p>
+            <a:pPr>
+              <a:lnSpc>
+                <a:spcPct val="120000"/>
+              </a:lnSpc>
+            </a:pPr>
             <a:r>
               <a:rPr lang="en-US" dirty="0"/>
               <a:t>First 500 are taken into the training set and the following 1000 into testing set</a:t>
             </a:r>
           </a:p>
           <a:p>
+            <a:pPr>
+              <a:lnSpc>
+                <a:spcPct val="120000"/>
+              </a:lnSpc>
+            </a:pPr>
             <a:r>
               <a:rPr lang="en-US" dirty="0"/>
               <a:t>The train data is fitted into the classifier </a:t>
@@ -6850,12 +7010,22 @@
             </a:r>
           </a:p>
           <a:p>
+            <a:pPr>
+              <a:lnSpc>
+                <a:spcPct val="120000"/>
+              </a:lnSpc>
+            </a:pPr>
             <a:r>
               <a:rPr lang="en-US" dirty="0"/>
               <a:t>The classifier is called to make the predictions on the test set.</a:t>
             </a:r>
           </a:p>
           <a:p>
+            <a:pPr>
+              <a:lnSpc>
+                <a:spcPct val="120000"/>
+              </a:lnSpc>
+            </a:pPr>
             <a:r>
               <a:rPr lang="en-US" dirty="0"/>
               <a:t>The model prints the accuracy of the </a:t>
@@ -6868,6 +7038,54 @@
           </a:p>
         </p:txBody>
       </p:sp>
+      <p:pic>
+        <p:nvPicPr>
+          <p:cNvPr id="4" name="תמונה 3"/>
+          <p:cNvPicPr>
+            <a:picLocks noChangeAspect="1"/>
+          </p:cNvPicPr>
+          <p:nvPr/>
+        </p:nvPicPr>
+        <p:blipFill>
+          <a:blip r:embed="rId2"/>
+          <a:stretch>
+            <a:fillRect/>
+          </a:stretch>
+        </p:blipFill>
+        <p:spPr>
+          <a:xfrm>
+            <a:off x="8778241" y="4312406"/>
+            <a:ext cx="3262626" cy="2422253"/>
+          </a:xfrm>
+          <a:prstGeom prst="rect">
+            <a:avLst/>
+          </a:prstGeom>
+        </p:spPr>
+      </p:pic>
+      <p:pic>
+        <p:nvPicPr>
+          <p:cNvPr id="5" name="תמונה 4"/>
+          <p:cNvPicPr>
+            <a:picLocks noChangeAspect="1"/>
+          </p:cNvPicPr>
+          <p:nvPr/>
+        </p:nvPicPr>
+        <p:blipFill>
+          <a:blip r:embed="rId3"/>
+          <a:stretch>
+            <a:fillRect/>
+          </a:stretch>
+        </p:blipFill>
+        <p:spPr>
+          <a:xfrm>
+            <a:off x="8110329" y="130096"/>
+            <a:ext cx="3930537" cy="2188353"/>
+          </a:xfrm>
+          <a:prstGeom prst="rect">
+            <a:avLst/>
+          </a:prstGeom>
+        </p:spPr>
+      </p:pic>
     </p:spTree>
     <p:extLst>
       <p:ext uri="{BB962C8B-B14F-4D97-AF65-F5344CB8AC3E}">
@@ -7008,7 +7226,7 @@
         </p:blipFill>
         <p:spPr>
           <a:xfrm>
-            <a:off x="177282" y="1061437"/>
+            <a:off x="269813" y="2432045"/>
             <a:ext cx="6213200" cy="4280108"/>
           </a:xfrm>
           <a:prstGeom prst="rect">
@@ -7151,6 +7369,30 @@
           </a:p>
         </p:txBody>
       </p:sp>
+      <p:pic>
+        <p:nvPicPr>
+          <p:cNvPr id="2" name="תמונה 1"/>
+          <p:cNvPicPr>
+            <a:picLocks noChangeAspect="1"/>
+          </p:cNvPicPr>
+          <p:nvPr/>
+        </p:nvPicPr>
+        <p:blipFill>
+          <a:blip r:embed="rId5"/>
+          <a:stretch>
+            <a:fillRect/>
+          </a:stretch>
+        </p:blipFill>
+        <p:spPr>
+          <a:xfrm>
+            <a:off x="3866355" y="662781"/>
+            <a:ext cx="2616658" cy="1686291"/>
+          </a:xfrm>
+          <a:prstGeom prst="rect">
+            <a:avLst/>
+          </a:prstGeom>
+        </p:spPr>
+      </p:pic>
     </p:spTree>
     <p:extLst>
       <p:ext uri="{BB962C8B-B14F-4D97-AF65-F5344CB8AC3E}">
@@ -7282,7 +7524,7 @@
         </p:blipFill>
         <p:spPr>
           <a:xfrm>
-            <a:off x="212736" y="1031744"/>
+            <a:off x="242553" y="2095792"/>
             <a:ext cx="6645329" cy="4626671"/>
           </a:xfrm>
           <a:prstGeom prst="rect">
@@ -7425,6 +7667,30 @@
           </a:p>
         </p:txBody>
       </p:sp>
+      <p:pic>
+        <p:nvPicPr>
+          <p:cNvPr id="8" name="תמונה 7"/>
+          <p:cNvPicPr>
+            <a:picLocks noChangeAspect="1"/>
+          </p:cNvPicPr>
+          <p:nvPr/>
+        </p:nvPicPr>
+        <p:blipFill>
+          <a:blip r:embed="rId5"/>
+          <a:stretch>
+            <a:fillRect/>
+          </a:stretch>
+        </p:blipFill>
+        <p:spPr>
+          <a:xfrm>
+            <a:off x="4631733" y="600591"/>
+            <a:ext cx="2256149" cy="1453963"/>
+          </a:xfrm>
+          <a:prstGeom prst="rect">
+            <a:avLst/>
+          </a:prstGeom>
+        </p:spPr>
+      </p:pic>
     </p:spTree>
     <p:extLst>
       <p:ext uri="{BB962C8B-B14F-4D97-AF65-F5344CB8AC3E}">
@@ -7500,7 +7766,7 @@
           </p:nvPr>
         </p:nvPicPr>
         <p:blipFill>
-          <a:blip r:embed="rId2">
+          <a:blip r:embed="rId2" cstate="hqprint">
             <a:extLst>
               <a:ext uri="{28A0092B-C50C-407E-A947-70E740481C1C}">
                 <a14:useLocalDpi xmlns:a14="http://schemas.microsoft.com/office/drawing/2010/main" val="0"/>
@@ -7535,6 +7801,208 @@
         <p:spPr>
           <a:xfrm>
             <a:off x="8667750" y="5064125"/>
+            <a:ext cx="3200400" cy="546100"/>
+          </a:xfrm>
+          <a:prstGeom prst="rect">
+            <a:avLst/>
+          </a:prstGeom>
+        </p:spPr>
+        <p:txBody>
+          <a:bodyPr vert="horz" lIns="91440" tIns="45720" rIns="91440" bIns="45720" rtlCol="0">
+            <a:normAutofit fontScale="92500"/>
+          </a:bodyPr>
+          <a:lstStyle>
+            <a:lvl1pPr marL="228600" indent="-228600" algn="l" defTabSz="914400" rtl="0" eaLnBrk="1" latinLnBrk="0" hangingPunct="1">
+              <a:lnSpc>
+                <a:spcPct val="90000"/>
+              </a:lnSpc>
+              <a:spcBef>
+                <a:spcPts val="1000"/>
+              </a:spcBef>
+              <a:buFont typeface="Arial" panose="020B0604020202020204" pitchFamily="34" charset="0"/>
+              <a:buChar char="•"/>
+              <a:defRPr sz="2800" kern="1200">
+                <a:solidFill>
+                  <a:schemeClr val="tx1"/>
+                </a:solidFill>
+                <a:latin typeface="+mn-lt"/>
+                <a:ea typeface="+mn-ea"/>
+                <a:cs typeface="+mn-cs"/>
+              </a:defRPr>
+            </a:lvl1pPr>
+            <a:lvl2pPr marL="685800" indent="-228600" algn="l" defTabSz="914400" rtl="0" eaLnBrk="1" latinLnBrk="0" hangingPunct="1">
+              <a:lnSpc>
+                <a:spcPct val="90000"/>
+              </a:lnSpc>
+              <a:spcBef>
+                <a:spcPts val="500"/>
+              </a:spcBef>
+              <a:buFont typeface="Arial" panose="020B0604020202020204" pitchFamily="34" charset="0"/>
+              <a:buChar char="•"/>
+              <a:defRPr sz="2400" kern="1200">
+                <a:solidFill>
+                  <a:schemeClr val="tx1"/>
+                </a:solidFill>
+                <a:latin typeface="+mn-lt"/>
+                <a:ea typeface="+mn-ea"/>
+                <a:cs typeface="+mn-cs"/>
+              </a:defRPr>
+            </a:lvl2pPr>
+            <a:lvl3pPr marL="1143000" indent="-228600" algn="l" defTabSz="914400" rtl="0" eaLnBrk="1" latinLnBrk="0" hangingPunct="1">
+              <a:lnSpc>
+                <a:spcPct val="90000"/>
+              </a:lnSpc>
+              <a:spcBef>
+                <a:spcPts val="500"/>
+              </a:spcBef>
+              <a:buFont typeface="Arial" panose="020B0604020202020204" pitchFamily="34" charset="0"/>
+              <a:buChar char="•"/>
+              <a:defRPr sz="2000" kern="1200">
+                <a:solidFill>
+                  <a:schemeClr val="tx1"/>
+                </a:solidFill>
+                <a:latin typeface="+mn-lt"/>
+                <a:ea typeface="+mn-ea"/>
+                <a:cs typeface="+mn-cs"/>
+              </a:defRPr>
+            </a:lvl3pPr>
+            <a:lvl4pPr marL="1600200" indent="-228600" algn="l" defTabSz="914400" rtl="0" eaLnBrk="1" latinLnBrk="0" hangingPunct="1">
+              <a:lnSpc>
+                <a:spcPct val="90000"/>
+              </a:lnSpc>
+              <a:spcBef>
+                <a:spcPts val="500"/>
+              </a:spcBef>
+              <a:buFont typeface="Arial" panose="020B0604020202020204" pitchFamily="34" charset="0"/>
+              <a:buChar char="•"/>
+              <a:defRPr sz="1800" kern="1200">
+                <a:solidFill>
+                  <a:schemeClr val="tx1"/>
+                </a:solidFill>
+                <a:latin typeface="+mn-lt"/>
+                <a:ea typeface="+mn-ea"/>
+                <a:cs typeface="+mn-cs"/>
+              </a:defRPr>
+            </a:lvl4pPr>
+            <a:lvl5pPr marL="2057400" indent="-228600" algn="l" defTabSz="914400" rtl="0" eaLnBrk="1" latinLnBrk="0" hangingPunct="1">
+              <a:lnSpc>
+                <a:spcPct val="90000"/>
+              </a:lnSpc>
+              <a:spcBef>
+                <a:spcPts val="500"/>
+              </a:spcBef>
+              <a:buFont typeface="Arial" panose="020B0604020202020204" pitchFamily="34" charset="0"/>
+              <a:buChar char="•"/>
+              <a:defRPr sz="1800" kern="1200">
+                <a:solidFill>
+                  <a:schemeClr val="tx1"/>
+                </a:solidFill>
+                <a:latin typeface="+mn-lt"/>
+                <a:ea typeface="+mn-ea"/>
+                <a:cs typeface="+mn-cs"/>
+              </a:defRPr>
+            </a:lvl5pPr>
+            <a:lvl6pPr marL="2514600" indent="-228600" algn="l" defTabSz="914400" rtl="0" eaLnBrk="1" latinLnBrk="0" hangingPunct="1">
+              <a:lnSpc>
+                <a:spcPct val="90000"/>
+              </a:lnSpc>
+              <a:spcBef>
+                <a:spcPts val="500"/>
+              </a:spcBef>
+              <a:buFont typeface="Arial" panose="020B0604020202020204" pitchFamily="34" charset="0"/>
+              <a:buChar char="•"/>
+              <a:defRPr sz="1800" kern="1200">
+                <a:solidFill>
+                  <a:schemeClr val="tx1"/>
+                </a:solidFill>
+                <a:latin typeface="+mn-lt"/>
+                <a:ea typeface="+mn-ea"/>
+                <a:cs typeface="+mn-cs"/>
+              </a:defRPr>
+            </a:lvl6pPr>
+            <a:lvl7pPr marL="2971800" indent="-228600" algn="l" defTabSz="914400" rtl="0" eaLnBrk="1" latinLnBrk="0" hangingPunct="1">
+              <a:lnSpc>
+                <a:spcPct val="90000"/>
+              </a:lnSpc>
+              <a:spcBef>
+                <a:spcPts val="500"/>
+              </a:spcBef>
+              <a:buFont typeface="Arial" panose="020B0604020202020204" pitchFamily="34" charset="0"/>
+              <a:buChar char="•"/>
+              <a:defRPr sz="1800" kern="1200">
+                <a:solidFill>
+                  <a:schemeClr val="tx1"/>
+                </a:solidFill>
+                <a:latin typeface="+mn-lt"/>
+                <a:ea typeface="+mn-ea"/>
+                <a:cs typeface="+mn-cs"/>
+              </a:defRPr>
+            </a:lvl7pPr>
+            <a:lvl8pPr marL="3429000" indent="-228600" algn="l" defTabSz="914400" rtl="0" eaLnBrk="1" latinLnBrk="0" hangingPunct="1">
+              <a:lnSpc>
+                <a:spcPct val="90000"/>
+              </a:lnSpc>
+              <a:spcBef>
+                <a:spcPts val="500"/>
+              </a:spcBef>
+              <a:buFont typeface="Arial" panose="020B0604020202020204" pitchFamily="34" charset="0"/>
+              <a:buChar char="•"/>
+              <a:defRPr sz="1800" kern="1200">
+                <a:solidFill>
+                  <a:schemeClr val="tx1"/>
+                </a:solidFill>
+                <a:latin typeface="+mn-lt"/>
+                <a:ea typeface="+mn-ea"/>
+                <a:cs typeface="+mn-cs"/>
+              </a:defRPr>
+            </a:lvl8pPr>
+            <a:lvl9pPr marL="3886200" indent="-228600" algn="l" defTabSz="914400" rtl="0" eaLnBrk="1" latinLnBrk="0" hangingPunct="1">
+              <a:lnSpc>
+                <a:spcPct val="90000"/>
+              </a:lnSpc>
+              <a:spcBef>
+                <a:spcPts val="500"/>
+              </a:spcBef>
+              <a:buFont typeface="Arial" panose="020B0604020202020204" pitchFamily="34" charset="0"/>
+              <a:buChar char="•"/>
+              <a:defRPr sz="1800" kern="1200">
+                <a:solidFill>
+                  <a:schemeClr val="tx1"/>
+                </a:solidFill>
+                <a:latin typeface="+mn-lt"/>
+                <a:ea typeface="+mn-ea"/>
+                <a:cs typeface="+mn-cs"/>
+              </a:defRPr>
+            </a:lvl9pPr>
+          </a:lstStyle>
+          <a:p>
+            <a:pPr marL="0" indent="0">
+              <a:buNone/>
+            </a:pPr>
+            <a:r>
+              <a:rPr lang="en-US" dirty="0"/>
+              <a:t>Shahar Berenson</a:t>
+            </a:r>
+          </a:p>
+        </p:txBody>
+      </p:sp>
+      <p:sp>
+        <p:nvSpPr>
+          <p:cNvPr id="14" name="Content Placeholder 2">
+            <a:extLst>
+              <a:ext uri="{FF2B5EF4-FFF2-40B4-BE49-F238E27FC236}">
+                <a16:creationId xmlns:a16="http://schemas.microsoft.com/office/drawing/2014/main" id="{B2213C64-90B9-B5D0-3CC9-59842F70DD4A}"/>
+              </a:ext>
+            </a:extLst>
+          </p:cNvPr>
+          <p:cNvSpPr txBox="1">
+            <a:spLocks/>
+          </p:cNvSpPr>
+          <p:nvPr/>
+        </p:nvSpPr>
+        <p:spPr>
+          <a:xfrm>
+            <a:off x="4953000" y="5064125"/>
             <a:ext cx="3200400" cy="546100"/>
           </a:xfrm>
           <a:prstGeom prst="rect">
@@ -7715,17 +8183,17 @@
             </a:pPr>
             <a:r>
               <a:rPr lang="en-US" dirty="0"/>
-              <a:t>Shahar Berenson</a:t>
-            </a:r>
-          </a:p>
-        </p:txBody>
-      </p:sp>
-      <p:sp>
-        <p:nvSpPr>
-          <p:cNvPr id="14" name="Content Placeholder 2">
-            <a:extLst>
-              <a:ext uri="{FF2B5EF4-FFF2-40B4-BE49-F238E27FC236}">
-                <a16:creationId xmlns:a16="http://schemas.microsoft.com/office/drawing/2014/main" id="{B2213C64-90B9-B5D0-3CC9-59842F70DD4A}"/>
+              <a:t>Omer Goldstein</a:t>
+            </a:r>
+          </a:p>
+        </p:txBody>
+      </p:sp>
+      <p:sp>
+        <p:nvSpPr>
+          <p:cNvPr id="15" name="Content Placeholder 2">
+            <a:extLst>
+              <a:ext uri="{FF2B5EF4-FFF2-40B4-BE49-F238E27FC236}">
+                <a16:creationId xmlns:a16="http://schemas.microsoft.com/office/drawing/2014/main" id="{04AACD0C-69F3-17BD-4395-A2F75D71FAB9}"/>
               </a:ext>
             </a:extLst>
           </p:cNvPr>
@@ -7736,7 +8204,7 @@
         </p:nvSpPr>
         <p:spPr>
           <a:xfrm>
-            <a:off x="4953000" y="5064125"/>
+            <a:off x="912262" y="5064125"/>
             <a:ext cx="3200400" cy="546100"/>
           </a:xfrm>
           <a:prstGeom prst="rect">
@@ -7917,17 +8385,1885 @@
             </a:pPr>
             <a:r>
               <a:rPr lang="en-US" dirty="0"/>
-              <a:t>Omer Goldstein</a:t>
-            </a:r>
-          </a:p>
-        </p:txBody>
-      </p:sp>
-      <p:sp>
-        <p:nvSpPr>
-          <p:cNvPr id="15" name="Content Placeholder 2">
-            <a:extLst>
-              <a:ext uri="{FF2B5EF4-FFF2-40B4-BE49-F238E27FC236}">
-                <a16:creationId xmlns:a16="http://schemas.microsoft.com/office/drawing/2014/main" id="{04AACD0C-69F3-17BD-4395-A2F75D71FAB9}"/>
+              <a:t>Shlomi Fridman</a:t>
+            </a:r>
+          </a:p>
+        </p:txBody>
+      </p:sp>
+      <p:pic>
+        <p:nvPicPr>
+          <p:cNvPr id="17" name="Picture 16" descr="A person taking a selfie&#10;&#10;Description automatically generated">
+            <a:extLst>
+              <a:ext uri="{FF2B5EF4-FFF2-40B4-BE49-F238E27FC236}">
+                <a16:creationId xmlns:a16="http://schemas.microsoft.com/office/drawing/2014/main" id="{3CD98B70-1DB6-C0C5-B2CC-602404FFDF42}"/>
+              </a:ext>
+            </a:extLst>
+          </p:cNvPr>
+          <p:cNvPicPr>
+            <a:picLocks noChangeAspect="1"/>
+          </p:cNvPicPr>
+          <p:nvPr/>
+        </p:nvPicPr>
+        <p:blipFill>
+          <a:blip r:embed="rId3" cstate="hqprint">
+            <a:extLst>
+              <a:ext uri="{28A0092B-C50C-407E-A947-70E740481C1C}">
+                <a14:useLocalDpi xmlns:a14="http://schemas.microsoft.com/office/drawing/2010/main" val="0"/>
+              </a:ext>
+            </a:extLst>
+          </a:blip>
+          <a:stretch>
+            <a:fillRect/>
+          </a:stretch>
+        </p:blipFill>
+        <p:spPr>
+          <a:xfrm>
+            <a:off x="5078459" y="2501900"/>
+            <a:ext cx="2324604" cy="2341823"/>
+          </a:xfrm>
+          <a:prstGeom prst="rect">
+            <a:avLst/>
+          </a:prstGeom>
+        </p:spPr>
+      </p:pic>
+      <p:pic>
+        <p:nvPicPr>
+          <p:cNvPr id="19" name="Picture 18" descr="A person wearing sunglasses and backpack&#10;&#10;Description automatically generated">
+            <a:extLst>
+              <a:ext uri="{FF2B5EF4-FFF2-40B4-BE49-F238E27FC236}">
+                <a16:creationId xmlns:a16="http://schemas.microsoft.com/office/drawing/2014/main" id="{856DE587-FFA0-8E25-F7EE-2E4A43CAF923}"/>
+              </a:ext>
+            </a:extLst>
+          </p:cNvPr>
+          <p:cNvPicPr>
+            <a:picLocks noChangeAspect="1"/>
+          </p:cNvPicPr>
+          <p:nvPr/>
+        </p:nvPicPr>
+        <p:blipFill>
+          <a:blip r:embed="rId4">
+            <a:extLst>
+              <a:ext uri="{28A0092B-C50C-407E-A947-70E740481C1C}">
+                <a14:useLocalDpi xmlns:a14="http://schemas.microsoft.com/office/drawing/2010/main" val="0"/>
+              </a:ext>
+            </a:extLst>
+          </a:blip>
+          <a:stretch>
+            <a:fillRect/>
+          </a:stretch>
+        </p:blipFill>
+        <p:spPr>
+          <a:xfrm>
+            <a:off x="969412" y="2519118"/>
+            <a:ext cx="2324605" cy="2324605"/>
+          </a:xfrm>
+          <a:prstGeom prst="rect">
+            <a:avLst/>
+          </a:prstGeom>
+        </p:spPr>
+      </p:pic>
+    </p:spTree>
+    <p:extLst>
+      <p:ext uri="{BB962C8B-B14F-4D97-AF65-F5344CB8AC3E}">
+        <p14:creationId xmlns:p14="http://schemas.microsoft.com/office/powerpoint/2010/main" val="4044605042"/>
+      </p:ext>
+    </p:extLst>
+  </p:cSld>
+  <p:clrMapOvr>
+    <a:masterClrMapping/>
+  </p:clrMapOvr>
+</p:sld>
+</file>
+
+<file path=ppt/slides/slide20.xml><?xml version="1.0" encoding="utf-8"?>
+<p:sld xmlns:a="http://schemas.openxmlformats.org/drawingml/2006/main" xmlns:r="http://schemas.openxmlformats.org/officeDocument/2006/relationships" xmlns:p="http://schemas.openxmlformats.org/presentationml/2006/main">
+  <p:cSld>
+    <p:spTree>
+      <p:nvGrpSpPr>
+        <p:cNvPr id="1" name="">
+          <a:extLst>
+            <a:ext uri="{FF2B5EF4-FFF2-40B4-BE49-F238E27FC236}">
+              <a16:creationId xmlns:a16="http://schemas.microsoft.com/office/drawing/2014/main" id="{5D701393-D42A-4E38-EE40-098E8DF3AB89}"/>
+            </a:ext>
+          </a:extLst>
+        </p:cNvPr>
+        <p:cNvGrpSpPr/>
+        <p:nvPr/>
+      </p:nvGrpSpPr>
+      <p:grpSpPr>
+        <a:xfrm>
+          <a:off x="0" y="0"/>
+          <a:ext cx="0" cy="0"/>
+          <a:chOff x="0" y="0"/>
+          <a:chExt cx="0" cy="0"/>
+        </a:xfrm>
+      </p:grpSpPr>
+      <p:sp>
+        <p:nvSpPr>
+          <p:cNvPr id="2" name="Title 1">
+            <a:extLst>
+              <a:ext uri="{FF2B5EF4-FFF2-40B4-BE49-F238E27FC236}">
+                <a16:creationId xmlns:a16="http://schemas.microsoft.com/office/drawing/2014/main" id="{B8B7EE20-848E-54FC-D89D-04E9DFFF0FA1}"/>
+              </a:ext>
+            </a:extLst>
+          </p:cNvPr>
+          <p:cNvSpPr>
+            <a:spLocks noGrp="1"/>
+          </p:cNvSpPr>
+          <p:nvPr>
+            <p:ph type="title"/>
+          </p:nvPr>
+        </p:nvSpPr>
+        <p:spPr/>
+        <p:txBody>
+          <a:bodyPr/>
+          <a:lstStyle/>
+          <a:p>
+            <a:r>
+              <a:rPr lang="en-US" dirty="0"/>
+              <a:t>Summary</a:t>
+            </a:r>
+          </a:p>
+        </p:txBody>
+      </p:sp>
+      <p:sp>
+        <p:nvSpPr>
+          <p:cNvPr id="3" name="Content Placeholder 2">
+            <a:extLst>
+              <a:ext uri="{FF2B5EF4-FFF2-40B4-BE49-F238E27FC236}">
+                <a16:creationId xmlns:a16="http://schemas.microsoft.com/office/drawing/2014/main" id="{567ACD2E-3A47-0612-E80F-A6590AE96C35}"/>
+              </a:ext>
+            </a:extLst>
+          </p:cNvPr>
+          <p:cNvSpPr>
+            <a:spLocks noGrp="1"/>
+          </p:cNvSpPr>
+          <p:nvPr>
+            <p:ph idx="1"/>
+          </p:nvPr>
+        </p:nvSpPr>
+        <p:spPr>
+          <a:xfrm>
+            <a:off x="838200" y="1825625"/>
+            <a:ext cx="7888357" cy="4351338"/>
+          </a:xfrm>
+        </p:spPr>
+        <p:txBody>
+          <a:bodyPr/>
+          <a:lstStyle/>
+          <a:p>
+            <a:r>
+              <a:rPr lang="en-US" dirty="0"/>
+              <a:t>The Node2Vec runs have slight better scores than </a:t>
+            </a:r>
+            <a:r>
+              <a:rPr lang="en-US" dirty="0" err="1"/>
+              <a:t>DeepWalk</a:t>
+            </a:r>
+            <a:r>
+              <a:rPr lang="en-US" dirty="0"/>
+              <a:t>.                </a:t>
+            </a:r>
+            <a:r>
+              <a:rPr lang="en-US" sz="2000" dirty="0"/>
+              <a:t>(</a:t>
+            </a:r>
+            <a:r>
+              <a:rPr lang="en-US" sz="2000" dirty="0">
+                <a:latin typeface="gg sans"/>
+              </a:rPr>
+              <a:t>Specifically, in F1 and AUC scores)</a:t>
+            </a:r>
+          </a:p>
+          <a:p>
+            <a:pPr lvl="1"/>
+            <a:r>
+              <a:rPr lang="en-US" dirty="0">
+                <a:latin typeface="gg sans"/>
+              </a:rPr>
+              <a:t>Due to a wider exploration area in the graph</a:t>
+            </a:r>
+            <a:endParaRPr lang="en-US" dirty="0"/>
+          </a:p>
+          <a:p>
+            <a:r>
+              <a:rPr lang="en-US" dirty="0"/>
+              <a:t>F1 Scores in range of 65-70%</a:t>
+            </a:r>
+          </a:p>
+          <a:p>
+            <a:pPr lvl="1"/>
+            <a:r>
+              <a:rPr lang="en-US" dirty="0"/>
+              <a:t>This might be because of implementation of the algorithms and the used dataset in the given project</a:t>
+            </a:r>
+          </a:p>
+          <a:p>
+            <a:r>
+              <a:rPr lang="en-US" dirty="0"/>
+              <a:t>AUS Scores in range of 90-95%</a:t>
+            </a:r>
+          </a:p>
+          <a:p>
+            <a:pPr lvl="1"/>
+            <a:r>
+              <a:rPr lang="en-US" dirty="0"/>
+              <a:t>Which is excellent!</a:t>
+            </a:r>
+            <a:endParaRPr lang="en-US" dirty="0"/>
+          </a:p>
+        </p:txBody>
+      </p:sp>
+      <p:pic>
+        <p:nvPicPr>
+          <p:cNvPr id="4" name="תמונה 3"/>
+          <p:cNvPicPr>
+            <a:picLocks noChangeAspect="1"/>
+          </p:cNvPicPr>
+          <p:nvPr/>
+        </p:nvPicPr>
+        <p:blipFill>
+          <a:blip r:embed="rId2"/>
+          <a:stretch>
+            <a:fillRect/>
+          </a:stretch>
+        </p:blipFill>
+        <p:spPr>
+          <a:xfrm>
+            <a:off x="9253535" y="4273616"/>
+            <a:ext cx="2783600" cy="2485583"/>
+          </a:xfrm>
+          <a:prstGeom prst="rect">
+            <a:avLst/>
+          </a:prstGeom>
+        </p:spPr>
+      </p:pic>
+      <p:pic>
+        <p:nvPicPr>
+          <p:cNvPr id="5" name="תמונה 4"/>
+          <p:cNvPicPr>
+            <a:picLocks noChangeAspect="1"/>
+          </p:cNvPicPr>
+          <p:nvPr/>
+        </p:nvPicPr>
+        <p:blipFill>
+          <a:blip r:embed="rId3"/>
+          <a:stretch>
+            <a:fillRect/>
+          </a:stretch>
+        </p:blipFill>
+        <p:spPr>
+          <a:xfrm>
+            <a:off x="8529594" y="261994"/>
+            <a:ext cx="3507541" cy="2629436"/>
+          </a:xfrm>
+          <a:prstGeom prst="rect">
+            <a:avLst/>
+          </a:prstGeom>
+        </p:spPr>
+      </p:pic>
+    </p:spTree>
+    <p:extLst>
+      <p:ext uri="{BB962C8B-B14F-4D97-AF65-F5344CB8AC3E}">
+        <p14:creationId xmlns:p14="http://schemas.microsoft.com/office/powerpoint/2010/main" val="3910127645"/>
+      </p:ext>
+    </p:extLst>
+  </p:cSld>
+  <p:clrMapOvr>
+    <a:masterClrMapping/>
+  </p:clrMapOvr>
+</p:sld>
+</file>
+
+<file path=ppt/slides/slide21.xml><?xml version="1.0" encoding="utf-8"?>
+<p:sld xmlns:a="http://schemas.openxmlformats.org/drawingml/2006/main" xmlns:r="http://schemas.openxmlformats.org/officeDocument/2006/relationships" xmlns:p="http://schemas.openxmlformats.org/presentationml/2006/main">
+  <p:cSld>
+    <p:spTree>
+      <p:nvGrpSpPr>
+        <p:cNvPr id="1" name=""/>
+        <p:cNvGrpSpPr/>
+        <p:nvPr/>
+      </p:nvGrpSpPr>
+      <p:grpSpPr>
+        <a:xfrm>
+          <a:off x="0" y="0"/>
+          <a:ext cx="0" cy="0"/>
+          <a:chOff x="0" y="0"/>
+          <a:chExt cx="0" cy="0"/>
+        </a:xfrm>
+      </p:grpSpPr>
+      <p:sp>
+        <p:nvSpPr>
+          <p:cNvPr id="2" name="Title 1">
+            <a:extLst>
+              <a:ext uri="{FF2B5EF4-FFF2-40B4-BE49-F238E27FC236}">
+                <a16:creationId xmlns:a16="http://schemas.microsoft.com/office/drawing/2014/main" id="{BBAAF3EE-A325-1808-B134-6BD14F843F37}"/>
+              </a:ext>
+            </a:extLst>
+          </p:cNvPr>
+          <p:cNvSpPr>
+            <a:spLocks noGrp="1"/>
+          </p:cNvSpPr>
+          <p:nvPr>
+            <p:ph type="title"/>
+          </p:nvPr>
+        </p:nvSpPr>
+        <p:spPr/>
+        <p:txBody>
+          <a:bodyPr/>
+          <a:lstStyle/>
+          <a:p>
+            <a:r>
+              <a:rPr lang="en-US" dirty="0"/>
+              <a:t>Reference</a:t>
+            </a:r>
+          </a:p>
+        </p:txBody>
+      </p:sp>
+      <p:sp>
+        <p:nvSpPr>
+          <p:cNvPr id="3" name="Content Placeholder 2">
+            <a:extLst>
+              <a:ext uri="{FF2B5EF4-FFF2-40B4-BE49-F238E27FC236}">
+                <a16:creationId xmlns:a16="http://schemas.microsoft.com/office/drawing/2014/main" id="{BAAB5C8E-FE35-41FA-0288-8C60A2DB752D}"/>
+              </a:ext>
+            </a:extLst>
+          </p:cNvPr>
+          <p:cNvSpPr>
+            <a:spLocks noGrp="1"/>
+          </p:cNvSpPr>
+          <p:nvPr>
+            <p:ph idx="1"/>
+          </p:nvPr>
+        </p:nvSpPr>
+        <p:spPr>
+          <a:xfrm>
+            <a:off x="838200" y="1361662"/>
+            <a:ext cx="7909748" cy="5409710"/>
+          </a:xfrm>
+        </p:spPr>
+        <p:txBody>
+          <a:bodyPr>
+            <a:normAutofit/>
+          </a:bodyPr>
+          <a:lstStyle/>
+          <a:p>
+            <a:r>
+              <a:rPr lang="en-US" sz="2400" dirty="0" err="1"/>
+              <a:t>dedekinds</a:t>
+            </a:r>
+            <a:r>
+              <a:rPr lang="en-US" sz="2400" dirty="0"/>
+              <a:t> (Spring 2018), </a:t>
+            </a:r>
+            <a:r>
+              <a:rPr lang="en-US" sz="2400" dirty="0">
+                <a:hlinkClick r:id="rId3"/>
+              </a:rPr>
+              <a:t>Graph-Embedding</a:t>
+            </a:r>
+            <a:endParaRPr lang="en-US" sz="2400" dirty="0"/>
+          </a:p>
+          <a:p>
+            <a:r>
+              <a:rPr lang="en-US" sz="2400" b="0" i="0" dirty="0" err="1">
+                <a:solidFill>
+                  <a:srgbClr val="1F2328"/>
+                </a:solidFill>
+                <a:effectLst/>
+                <a:latin typeface="-apple-system"/>
+              </a:rPr>
+              <a:t>DeepWalk</a:t>
+            </a:r>
+            <a:r>
+              <a:rPr lang="en-US" sz="2400" b="0" i="0" dirty="0">
+                <a:solidFill>
+                  <a:srgbClr val="1F2328"/>
+                </a:solidFill>
+                <a:effectLst/>
+                <a:latin typeface="-apple-system"/>
+              </a:rPr>
+              <a:t>: Online Learning of Social Representations. Bryan </a:t>
+            </a:r>
+            <a:r>
+              <a:rPr lang="en-US" sz="2400" b="0" i="0" dirty="0" err="1">
+                <a:solidFill>
+                  <a:srgbClr val="1F2328"/>
+                </a:solidFill>
+                <a:effectLst/>
+                <a:latin typeface="-apple-system"/>
+              </a:rPr>
+              <a:t>Perozzi</a:t>
+            </a:r>
+            <a:r>
+              <a:rPr lang="en-US" sz="2400" b="0" i="0" dirty="0">
+                <a:solidFill>
+                  <a:srgbClr val="1F2328"/>
+                </a:solidFill>
+                <a:effectLst/>
+                <a:latin typeface="-apple-system"/>
+              </a:rPr>
+              <a:t>, Rami Al-</a:t>
+            </a:r>
+            <a:r>
+              <a:rPr lang="en-US" sz="2400" b="0" i="0" dirty="0" err="1">
+                <a:solidFill>
+                  <a:srgbClr val="1F2328"/>
+                </a:solidFill>
+                <a:effectLst/>
+                <a:latin typeface="-apple-system"/>
+              </a:rPr>
+              <a:t>Rfou</a:t>
+            </a:r>
+            <a:r>
+              <a:rPr lang="en-US" sz="2400" b="0" i="0" dirty="0">
+                <a:solidFill>
+                  <a:srgbClr val="1F2328"/>
+                </a:solidFill>
+                <a:effectLst/>
+                <a:latin typeface="-apple-system"/>
+              </a:rPr>
+              <a:t>, Steven </a:t>
+            </a:r>
+            <a:r>
+              <a:rPr lang="en-US" sz="2400" b="0" i="0" dirty="0" err="1">
+                <a:solidFill>
+                  <a:srgbClr val="1F2328"/>
+                </a:solidFill>
+                <a:effectLst/>
+                <a:latin typeface="-apple-system"/>
+              </a:rPr>
+              <a:t>Skiena</a:t>
+            </a:r>
+            <a:r>
+              <a:rPr lang="en-US" sz="2400" b="0" i="0" dirty="0">
+                <a:solidFill>
+                  <a:srgbClr val="1F2328"/>
+                </a:solidFill>
+                <a:effectLst/>
+                <a:latin typeface="-apple-system"/>
+              </a:rPr>
+              <a:t>. KDD 2014.</a:t>
+            </a:r>
+          </a:p>
+          <a:p>
+            <a:r>
+              <a:rPr lang="en-US" sz="2400" b="0" i="0" dirty="0">
+                <a:solidFill>
+                  <a:srgbClr val="1F2328"/>
+                </a:solidFill>
+                <a:effectLst/>
+                <a:latin typeface="-apple-system"/>
+              </a:rPr>
+              <a:t>node2vec: Scalable Feature Learning for Networks. Aditya Grover, Jure </a:t>
+            </a:r>
+            <a:r>
+              <a:rPr lang="en-US" sz="2400" b="0" i="0" dirty="0" err="1">
+                <a:solidFill>
+                  <a:srgbClr val="1F2328"/>
+                </a:solidFill>
+                <a:effectLst/>
+                <a:latin typeface="-apple-system"/>
+              </a:rPr>
+              <a:t>Leskovec</a:t>
+            </a:r>
+            <a:r>
+              <a:rPr lang="en-US" sz="2400" b="0" i="0" dirty="0">
+                <a:solidFill>
+                  <a:srgbClr val="1F2328"/>
+                </a:solidFill>
+                <a:effectLst/>
+                <a:latin typeface="-apple-system"/>
+              </a:rPr>
+              <a:t>. KDD 2016</a:t>
+            </a:r>
+          </a:p>
+          <a:p>
+            <a:r>
+              <a:rPr lang="en-US" sz="2400" b="0" i="0" dirty="0">
+                <a:solidFill>
+                  <a:srgbClr val="1F2328"/>
+                </a:solidFill>
+                <a:effectLst/>
+                <a:latin typeface="-apple-system"/>
+                <a:hlinkClick r:id="rId4"/>
+              </a:rPr>
+              <a:t>Deep Walk and Node2Vec: Graph Embeddings</a:t>
+            </a:r>
+            <a:r>
+              <a:rPr lang="en-US" sz="2400" b="0" i="0" dirty="0">
+                <a:solidFill>
+                  <a:srgbClr val="1F2328"/>
+                </a:solidFill>
+                <a:effectLst/>
+                <a:latin typeface="-apple-system"/>
+              </a:rPr>
+              <a:t>, Tejpal Kumawat, medium, 2023</a:t>
+            </a:r>
+          </a:p>
+          <a:p>
+            <a:r>
+              <a:rPr lang="en-US" sz="2400" dirty="0">
+                <a:hlinkClick r:id="rId5"/>
+              </a:rPr>
+              <a:t>Skip-Gram Word2Vec Algorithm</a:t>
+            </a:r>
+            <a:r>
+              <a:rPr lang="en-US" sz="2400" dirty="0"/>
+              <a:t>, Ido </a:t>
+            </a:r>
+            <a:r>
+              <a:rPr lang="en-US" sz="2400" dirty="0" err="1"/>
+              <a:t>Leshem</a:t>
+            </a:r>
+            <a:r>
+              <a:rPr lang="en-US" sz="2400" dirty="0"/>
+              <a:t>, medium, 2023</a:t>
+            </a:r>
+          </a:p>
+          <a:p>
+            <a:endParaRPr lang="en-US" sz="2400" dirty="0"/>
+          </a:p>
+        </p:txBody>
+      </p:sp>
+      <p:pic>
+        <p:nvPicPr>
+          <p:cNvPr id="4" name="תמונה 3"/>
+          <p:cNvPicPr>
+            <a:picLocks noChangeAspect="1"/>
+          </p:cNvPicPr>
+          <p:nvPr/>
+        </p:nvPicPr>
+        <p:blipFill>
+          <a:blip r:embed="rId6"/>
+          <a:stretch>
+            <a:fillRect/>
+          </a:stretch>
+        </p:blipFill>
+        <p:spPr>
+          <a:xfrm>
+            <a:off x="8747948" y="3734601"/>
+            <a:ext cx="3338173" cy="3036771"/>
+          </a:xfrm>
+          <a:prstGeom prst="rect">
+            <a:avLst/>
+          </a:prstGeom>
+        </p:spPr>
+      </p:pic>
+    </p:spTree>
+    <p:extLst>
+      <p:ext uri="{BB962C8B-B14F-4D97-AF65-F5344CB8AC3E}">
+        <p14:creationId xmlns:p14="http://schemas.microsoft.com/office/powerpoint/2010/main" val="3921531051"/>
+      </p:ext>
+    </p:extLst>
+  </p:cSld>
+  <p:clrMapOvr>
+    <a:masterClrMapping/>
+  </p:clrMapOvr>
+</p:sld>
+</file>
+
+<file path=ppt/slides/slide3.xml><?xml version="1.0" encoding="utf-8"?>
+<p:sld xmlns:a="http://schemas.openxmlformats.org/drawingml/2006/main" xmlns:r="http://schemas.openxmlformats.org/officeDocument/2006/relationships" xmlns:p="http://schemas.openxmlformats.org/presentationml/2006/main">
+  <p:cSld>
+    <p:spTree>
+      <p:nvGrpSpPr>
+        <p:cNvPr id="1" name=""/>
+        <p:cNvGrpSpPr/>
+        <p:nvPr/>
+      </p:nvGrpSpPr>
+      <p:grpSpPr>
+        <a:xfrm>
+          <a:off x="0" y="0"/>
+          <a:ext cx="0" cy="0"/>
+          <a:chOff x="0" y="0"/>
+          <a:chExt cx="0" cy="0"/>
+        </a:xfrm>
+      </p:grpSpPr>
+      <p:sp>
+        <p:nvSpPr>
+          <p:cNvPr id="2" name="Title 1">
+            <a:extLst>
+              <a:ext uri="{FF2B5EF4-FFF2-40B4-BE49-F238E27FC236}">
+                <a16:creationId xmlns:a16="http://schemas.microsoft.com/office/drawing/2014/main" id="{18078138-57BE-DF9B-D50C-9250C2C87CC7}"/>
+              </a:ext>
+            </a:extLst>
+          </p:cNvPr>
+          <p:cNvSpPr>
+            <a:spLocks noGrp="1"/>
+          </p:cNvSpPr>
+          <p:nvPr>
+            <p:ph type="title"/>
+          </p:nvPr>
+        </p:nvSpPr>
+        <p:spPr/>
+        <p:txBody>
+          <a:bodyPr/>
+          <a:lstStyle/>
+          <a:p>
+            <a:r>
+              <a:rPr lang="en-US" dirty="0"/>
+              <a:t>Introduction</a:t>
+            </a:r>
+          </a:p>
+        </p:txBody>
+      </p:sp>
+      <p:sp>
+        <p:nvSpPr>
+          <p:cNvPr id="3" name="Content Placeholder 2">
+            <a:extLst>
+              <a:ext uri="{FF2B5EF4-FFF2-40B4-BE49-F238E27FC236}">
+                <a16:creationId xmlns:a16="http://schemas.microsoft.com/office/drawing/2014/main" id="{C4235CA1-C10C-D481-551D-2E63768D84AE}"/>
+              </a:ext>
+            </a:extLst>
+          </p:cNvPr>
+          <p:cNvSpPr>
+            <a:spLocks noGrp="1"/>
+          </p:cNvSpPr>
+          <p:nvPr>
+            <p:ph idx="1"/>
+          </p:nvPr>
+        </p:nvSpPr>
+        <p:spPr/>
+        <p:txBody>
+          <a:bodyPr/>
+          <a:lstStyle/>
+          <a:p>
+            <a:r>
+              <a:rPr lang="en-US" dirty="0"/>
+              <a:t>This is the works for the final project of the “Data Mining and Learning systems“ course in Braude College (Winter 2025)</a:t>
+            </a:r>
+          </a:p>
+          <a:p>
+            <a:r>
+              <a:rPr lang="en-US" dirty="0"/>
+              <a:t>We’ll explain the implementation of two network graph embedding algorithms (</a:t>
+            </a:r>
+            <a:r>
+              <a:rPr lang="en-US" dirty="0" err="1"/>
+              <a:t>Deepwalk</a:t>
+            </a:r>
+            <a:r>
+              <a:rPr lang="en-US" dirty="0"/>
+              <a:t>, node2vec) for one dataset (Cora)</a:t>
+            </a:r>
+          </a:p>
+        </p:txBody>
+      </p:sp>
+      <p:pic>
+        <p:nvPicPr>
+          <p:cNvPr id="4" name="Picture 3" descr="A diagram of a network&#10;&#10;Description automatically generated">
+            <a:extLst>
+              <a:ext uri="{FF2B5EF4-FFF2-40B4-BE49-F238E27FC236}">
+                <a16:creationId xmlns:a16="http://schemas.microsoft.com/office/drawing/2014/main" id="{89C54C7E-0F64-CAC4-7705-684A473BC2C4}"/>
+              </a:ext>
+            </a:extLst>
+          </p:cNvPr>
+          <p:cNvPicPr>
+            <a:picLocks noChangeAspect="1"/>
+          </p:cNvPicPr>
+          <p:nvPr/>
+        </p:nvPicPr>
+        <p:blipFill>
+          <a:blip r:embed="rId3" cstate="hqprint">
+            <a:extLst>
+              <a:ext uri="{28A0092B-C50C-407E-A947-70E740481C1C}">
+                <a14:useLocalDpi xmlns:a14="http://schemas.microsoft.com/office/drawing/2010/main" val="0"/>
+              </a:ext>
+            </a:extLst>
+          </a:blip>
+          <a:stretch>
+            <a:fillRect/>
+          </a:stretch>
+        </p:blipFill>
+        <p:spPr>
+          <a:xfrm>
+            <a:off x="6174463" y="3713884"/>
+            <a:ext cx="5628083" cy="2921523"/>
+          </a:xfrm>
+          <a:prstGeom prst="rect">
+            <a:avLst/>
+          </a:prstGeom>
+        </p:spPr>
+      </p:pic>
+      <p:pic>
+        <p:nvPicPr>
+          <p:cNvPr id="5" name="תמונה 4"/>
+          <p:cNvPicPr>
+            <a:picLocks noChangeAspect="1"/>
+          </p:cNvPicPr>
+          <p:nvPr/>
+        </p:nvPicPr>
+        <p:blipFill>
+          <a:blip r:embed="rId4"/>
+          <a:stretch>
+            <a:fillRect/>
+          </a:stretch>
+        </p:blipFill>
+        <p:spPr>
+          <a:xfrm>
+            <a:off x="1656348" y="4485357"/>
+            <a:ext cx="2668194" cy="2150050"/>
+          </a:xfrm>
+          <a:prstGeom prst="rect">
+            <a:avLst/>
+          </a:prstGeom>
+        </p:spPr>
+      </p:pic>
+    </p:spTree>
+    <p:extLst>
+      <p:ext uri="{BB962C8B-B14F-4D97-AF65-F5344CB8AC3E}">
+        <p14:creationId xmlns:p14="http://schemas.microsoft.com/office/powerpoint/2010/main" val="2956746925"/>
+      </p:ext>
+    </p:extLst>
+  </p:cSld>
+  <p:clrMapOvr>
+    <a:masterClrMapping/>
+  </p:clrMapOvr>
+</p:sld>
+</file>
+
+<file path=ppt/slides/slide4.xml><?xml version="1.0" encoding="utf-8"?>
+<p:sld xmlns:a="http://schemas.openxmlformats.org/drawingml/2006/main" xmlns:r="http://schemas.openxmlformats.org/officeDocument/2006/relationships" xmlns:p="http://schemas.openxmlformats.org/presentationml/2006/main">
+  <p:cSld>
+    <p:spTree>
+      <p:nvGrpSpPr>
+        <p:cNvPr id="1" name=""/>
+        <p:cNvGrpSpPr/>
+        <p:nvPr/>
+      </p:nvGrpSpPr>
+      <p:grpSpPr>
+        <a:xfrm>
+          <a:off x="0" y="0"/>
+          <a:ext cx="0" cy="0"/>
+          <a:chOff x="0" y="0"/>
+          <a:chExt cx="0" cy="0"/>
+        </a:xfrm>
+      </p:grpSpPr>
+      <p:sp>
+        <p:nvSpPr>
+          <p:cNvPr id="2" name="Title 1">
+            <a:extLst>
+              <a:ext uri="{FF2B5EF4-FFF2-40B4-BE49-F238E27FC236}">
+                <a16:creationId xmlns:a16="http://schemas.microsoft.com/office/drawing/2014/main" id="{08DB4D8B-1766-3B49-6576-74D138A112C9}"/>
+              </a:ext>
+            </a:extLst>
+          </p:cNvPr>
+          <p:cNvSpPr>
+            <a:spLocks noGrp="1"/>
+          </p:cNvSpPr>
+          <p:nvPr>
+            <p:ph type="title"/>
+          </p:nvPr>
+        </p:nvSpPr>
+        <p:spPr/>
+        <p:txBody>
+          <a:bodyPr/>
+          <a:lstStyle/>
+          <a:p>
+            <a:r>
+              <a:rPr lang="en-US" dirty="0"/>
+              <a:t>Problem definition</a:t>
+            </a:r>
+          </a:p>
+        </p:txBody>
+      </p:sp>
+      <p:sp>
+        <p:nvSpPr>
+          <p:cNvPr id="3" name="Content Placeholder 2">
+            <a:extLst>
+              <a:ext uri="{FF2B5EF4-FFF2-40B4-BE49-F238E27FC236}">
+                <a16:creationId xmlns:a16="http://schemas.microsoft.com/office/drawing/2014/main" id="{85BF1240-887E-5893-C0DD-57704624E0AB}"/>
+              </a:ext>
+            </a:extLst>
+          </p:cNvPr>
+          <p:cNvSpPr>
+            <a:spLocks noGrp="1"/>
+          </p:cNvSpPr>
+          <p:nvPr>
+            <p:ph idx="1"/>
+          </p:nvPr>
+        </p:nvSpPr>
+        <p:spPr/>
+        <p:txBody>
+          <a:bodyPr>
+            <a:normAutofit/>
+          </a:bodyPr>
+          <a:lstStyle/>
+          <a:p>
+            <a:pPr marL="0" indent="0">
+              <a:buNone/>
+            </a:pPr>
+            <a:r>
+              <a:rPr lang="en-US" dirty="0"/>
+              <a:t>Graph embedding represents graph data as low-dimensional vectors, capturing its structure and relationships for easier use in machine learning tasks.</a:t>
+            </a:r>
+          </a:p>
+        </p:txBody>
+      </p:sp>
+      <p:pic>
+        <p:nvPicPr>
+          <p:cNvPr id="4" name="Picture 3" descr="A colorful ball of dots&#10;&#10;Description automatically generated with medium confidence">
+            <a:extLst>
+              <a:ext uri="{FF2B5EF4-FFF2-40B4-BE49-F238E27FC236}">
+                <a16:creationId xmlns:a16="http://schemas.microsoft.com/office/drawing/2014/main" id="{DC4A6EE0-974A-326F-2566-2FDF94EC5078}"/>
+              </a:ext>
+            </a:extLst>
+          </p:cNvPr>
+          <p:cNvPicPr>
+            <a:picLocks noChangeAspect="1"/>
+          </p:cNvPicPr>
+          <p:nvPr/>
+        </p:nvPicPr>
+        <p:blipFill>
+          <a:blip r:embed="rId2">
+            <a:extLst>
+              <a:ext uri="{28A0092B-C50C-407E-A947-70E740481C1C}">
+                <a14:useLocalDpi xmlns:a14="http://schemas.microsoft.com/office/drawing/2010/main" val="0"/>
+              </a:ext>
+            </a:extLst>
+          </a:blip>
+          <a:srcRect l="7736" t="8191" r="6465" b="4947"/>
+          <a:stretch/>
+        </p:blipFill>
+        <p:spPr>
+          <a:xfrm>
+            <a:off x="8010525" y="2601692"/>
+            <a:ext cx="4075851" cy="4211378"/>
+          </a:xfrm>
+          <a:prstGeom prst="rect">
+            <a:avLst/>
+          </a:prstGeom>
+        </p:spPr>
+      </p:pic>
+      <p:pic>
+        <p:nvPicPr>
+          <p:cNvPr id="6" name="Picture 5">
+            <a:extLst>
+              <a:ext uri="{FF2B5EF4-FFF2-40B4-BE49-F238E27FC236}">
+                <a16:creationId xmlns:a16="http://schemas.microsoft.com/office/drawing/2014/main" id="{5B10D5EC-9A27-25F7-84E4-7F0DAB2739A5}"/>
+              </a:ext>
+            </a:extLst>
+          </p:cNvPr>
+          <p:cNvPicPr>
+            <a:picLocks noChangeAspect="1"/>
+          </p:cNvPicPr>
+          <p:nvPr/>
+        </p:nvPicPr>
+        <p:blipFill>
+          <a:blip r:embed="rId3">
+            <a:extLst>
+              <a:ext uri="{28A0092B-C50C-407E-A947-70E740481C1C}">
+                <a14:useLocalDpi xmlns:a14="http://schemas.microsoft.com/office/drawing/2010/main" val="0"/>
+              </a:ext>
+            </a:extLst>
+          </a:blip>
+          <a:stretch>
+            <a:fillRect/>
+          </a:stretch>
+        </p:blipFill>
+        <p:spPr>
+          <a:xfrm>
+            <a:off x="289500" y="3310997"/>
+            <a:ext cx="7620392" cy="3422826"/>
+          </a:xfrm>
+          <a:prstGeom prst="rect">
+            <a:avLst/>
+          </a:prstGeom>
+        </p:spPr>
+      </p:pic>
+    </p:spTree>
+    <p:extLst>
+      <p:ext uri="{BB962C8B-B14F-4D97-AF65-F5344CB8AC3E}">
+        <p14:creationId xmlns:p14="http://schemas.microsoft.com/office/powerpoint/2010/main" val="2027752319"/>
+      </p:ext>
+    </p:extLst>
+  </p:cSld>
+  <p:clrMapOvr>
+    <a:masterClrMapping/>
+  </p:clrMapOvr>
+</p:sld>
+</file>
+
+<file path=ppt/slides/slide5.xml><?xml version="1.0" encoding="utf-8"?>
+<p:sld xmlns:a="http://schemas.openxmlformats.org/drawingml/2006/main" xmlns:r="http://schemas.openxmlformats.org/officeDocument/2006/relationships" xmlns:p="http://schemas.openxmlformats.org/presentationml/2006/main">
+  <p:cSld>
+    <p:spTree>
+      <p:nvGrpSpPr>
+        <p:cNvPr id="1" name=""/>
+        <p:cNvGrpSpPr/>
+        <p:nvPr/>
+      </p:nvGrpSpPr>
+      <p:grpSpPr>
+        <a:xfrm>
+          <a:off x="0" y="0"/>
+          <a:ext cx="0" cy="0"/>
+          <a:chOff x="0" y="0"/>
+          <a:chExt cx="0" cy="0"/>
+        </a:xfrm>
+      </p:grpSpPr>
+      <p:sp>
+        <p:nvSpPr>
+          <p:cNvPr id="2" name="Title 1">
+            <a:extLst>
+              <a:ext uri="{FF2B5EF4-FFF2-40B4-BE49-F238E27FC236}">
+                <a16:creationId xmlns:a16="http://schemas.microsoft.com/office/drawing/2014/main" id="{6AF6A762-E7DB-BF0D-D42B-D6F51D8A80A3}"/>
+              </a:ext>
+            </a:extLst>
+          </p:cNvPr>
+          <p:cNvSpPr>
+            <a:spLocks noGrp="1"/>
+          </p:cNvSpPr>
+          <p:nvPr>
+            <p:ph type="title"/>
+          </p:nvPr>
+        </p:nvSpPr>
+        <p:spPr/>
+        <p:txBody>
+          <a:bodyPr/>
+          <a:lstStyle/>
+          <a:p>
+            <a:r>
+              <a:rPr lang="en-US" dirty="0"/>
+              <a:t>Objective</a:t>
+            </a:r>
+          </a:p>
+        </p:txBody>
+      </p:sp>
+      <p:sp>
+        <p:nvSpPr>
+          <p:cNvPr id="3" name="Content Placeholder 2">
+            <a:extLst>
+              <a:ext uri="{FF2B5EF4-FFF2-40B4-BE49-F238E27FC236}">
+                <a16:creationId xmlns:a16="http://schemas.microsoft.com/office/drawing/2014/main" id="{8D3434EE-949A-CBD2-9ADF-3434170B9C82}"/>
+              </a:ext>
+            </a:extLst>
+          </p:cNvPr>
+          <p:cNvSpPr>
+            <a:spLocks noGrp="1"/>
+          </p:cNvSpPr>
+          <p:nvPr>
+            <p:ph idx="1"/>
+          </p:nvPr>
+        </p:nvSpPr>
+        <p:spPr>
+          <a:xfrm>
+            <a:off x="838200" y="1825625"/>
+            <a:ext cx="10515600" cy="1895349"/>
+          </a:xfrm>
+        </p:spPr>
+        <p:txBody>
+          <a:bodyPr>
+            <a:normAutofit lnSpcReduction="10000"/>
+          </a:bodyPr>
+          <a:lstStyle/>
+          <a:p>
+            <a:pPr marL="0" indent="0">
+              <a:buNone/>
+            </a:pPr>
+            <a:r>
+              <a:rPr lang="en-US" b="0" i="0" dirty="0">
+                <a:effectLst/>
+                <a:latin typeface="gg sans"/>
+              </a:rPr>
+              <a:t>Develop a graph embedding model that can transform nodes and edges</a:t>
+            </a:r>
+            <a:r>
+              <a:rPr lang="he-IL" b="0" i="0" dirty="0">
+                <a:effectLst/>
+                <a:latin typeface="gg sans"/>
+              </a:rPr>
+              <a:t> </a:t>
+            </a:r>
+            <a:r>
+              <a:rPr lang="en-US" b="0" i="0" dirty="0">
+                <a:effectLst/>
+                <a:latin typeface="gg sans"/>
+              </a:rPr>
+              <a:t>into meaningful vector representations. </a:t>
+            </a:r>
+            <a:br>
+              <a:rPr lang="en-US" b="0" i="0" dirty="0">
+                <a:effectLst/>
+                <a:latin typeface="gg sans"/>
+              </a:rPr>
+            </a:br>
+            <a:r>
+              <a:rPr lang="en-US" b="0" i="0" dirty="0">
+                <a:effectLst/>
+                <a:latin typeface="gg sans"/>
+              </a:rPr>
+              <a:t>These embeddings will be used to solve specific tasks such as node classification, link prediction, community detection, or graph clustering.</a:t>
+            </a:r>
+            <a:endParaRPr lang="en-US" b="0" i="0" dirty="0">
+              <a:effectLst/>
+              <a:latin typeface="inherit"/>
+            </a:endParaRPr>
+          </a:p>
+          <a:p>
+            <a:endParaRPr lang="en-US" dirty="0"/>
+          </a:p>
+        </p:txBody>
+      </p:sp>
+      <p:pic>
+        <p:nvPicPr>
+          <p:cNvPr id="5" name="Picture 4">
+            <a:extLst>
+              <a:ext uri="{FF2B5EF4-FFF2-40B4-BE49-F238E27FC236}">
+                <a16:creationId xmlns:a16="http://schemas.microsoft.com/office/drawing/2014/main" id="{B12B5D73-E75B-9EDA-1701-8F25D2C0CF7F}"/>
+              </a:ext>
+            </a:extLst>
+          </p:cNvPr>
+          <p:cNvPicPr>
+            <a:picLocks noChangeAspect="1"/>
+          </p:cNvPicPr>
+          <p:nvPr/>
+        </p:nvPicPr>
+        <p:blipFill>
+          <a:blip r:embed="rId2">
+            <a:extLst>
+              <a:ext uri="{28A0092B-C50C-407E-A947-70E740481C1C}">
+                <a14:useLocalDpi xmlns:a14="http://schemas.microsoft.com/office/drawing/2010/main" val="0"/>
+              </a:ext>
+            </a:extLst>
+          </a:blip>
+          <a:srcRect b="7895"/>
+          <a:stretch/>
+        </p:blipFill>
+        <p:spPr>
+          <a:xfrm>
+            <a:off x="8800582" y="3968624"/>
+            <a:ext cx="2962253" cy="2889376"/>
+          </a:xfrm>
+          <a:prstGeom prst="rect">
+            <a:avLst/>
+          </a:prstGeom>
+        </p:spPr>
+      </p:pic>
+      <p:pic>
+        <p:nvPicPr>
+          <p:cNvPr id="6" name="תמונה 5"/>
+          <p:cNvPicPr>
+            <a:picLocks noChangeAspect="1"/>
+          </p:cNvPicPr>
+          <p:nvPr/>
+        </p:nvPicPr>
+        <p:blipFill>
+          <a:blip r:embed="rId3"/>
+          <a:stretch>
+            <a:fillRect/>
+          </a:stretch>
+        </p:blipFill>
+        <p:spPr>
+          <a:xfrm>
+            <a:off x="1416623" y="4058892"/>
+            <a:ext cx="4936050" cy="2659396"/>
+          </a:xfrm>
+          <a:prstGeom prst="rect">
+            <a:avLst/>
+          </a:prstGeom>
+        </p:spPr>
+      </p:pic>
+    </p:spTree>
+    <p:extLst>
+      <p:ext uri="{BB962C8B-B14F-4D97-AF65-F5344CB8AC3E}">
+        <p14:creationId xmlns:p14="http://schemas.microsoft.com/office/powerpoint/2010/main" val="90187161"/>
+      </p:ext>
+    </p:extLst>
+  </p:cSld>
+  <p:clrMapOvr>
+    <a:masterClrMapping/>
+  </p:clrMapOvr>
+</p:sld>
+</file>
+
+<file path=ppt/slides/slide6.xml><?xml version="1.0" encoding="utf-8"?>
+<p:sld xmlns:a="http://schemas.openxmlformats.org/drawingml/2006/main" xmlns:r="http://schemas.openxmlformats.org/officeDocument/2006/relationships" xmlns:p="http://schemas.openxmlformats.org/presentationml/2006/main">
+  <p:cSld>
+    <p:spTree>
+      <p:nvGrpSpPr>
+        <p:cNvPr id="1" name=""/>
+        <p:cNvGrpSpPr/>
+        <p:nvPr/>
+      </p:nvGrpSpPr>
+      <p:grpSpPr>
+        <a:xfrm>
+          <a:off x="0" y="0"/>
+          <a:ext cx="0" cy="0"/>
+          <a:chOff x="0" y="0"/>
+          <a:chExt cx="0" cy="0"/>
+        </a:xfrm>
+      </p:grpSpPr>
+      <p:sp>
+        <p:nvSpPr>
+          <p:cNvPr id="2" name="Title 1">
+            <a:extLst>
+              <a:ext uri="{FF2B5EF4-FFF2-40B4-BE49-F238E27FC236}">
+                <a16:creationId xmlns:a16="http://schemas.microsoft.com/office/drawing/2014/main" id="{D273FEEE-FA37-13DA-F376-3495184CC6A8}"/>
+              </a:ext>
+            </a:extLst>
+          </p:cNvPr>
+          <p:cNvSpPr>
+            <a:spLocks noGrp="1"/>
+          </p:cNvSpPr>
+          <p:nvPr>
+            <p:ph type="title"/>
+          </p:nvPr>
+        </p:nvSpPr>
+        <p:spPr/>
+        <p:txBody>
+          <a:bodyPr/>
+          <a:lstStyle/>
+          <a:p>
+            <a:r>
+              <a:rPr lang="en-US" dirty="0"/>
+              <a:t>Examples of Graph-Embedding Usage</a:t>
+            </a:r>
+          </a:p>
+        </p:txBody>
+      </p:sp>
+      <p:sp>
+        <p:nvSpPr>
+          <p:cNvPr id="3" name="Content Placeholder 2">
+            <a:extLst>
+              <a:ext uri="{FF2B5EF4-FFF2-40B4-BE49-F238E27FC236}">
+                <a16:creationId xmlns:a16="http://schemas.microsoft.com/office/drawing/2014/main" id="{01BC83A0-D45F-5152-F20F-66B07C3B5586}"/>
+              </a:ext>
+            </a:extLst>
+          </p:cNvPr>
+          <p:cNvSpPr>
+            <a:spLocks noGrp="1"/>
+          </p:cNvSpPr>
+          <p:nvPr>
+            <p:ph idx="1"/>
+          </p:nvPr>
+        </p:nvSpPr>
+        <p:spPr/>
+        <p:txBody>
+          <a:bodyPr/>
+          <a:lstStyle/>
+          <a:p>
+            <a:r>
+              <a:rPr lang="en-US" b="0" i="0" dirty="0">
+                <a:effectLst/>
+                <a:latin typeface="inherit"/>
+              </a:rPr>
+              <a:t>Social Media Platforms (</a:t>
+            </a:r>
+            <a:r>
+              <a:rPr lang="en-US" b="0" i="0" dirty="0">
+                <a:effectLst/>
+                <a:latin typeface="gg sans"/>
+              </a:rPr>
+              <a:t>Facebook, Twitter, LinkedIn)</a:t>
+            </a:r>
+            <a:r>
+              <a:rPr lang="en-US" dirty="0">
+                <a:latin typeface="inherit"/>
+              </a:rPr>
+              <a:t> </a:t>
+            </a:r>
+          </a:p>
+          <a:p>
+            <a:pPr lvl="1"/>
+            <a:r>
+              <a:rPr lang="en-US" dirty="0">
+                <a:latin typeface="inherit"/>
+              </a:rPr>
+              <a:t>P</a:t>
+            </a:r>
+            <a:r>
+              <a:rPr lang="en-US" b="0" i="0" dirty="0">
+                <a:effectLst/>
+                <a:latin typeface="gg sans"/>
+              </a:rPr>
+              <a:t>redict friendship connections based on interactions.</a:t>
+            </a:r>
+          </a:p>
+          <a:p>
+            <a:r>
+              <a:rPr lang="en-US" dirty="0">
+                <a:latin typeface="gg sans"/>
+              </a:rPr>
+              <a:t>Streaming services (Netflix, YouTube) </a:t>
+            </a:r>
+          </a:p>
+          <a:p>
+            <a:pPr lvl="1"/>
+            <a:r>
+              <a:rPr lang="en-US" dirty="0">
+                <a:latin typeface="gg sans"/>
+              </a:rPr>
+              <a:t>Recommend videos based on past viewing.</a:t>
+            </a:r>
+            <a:endParaRPr lang="en-US" b="0" i="0" dirty="0">
+              <a:effectLst/>
+              <a:latin typeface="gg sans"/>
+            </a:endParaRPr>
+          </a:p>
+          <a:p>
+            <a:r>
+              <a:rPr lang="en-US" dirty="0">
+                <a:latin typeface="gg sans"/>
+              </a:rPr>
+              <a:t>Academy Research</a:t>
+            </a:r>
+          </a:p>
+          <a:p>
+            <a:pPr lvl="1"/>
+            <a:r>
+              <a:rPr lang="en-US" dirty="0">
+                <a:latin typeface="gg sans"/>
+              </a:rPr>
+              <a:t> Use </a:t>
+            </a:r>
+            <a:r>
+              <a:rPr lang="en-US" b="0" i="0" dirty="0">
+                <a:effectLst/>
+                <a:latin typeface="gg sans"/>
+              </a:rPr>
+              <a:t>citation networks to classify research papers.</a:t>
+            </a:r>
+            <a:endParaRPr lang="en-US" dirty="0"/>
+          </a:p>
+        </p:txBody>
+      </p:sp>
+      <p:pic>
+        <p:nvPicPr>
+          <p:cNvPr id="7" name="Picture 6" descr="A diagram of people connected to each other&#10;&#10;Description automatically generated">
+            <a:extLst>
+              <a:ext uri="{FF2B5EF4-FFF2-40B4-BE49-F238E27FC236}">
+                <a16:creationId xmlns:a16="http://schemas.microsoft.com/office/drawing/2014/main" id="{A0B8CD3B-0F3D-9588-85E3-8520866A7280}"/>
+              </a:ext>
+            </a:extLst>
+          </p:cNvPr>
+          <p:cNvPicPr>
+            <a:picLocks noChangeAspect="1"/>
+          </p:cNvPicPr>
+          <p:nvPr/>
+        </p:nvPicPr>
+        <p:blipFill>
+          <a:blip r:embed="rId2">
+            <a:extLst>
+              <a:ext uri="{28A0092B-C50C-407E-A947-70E740481C1C}">
+                <a14:useLocalDpi xmlns:a14="http://schemas.microsoft.com/office/drawing/2010/main" val="0"/>
+              </a:ext>
+            </a:extLst>
+          </a:blip>
+          <a:stretch>
+            <a:fillRect/>
+          </a:stretch>
+        </p:blipFill>
+        <p:spPr>
+          <a:xfrm>
+            <a:off x="7695446" y="4510161"/>
+            <a:ext cx="4360597" cy="2234670"/>
+          </a:xfrm>
+          <a:prstGeom prst="rect">
+            <a:avLst/>
+          </a:prstGeom>
+        </p:spPr>
+      </p:pic>
+      <p:pic>
+        <p:nvPicPr>
+          <p:cNvPr id="5" name="תמונה 4"/>
+          <p:cNvPicPr>
+            <a:picLocks noChangeAspect="1"/>
+          </p:cNvPicPr>
+          <p:nvPr/>
+        </p:nvPicPr>
+        <p:blipFill>
+          <a:blip r:embed="rId3"/>
+          <a:stretch>
+            <a:fillRect/>
+          </a:stretch>
+        </p:blipFill>
+        <p:spPr>
+          <a:xfrm>
+            <a:off x="838200" y="4716529"/>
+            <a:ext cx="4642008" cy="2028302"/>
+          </a:xfrm>
+          <a:prstGeom prst="rect">
+            <a:avLst/>
+          </a:prstGeom>
+        </p:spPr>
+      </p:pic>
+    </p:spTree>
+    <p:extLst>
+      <p:ext uri="{BB962C8B-B14F-4D97-AF65-F5344CB8AC3E}">
+        <p14:creationId xmlns:p14="http://schemas.microsoft.com/office/powerpoint/2010/main" val="2847816913"/>
+      </p:ext>
+    </p:extLst>
+  </p:cSld>
+  <p:clrMapOvr>
+    <a:masterClrMapping/>
+  </p:clrMapOvr>
+</p:sld>
+</file>
+
+<file path=ppt/slides/slide7.xml><?xml version="1.0" encoding="utf-8"?>
+<p:sld xmlns:a="http://schemas.openxmlformats.org/drawingml/2006/main" xmlns:r="http://schemas.openxmlformats.org/officeDocument/2006/relationships" xmlns:p="http://schemas.openxmlformats.org/presentationml/2006/main">
+  <p:cSld>
+    <p:spTree>
+      <p:nvGrpSpPr>
+        <p:cNvPr id="1" name="">
+          <a:extLst>
+            <a:ext uri="{FF2B5EF4-FFF2-40B4-BE49-F238E27FC236}">
+              <a16:creationId xmlns:a16="http://schemas.microsoft.com/office/drawing/2014/main" id="{A83FCB72-AB68-98B1-AFBB-23F319347ECF}"/>
+            </a:ext>
+          </a:extLst>
+        </p:cNvPr>
+        <p:cNvGrpSpPr/>
+        <p:nvPr/>
+      </p:nvGrpSpPr>
+      <p:grpSpPr>
+        <a:xfrm>
+          <a:off x="0" y="0"/>
+          <a:ext cx="0" cy="0"/>
+          <a:chOff x="0" y="0"/>
+          <a:chExt cx="0" cy="0"/>
+        </a:xfrm>
+      </p:grpSpPr>
+      <p:sp>
+        <p:nvSpPr>
+          <p:cNvPr id="2" name="Title 1">
+            <a:extLst>
+              <a:ext uri="{FF2B5EF4-FFF2-40B4-BE49-F238E27FC236}">
+                <a16:creationId xmlns:a16="http://schemas.microsoft.com/office/drawing/2014/main" id="{1217C084-0B18-854A-3C8B-7D0B6C04A720}"/>
+              </a:ext>
+            </a:extLst>
+          </p:cNvPr>
+          <p:cNvSpPr>
+            <a:spLocks noGrp="1"/>
+          </p:cNvSpPr>
+          <p:nvPr>
+            <p:ph type="title"/>
+          </p:nvPr>
+        </p:nvSpPr>
+        <p:spPr/>
+        <p:txBody>
+          <a:bodyPr/>
+          <a:lstStyle/>
+          <a:p>
+            <a:r>
+              <a:rPr lang="en-US" dirty="0"/>
+              <a:t>Analyze the dataset</a:t>
+            </a:r>
+          </a:p>
+        </p:txBody>
+      </p:sp>
+      <p:sp>
+        <p:nvSpPr>
+          <p:cNvPr id="3" name="Content Placeholder 2">
+            <a:extLst>
+              <a:ext uri="{FF2B5EF4-FFF2-40B4-BE49-F238E27FC236}">
+                <a16:creationId xmlns:a16="http://schemas.microsoft.com/office/drawing/2014/main" id="{8B3205D7-C590-8DF6-B2CB-4E740B3CD305}"/>
+              </a:ext>
+            </a:extLst>
+          </p:cNvPr>
+          <p:cNvSpPr>
+            <a:spLocks noGrp="1"/>
+          </p:cNvSpPr>
+          <p:nvPr>
+            <p:ph idx="1"/>
+          </p:nvPr>
+        </p:nvSpPr>
+        <p:spPr/>
+        <p:txBody>
+          <a:bodyPr>
+            <a:normAutofit fontScale="85000" lnSpcReduction="20000"/>
+          </a:bodyPr>
+          <a:lstStyle/>
+          <a:p>
+            <a:pPr marL="0" indent="0">
+              <a:buNone/>
+            </a:pPr>
+            <a:r>
+              <a:rPr lang="en-US" dirty="0"/>
+              <a:t>The Cora dataset consists of Machine Learning papers. </a:t>
+            </a:r>
+          </a:p>
+          <a:p>
+            <a:pPr marL="0" indent="0">
+              <a:buNone/>
+            </a:pPr>
+            <a:r>
+              <a:rPr lang="en-US" dirty="0"/>
+              <a:t>There are 2708 papers.</a:t>
+            </a:r>
+          </a:p>
+          <a:p>
+            <a:pPr marL="0" indent="0">
+              <a:buNone/>
+            </a:pPr>
+            <a:r>
+              <a:rPr lang="en-US" dirty="0"/>
+              <a:t>These papers are classified into one of the following seven classes:</a:t>
+            </a:r>
+          </a:p>
+          <a:p>
+            <a:pPr marL="0" indent="0">
+              <a:buNone/>
+            </a:pPr>
+            <a:r>
+              <a:rPr lang="en-US" dirty="0"/>
+              <a:t>	- </a:t>
+            </a:r>
+            <a:r>
+              <a:rPr lang="en-US" dirty="0" err="1"/>
+              <a:t>Case_Based</a:t>
+            </a:r>
+            <a:endParaRPr lang="en-US" dirty="0"/>
+          </a:p>
+          <a:p>
+            <a:pPr marL="0" indent="0">
+              <a:buNone/>
+            </a:pPr>
+            <a:r>
+              <a:rPr lang="en-US" dirty="0"/>
+              <a:t>	- </a:t>
+            </a:r>
+            <a:r>
+              <a:rPr lang="en-US" dirty="0" err="1"/>
+              <a:t>Genetic_Algorithms</a:t>
+            </a:r>
+            <a:endParaRPr lang="en-US" dirty="0"/>
+          </a:p>
+          <a:p>
+            <a:pPr marL="0" indent="0">
+              <a:buNone/>
+            </a:pPr>
+            <a:r>
+              <a:rPr lang="en-US" dirty="0"/>
+              <a:t>	- </a:t>
+            </a:r>
+            <a:r>
+              <a:rPr lang="en-US" dirty="0" err="1"/>
+              <a:t>Neural_Networks</a:t>
+            </a:r>
+            <a:endParaRPr lang="en-US" dirty="0"/>
+          </a:p>
+          <a:p>
+            <a:pPr marL="0" indent="0">
+              <a:buNone/>
+            </a:pPr>
+            <a:r>
+              <a:rPr lang="en-US" dirty="0"/>
+              <a:t>	- </a:t>
+            </a:r>
+            <a:r>
+              <a:rPr lang="en-US" dirty="0" err="1"/>
+              <a:t>Probabilistic_Methods</a:t>
+            </a:r>
+            <a:endParaRPr lang="en-US" dirty="0"/>
+          </a:p>
+          <a:p>
+            <a:pPr marL="0" indent="0">
+              <a:buNone/>
+            </a:pPr>
+            <a:r>
+              <a:rPr lang="en-US" dirty="0"/>
+              <a:t>	- </a:t>
+            </a:r>
+            <a:r>
+              <a:rPr lang="en-US" dirty="0" err="1"/>
+              <a:t>Reinforcement_Learning</a:t>
+            </a:r>
+            <a:endParaRPr lang="en-US" dirty="0"/>
+          </a:p>
+          <a:p>
+            <a:pPr marL="0" indent="0">
+              <a:buNone/>
+            </a:pPr>
+            <a:r>
+              <a:rPr lang="en-US" dirty="0"/>
+              <a:t>	- </a:t>
+            </a:r>
+            <a:r>
+              <a:rPr lang="en-US" dirty="0" err="1"/>
+              <a:t>Rule_Learning</a:t>
+            </a:r>
+            <a:endParaRPr lang="en-US" dirty="0"/>
+          </a:p>
+          <a:p>
+            <a:pPr marL="0" indent="0">
+              <a:buNone/>
+            </a:pPr>
+            <a:r>
+              <a:rPr lang="en-US" dirty="0"/>
+              <a:t>	- Theory</a:t>
+            </a:r>
+          </a:p>
+        </p:txBody>
+      </p:sp>
+      <p:pic>
+        <p:nvPicPr>
+          <p:cNvPr id="4" name="תמונה 3"/>
+          <p:cNvPicPr>
+            <a:picLocks noChangeAspect="1"/>
+          </p:cNvPicPr>
+          <p:nvPr/>
+        </p:nvPicPr>
+        <p:blipFill>
+          <a:blip r:embed="rId2"/>
+          <a:stretch>
+            <a:fillRect/>
+          </a:stretch>
+        </p:blipFill>
+        <p:spPr>
+          <a:xfrm>
+            <a:off x="8270531" y="3397718"/>
+            <a:ext cx="3215964" cy="3289568"/>
+          </a:xfrm>
+          <a:prstGeom prst="rect">
+            <a:avLst/>
+          </a:prstGeom>
+        </p:spPr>
+      </p:pic>
+    </p:spTree>
+    <p:extLst>
+      <p:ext uri="{BB962C8B-B14F-4D97-AF65-F5344CB8AC3E}">
+        <p14:creationId xmlns:p14="http://schemas.microsoft.com/office/powerpoint/2010/main" val="2821804633"/>
+      </p:ext>
+    </p:extLst>
+  </p:cSld>
+  <p:clrMapOvr>
+    <a:masterClrMapping/>
+  </p:clrMapOvr>
+</p:sld>
+</file>
+
+<file path=ppt/slides/slide8.xml><?xml version="1.0" encoding="utf-8"?>
+<p:sld xmlns:a="http://schemas.openxmlformats.org/drawingml/2006/main" xmlns:r="http://schemas.openxmlformats.org/officeDocument/2006/relationships" xmlns:p="http://schemas.openxmlformats.org/presentationml/2006/main">
+  <p:cSld>
+    <p:spTree>
+      <p:nvGrpSpPr>
+        <p:cNvPr id="1" name="">
+          <a:extLst>
+            <a:ext uri="{FF2B5EF4-FFF2-40B4-BE49-F238E27FC236}">
+              <a16:creationId xmlns:a16="http://schemas.microsoft.com/office/drawing/2014/main" id="{11875901-9C47-2F85-5654-FD8AD2989050}"/>
+            </a:ext>
+          </a:extLst>
+        </p:cNvPr>
+        <p:cNvGrpSpPr/>
+        <p:nvPr/>
+      </p:nvGrpSpPr>
+      <p:grpSpPr>
+        <a:xfrm>
+          <a:off x="0" y="0"/>
+          <a:ext cx="0" cy="0"/>
+          <a:chOff x="0" y="0"/>
+          <a:chExt cx="0" cy="0"/>
+        </a:xfrm>
+      </p:grpSpPr>
+      <p:sp>
+        <p:nvSpPr>
+          <p:cNvPr id="2" name="Title 1">
+            <a:extLst>
+              <a:ext uri="{FF2B5EF4-FFF2-40B4-BE49-F238E27FC236}">
+                <a16:creationId xmlns:a16="http://schemas.microsoft.com/office/drawing/2014/main" id="{517FED0E-9ABF-4291-F04D-9FC122AECD17}"/>
+              </a:ext>
+            </a:extLst>
+          </p:cNvPr>
+          <p:cNvSpPr>
+            <a:spLocks noGrp="1"/>
+          </p:cNvSpPr>
+          <p:nvPr>
+            <p:ph type="title"/>
+          </p:nvPr>
+        </p:nvSpPr>
+        <p:spPr/>
+        <p:txBody>
+          <a:bodyPr/>
+          <a:lstStyle/>
+          <a:p>
+            <a:r>
+              <a:rPr lang="en-US" dirty="0"/>
+              <a:t>Analyze the dataset</a:t>
+            </a:r>
+          </a:p>
+        </p:txBody>
+      </p:sp>
+      <p:sp>
+        <p:nvSpPr>
+          <p:cNvPr id="3" name="Content Placeholder 2">
+            <a:extLst>
+              <a:ext uri="{FF2B5EF4-FFF2-40B4-BE49-F238E27FC236}">
+                <a16:creationId xmlns:a16="http://schemas.microsoft.com/office/drawing/2014/main" id="{4DC5F2B3-896B-9899-CC9F-859E09715514}"/>
+              </a:ext>
+            </a:extLst>
+          </p:cNvPr>
+          <p:cNvSpPr>
+            <a:spLocks noGrp="1"/>
+          </p:cNvSpPr>
+          <p:nvPr>
+            <p:ph idx="1"/>
+          </p:nvPr>
+        </p:nvSpPr>
+        <p:spPr/>
+        <p:txBody>
+          <a:bodyPr/>
+          <a:lstStyle/>
+          <a:p>
+            <a:r>
+              <a:rPr lang="en-US" dirty="0"/>
+              <a:t>After stemming and removing </a:t>
+            </a:r>
+            <a:r>
+              <a:rPr lang="en-US" dirty="0" err="1"/>
+              <a:t>stopwords</a:t>
+            </a:r>
+            <a:r>
+              <a:rPr lang="en-US" dirty="0"/>
+              <a:t> we were left with a vocabulary of size 1,433 unique words. </a:t>
+            </a:r>
+          </a:p>
+          <a:p>
+            <a:r>
+              <a:rPr lang="en-US" dirty="0"/>
+              <a:t>All words with document frequency less than 10 were removed.</a:t>
+            </a:r>
+          </a:p>
+        </p:txBody>
+      </p:sp>
+      <p:pic>
+        <p:nvPicPr>
+          <p:cNvPr id="4" name="תמונה 3"/>
+          <p:cNvPicPr>
+            <a:picLocks noChangeAspect="1"/>
+          </p:cNvPicPr>
+          <p:nvPr/>
+        </p:nvPicPr>
+        <p:blipFill>
+          <a:blip r:embed="rId2"/>
+          <a:stretch>
+            <a:fillRect/>
+          </a:stretch>
+        </p:blipFill>
+        <p:spPr>
+          <a:xfrm>
+            <a:off x="6600162" y="4277972"/>
+            <a:ext cx="4753638" cy="2229161"/>
+          </a:xfrm>
+          <a:prstGeom prst="rect">
+            <a:avLst/>
+          </a:prstGeom>
+        </p:spPr>
+      </p:pic>
+      <p:pic>
+        <p:nvPicPr>
+          <p:cNvPr id="5" name="תמונה 4"/>
+          <p:cNvPicPr>
+            <a:picLocks noChangeAspect="1"/>
+          </p:cNvPicPr>
+          <p:nvPr/>
+        </p:nvPicPr>
+        <p:blipFill>
+          <a:blip r:embed="rId3"/>
+          <a:stretch>
+            <a:fillRect/>
+          </a:stretch>
+        </p:blipFill>
+        <p:spPr>
+          <a:xfrm>
+            <a:off x="1079151" y="3995530"/>
+            <a:ext cx="2472218" cy="2736470"/>
+          </a:xfrm>
+          <a:prstGeom prst="rect">
+            <a:avLst/>
+          </a:prstGeom>
+        </p:spPr>
+      </p:pic>
+    </p:spTree>
+    <p:extLst>
+      <p:ext uri="{BB962C8B-B14F-4D97-AF65-F5344CB8AC3E}">
+        <p14:creationId xmlns:p14="http://schemas.microsoft.com/office/powerpoint/2010/main" val="667077126"/>
+      </p:ext>
+    </p:extLst>
+  </p:cSld>
+  <p:clrMapOvr>
+    <a:masterClrMapping/>
+  </p:clrMapOvr>
+</p:sld>
+</file>
+
+<file path=ppt/slides/slide9.xml><?xml version="1.0" encoding="utf-8"?>
+<p:sld xmlns:a="http://schemas.openxmlformats.org/drawingml/2006/main" xmlns:r="http://schemas.openxmlformats.org/officeDocument/2006/relationships" xmlns:p="http://schemas.openxmlformats.org/presentationml/2006/main">
+  <p:cSld>
+    <p:spTree>
+      <p:nvGrpSpPr>
+        <p:cNvPr id="1" name=""/>
+        <p:cNvGrpSpPr/>
+        <p:nvPr/>
+      </p:nvGrpSpPr>
+      <p:grpSpPr>
+        <a:xfrm>
+          <a:off x="0" y="0"/>
+          <a:ext cx="0" cy="0"/>
+          <a:chOff x="0" y="0"/>
+          <a:chExt cx="0" cy="0"/>
+        </a:xfrm>
+      </p:grpSpPr>
+      <p:sp>
+        <p:nvSpPr>
+          <p:cNvPr id="2" name="Title 1">
+            <a:extLst>
+              <a:ext uri="{FF2B5EF4-FFF2-40B4-BE49-F238E27FC236}">
+                <a16:creationId xmlns:a16="http://schemas.microsoft.com/office/drawing/2014/main" id="{0DABEC11-C084-2051-431D-2CFADD03DE67}"/>
+              </a:ext>
+            </a:extLst>
+          </p:cNvPr>
+          <p:cNvSpPr>
+            <a:spLocks noGrp="1"/>
+          </p:cNvSpPr>
+          <p:nvPr>
+            <p:ph type="title"/>
+          </p:nvPr>
+        </p:nvSpPr>
+        <p:spPr/>
+        <p:txBody>
+          <a:bodyPr/>
+          <a:lstStyle/>
+          <a:p>
+            <a:r>
+              <a:rPr lang="en-US" dirty="0"/>
+              <a:t>Analyze the dataset</a:t>
+            </a:r>
+          </a:p>
+        </p:txBody>
+      </p:sp>
+      <p:sp>
+        <p:nvSpPr>
+          <p:cNvPr id="3" name="Content Placeholder 2">
+            <a:extLst>
+              <a:ext uri="{FF2B5EF4-FFF2-40B4-BE49-F238E27FC236}">
+                <a16:creationId xmlns:a16="http://schemas.microsoft.com/office/drawing/2014/main" id="{C5CD3010-2F8E-309B-BBCE-F4403C5ABFAD}"/>
+              </a:ext>
+            </a:extLst>
+          </p:cNvPr>
+          <p:cNvSpPr>
+            <a:spLocks noGrp="1"/>
+          </p:cNvSpPr>
+          <p:nvPr>
+            <p:ph idx="1"/>
+          </p:nvPr>
+        </p:nvSpPr>
+        <p:spPr>
+          <a:xfrm>
+            <a:off x="838199" y="1475715"/>
+            <a:ext cx="11188485" cy="5382285"/>
+          </a:xfrm>
+        </p:spPr>
+        <p:txBody>
+          <a:bodyPr>
+            <a:normAutofit lnSpcReduction="10000"/>
+          </a:bodyPr>
+          <a:lstStyle/>
+          <a:p>
+            <a:pPr marL="0" indent="0">
+              <a:buNone/>
+            </a:pPr>
+            <a:r>
+              <a:rPr lang="en-US" dirty="0"/>
+              <a:t>The dataset consists of two files:</a:t>
+            </a:r>
+          </a:p>
+          <a:p>
+            <a:r>
+              <a:rPr lang="en-US" dirty="0" err="1"/>
+              <a:t>Cora.content</a:t>
+            </a:r>
+            <a:r>
+              <a:rPr lang="en-US" dirty="0"/>
+              <a:t>: (Papers as Nodes)</a:t>
+            </a:r>
+          </a:p>
+          <a:p>
+            <a:pPr lvl="1"/>
+            <a:r>
+              <a:rPr lang="en-US" dirty="0"/>
+              <a:t>Matrix of &lt;</a:t>
+            </a:r>
+            <a:r>
+              <a:rPr lang="en-US" dirty="0" err="1"/>
+              <a:t>paper_id</a:t>
+            </a:r>
+            <a:r>
+              <a:rPr lang="en-US" dirty="0"/>
+              <a:t>&gt;  &lt;word attributes&gt; &lt;class label&gt;</a:t>
+            </a:r>
+          </a:p>
+          <a:p>
+            <a:pPr lvl="1"/>
+            <a:r>
+              <a:rPr lang="en-US" dirty="0"/>
+              <a:t>Word attribute values are 0 or 1 whether each word is present in paper</a:t>
+            </a:r>
+          </a:p>
+          <a:p>
+            <a:pPr marL="457200" lvl="1" indent="0">
+              <a:buNone/>
+            </a:pPr>
+            <a:endParaRPr lang="en-US" dirty="0"/>
+          </a:p>
+          <a:p>
+            <a:pPr marL="457200" lvl="1" indent="0">
+              <a:buNone/>
+            </a:pPr>
+            <a:r>
+              <a:rPr lang="en-US" dirty="0"/>
+              <a:t>Example:</a:t>
+            </a:r>
+          </a:p>
+          <a:p>
+            <a:pPr marL="457200" lvl="1" indent="0">
+              <a:buNone/>
+            </a:pPr>
+            <a:endParaRPr lang="en-US" dirty="0"/>
+          </a:p>
+          <a:p>
+            <a:pPr marL="457200" lvl="1" indent="0">
+              <a:buNone/>
+            </a:pPr>
+            <a:endParaRPr lang="en-US" dirty="0"/>
+          </a:p>
+          <a:p>
+            <a:endParaRPr lang="en-US" dirty="0"/>
+          </a:p>
+          <a:p>
+            <a:r>
+              <a:rPr lang="en-US" dirty="0" err="1"/>
+              <a:t>Cora.cites</a:t>
+            </a:r>
+            <a:r>
+              <a:rPr lang="en-US" dirty="0"/>
+              <a:t>: (Cites as Edges)</a:t>
+            </a:r>
+          </a:p>
+          <a:p>
+            <a:pPr lvl="1"/>
+            <a:r>
+              <a:rPr lang="en-US" dirty="0"/>
+              <a:t>Matrix of  &lt;ID of cited paper&gt; &lt;ID of citing paper&gt;</a:t>
+            </a:r>
+          </a:p>
+          <a:p>
+            <a:pPr marL="457200" lvl="1" indent="0">
+              <a:buNone/>
+            </a:pPr>
+            <a:r>
+              <a:rPr lang="en-US" dirty="0"/>
+              <a:t>Example:  		35			1033</a:t>
+            </a:r>
+          </a:p>
+        </p:txBody>
+      </p:sp>
+      <p:sp>
+        <p:nvSpPr>
+          <p:cNvPr id="4" name="Content Placeholder 2">
+            <a:extLst>
+              <a:ext uri="{FF2B5EF4-FFF2-40B4-BE49-F238E27FC236}">
+                <a16:creationId xmlns:a16="http://schemas.microsoft.com/office/drawing/2014/main" id="{8F63E8F7-5862-19A0-1E9B-969BE79C0373}"/>
               </a:ext>
             </a:extLst>
           </p:cNvPr>
@@ -7938,8 +10274,8 @@
         </p:nvSpPr>
         <p:spPr>
           <a:xfrm>
-            <a:off x="912262" y="5064125"/>
-            <a:ext cx="3200400" cy="546100"/>
+            <a:off x="838198" y="5269424"/>
+            <a:ext cx="11188485" cy="1325562"/>
           </a:xfrm>
           <a:prstGeom prst="rect">
             <a:avLst/>
@@ -8114,1846 +10450,6 @@
             </a:lvl9pPr>
           </a:lstStyle>
           <a:p>
-            <a:pPr marL="0" indent="0">
-              <a:buNone/>
-            </a:pPr>
-            <a:r>
-              <a:rPr lang="en-US" dirty="0"/>
-              <a:t>Shlomi Fridman</a:t>
-            </a:r>
-          </a:p>
-        </p:txBody>
-      </p:sp>
-      <p:pic>
-        <p:nvPicPr>
-          <p:cNvPr id="17" name="Picture 16" descr="A person taking a selfie&#10;&#10;Description automatically generated">
-            <a:extLst>
-              <a:ext uri="{FF2B5EF4-FFF2-40B4-BE49-F238E27FC236}">
-                <a16:creationId xmlns:a16="http://schemas.microsoft.com/office/drawing/2014/main" id="{3CD98B70-1DB6-C0C5-B2CC-602404FFDF42}"/>
-              </a:ext>
-            </a:extLst>
-          </p:cNvPr>
-          <p:cNvPicPr>
-            <a:picLocks noChangeAspect="1"/>
-          </p:cNvPicPr>
-          <p:nvPr/>
-        </p:nvPicPr>
-        <p:blipFill>
-          <a:blip r:embed="rId3">
-            <a:extLst>
-              <a:ext uri="{28A0092B-C50C-407E-A947-70E740481C1C}">
-                <a14:useLocalDpi xmlns:a14="http://schemas.microsoft.com/office/drawing/2010/main" val="0"/>
-              </a:ext>
-            </a:extLst>
-          </a:blip>
-          <a:stretch>
-            <a:fillRect/>
-          </a:stretch>
-        </p:blipFill>
-        <p:spPr>
-          <a:xfrm>
-            <a:off x="5078459" y="2501900"/>
-            <a:ext cx="2324604" cy="2341823"/>
-          </a:xfrm>
-          <a:prstGeom prst="rect">
-            <a:avLst/>
-          </a:prstGeom>
-        </p:spPr>
-      </p:pic>
-      <p:pic>
-        <p:nvPicPr>
-          <p:cNvPr id="19" name="Picture 18" descr="A person wearing sunglasses and backpack&#10;&#10;Description automatically generated">
-            <a:extLst>
-              <a:ext uri="{FF2B5EF4-FFF2-40B4-BE49-F238E27FC236}">
-                <a16:creationId xmlns:a16="http://schemas.microsoft.com/office/drawing/2014/main" id="{856DE587-FFA0-8E25-F7EE-2E4A43CAF923}"/>
-              </a:ext>
-            </a:extLst>
-          </p:cNvPr>
-          <p:cNvPicPr>
-            <a:picLocks noChangeAspect="1"/>
-          </p:cNvPicPr>
-          <p:nvPr/>
-        </p:nvPicPr>
-        <p:blipFill>
-          <a:blip r:embed="rId4">
-            <a:extLst>
-              <a:ext uri="{28A0092B-C50C-407E-A947-70E740481C1C}">
-                <a14:useLocalDpi xmlns:a14="http://schemas.microsoft.com/office/drawing/2010/main" val="0"/>
-              </a:ext>
-            </a:extLst>
-          </a:blip>
-          <a:stretch>
-            <a:fillRect/>
-          </a:stretch>
-        </p:blipFill>
-        <p:spPr>
-          <a:xfrm>
-            <a:off x="969412" y="2519118"/>
-            <a:ext cx="2324605" cy="2324605"/>
-          </a:xfrm>
-          <a:prstGeom prst="rect">
-            <a:avLst/>
-          </a:prstGeom>
-        </p:spPr>
-      </p:pic>
-    </p:spTree>
-    <p:extLst>
-      <p:ext uri="{BB962C8B-B14F-4D97-AF65-F5344CB8AC3E}">
-        <p14:creationId xmlns:p14="http://schemas.microsoft.com/office/powerpoint/2010/main" val="4044605042"/>
-      </p:ext>
-    </p:extLst>
-  </p:cSld>
-  <p:clrMapOvr>
-    <a:masterClrMapping/>
-  </p:clrMapOvr>
-</p:sld>
-</file>
-
-<file path=ppt/slides/slide20.xml><?xml version="1.0" encoding="utf-8"?>
-<p:sld xmlns:a="http://schemas.openxmlformats.org/drawingml/2006/main" xmlns:r="http://schemas.openxmlformats.org/officeDocument/2006/relationships" xmlns:p="http://schemas.openxmlformats.org/presentationml/2006/main">
-  <p:cSld>
-    <p:spTree>
-      <p:nvGrpSpPr>
-        <p:cNvPr id="1" name="">
-          <a:extLst>
-            <a:ext uri="{FF2B5EF4-FFF2-40B4-BE49-F238E27FC236}">
-              <a16:creationId xmlns:a16="http://schemas.microsoft.com/office/drawing/2014/main" id="{5D701393-D42A-4E38-EE40-098E8DF3AB89}"/>
-            </a:ext>
-          </a:extLst>
-        </p:cNvPr>
-        <p:cNvGrpSpPr/>
-        <p:nvPr/>
-      </p:nvGrpSpPr>
-      <p:grpSpPr>
-        <a:xfrm>
-          <a:off x="0" y="0"/>
-          <a:ext cx="0" cy="0"/>
-          <a:chOff x="0" y="0"/>
-          <a:chExt cx="0" cy="0"/>
-        </a:xfrm>
-      </p:grpSpPr>
-      <p:sp>
-        <p:nvSpPr>
-          <p:cNvPr id="2" name="Title 1">
-            <a:extLst>
-              <a:ext uri="{FF2B5EF4-FFF2-40B4-BE49-F238E27FC236}">
-                <a16:creationId xmlns:a16="http://schemas.microsoft.com/office/drawing/2014/main" id="{B8B7EE20-848E-54FC-D89D-04E9DFFF0FA1}"/>
-              </a:ext>
-            </a:extLst>
-          </p:cNvPr>
-          <p:cNvSpPr>
-            <a:spLocks noGrp="1"/>
-          </p:cNvSpPr>
-          <p:nvPr>
-            <p:ph type="title"/>
-          </p:nvPr>
-        </p:nvSpPr>
-        <p:spPr/>
-        <p:txBody>
-          <a:bodyPr/>
-          <a:lstStyle/>
-          <a:p>
-            <a:r>
-              <a:rPr lang="en-US" dirty="0"/>
-              <a:t>Summary</a:t>
-            </a:r>
-          </a:p>
-        </p:txBody>
-      </p:sp>
-      <p:sp>
-        <p:nvSpPr>
-          <p:cNvPr id="3" name="Content Placeholder 2">
-            <a:extLst>
-              <a:ext uri="{FF2B5EF4-FFF2-40B4-BE49-F238E27FC236}">
-                <a16:creationId xmlns:a16="http://schemas.microsoft.com/office/drawing/2014/main" id="{567ACD2E-3A47-0612-E80F-A6590AE96C35}"/>
-              </a:ext>
-            </a:extLst>
-          </p:cNvPr>
-          <p:cNvSpPr>
-            <a:spLocks noGrp="1"/>
-          </p:cNvSpPr>
-          <p:nvPr>
-            <p:ph idx="1"/>
-          </p:nvPr>
-        </p:nvSpPr>
-        <p:spPr/>
-        <p:txBody>
-          <a:bodyPr/>
-          <a:lstStyle/>
-          <a:p>
-            <a:r>
-              <a:rPr lang="en-US" dirty="0"/>
-              <a:t>The Node2Vec runs have slight better scores than </a:t>
-            </a:r>
-            <a:r>
-              <a:rPr lang="en-US" dirty="0" err="1"/>
-              <a:t>DeepWalk</a:t>
-            </a:r>
-            <a:r>
-              <a:rPr lang="en-US" dirty="0"/>
-              <a:t>.                </a:t>
-            </a:r>
-            <a:r>
-              <a:rPr lang="en-US" sz="2000" dirty="0"/>
-              <a:t>(</a:t>
-            </a:r>
-            <a:r>
-              <a:rPr lang="en-US" sz="2000" b="0" i="0" dirty="0">
-                <a:effectLst/>
-                <a:latin typeface="gg sans"/>
-              </a:rPr>
-              <a:t>Specifically, in F1 and AUC scores)</a:t>
-            </a:r>
-          </a:p>
-          <a:p>
-            <a:pPr lvl="1"/>
-            <a:r>
-              <a:rPr lang="en-US" dirty="0">
-                <a:latin typeface="gg sans"/>
-              </a:rPr>
-              <a:t>Due to a wider exploration area in the graph</a:t>
-            </a:r>
-            <a:endParaRPr lang="en-US" dirty="0"/>
-          </a:p>
-          <a:p>
-            <a:r>
-              <a:rPr lang="en-US" dirty="0"/>
-              <a:t>AUC scores are in range of 85-95%</a:t>
-            </a:r>
-          </a:p>
-          <a:p>
-            <a:r>
-              <a:rPr lang="en-US" dirty="0"/>
-              <a:t>Accuracy scores are in range of 65-70%</a:t>
-            </a:r>
-          </a:p>
-          <a:p>
-            <a:pPr lvl="1"/>
-            <a:r>
-              <a:rPr lang="en-US" dirty="0"/>
-              <a:t>Scores low compared to other algorithms GAT or GCN. </a:t>
-            </a:r>
-          </a:p>
-          <a:p>
-            <a:pPr lvl="1"/>
-            <a:r>
-              <a:rPr lang="en-US" dirty="0"/>
-              <a:t>This might be because of implementation of the algorithms and the used dataset in the given project</a:t>
-            </a:r>
-          </a:p>
-        </p:txBody>
-      </p:sp>
-    </p:spTree>
-    <p:extLst>
-      <p:ext uri="{BB962C8B-B14F-4D97-AF65-F5344CB8AC3E}">
-        <p14:creationId xmlns:p14="http://schemas.microsoft.com/office/powerpoint/2010/main" val="3910127645"/>
-      </p:ext>
-    </p:extLst>
-  </p:cSld>
-  <p:clrMapOvr>
-    <a:masterClrMapping/>
-  </p:clrMapOvr>
-</p:sld>
-</file>
-
-<file path=ppt/slides/slide21.xml><?xml version="1.0" encoding="utf-8"?>
-<p:sld xmlns:a="http://schemas.openxmlformats.org/drawingml/2006/main" xmlns:r="http://schemas.openxmlformats.org/officeDocument/2006/relationships" xmlns:p="http://schemas.openxmlformats.org/presentationml/2006/main">
-  <p:cSld>
-    <p:spTree>
-      <p:nvGrpSpPr>
-        <p:cNvPr id="1" name=""/>
-        <p:cNvGrpSpPr/>
-        <p:nvPr/>
-      </p:nvGrpSpPr>
-      <p:grpSpPr>
-        <a:xfrm>
-          <a:off x="0" y="0"/>
-          <a:ext cx="0" cy="0"/>
-          <a:chOff x="0" y="0"/>
-          <a:chExt cx="0" cy="0"/>
-        </a:xfrm>
-      </p:grpSpPr>
-      <p:sp>
-        <p:nvSpPr>
-          <p:cNvPr id="2" name="Title 1">
-            <a:extLst>
-              <a:ext uri="{FF2B5EF4-FFF2-40B4-BE49-F238E27FC236}">
-                <a16:creationId xmlns:a16="http://schemas.microsoft.com/office/drawing/2014/main" id="{BBAAF3EE-A325-1808-B134-6BD14F843F37}"/>
-              </a:ext>
-            </a:extLst>
-          </p:cNvPr>
-          <p:cNvSpPr>
-            <a:spLocks noGrp="1"/>
-          </p:cNvSpPr>
-          <p:nvPr>
-            <p:ph type="title"/>
-          </p:nvPr>
-        </p:nvSpPr>
-        <p:spPr/>
-        <p:txBody>
-          <a:bodyPr/>
-          <a:lstStyle/>
-          <a:p>
-            <a:r>
-              <a:rPr lang="en-US" dirty="0"/>
-              <a:t>Reference</a:t>
-            </a:r>
-          </a:p>
-        </p:txBody>
-      </p:sp>
-      <p:sp>
-        <p:nvSpPr>
-          <p:cNvPr id="3" name="Content Placeholder 2">
-            <a:extLst>
-              <a:ext uri="{FF2B5EF4-FFF2-40B4-BE49-F238E27FC236}">
-                <a16:creationId xmlns:a16="http://schemas.microsoft.com/office/drawing/2014/main" id="{BAAB5C8E-FE35-41FA-0288-8C60A2DB752D}"/>
-              </a:ext>
-            </a:extLst>
-          </p:cNvPr>
-          <p:cNvSpPr>
-            <a:spLocks noGrp="1"/>
-          </p:cNvSpPr>
-          <p:nvPr>
-            <p:ph idx="1"/>
-          </p:nvPr>
-        </p:nvSpPr>
-        <p:spPr/>
-        <p:txBody>
-          <a:bodyPr/>
-          <a:lstStyle/>
-          <a:p>
-            <a:r>
-              <a:rPr lang="en-US" dirty="0" err="1"/>
-              <a:t>dedekinds</a:t>
-            </a:r>
-            <a:r>
-              <a:rPr lang="en-US" dirty="0"/>
-              <a:t> (Spring 2018), </a:t>
-            </a:r>
-            <a:r>
-              <a:rPr lang="en-US" dirty="0">
-                <a:hlinkClick r:id="rId3"/>
-              </a:rPr>
-              <a:t>Graph-Embedding</a:t>
-            </a:r>
-            <a:endParaRPr lang="en-US" dirty="0"/>
-          </a:p>
-          <a:p>
-            <a:r>
-              <a:rPr lang="en-US" b="0" i="0" dirty="0" err="1">
-                <a:solidFill>
-                  <a:srgbClr val="1F2328"/>
-                </a:solidFill>
-                <a:effectLst/>
-                <a:latin typeface="-apple-system"/>
-              </a:rPr>
-              <a:t>DeepWalk</a:t>
-            </a:r>
-            <a:r>
-              <a:rPr lang="en-US" b="0" i="0" dirty="0">
-                <a:solidFill>
-                  <a:srgbClr val="1F2328"/>
-                </a:solidFill>
-                <a:effectLst/>
-                <a:latin typeface="-apple-system"/>
-              </a:rPr>
-              <a:t>: Online Learning of Social Representations. Bryan </a:t>
-            </a:r>
-            <a:r>
-              <a:rPr lang="en-US" b="0" i="0" dirty="0" err="1">
-                <a:solidFill>
-                  <a:srgbClr val="1F2328"/>
-                </a:solidFill>
-                <a:effectLst/>
-                <a:latin typeface="-apple-system"/>
-              </a:rPr>
-              <a:t>Perozzi</a:t>
-            </a:r>
-            <a:r>
-              <a:rPr lang="en-US" b="0" i="0" dirty="0">
-                <a:solidFill>
-                  <a:srgbClr val="1F2328"/>
-                </a:solidFill>
-                <a:effectLst/>
-                <a:latin typeface="-apple-system"/>
-              </a:rPr>
-              <a:t>, Rami Al-</a:t>
-            </a:r>
-            <a:r>
-              <a:rPr lang="en-US" b="0" i="0" dirty="0" err="1">
-                <a:solidFill>
-                  <a:srgbClr val="1F2328"/>
-                </a:solidFill>
-                <a:effectLst/>
-                <a:latin typeface="-apple-system"/>
-              </a:rPr>
-              <a:t>Rfou</a:t>
-            </a:r>
-            <a:r>
-              <a:rPr lang="en-US" b="0" i="0" dirty="0">
-                <a:solidFill>
-                  <a:srgbClr val="1F2328"/>
-                </a:solidFill>
-                <a:effectLst/>
-                <a:latin typeface="-apple-system"/>
-              </a:rPr>
-              <a:t>, Steven </a:t>
-            </a:r>
-            <a:r>
-              <a:rPr lang="en-US" b="0" i="0" dirty="0" err="1">
-                <a:solidFill>
-                  <a:srgbClr val="1F2328"/>
-                </a:solidFill>
-                <a:effectLst/>
-                <a:latin typeface="-apple-system"/>
-              </a:rPr>
-              <a:t>Skiena</a:t>
-            </a:r>
-            <a:r>
-              <a:rPr lang="en-US" b="0" i="0" dirty="0">
-                <a:solidFill>
-                  <a:srgbClr val="1F2328"/>
-                </a:solidFill>
-                <a:effectLst/>
-                <a:latin typeface="-apple-system"/>
-              </a:rPr>
-              <a:t>. KDD 2014.</a:t>
-            </a:r>
-          </a:p>
-          <a:p>
-            <a:r>
-              <a:rPr lang="en-US" b="0" i="0" dirty="0">
-                <a:solidFill>
-                  <a:srgbClr val="1F2328"/>
-                </a:solidFill>
-                <a:effectLst/>
-                <a:latin typeface="-apple-system"/>
-              </a:rPr>
-              <a:t>node2vec: Scalable Feature Learning for Networks. Aditya Grover, Jure </a:t>
-            </a:r>
-            <a:r>
-              <a:rPr lang="en-US" b="0" i="0" dirty="0" err="1">
-                <a:solidFill>
-                  <a:srgbClr val="1F2328"/>
-                </a:solidFill>
-                <a:effectLst/>
-                <a:latin typeface="-apple-system"/>
-              </a:rPr>
-              <a:t>Leskovec</a:t>
-            </a:r>
-            <a:r>
-              <a:rPr lang="en-US" b="0" i="0" dirty="0">
-                <a:solidFill>
-                  <a:srgbClr val="1F2328"/>
-                </a:solidFill>
-                <a:effectLst/>
-                <a:latin typeface="-apple-system"/>
-              </a:rPr>
-              <a:t>. KDD 2016</a:t>
-            </a:r>
-          </a:p>
-          <a:p>
-            <a:r>
-              <a:rPr lang="en-US" b="0" i="0" dirty="0">
-                <a:solidFill>
-                  <a:srgbClr val="1F2328"/>
-                </a:solidFill>
-                <a:effectLst/>
-                <a:latin typeface="-apple-system"/>
-                <a:hlinkClick r:id="rId4"/>
-              </a:rPr>
-              <a:t>Deep Walk and Node2Vec: Graph Embeddings</a:t>
-            </a:r>
-            <a:r>
-              <a:rPr lang="en-US" b="0" i="0" dirty="0">
-                <a:solidFill>
-                  <a:srgbClr val="1F2328"/>
-                </a:solidFill>
-                <a:effectLst/>
-                <a:latin typeface="-apple-system"/>
-              </a:rPr>
-              <a:t>, Tejpal Kumawat, medium, 2023</a:t>
-            </a:r>
-          </a:p>
-          <a:p>
-            <a:r>
-              <a:rPr lang="en-US" dirty="0">
-                <a:hlinkClick r:id="rId5"/>
-              </a:rPr>
-              <a:t>Skip-Gram Word2Vec Algorithm</a:t>
-            </a:r>
-            <a:r>
-              <a:rPr lang="en-US" dirty="0"/>
-              <a:t>, Ido </a:t>
-            </a:r>
-            <a:r>
-              <a:rPr lang="en-US" dirty="0" err="1"/>
-              <a:t>Leshem</a:t>
-            </a:r>
-            <a:r>
-              <a:rPr lang="en-US" dirty="0"/>
-              <a:t>, medium, 2023</a:t>
-            </a:r>
-          </a:p>
-          <a:p>
-            <a:endParaRPr lang="en-US" dirty="0"/>
-          </a:p>
-        </p:txBody>
-      </p:sp>
-    </p:spTree>
-    <p:extLst>
-      <p:ext uri="{BB962C8B-B14F-4D97-AF65-F5344CB8AC3E}">
-        <p14:creationId xmlns:p14="http://schemas.microsoft.com/office/powerpoint/2010/main" val="3921531051"/>
-      </p:ext>
-    </p:extLst>
-  </p:cSld>
-  <p:clrMapOvr>
-    <a:masterClrMapping/>
-  </p:clrMapOvr>
-</p:sld>
-</file>
-
-<file path=ppt/slides/slide3.xml><?xml version="1.0" encoding="utf-8"?>
-<p:sld xmlns:a="http://schemas.openxmlformats.org/drawingml/2006/main" xmlns:r="http://schemas.openxmlformats.org/officeDocument/2006/relationships" xmlns:p="http://schemas.openxmlformats.org/presentationml/2006/main">
-  <p:cSld>
-    <p:spTree>
-      <p:nvGrpSpPr>
-        <p:cNvPr id="1" name=""/>
-        <p:cNvGrpSpPr/>
-        <p:nvPr/>
-      </p:nvGrpSpPr>
-      <p:grpSpPr>
-        <a:xfrm>
-          <a:off x="0" y="0"/>
-          <a:ext cx="0" cy="0"/>
-          <a:chOff x="0" y="0"/>
-          <a:chExt cx="0" cy="0"/>
-        </a:xfrm>
-      </p:grpSpPr>
-      <p:sp>
-        <p:nvSpPr>
-          <p:cNvPr id="2" name="Title 1">
-            <a:extLst>
-              <a:ext uri="{FF2B5EF4-FFF2-40B4-BE49-F238E27FC236}">
-                <a16:creationId xmlns:a16="http://schemas.microsoft.com/office/drawing/2014/main" id="{18078138-57BE-DF9B-D50C-9250C2C87CC7}"/>
-              </a:ext>
-            </a:extLst>
-          </p:cNvPr>
-          <p:cNvSpPr>
-            <a:spLocks noGrp="1"/>
-          </p:cNvSpPr>
-          <p:nvPr>
-            <p:ph type="title"/>
-          </p:nvPr>
-        </p:nvSpPr>
-        <p:spPr/>
-        <p:txBody>
-          <a:bodyPr/>
-          <a:lstStyle/>
-          <a:p>
-            <a:r>
-              <a:rPr lang="en-US" dirty="0"/>
-              <a:t>Introduction</a:t>
-            </a:r>
-          </a:p>
-        </p:txBody>
-      </p:sp>
-      <p:sp>
-        <p:nvSpPr>
-          <p:cNvPr id="3" name="Content Placeholder 2">
-            <a:extLst>
-              <a:ext uri="{FF2B5EF4-FFF2-40B4-BE49-F238E27FC236}">
-                <a16:creationId xmlns:a16="http://schemas.microsoft.com/office/drawing/2014/main" id="{C4235CA1-C10C-D481-551D-2E63768D84AE}"/>
-              </a:ext>
-            </a:extLst>
-          </p:cNvPr>
-          <p:cNvSpPr>
-            <a:spLocks noGrp="1"/>
-          </p:cNvSpPr>
-          <p:nvPr>
-            <p:ph idx="1"/>
-          </p:nvPr>
-        </p:nvSpPr>
-        <p:spPr/>
-        <p:txBody>
-          <a:bodyPr/>
-          <a:lstStyle/>
-          <a:p>
-            <a:r>
-              <a:rPr lang="en-US" dirty="0"/>
-              <a:t>This is the works for the final project of the “Data Mining and Learning systems“ course in Braude College (Winter 2025)</a:t>
-            </a:r>
-          </a:p>
-          <a:p>
-            <a:r>
-              <a:rPr lang="en-US" dirty="0"/>
-              <a:t>We’ll explain the implementation of two network graph embedding algorithms (</a:t>
-            </a:r>
-            <a:r>
-              <a:rPr lang="en-US" dirty="0" err="1"/>
-              <a:t>Deepwalk</a:t>
-            </a:r>
-            <a:r>
-              <a:rPr lang="en-US" dirty="0"/>
-              <a:t>, node2vec) for one dataset (Cora)</a:t>
-            </a:r>
-          </a:p>
-        </p:txBody>
-      </p:sp>
-      <p:pic>
-        <p:nvPicPr>
-          <p:cNvPr id="4" name="Picture 3" descr="A diagram of a network&#10;&#10;Description automatically generated">
-            <a:extLst>
-              <a:ext uri="{FF2B5EF4-FFF2-40B4-BE49-F238E27FC236}">
-                <a16:creationId xmlns:a16="http://schemas.microsoft.com/office/drawing/2014/main" id="{89C54C7E-0F64-CAC4-7705-684A473BC2C4}"/>
-              </a:ext>
-            </a:extLst>
-          </p:cNvPr>
-          <p:cNvPicPr>
-            <a:picLocks noChangeAspect="1"/>
-          </p:cNvPicPr>
-          <p:nvPr/>
-        </p:nvPicPr>
-        <p:blipFill>
-          <a:blip r:embed="rId3">
-            <a:extLst>
-              <a:ext uri="{28A0092B-C50C-407E-A947-70E740481C1C}">
-                <a14:useLocalDpi xmlns:a14="http://schemas.microsoft.com/office/drawing/2010/main" val="0"/>
-              </a:ext>
-            </a:extLst>
-          </a:blip>
-          <a:stretch>
-            <a:fillRect/>
-          </a:stretch>
-        </p:blipFill>
-        <p:spPr>
-          <a:xfrm>
-            <a:off x="6174463" y="3713884"/>
-            <a:ext cx="5628083" cy="2921523"/>
-          </a:xfrm>
-          <a:prstGeom prst="rect">
-            <a:avLst/>
-          </a:prstGeom>
-        </p:spPr>
-      </p:pic>
-    </p:spTree>
-    <p:extLst>
-      <p:ext uri="{BB962C8B-B14F-4D97-AF65-F5344CB8AC3E}">
-        <p14:creationId xmlns:p14="http://schemas.microsoft.com/office/powerpoint/2010/main" val="2956746925"/>
-      </p:ext>
-    </p:extLst>
-  </p:cSld>
-  <p:clrMapOvr>
-    <a:masterClrMapping/>
-  </p:clrMapOvr>
-</p:sld>
-</file>
-
-<file path=ppt/slides/slide4.xml><?xml version="1.0" encoding="utf-8"?>
-<p:sld xmlns:a="http://schemas.openxmlformats.org/drawingml/2006/main" xmlns:r="http://schemas.openxmlformats.org/officeDocument/2006/relationships" xmlns:p="http://schemas.openxmlformats.org/presentationml/2006/main">
-  <p:cSld>
-    <p:spTree>
-      <p:nvGrpSpPr>
-        <p:cNvPr id="1" name=""/>
-        <p:cNvGrpSpPr/>
-        <p:nvPr/>
-      </p:nvGrpSpPr>
-      <p:grpSpPr>
-        <a:xfrm>
-          <a:off x="0" y="0"/>
-          <a:ext cx="0" cy="0"/>
-          <a:chOff x="0" y="0"/>
-          <a:chExt cx="0" cy="0"/>
-        </a:xfrm>
-      </p:grpSpPr>
-      <p:sp>
-        <p:nvSpPr>
-          <p:cNvPr id="2" name="Title 1">
-            <a:extLst>
-              <a:ext uri="{FF2B5EF4-FFF2-40B4-BE49-F238E27FC236}">
-                <a16:creationId xmlns:a16="http://schemas.microsoft.com/office/drawing/2014/main" id="{08DB4D8B-1766-3B49-6576-74D138A112C9}"/>
-              </a:ext>
-            </a:extLst>
-          </p:cNvPr>
-          <p:cNvSpPr>
-            <a:spLocks noGrp="1"/>
-          </p:cNvSpPr>
-          <p:nvPr>
-            <p:ph type="title"/>
-          </p:nvPr>
-        </p:nvSpPr>
-        <p:spPr/>
-        <p:txBody>
-          <a:bodyPr/>
-          <a:lstStyle/>
-          <a:p>
-            <a:r>
-              <a:rPr lang="en-US" dirty="0"/>
-              <a:t>Problem definition</a:t>
-            </a:r>
-          </a:p>
-        </p:txBody>
-      </p:sp>
-      <p:sp>
-        <p:nvSpPr>
-          <p:cNvPr id="3" name="Content Placeholder 2">
-            <a:extLst>
-              <a:ext uri="{FF2B5EF4-FFF2-40B4-BE49-F238E27FC236}">
-                <a16:creationId xmlns:a16="http://schemas.microsoft.com/office/drawing/2014/main" id="{85BF1240-887E-5893-C0DD-57704624E0AB}"/>
-              </a:ext>
-            </a:extLst>
-          </p:cNvPr>
-          <p:cNvSpPr>
-            <a:spLocks noGrp="1"/>
-          </p:cNvSpPr>
-          <p:nvPr>
-            <p:ph idx="1"/>
-          </p:nvPr>
-        </p:nvSpPr>
-        <p:spPr/>
-        <p:txBody>
-          <a:bodyPr>
-            <a:normAutofit/>
-          </a:bodyPr>
-          <a:lstStyle/>
-          <a:p>
-            <a:pPr marL="0" indent="0">
-              <a:buNone/>
-            </a:pPr>
-            <a:r>
-              <a:rPr lang="en-US" dirty="0"/>
-              <a:t>Graph embedding represents graph data as low-dimensional vectors, capturing its structure and relationships for easier use in machine learning tasks.</a:t>
-            </a:r>
-          </a:p>
-        </p:txBody>
-      </p:sp>
-      <p:pic>
-        <p:nvPicPr>
-          <p:cNvPr id="4" name="Picture 3" descr="A colorful ball of dots&#10;&#10;Description automatically generated with medium confidence">
-            <a:extLst>
-              <a:ext uri="{FF2B5EF4-FFF2-40B4-BE49-F238E27FC236}">
-                <a16:creationId xmlns:a16="http://schemas.microsoft.com/office/drawing/2014/main" id="{DC4A6EE0-974A-326F-2566-2FDF94EC5078}"/>
-              </a:ext>
-            </a:extLst>
-          </p:cNvPr>
-          <p:cNvPicPr>
-            <a:picLocks noChangeAspect="1"/>
-          </p:cNvPicPr>
-          <p:nvPr/>
-        </p:nvPicPr>
-        <p:blipFill>
-          <a:blip r:embed="rId2">
-            <a:extLst>
-              <a:ext uri="{28A0092B-C50C-407E-A947-70E740481C1C}">
-                <a14:useLocalDpi xmlns:a14="http://schemas.microsoft.com/office/drawing/2010/main" val="0"/>
-              </a:ext>
-            </a:extLst>
-          </a:blip>
-          <a:srcRect l="7736" t="8191" r="6465" b="4947"/>
-          <a:stretch/>
-        </p:blipFill>
-        <p:spPr>
-          <a:xfrm>
-            <a:off x="8010525" y="2601692"/>
-            <a:ext cx="4075851" cy="4211378"/>
-          </a:xfrm>
-          <a:prstGeom prst="rect">
-            <a:avLst/>
-          </a:prstGeom>
-        </p:spPr>
-      </p:pic>
-      <p:pic>
-        <p:nvPicPr>
-          <p:cNvPr id="6" name="Picture 5">
-            <a:extLst>
-              <a:ext uri="{FF2B5EF4-FFF2-40B4-BE49-F238E27FC236}">
-                <a16:creationId xmlns:a16="http://schemas.microsoft.com/office/drawing/2014/main" id="{5B10D5EC-9A27-25F7-84E4-7F0DAB2739A5}"/>
-              </a:ext>
-            </a:extLst>
-          </p:cNvPr>
-          <p:cNvPicPr>
-            <a:picLocks noChangeAspect="1"/>
-          </p:cNvPicPr>
-          <p:nvPr/>
-        </p:nvPicPr>
-        <p:blipFill>
-          <a:blip r:embed="rId3">
-            <a:extLst>
-              <a:ext uri="{28A0092B-C50C-407E-A947-70E740481C1C}">
-                <a14:useLocalDpi xmlns:a14="http://schemas.microsoft.com/office/drawing/2010/main" val="0"/>
-              </a:ext>
-            </a:extLst>
-          </a:blip>
-          <a:stretch>
-            <a:fillRect/>
-          </a:stretch>
-        </p:blipFill>
-        <p:spPr>
-          <a:xfrm>
-            <a:off x="289500" y="3310997"/>
-            <a:ext cx="7620392" cy="3422826"/>
-          </a:xfrm>
-          <a:prstGeom prst="rect">
-            <a:avLst/>
-          </a:prstGeom>
-        </p:spPr>
-      </p:pic>
-    </p:spTree>
-    <p:extLst>
-      <p:ext uri="{BB962C8B-B14F-4D97-AF65-F5344CB8AC3E}">
-        <p14:creationId xmlns:p14="http://schemas.microsoft.com/office/powerpoint/2010/main" val="2027752319"/>
-      </p:ext>
-    </p:extLst>
-  </p:cSld>
-  <p:clrMapOvr>
-    <a:masterClrMapping/>
-  </p:clrMapOvr>
-</p:sld>
-</file>
-
-<file path=ppt/slides/slide5.xml><?xml version="1.0" encoding="utf-8"?>
-<p:sld xmlns:a="http://schemas.openxmlformats.org/drawingml/2006/main" xmlns:r="http://schemas.openxmlformats.org/officeDocument/2006/relationships" xmlns:p="http://schemas.openxmlformats.org/presentationml/2006/main">
-  <p:cSld>
-    <p:spTree>
-      <p:nvGrpSpPr>
-        <p:cNvPr id="1" name=""/>
-        <p:cNvGrpSpPr/>
-        <p:nvPr/>
-      </p:nvGrpSpPr>
-      <p:grpSpPr>
-        <a:xfrm>
-          <a:off x="0" y="0"/>
-          <a:ext cx="0" cy="0"/>
-          <a:chOff x="0" y="0"/>
-          <a:chExt cx="0" cy="0"/>
-        </a:xfrm>
-      </p:grpSpPr>
-      <p:sp>
-        <p:nvSpPr>
-          <p:cNvPr id="2" name="Title 1">
-            <a:extLst>
-              <a:ext uri="{FF2B5EF4-FFF2-40B4-BE49-F238E27FC236}">
-                <a16:creationId xmlns:a16="http://schemas.microsoft.com/office/drawing/2014/main" id="{6AF6A762-E7DB-BF0D-D42B-D6F51D8A80A3}"/>
-              </a:ext>
-            </a:extLst>
-          </p:cNvPr>
-          <p:cNvSpPr>
-            <a:spLocks noGrp="1"/>
-          </p:cNvSpPr>
-          <p:nvPr>
-            <p:ph type="title"/>
-          </p:nvPr>
-        </p:nvSpPr>
-        <p:spPr/>
-        <p:txBody>
-          <a:bodyPr/>
-          <a:lstStyle/>
-          <a:p>
-            <a:r>
-              <a:rPr lang="en-US" dirty="0"/>
-              <a:t>Objective</a:t>
-            </a:r>
-          </a:p>
-        </p:txBody>
-      </p:sp>
-      <p:sp>
-        <p:nvSpPr>
-          <p:cNvPr id="3" name="Content Placeholder 2">
-            <a:extLst>
-              <a:ext uri="{FF2B5EF4-FFF2-40B4-BE49-F238E27FC236}">
-                <a16:creationId xmlns:a16="http://schemas.microsoft.com/office/drawing/2014/main" id="{8D3434EE-949A-CBD2-9ADF-3434170B9C82}"/>
-              </a:ext>
-            </a:extLst>
-          </p:cNvPr>
-          <p:cNvSpPr>
-            <a:spLocks noGrp="1"/>
-          </p:cNvSpPr>
-          <p:nvPr>
-            <p:ph idx="1"/>
-          </p:nvPr>
-        </p:nvSpPr>
-        <p:spPr>
-          <a:xfrm>
-            <a:off x="838200" y="1825625"/>
-            <a:ext cx="10515600" cy="1895349"/>
-          </a:xfrm>
-        </p:spPr>
-        <p:txBody>
-          <a:bodyPr/>
-          <a:lstStyle/>
-          <a:p>
-            <a:pPr marL="0" indent="0">
-              <a:buNone/>
-            </a:pPr>
-            <a:r>
-              <a:rPr lang="en-US" b="0" i="0" dirty="0">
-                <a:effectLst/>
-                <a:latin typeface="gg sans"/>
-              </a:rPr>
-              <a:t>Develop a graph embedding model that can transform nodes and edges</a:t>
-            </a:r>
-            <a:r>
-              <a:rPr lang="he-IL" b="0" i="0" dirty="0">
-                <a:effectLst/>
-                <a:latin typeface="gg sans"/>
-              </a:rPr>
-              <a:t> </a:t>
-            </a:r>
-            <a:r>
-              <a:rPr lang="en-US" b="0" i="0" dirty="0">
-                <a:effectLst/>
-                <a:latin typeface="gg sans"/>
-              </a:rPr>
-              <a:t>into meaningful vector representations. </a:t>
-            </a:r>
-            <a:br>
-              <a:rPr lang="en-US" b="0" i="0" dirty="0">
-                <a:effectLst/>
-                <a:latin typeface="gg sans"/>
-              </a:rPr>
-            </a:br>
-            <a:r>
-              <a:rPr lang="en-US" b="0" i="0" dirty="0">
-                <a:effectLst/>
-                <a:latin typeface="gg sans"/>
-              </a:rPr>
-              <a:t>These embeddings will be used to solve specific tasks such as node classification, link prediction, community detection, or graph clustering.</a:t>
-            </a:r>
-            <a:endParaRPr lang="en-US" b="0" i="0" dirty="0">
-              <a:effectLst/>
-              <a:latin typeface="inherit"/>
-            </a:endParaRPr>
-          </a:p>
-          <a:p>
-            <a:endParaRPr lang="en-US" dirty="0"/>
-          </a:p>
-        </p:txBody>
-      </p:sp>
-      <p:pic>
-        <p:nvPicPr>
-          <p:cNvPr id="5" name="Picture 4">
-            <a:extLst>
-              <a:ext uri="{FF2B5EF4-FFF2-40B4-BE49-F238E27FC236}">
-                <a16:creationId xmlns:a16="http://schemas.microsoft.com/office/drawing/2014/main" id="{B12B5D73-E75B-9EDA-1701-8F25D2C0CF7F}"/>
-              </a:ext>
-            </a:extLst>
-          </p:cNvPr>
-          <p:cNvPicPr>
-            <a:picLocks noChangeAspect="1"/>
-          </p:cNvPicPr>
-          <p:nvPr/>
-        </p:nvPicPr>
-        <p:blipFill>
-          <a:blip r:embed="rId2">
-            <a:extLst>
-              <a:ext uri="{28A0092B-C50C-407E-A947-70E740481C1C}">
-                <a14:useLocalDpi xmlns:a14="http://schemas.microsoft.com/office/drawing/2010/main" val="0"/>
-              </a:ext>
-            </a:extLst>
-          </a:blip>
-          <a:srcRect b="7895"/>
-          <a:stretch/>
-        </p:blipFill>
-        <p:spPr>
-          <a:xfrm>
-            <a:off x="8800582" y="3968624"/>
-            <a:ext cx="2962253" cy="2889376"/>
-          </a:xfrm>
-          <a:prstGeom prst="rect">
-            <a:avLst/>
-          </a:prstGeom>
-        </p:spPr>
-      </p:pic>
-    </p:spTree>
-    <p:extLst>
-      <p:ext uri="{BB962C8B-B14F-4D97-AF65-F5344CB8AC3E}">
-        <p14:creationId xmlns:p14="http://schemas.microsoft.com/office/powerpoint/2010/main" val="90187161"/>
-      </p:ext>
-    </p:extLst>
-  </p:cSld>
-  <p:clrMapOvr>
-    <a:masterClrMapping/>
-  </p:clrMapOvr>
-</p:sld>
-</file>
-
-<file path=ppt/slides/slide6.xml><?xml version="1.0" encoding="utf-8"?>
-<p:sld xmlns:a="http://schemas.openxmlformats.org/drawingml/2006/main" xmlns:r="http://schemas.openxmlformats.org/officeDocument/2006/relationships" xmlns:p="http://schemas.openxmlformats.org/presentationml/2006/main">
-  <p:cSld>
-    <p:spTree>
-      <p:nvGrpSpPr>
-        <p:cNvPr id="1" name=""/>
-        <p:cNvGrpSpPr/>
-        <p:nvPr/>
-      </p:nvGrpSpPr>
-      <p:grpSpPr>
-        <a:xfrm>
-          <a:off x="0" y="0"/>
-          <a:ext cx="0" cy="0"/>
-          <a:chOff x="0" y="0"/>
-          <a:chExt cx="0" cy="0"/>
-        </a:xfrm>
-      </p:grpSpPr>
-      <p:sp>
-        <p:nvSpPr>
-          <p:cNvPr id="2" name="Title 1">
-            <a:extLst>
-              <a:ext uri="{FF2B5EF4-FFF2-40B4-BE49-F238E27FC236}">
-                <a16:creationId xmlns:a16="http://schemas.microsoft.com/office/drawing/2014/main" id="{D273FEEE-FA37-13DA-F376-3495184CC6A8}"/>
-              </a:ext>
-            </a:extLst>
-          </p:cNvPr>
-          <p:cNvSpPr>
-            <a:spLocks noGrp="1"/>
-          </p:cNvSpPr>
-          <p:nvPr>
-            <p:ph type="title"/>
-          </p:nvPr>
-        </p:nvSpPr>
-        <p:spPr/>
-        <p:txBody>
-          <a:bodyPr/>
-          <a:lstStyle/>
-          <a:p>
-            <a:r>
-              <a:rPr lang="en-US" dirty="0"/>
-              <a:t>Examples of Graph-Embedding Usage</a:t>
-            </a:r>
-          </a:p>
-        </p:txBody>
-      </p:sp>
-      <p:sp>
-        <p:nvSpPr>
-          <p:cNvPr id="3" name="Content Placeholder 2">
-            <a:extLst>
-              <a:ext uri="{FF2B5EF4-FFF2-40B4-BE49-F238E27FC236}">
-                <a16:creationId xmlns:a16="http://schemas.microsoft.com/office/drawing/2014/main" id="{01BC83A0-D45F-5152-F20F-66B07C3B5586}"/>
-              </a:ext>
-            </a:extLst>
-          </p:cNvPr>
-          <p:cNvSpPr>
-            <a:spLocks noGrp="1"/>
-          </p:cNvSpPr>
-          <p:nvPr>
-            <p:ph idx="1"/>
-          </p:nvPr>
-        </p:nvSpPr>
-        <p:spPr/>
-        <p:txBody>
-          <a:bodyPr/>
-          <a:lstStyle/>
-          <a:p>
-            <a:r>
-              <a:rPr lang="en-US" b="0" i="0" dirty="0">
-                <a:effectLst/>
-                <a:latin typeface="inherit"/>
-              </a:rPr>
-              <a:t>Social Media Platforms (</a:t>
-            </a:r>
-            <a:r>
-              <a:rPr lang="en-US" b="0" i="0" dirty="0">
-                <a:effectLst/>
-                <a:latin typeface="gg sans"/>
-              </a:rPr>
-              <a:t>Facebook, Twitter, LinkedIn)</a:t>
-            </a:r>
-            <a:r>
-              <a:rPr lang="en-US" dirty="0">
-                <a:latin typeface="inherit"/>
-              </a:rPr>
-              <a:t> </a:t>
-            </a:r>
-          </a:p>
-          <a:p>
-            <a:pPr lvl="1"/>
-            <a:r>
-              <a:rPr lang="en-US" dirty="0">
-                <a:latin typeface="inherit"/>
-              </a:rPr>
-              <a:t>P</a:t>
-            </a:r>
-            <a:r>
-              <a:rPr lang="en-US" b="0" i="0" dirty="0">
-                <a:effectLst/>
-                <a:latin typeface="gg sans"/>
-              </a:rPr>
-              <a:t>redict friendship connections based on interactions.</a:t>
-            </a:r>
-          </a:p>
-          <a:p>
-            <a:r>
-              <a:rPr lang="en-US" dirty="0">
-                <a:latin typeface="gg sans"/>
-              </a:rPr>
-              <a:t>Streaming services (Netflix, YouTube) </a:t>
-            </a:r>
-          </a:p>
-          <a:p>
-            <a:pPr lvl="1"/>
-            <a:r>
-              <a:rPr lang="en-US" dirty="0">
-                <a:latin typeface="gg sans"/>
-              </a:rPr>
-              <a:t>Recommend videos based on past viewing.</a:t>
-            </a:r>
-            <a:endParaRPr lang="en-US" b="0" i="0" dirty="0">
-              <a:effectLst/>
-              <a:latin typeface="gg sans"/>
-            </a:endParaRPr>
-          </a:p>
-          <a:p>
-            <a:r>
-              <a:rPr lang="en-US" dirty="0">
-                <a:latin typeface="gg sans"/>
-              </a:rPr>
-              <a:t>Academy Research</a:t>
-            </a:r>
-          </a:p>
-          <a:p>
-            <a:pPr lvl="1"/>
-            <a:r>
-              <a:rPr lang="en-US" dirty="0">
-                <a:latin typeface="gg sans"/>
-              </a:rPr>
-              <a:t> Use </a:t>
-            </a:r>
-            <a:r>
-              <a:rPr lang="en-US" b="0" i="0" dirty="0">
-                <a:effectLst/>
-                <a:latin typeface="gg sans"/>
-              </a:rPr>
-              <a:t>citation networks to classify research papers.</a:t>
-            </a:r>
-            <a:endParaRPr lang="en-US" dirty="0"/>
-          </a:p>
-        </p:txBody>
-      </p:sp>
-      <p:pic>
-        <p:nvPicPr>
-          <p:cNvPr id="7" name="Picture 6" descr="A diagram of people connected to each other&#10;&#10;Description automatically generated">
-            <a:extLst>
-              <a:ext uri="{FF2B5EF4-FFF2-40B4-BE49-F238E27FC236}">
-                <a16:creationId xmlns:a16="http://schemas.microsoft.com/office/drawing/2014/main" id="{A0B8CD3B-0F3D-9588-85E3-8520866A7280}"/>
-              </a:ext>
-            </a:extLst>
-          </p:cNvPr>
-          <p:cNvPicPr>
-            <a:picLocks noChangeAspect="1"/>
-          </p:cNvPicPr>
-          <p:nvPr/>
-        </p:nvPicPr>
-        <p:blipFill>
-          <a:blip r:embed="rId2">
-            <a:extLst>
-              <a:ext uri="{28A0092B-C50C-407E-A947-70E740481C1C}">
-                <a14:useLocalDpi xmlns:a14="http://schemas.microsoft.com/office/drawing/2010/main" val="0"/>
-              </a:ext>
-            </a:extLst>
-          </a:blip>
-          <a:stretch>
-            <a:fillRect/>
-          </a:stretch>
-        </p:blipFill>
-        <p:spPr>
-          <a:xfrm>
-            <a:off x="7695446" y="4510161"/>
-            <a:ext cx="4360597" cy="2234670"/>
-          </a:xfrm>
-          <a:prstGeom prst="rect">
-            <a:avLst/>
-          </a:prstGeom>
-        </p:spPr>
-      </p:pic>
-    </p:spTree>
-    <p:extLst>
-      <p:ext uri="{BB962C8B-B14F-4D97-AF65-F5344CB8AC3E}">
-        <p14:creationId xmlns:p14="http://schemas.microsoft.com/office/powerpoint/2010/main" val="2847816913"/>
-      </p:ext>
-    </p:extLst>
-  </p:cSld>
-  <p:clrMapOvr>
-    <a:masterClrMapping/>
-  </p:clrMapOvr>
-</p:sld>
-</file>
-
-<file path=ppt/slides/slide7.xml><?xml version="1.0" encoding="utf-8"?>
-<p:sld xmlns:a="http://schemas.openxmlformats.org/drawingml/2006/main" xmlns:r="http://schemas.openxmlformats.org/officeDocument/2006/relationships" xmlns:p="http://schemas.openxmlformats.org/presentationml/2006/main">
-  <p:cSld>
-    <p:spTree>
-      <p:nvGrpSpPr>
-        <p:cNvPr id="1" name="">
-          <a:extLst>
-            <a:ext uri="{FF2B5EF4-FFF2-40B4-BE49-F238E27FC236}">
-              <a16:creationId xmlns:a16="http://schemas.microsoft.com/office/drawing/2014/main" id="{A83FCB72-AB68-98B1-AFBB-23F319347ECF}"/>
-            </a:ext>
-          </a:extLst>
-        </p:cNvPr>
-        <p:cNvGrpSpPr/>
-        <p:nvPr/>
-      </p:nvGrpSpPr>
-      <p:grpSpPr>
-        <a:xfrm>
-          <a:off x="0" y="0"/>
-          <a:ext cx="0" cy="0"/>
-          <a:chOff x="0" y="0"/>
-          <a:chExt cx="0" cy="0"/>
-        </a:xfrm>
-      </p:grpSpPr>
-      <p:sp>
-        <p:nvSpPr>
-          <p:cNvPr id="2" name="Title 1">
-            <a:extLst>
-              <a:ext uri="{FF2B5EF4-FFF2-40B4-BE49-F238E27FC236}">
-                <a16:creationId xmlns:a16="http://schemas.microsoft.com/office/drawing/2014/main" id="{1217C084-0B18-854A-3C8B-7D0B6C04A720}"/>
-              </a:ext>
-            </a:extLst>
-          </p:cNvPr>
-          <p:cNvSpPr>
-            <a:spLocks noGrp="1"/>
-          </p:cNvSpPr>
-          <p:nvPr>
-            <p:ph type="title"/>
-          </p:nvPr>
-        </p:nvSpPr>
-        <p:spPr/>
-        <p:txBody>
-          <a:bodyPr/>
-          <a:lstStyle/>
-          <a:p>
-            <a:r>
-              <a:rPr lang="en-US" dirty="0"/>
-              <a:t>Analyze the dataset</a:t>
-            </a:r>
-          </a:p>
-        </p:txBody>
-      </p:sp>
-      <p:sp>
-        <p:nvSpPr>
-          <p:cNvPr id="3" name="Content Placeholder 2">
-            <a:extLst>
-              <a:ext uri="{FF2B5EF4-FFF2-40B4-BE49-F238E27FC236}">
-                <a16:creationId xmlns:a16="http://schemas.microsoft.com/office/drawing/2014/main" id="{8B3205D7-C590-8DF6-B2CB-4E740B3CD305}"/>
-              </a:ext>
-            </a:extLst>
-          </p:cNvPr>
-          <p:cNvSpPr>
-            <a:spLocks noGrp="1"/>
-          </p:cNvSpPr>
-          <p:nvPr>
-            <p:ph idx="1"/>
-          </p:nvPr>
-        </p:nvSpPr>
-        <p:spPr/>
-        <p:txBody>
-          <a:bodyPr>
-            <a:normAutofit fontScale="92500" lnSpcReduction="20000"/>
-          </a:bodyPr>
-          <a:lstStyle/>
-          <a:p>
-            <a:pPr marL="0" indent="0">
-              <a:buNone/>
-            </a:pPr>
-            <a:r>
-              <a:rPr lang="en-US" dirty="0"/>
-              <a:t>The Cora dataset consists of Machine Learning papers. </a:t>
-            </a:r>
-          </a:p>
-          <a:p>
-            <a:pPr marL="0" indent="0">
-              <a:buNone/>
-            </a:pPr>
-            <a:r>
-              <a:rPr lang="en-US" dirty="0"/>
-              <a:t>There are 2708 papers.</a:t>
-            </a:r>
-          </a:p>
-          <a:p>
-            <a:pPr marL="0" indent="0">
-              <a:buNone/>
-            </a:pPr>
-            <a:r>
-              <a:rPr lang="en-US" dirty="0"/>
-              <a:t>These papers are classified into one of the following seven classes:</a:t>
-            </a:r>
-          </a:p>
-          <a:p>
-            <a:pPr marL="0" indent="0">
-              <a:buNone/>
-            </a:pPr>
-            <a:r>
-              <a:rPr lang="en-US" dirty="0"/>
-              <a:t>	- </a:t>
-            </a:r>
-            <a:r>
-              <a:rPr lang="en-US" dirty="0" err="1"/>
-              <a:t>Case_Based</a:t>
-            </a:r>
-            <a:endParaRPr lang="en-US" dirty="0"/>
-          </a:p>
-          <a:p>
-            <a:pPr marL="0" indent="0">
-              <a:buNone/>
-            </a:pPr>
-            <a:r>
-              <a:rPr lang="en-US" dirty="0"/>
-              <a:t>	- </a:t>
-            </a:r>
-            <a:r>
-              <a:rPr lang="en-US" dirty="0" err="1"/>
-              <a:t>Genetic_Algorithms</a:t>
-            </a:r>
-            <a:endParaRPr lang="en-US" dirty="0"/>
-          </a:p>
-          <a:p>
-            <a:pPr marL="0" indent="0">
-              <a:buNone/>
-            </a:pPr>
-            <a:r>
-              <a:rPr lang="en-US" dirty="0"/>
-              <a:t>	- </a:t>
-            </a:r>
-            <a:r>
-              <a:rPr lang="en-US" dirty="0" err="1"/>
-              <a:t>Neural_Networks</a:t>
-            </a:r>
-            <a:endParaRPr lang="en-US" dirty="0"/>
-          </a:p>
-          <a:p>
-            <a:pPr marL="0" indent="0">
-              <a:buNone/>
-            </a:pPr>
-            <a:r>
-              <a:rPr lang="en-US" dirty="0"/>
-              <a:t>	- </a:t>
-            </a:r>
-            <a:r>
-              <a:rPr lang="en-US" dirty="0" err="1"/>
-              <a:t>Probabilistic_Methods</a:t>
-            </a:r>
-            <a:endParaRPr lang="en-US" dirty="0"/>
-          </a:p>
-          <a:p>
-            <a:pPr marL="0" indent="0">
-              <a:buNone/>
-            </a:pPr>
-            <a:r>
-              <a:rPr lang="en-US" dirty="0"/>
-              <a:t>	- </a:t>
-            </a:r>
-            <a:r>
-              <a:rPr lang="en-US" dirty="0" err="1"/>
-              <a:t>Reinforcement_Learning</a:t>
-            </a:r>
-            <a:endParaRPr lang="en-US" dirty="0"/>
-          </a:p>
-          <a:p>
-            <a:pPr marL="0" indent="0">
-              <a:buNone/>
-            </a:pPr>
-            <a:r>
-              <a:rPr lang="en-US" dirty="0"/>
-              <a:t>	- </a:t>
-            </a:r>
-            <a:r>
-              <a:rPr lang="en-US" dirty="0" err="1"/>
-              <a:t>Rule_Learning</a:t>
-            </a:r>
-            <a:endParaRPr lang="en-US" dirty="0"/>
-          </a:p>
-          <a:p>
-            <a:pPr marL="0" indent="0">
-              <a:buNone/>
-            </a:pPr>
-            <a:r>
-              <a:rPr lang="en-US" dirty="0"/>
-              <a:t>	- Theory</a:t>
-            </a:r>
-          </a:p>
-        </p:txBody>
-      </p:sp>
-    </p:spTree>
-    <p:extLst>
-      <p:ext uri="{BB962C8B-B14F-4D97-AF65-F5344CB8AC3E}">
-        <p14:creationId xmlns:p14="http://schemas.microsoft.com/office/powerpoint/2010/main" val="2821804633"/>
-      </p:ext>
-    </p:extLst>
-  </p:cSld>
-  <p:clrMapOvr>
-    <a:masterClrMapping/>
-  </p:clrMapOvr>
-</p:sld>
-</file>
-
-<file path=ppt/slides/slide8.xml><?xml version="1.0" encoding="utf-8"?>
-<p:sld xmlns:a="http://schemas.openxmlformats.org/drawingml/2006/main" xmlns:r="http://schemas.openxmlformats.org/officeDocument/2006/relationships" xmlns:p="http://schemas.openxmlformats.org/presentationml/2006/main">
-  <p:cSld>
-    <p:spTree>
-      <p:nvGrpSpPr>
-        <p:cNvPr id="1" name="">
-          <a:extLst>
-            <a:ext uri="{FF2B5EF4-FFF2-40B4-BE49-F238E27FC236}">
-              <a16:creationId xmlns:a16="http://schemas.microsoft.com/office/drawing/2014/main" id="{11875901-9C47-2F85-5654-FD8AD2989050}"/>
-            </a:ext>
-          </a:extLst>
-        </p:cNvPr>
-        <p:cNvGrpSpPr/>
-        <p:nvPr/>
-      </p:nvGrpSpPr>
-      <p:grpSpPr>
-        <a:xfrm>
-          <a:off x="0" y="0"/>
-          <a:ext cx="0" cy="0"/>
-          <a:chOff x="0" y="0"/>
-          <a:chExt cx="0" cy="0"/>
-        </a:xfrm>
-      </p:grpSpPr>
-      <p:sp>
-        <p:nvSpPr>
-          <p:cNvPr id="2" name="Title 1">
-            <a:extLst>
-              <a:ext uri="{FF2B5EF4-FFF2-40B4-BE49-F238E27FC236}">
-                <a16:creationId xmlns:a16="http://schemas.microsoft.com/office/drawing/2014/main" id="{517FED0E-9ABF-4291-F04D-9FC122AECD17}"/>
-              </a:ext>
-            </a:extLst>
-          </p:cNvPr>
-          <p:cNvSpPr>
-            <a:spLocks noGrp="1"/>
-          </p:cNvSpPr>
-          <p:nvPr>
-            <p:ph type="title"/>
-          </p:nvPr>
-        </p:nvSpPr>
-        <p:spPr/>
-        <p:txBody>
-          <a:bodyPr/>
-          <a:lstStyle/>
-          <a:p>
-            <a:r>
-              <a:rPr lang="en-US" dirty="0"/>
-              <a:t>Analyze the dataset</a:t>
-            </a:r>
-          </a:p>
-        </p:txBody>
-      </p:sp>
-      <p:sp>
-        <p:nvSpPr>
-          <p:cNvPr id="3" name="Content Placeholder 2">
-            <a:extLst>
-              <a:ext uri="{FF2B5EF4-FFF2-40B4-BE49-F238E27FC236}">
-                <a16:creationId xmlns:a16="http://schemas.microsoft.com/office/drawing/2014/main" id="{4DC5F2B3-896B-9899-CC9F-859E09715514}"/>
-              </a:ext>
-            </a:extLst>
-          </p:cNvPr>
-          <p:cNvSpPr>
-            <a:spLocks noGrp="1"/>
-          </p:cNvSpPr>
-          <p:nvPr>
-            <p:ph idx="1"/>
-          </p:nvPr>
-        </p:nvSpPr>
-        <p:spPr/>
-        <p:txBody>
-          <a:bodyPr/>
-          <a:lstStyle/>
-          <a:p>
-            <a:r>
-              <a:rPr lang="en-US" dirty="0"/>
-              <a:t>After stemming and removing </a:t>
-            </a:r>
-            <a:r>
-              <a:rPr lang="en-US" dirty="0" err="1"/>
-              <a:t>stopwords</a:t>
-            </a:r>
-            <a:r>
-              <a:rPr lang="en-US" dirty="0"/>
-              <a:t> we were left with a vocabulary of size 1,433 unique words. </a:t>
-            </a:r>
-          </a:p>
-          <a:p>
-            <a:r>
-              <a:rPr lang="en-US" dirty="0"/>
-              <a:t>All words with document frequency less than 10 were removed.</a:t>
-            </a:r>
-          </a:p>
-        </p:txBody>
-      </p:sp>
-    </p:spTree>
-    <p:extLst>
-      <p:ext uri="{BB962C8B-B14F-4D97-AF65-F5344CB8AC3E}">
-        <p14:creationId xmlns:p14="http://schemas.microsoft.com/office/powerpoint/2010/main" val="667077126"/>
-      </p:ext>
-    </p:extLst>
-  </p:cSld>
-  <p:clrMapOvr>
-    <a:masterClrMapping/>
-  </p:clrMapOvr>
-</p:sld>
-</file>
-
-<file path=ppt/slides/slide9.xml><?xml version="1.0" encoding="utf-8"?>
-<p:sld xmlns:a="http://schemas.openxmlformats.org/drawingml/2006/main" xmlns:r="http://schemas.openxmlformats.org/officeDocument/2006/relationships" xmlns:p="http://schemas.openxmlformats.org/presentationml/2006/main">
-  <p:cSld>
-    <p:spTree>
-      <p:nvGrpSpPr>
-        <p:cNvPr id="1" name=""/>
-        <p:cNvGrpSpPr/>
-        <p:nvPr/>
-      </p:nvGrpSpPr>
-      <p:grpSpPr>
-        <a:xfrm>
-          <a:off x="0" y="0"/>
-          <a:ext cx="0" cy="0"/>
-          <a:chOff x="0" y="0"/>
-          <a:chExt cx="0" cy="0"/>
-        </a:xfrm>
-      </p:grpSpPr>
-      <p:sp>
-        <p:nvSpPr>
-          <p:cNvPr id="2" name="Title 1">
-            <a:extLst>
-              <a:ext uri="{FF2B5EF4-FFF2-40B4-BE49-F238E27FC236}">
-                <a16:creationId xmlns:a16="http://schemas.microsoft.com/office/drawing/2014/main" id="{0DABEC11-C084-2051-431D-2CFADD03DE67}"/>
-              </a:ext>
-            </a:extLst>
-          </p:cNvPr>
-          <p:cNvSpPr>
-            <a:spLocks noGrp="1"/>
-          </p:cNvSpPr>
-          <p:nvPr>
-            <p:ph type="title"/>
-          </p:nvPr>
-        </p:nvSpPr>
-        <p:spPr/>
-        <p:txBody>
-          <a:bodyPr/>
-          <a:lstStyle/>
-          <a:p>
-            <a:r>
-              <a:rPr lang="en-US" dirty="0"/>
-              <a:t>Analyze the dataset</a:t>
-            </a:r>
-          </a:p>
-        </p:txBody>
-      </p:sp>
-      <p:sp>
-        <p:nvSpPr>
-          <p:cNvPr id="3" name="Content Placeholder 2">
-            <a:extLst>
-              <a:ext uri="{FF2B5EF4-FFF2-40B4-BE49-F238E27FC236}">
-                <a16:creationId xmlns:a16="http://schemas.microsoft.com/office/drawing/2014/main" id="{C5CD3010-2F8E-309B-BBCE-F4403C5ABFAD}"/>
-              </a:ext>
-            </a:extLst>
-          </p:cNvPr>
-          <p:cNvSpPr>
-            <a:spLocks noGrp="1"/>
-          </p:cNvSpPr>
-          <p:nvPr>
-            <p:ph idx="1"/>
-          </p:nvPr>
-        </p:nvSpPr>
-        <p:spPr>
-          <a:xfrm>
-            <a:off x="838199" y="1475715"/>
-            <a:ext cx="11188485" cy="5382285"/>
-          </a:xfrm>
-        </p:spPr>
-        <p:txBody>
-          <a:bodyPr>
-            <a:normAutofit/>
-          </a:bodyPr>
-          <a:lstStyle/>
-          <a:p>
-            <a:pPr marL="0" indent="0">
-              <a:buNone/>
-            </a:pPr>
-            <a:r>
-              <a:rPr lang="en-US" dirty="0"/>
-              <a:t>The dataset consists of two files:</a:t>
-            </a:r>
-          </a:p>
-          <a:p>
-            <a:r>
-              <a:rPr lang="en-US" dirty="0" err="1"/>
-              <a:t>Cora.content</a:t>
-            </a:r>
-            <a:r>
-              <a:rPr lang="en-US" dirty="0"/>
-              <a:t>: (Papers as Nodes)</a:t>
-            </a:r>
-          </a:p>
-          <a:p>
-            <a:pPr lvl="1"/>
-            <a:r>
-              <a:rPr lang="en-US" dirty="0"/>
-              <a:t>Matrix of &lt;</a:t>
-            </a:r>
-            <a:r>
-              <a:rPr lang="en-US" dirty="0" err="1"/>
-              <a:t>paper_id</a:t>
-            </a:r>
-            <a:r>
-              <a:rPr lang="en-US" dirty="0"/>
-              <a:t>&gt;  &lt;word attributes&gt; &lt;class label&gt;</a:t>
-            </a:r>
-          </a:p>
-          <a:p>
-            <a:pPr lvl="1"/>
-            <a:r>
-              <a:rPr lang="en-US" dirty="0"/>
-              <a:t>Word attribute values are 0 or 1 whether each word is present in paper</a:t>
-            </a:r>
-          </a:p>
-          <a:p>
-            <a:pPr marL="457200" lvl="1" indent="0">
-              <a:buNone/>
-            </a:pPr>
-            <a:endParaRPr lang="en-US" dirty="0"/>
-          </a:p>
-          <a:p>
-            <a:pPr marL="457200" lvl="1" indent="0">
-              <a:buNone/>
-            </a:pPr>
-            <a:r>
-              <a:rPr lang="en-US" dirty="0"/>
-              <a:t>Example:</a:t>
-            </a:r>
-          </a:p>
-          <a:p>
-            <a:pPr marL="457200" lvl="1" indent="0">
-              <a:buNone/>
-            </a:pPr>
-            <a:endParaRPr lang="en-US" dirty="0"/>
-          </a:p>
-          <a:p>
-            <a:pPr marL="457200" lvl="1" indent="0">
-              <a:buNone/>
-            </a:pPr>
-            <a:endParaRPr lang="en-US" dirty="0"/>
-          </a:p>
-          <a:p>
-            <a:endParaRPr lang="en-US" dirty="0"/>
-          </a:p>
-          <a:p>
-            <a:r>
-              <a:rPr lang="en-US" dirty="0" err="1"/>
-              <a:t>Cora.cites</a:t>
-            </a:r>
-            <a:r>
-              <a:rPr lang="en-US" dirty="0"/>
-              <a:t>: (Cites as Edges)</a:t>
-            </a:r>
-          </a:p>
-          <a:p>
-            <a:pPr lvl="1"/>
-            <a:r>
-              <a:rPr lang="en-US" dirty="0"/>
-              <a:t>Matrix of  &lt;ID of cited paper&gt; &lt;ID of citing paper&gt;</a:t>
-            </a:r>
-          </a:p>
-          <a:p>
-            <a:pPr marL="457200" lvl="1" indent="0">
-              <a:buNone/>
-            </a:pPr>
-            <a:r>
-              <a:rPr lang="en-US" dirty="0"/>
-              <a:t>Example:  		35			1033</a:t>
-            </a:r>
-          </a:p>
-        </p:txBody>
-      </p:sp>
-      <p:sp>
-        <p:nvSpPr>
-          <p:cNvPr id="4" name="Content Placeholder 2">
-            <a:extLst>
-              <a:ext uri="{FF2B5EF4-FFF2-40B4-BE49-F238E27FC236}">
-                <a16:creationId xmlns:a16="http://schemas.microsoft.com/office/drawing/2014/main" id="{8F63E8F7-5862-19A0-1E9B-969BE79C0373}"/>
-              </a:ext>
-            </a:extLst>
-          </p:cNvPr>
-          <p:cNvSpPr txBox="1">
-            <a:spLocks/>
-          </p:cNvSpPr>
-          <p:nvPr/>
-        </p:nvSpPr>
-        <p:spPr>
-          <a:xfrm>
-            <a:off x="838198" y="5269424"/>
-            <a:ext cx="11188485" cy="1325562"/>
-          </a:xfrm>
-          <a:prstGeom prst="rect">
-            <a:avLst/>
-          </a:prstGeom>
-        </p:spPr>
-        <p:txBody>
-          <a:bodyPr vert="horz" lIns="91440" tIns="45720" rIns="91440" bIns="45720" rtlCol="0">
-            <a:normAutofit/>
-          </a:bodyPr>
-          <a:lstStyle>
-            <a:lvl1pPr marL="228600" indent="-228600" algn="l" defTabSz="914400" rtl="0" eaLnBrk="1" latinLnBrk="0" hangingPunct="1">
-              <a:lnSpc>
-                <a:spcPct val="90000"/>
-              </a:lnSpc>
-              <a:spcBef>
-                <a:spcPts val="1000"/>
-              </a:spcBef>
-              <a:buFont typeface="Arial" panose="020B0604020202020204" pitchFamily="34" charset="0"/>
-              <a:buChar char="•"/>
-              <a:defRPr sz="2800" kern="1200">
-                <a:solidFill>
-                  <a:schemeClr val="tx1"/>
-                </a:solidFill>
-                <a:latin typeface="+mn-lt"/>
-                <a:ea typeface="+mn-ea"/>
-                <a:cs typeface="+mn-cs"/>
-              </a:defRPr>
-            </a:lvl1pPr>
-            <a:lvl2pPr marL="685800" indent="-228600" algn="l" defTabSz="914400" rtl="0" eaLnBrk="1" latinLnBrk="0" hangingPunct="1">
-              <a:lnSpc>
-                <a:spcPct val="90000"/>
-              </a:lnSpc>
-              <a:spcBef>
-                <a:spcPts val="500"/>
-              </a:spcBef>
-              <a:buFont typeface="Arial" panose="020B0604020202020204" pitchFamily="34" charset="0"/>
-              <a:buChar char="•"/>
-              <a:defRPr sz="2400" kern="1200">
-                <a:solidFill>
-                  <a:schemeClr val="tx1"/>
-                </a:solidFill>
-                <a:latin typeface="+mn-lt"/>
-                <a:ea typeface="+mn-ea"/>
-                <a:cs typeface="+mn-cs"/>
-              </a:defRPr>
-            </a:lvl2pPr>
-            <a:lvl3pPr marL="1143000" indent="-228600" algn="l" defTabSz="914400" rtl="0" eaLnBrk="1" latinLnBrk="0" hangingPunct="1">
-              <a:lnSpc>
-                <a:spcPct val="90000"/>
-              </a:lnSpc>
-              <a:spcBef>
-                <a:spcPts val="500"/>
-              </a:spcBef>
-              <a:buFont typeface="Arial" panose="020B0604020202020204" pitchFamily="34" charset="0"/>
-              <a:buChar char="•"/>
-              <a:defRPr sz="2000" kern="1200">
-                <a:solidFill>
-                  <a:schemeClr val="tx1"/>
-                </a:solidFill>
-                <a:latin typeface="+mn-lt"/>
-                <a:ea typeface="+mn-ea"/>
-                <a:cs typeface="+mn-cs"/>
-              </a:defRPr>
-            </a:lvl3pPr>
-            <a:lvl4pPr marL="1600200" indent="-228600" algn="l" defTabSz="914400" rtl="0" eaLnBrk="1" latinLnBrk="0" hangingPunct="1">
-              <a:lnSpc>
-                <a:spcPct val="90000"/>
-              </a:lnSpc>
-              <a:spcBef>
-                <a:spcPts val="500"/>
-              </a:spcBef>
-              <a:buFont typeface="Arial" panose="020B0604020202020204" pitchFamily="34" charset="0"/>
-              <a:buChar char="•"/>
-              <a:defRPr sz="1800" kern="1200">
-                <a:solidFill>
-                  <a:schemeClr val="tx1"/>
-                </a:solidFill>
-                <a:latin typeface="+mn-lt"/>
-                <a:ea typeface="+mn-ea"/>
-                <a:cs typeface="+mn-cs"/>
-              </a:defRPr>
-            </a:lvl4pPr>
-            <a:lvl5pPr marL="2057400" indent="-228600" algn="l" defTabSz="914400" rtl="0" eaLnBrk="1" latinLnBrk="0" hangingPunct="1">
-              <a:lnSpc>
-                <a:spcPct val="90000"/>
-              </a:lnSpc>
-              <a:spcBef>
-                <a:spcPts val="500"/>
-              </a:spcBef>
-              <a:buFont typeface="Arial" panose="020B0604020202020204" pitchFamily="34" charset="0"/>
-              <a:buChar char="•"/>
-              <a:defRPr sz="1800" kern="1200">
-                <a:solidFill>
-                  <a:schemeClr val="tx1"/>
-                </a:solidFill>
-                <a:latin typeface="+mn-lt"/>
-                <a:ea typeface="+mn-ea"/>
-                <a:cs typeface="+mn-cs"/>
-              </a:defRPr>
-            </a:lvl5pPr>
-            <a:lvl6pPr marL="2514600" indent="-228600" algn="l" defTabSz="914400" rtl="0" eaLnBrk="1" latinLnBrk="0" hangingPunct="1">
-              <a:lnSpc>
-                <a:spcPct val="90000"/>
-              </a:lnSpc>
-              <a:spcBef>
-                <a:spcPts val="500"/>
-              </a:spcBef>
-              <a:buFont typeface="Arial" panose="020B0604020202020204" pitchFamily="34" charset="0"/>
-              <a:buChar char="•"/>
-              <a:defRPr sz="1800" kern="1200">
-                <a:solidFill>
-                  <a:schemeClr val="tx1"/>
-                </a:solidFill>
-                <a:latin typeface="+mn-lt"/>
-                <a:ea typeface="+mn-ea"/>
-                <a:cs typeface="+mn-cs"/>
-              </a:defRPr>
-            </a:lvl6pPr>
-            <a:lvl7pPr marL="2971800" indent="-228600" algn="l" defTabSz="914400" rtl="0" eaLnBrk="1" latinLnBrk="0" hangingPunct="1">
-              <a:lnSpc>
-                <a:spcPct val="90000"/>
-              </a:lnSpc>
-              <a:spcBef>
-                <a:spcPts val="500"/>
-              </a:spcBef>
-              <a:buFont typeface="Arial" panose="020B0604020202020204" pitchFamily="34" charset="0"/>
-              <a:buChar char="•"/>
-              <a:defRPr sz="1800" kern="1200">
-                <a:solidFill>
-                  <a:schemeClr val="tx1"/>
-                </a:solidFill>
-                <a:latin typeface="+mn-lt"/>
-                <a:ea typeface="+mn-ea"/>
-                <a:cs typeface="+mn-cs"/>
-              </a:defRPr>
-            </a:lvl7pPr>
-            <a:lvl8pPr marL="3429000" indent="-228600" algn="l" defTabSz="914400" rtl="0" eaLnBrk="1" latinLnBrk="0" hangingPunct="1">
-              <a:lnSpc>
-                <a:spcPct val="90000"/>
-              </a:lnSpc>
-              <a:spcBef>
-                <a:spcPts val="500"/>
-              </a:spcBef>
-              <a:buFont typeface="Arial" panose="020B0604020202020204" pitchFamily="34" charset="0"/>
-              <a:buChar char="•"/>
-              <a:defRPr sz="1800" kern="1200">
-                <a:solidFill>
-                  <a:schemeClr val="tx1"/>
-                </a:solidFill>
-                <a:latin typeface="+mn-lt"/>
-                <a:ea typeface="+mn-ea"/>
-                <a:cs typeface="+mn-cs"/>
-              </a:defRPr>
-            </a:lvl8pPr>
-            <a:lvl9pPr marL="3886200" indent="-228600" algn="l" defTabSz="914400" rtl="0" eaLnBrk="1" latinLnBrk="0" hangingPunct="1">
-              <a:lnSpc>
-                <a:spcPct val="90000"/>
-              </a:lnSpc>
-              <a:spcBef>
-                <a:spcPts val="500"/>
-              </a:spcBef>
-              <a:buFont typeface="Arial" panose="020B0604020202020204" pitchFamily="34" charset="0"/>
-              <a:buChar char="•"/>
-              <a:defRPr sz="1800" kern="1200">
-                <a:solidFill>
-                  <a:schemeClr val="tx1"/>
-                </a:solidFill>
-                <a:latin typeface="+mn-lt"/>
-                <a:ea typeface="+mn-ea"/>
-                <a:cs typeface="+mn-cs"/>
-              </a:defRPr>
-            </a:lvl9pPr>
-          </a:lstStyle>
-          <a:p>
             <a:endParaRPr lang="en-US" dirty="0"/>
           </a:p>
         </p:txBody>
@@ -10023,7 +10519,7 @@
         </p:nvGraphicFramePr>
         <p:xfrm>
           <a:off x="1231900" y="3998790"/>
-          <a:ext cx="9621355" cy="859638"/>
+          <a:ext cx="9621355" cy="1020690"/>
         </p:xfrm>
         <a:graphic>
           <a:graphicData uri="http://schemas.openxmlformats.org/drawingml/2006/table">

--- a/doc/Graph-Embedding Presentation.pptx
+++ b/doc/Graph-Embedding Presentation.pptx
@@ -5011,42 +5011,9 @@
               <a:buNone/>
             </a:pPr>
             <a:r>
-              <a:rPr lang="en-US" sz="2400" dirty="0" smtClean="0"/>
-              <a:t>Each </a:t>
-            </a:r>
-            <a:r>
               <a:rPr lang="en-US" sz="2400" dirty="0"/>
-              <a:t>vertex and edge </a:t>
-            </a:r>
-            <a:r>
-              <a:rPr lang="en-US" sz="2400" dirty="0" smtClean="0"/>
-              <a:t>is given a </a:t>
-            </a:r>
-            <a:r>
-              <a:rPr lang="en-US" sz="2400" dirty="0"/>
-              <a:t>weight value </a:t>
-            </a:r>
-            <a:r>
-              <a:rPr lang="en-US" sz="2400" dirty="0" smtClean="0"/>
-              <a:t>in range of </a:t>
-            </a:r>
-            <a:r>
-              <a:rPr lang="en-US" sz="2400" dirty="0"/>
-              <a:t>[0,1]</a:t>
-            </a:r>
-            <a:r>
-              <a:rPr lang="en-US" sz="2400" dirty="0" smtClean="0"/>
-              <a:t> </a:t>
-            </a:r>
-            <a:r>
-              <a:rPr lang="en-US" sz="2400" dirty="0"/>
-              <a:t>based on its </a:t>
-            </a:r>
-            <a:r>
-              <a:rPr lang="en-US" sz="2400" dirty="0" smtClean="0"/>
-              <a:t>neighbors. </a:t>
-            </a:r>
-            <a:endParaRPr lang="en-US" sz="2400" dirty="0"/>
+              <a:t>Each vertex and edge is given a weight value in range of [0,1] based on its neighbors. </a:t>
+            </a:r>
           </a:p>
         </p:txBody>
       </p:sp>
@@ -5856,13 +5823,6 @@
             <a:pPr marL="0" indent="0" algn="l" fontAlgn="base">
               <a:buNone/>
             </a:pPr>
-            <a:r>
-              <a:rPr lang="en-US" b="0" i="0" dirty="0">
-                <a:effectLst/>
-                <a:latin typeface="gg sans"/>
-              </a:rPr>
-              <a:t/>
-            </a:r>
             <a:br>
               <a:rPr lang="en-US" b="0" i="0" dirty="0">
                 <a:effectLst/>
@@ -7385,8 +7345,8 @@
         </p:blipFill>
         <p:spPr>
           <a:xfrm>
-            <a:off x="3866355" y="662781"/>
-            <a:ext cx="2616658" cy="1686291"/>
+            <a:off x="4954555" y="1009847"/>
+            <a:ext cx="2144277" cy="1381868"/>
           </a:xfrm>
           <a:prstGeom prst="rect">
             <a:avLst/>
@@ -7683,8 +7643,8 @@
         </p:blipFill>
         <p:spPr>
           <a:xfrm>
-            <a:off x="4631733" y="600591"/>
-            <a:ext cx="2256149" cy="1453963"/>
+            <a:off x="5346550" y="946079"/>
+            <a:ext cx="1784037" cy="1149713"/>
           </a:xfrm>
           <a:prstGeom prst="rect">
             <a:avLst/>
@@ -8610,7 +8570,6 @@
               <a:rPr lang="en-US" dirty="0"/>
               <a:t>Which is excellent!</a:t>
             </a:r>
-            <a:endParaRPr lang="en-US" dirty="0"/>
           </a:p>
         </p:txBody>
       </p:sp>
@@ -10519,7 +10478,7 @@
         </p:nvGraphicFramePr>
         <p:xfrm>
           <a:off x="1231900" y="3998790"/>
-          <a:ext cx="9621355" cy="1020690"/>
+          <a:ext cx="9621355" cy="859638"/>
         </p:xfrm>
         <a:graphic>
           <a:graphicData uri="http://schemas.openxmlformats.org/drawingml/2006/table">

--- a/doc/Graph-Embedding Presentation.pptx
+++ b/doc/Graph-Embedding Presentation.pptx
@@ -217,7 +217,7 @@
           <a:p>
             <a:fld id="{40255490-F3EC-4464-B815-288EE6CB06A0}" type="datetimeFigureOut">
               <a:rPr lang="en-US" smtClean="0"/>
-              <a:t>1/28/2025</a:t>
+              <a:t>1/30/2025</a:t>
             </a:fld>
             <a:endParaRPr lang="en-US"/>
           </a:p>
@@ -731,6 +731,50 @@
               </a:rPr>
               <a:t>alias explaining later</a:t>
             </a:r>
+          </a:p>
+          <a:p>
+            <a:r>
+              <a:rPr lang="en-US" b="0" i="0" dirty="0">
+                <a:effectLst/>
+                <a:latin typeface="gg sans"/>
+              </a:rPr>
+              <a:t>1/p if </a:t>
+            </a:r>
+            <a:r>
+              <a:rPr lang="en-US" b="0" i="0" dirty="0" err="1">
+                <a:effectLst/>
+                <a:latin typeface="gg sans"/>
+              </a:rPr>
+              <a:t>nei</a:t>
+            </a:r>
+            <a:r>
+              <a:rPr lang="en-US" b="0" i="0" dirty="0">
+                <a:effectLst/>
+                <a:latin typeface="gg sans"/>
+              </a:rPr>
+              <a:t>=</a:t>
+            </a:r>
+            <a:r>
+              <a:rPr lang="en-US" b="0" i="0" dirty="0" err="1">
+                <a:effectLst/>
+                <a:latin typeface="gg sans"/>
+              </a:rPr>
+              <a:t>src</a:t>
+            </a:r>
+            <a:r>
+              <a:rPr lang="en-US" b="0" i="0" dirty="0">
+                <a:effectLst/>
+                <a:latin typeface="gg sans"/>
+              </a:rPr>
+              <a:t> 1/q if not connected, </a:t>
+            </a:r>
+            <a:r>
+              <a:rPr lang="en-US" b="0" i="0">
+                <a:effectLst/>
+                <a:latin typeface="gg sans"/>
+              </a:rPr>
+              <a:t>else normal</a:t>
+            </a:r>
             <a:endParaRPr lang="en-US" dirty="0"/>
           </a:p>
         </p:txBody>
@@ -1633,7 +1677,7 @@
           <a:p>
             <a:fld id="{6FC2E1BB-ABA2-49E9-A8D9-545C2DE0A0F4}" type="datetimeFigureOut">
               <a:rPr lang="en-US" smtClean="0"/>
-              <a:t>1/28/2025</a:t>
+              <a:t>1/30/2025</a:t>
             </a:fld>
             <a:endParaRPr lang="en-US"/>
           </a:p>
@@ -1831,7 +1875,7 @@
           <a:p>
             <a:fld id="{6FC2E1BB-ABA2-49E9-A8D9-545C2DE0A0F4}" type="datetimeFigureOut">
               <a:rPr lang="en-US" smtClean="0"/>
-              <a:t>1/28/2025</a:t>
+              <a:t>1/30/2025</a:t>
             </a:fld>
             <a:endParaRPr lang="en-US"/>
           </a:p>
@@ -2039,7 +2083,7 @@
           <a:p>
             <a:fld id="{6FC2E1BB-ABA2-49E9-A8D9-545C2DE0A0F4}" type="datetimeFigureOut">
               <a:rPr lang="en-US" smtClean="0"/>
-              <a:t>1/28/2025</a:t>
+              <a:t>1/30/2025</a:t>
             </a:fld>
             <a:endParaRPr lang="en-US"/>
           </a:p>
@@ -2237,7 +2281,7 @@
           <a:p>
             <a:fld id="{6FC2E1BB-ABA2-49E9-A8D9-545C2DE0A0F4}" type="datetimeFigureOut">
               <a:rPr lang="en-US" smtClean="0"/>
-              <a:t>1/28/2025</a:t>
+              <a:t>1/30/2025</a:t>
             </a:fld>
             <a:endParaRPr lang="en-US"/>
           </a:p>
@@ -2512,7 +2556,7 @@
           <a:p>
             <a:fld id="{6FC2E1BB-ABA2-49E9-A8D9-545C2DE0A0F4}" type="datetimeFigureOut">
               <a:rPr lang="en-US" smtClean="0"/>
-              <a:t>1/28/2025</a:t>
+              <a:t>1/30/2025</a:t>
             </a:fld>
             <a:endParaRPr lang="en-US"/>
           </a:p>
@@ -2777,7 +2821,7 @@
           <a:p>
             <a:fld id="{6FC2E1BB-ABA2-49E9-A8D9-545C2DE0A0F4}" type="datetimeFigureOut">
               <a:rPr lang="en-US" smtClean="0"/>
-              <a:t>1/28/2025</a:t>
+              <a:t>1/30/2025</a:t>
             </a:fld>
             <a:endParaRPr lang="en-US"/>
           </a:p>
@@ -3189,7 +3233,7 @@
           <a:p>
             <a:fld id="{6FC2E1BB-ABA2-49E9-A8D9-545C2DE0A0F4}" type="datetimeFigureOut">
               <a:rPr lang="en-US" smtClean="0"/>
-              <a:t>1/28/2025</a:t>
+              <a:t>1/30/2025</a:t>
             </a:fld>
             <a:endParaRPr lang="en-US"/>
           </a:p>
@@ -3330,7 +3374,7 @@
           <a:p>
             <a:fld id="{6FC2E1BB-ABA2-49E9-A8D9-545C2DE0A0F4}" type="datetimeFigureOut">
               <a:rPr lang="en-US" smtClean="0"/>
-              <a:t>1/28/2025</a:t>
+              <a:t>1/30/2025</a:t>
             </a:fld>
             <a:endParaRPr lang="en-US"/>
           </a:p>
@@ -3443,7 +3487,7 @@
           <a:p>
             <a:fld id="{6FC2E1BB-ABA2-49E9-A8D9-545C2DE0A0F4}" type="datetimeFigureOut">
               <a:rPr lang="en-US" smtClean="0"/>
-              <a:t>1/28/2025</a:t>
+              <a:t>1/30/2025</a:t>
             </a:fld>
             <a:endParaRPr lang="en-US"/>
           </a:p>
@@ -3754,7 +3798,7 @@
           <a:p>
             <a:fld id="{6FC2E1BB-ABA2-49E9-A8D9-545C2DE0A0F4}" type="datetimeFigureOut">
               <a:rPr lang="en-US" smtClean="0"/>
-              <a:t>1/28/2025</a:t>
+              <a:t>1/30/2025</a:t>
             </a:fld>
             <a:endParaRPr lang="en-US"/>
           </a:p>
@@ -4042,7 +4086,7 @@
           <a:p>
             <a:fld id="{6FC2E1BB-ABA2-49E9-A8D9-545C2DE0A0F4}" type="datetimeFigureOut">
               <a:rPr lang="en-US" smtClean="0"/>
-              <a:t>1/28/2025</a:t>
+              <a:t>1/30/2025</a:t>
             </a:fld>
             <a:endParaRPr lang="en-US"/>
           </a:p>
@@ -4313,7 +4357,7 @@
           <a:p>
             <a:fld id="{6FC2E1BB-ABA2-49E9-A8D9-545C2DE0A0F4}" type="datetimeFigureOut">
               <a:rPr lang="en-US" smtClean="0"/>
-              <a:t>1/28/2025</a:t>
+              <a:t>1/30/2025</a:t>
             </a:fld>
             <a:endParaRPr lang="en-US"/>
           </a:p>
@@ -5012,7 +5056,25 @@
             </a:pPr>
             <a:r>
               <a:rPr lang="en-US" sz="2400" dirty="0"/>
-              <a:t>Each vertex and edge is given a weight value in range of [0,1] based on its neighbors. </a:t>
+              <a:t>Each vertex and edge are given a weight value in range of [0,1]</a:t>
+            </a:r>
+          </a:p>
+          <a:p>
+            <a:pPr marL="0" indent="0">
+              <a:buNone/>
+            </a:pPr>
+            <a:r>
+              <a:rPr lang="en-US" sz="2400" dirty="0"/>
+              <a:t>Vertexes – Based on a discrete probability distribution</a:t>
+            </a:r>
+          </a:p>
+          <a:p>
+            <a:pPr marL="0" indent="0">
+              <a:buNone/>
+            </a:pPr>
+            <a:r>
+              <a:rPr lang="en-US" sz="2400" dirty="0"/>
+              <a:t>Edges - based on its neighbors and on biased random walk. </a:t>
             </a:r>
           </a:p>
         </p:txBody>
@@ -5259,8 +5321,8 @@
         </p:blipFill>
         <p:spPr>
           <a:xfrm>
-            <a:off x="7775428" y="106931"/>
-            <a:ext cx="4251255" cy="2641485"/>
+            <a:off x="8195771" y="102111"/>
+            <a:ext cx="3946373" cy="2452049"/>
           </a:xfrm>
           <a:prstGeom prst="rect">
             <a:avLst/>
@@ -5347,10 +5409,9 @@
           <a:lstStyle/>
           <a:p>
             <a:r>
-              <a:rPr lang="en-US" dirty="0" err="1"/>
+              <a:rPr lang="en-US" dirty="0"/>
               <a:t>DeepWalk</a:t>
             </a:r>
-            <a:endParaRPr lang="en-US" dirty="0"/>
           </a:p>
           <a:p>
             <a:r>
@@ -5537,12 +5598,8 @@
           <a:lstStyle/>
           <a:p>
             <a:r>
-              <a:rPr lang="en-US" dirty="0" err="1"/>
-              <a:t>DeepWalk</a:t>
-            </a:r>
-            <a:r>
               <a:rPr lang="en-US" dirty="0"/>
-              <a:t> Model</a:t>
+              <a:t>DeepWalk Model</a:t>
             </a:r>
           </a:p>
         </p:txBody>
@@ -5572,7 +5629,7 @@
         </p:spPr>
         <p:txBody>
           <a:bodyPr vert="horz" lIns="91440" tIns="45720" rIns="91440" bIns="45720" rtlCol="0">
-            <a:normAutofit fontScale="92500" lnSpcReduction="10000"/>
+            <a:normAutofit fontScale="77500" lnSpcReduction="20000"/>
           </a:bodyPr>
           <a:lstStyle>
             <a:lvl1pPr marL="228600" indent="-228600" algn="l" defTabSz="914400" rtl="0" eaLnBrk="1" latinLnBrk="0" hangingPunct="1">
@@ -5743,7 +5800,7 @@
               <a:buNone/>
             </a:pPr>
             <a:r>
-              <a:rPr lang="en-US" b="1" i="0" dirty="0" err="1">
+              <a:rPr lang="en-US" b="1" i="0" dirty="0">
                 <a:solidFill>
                   <a:srgbClr val="000000"/>
                 </a:solidFill>
@@ -5760,63 +5817,7 @@
                 <a:effectLst/>
                 <a:latin typeface="inherit"/>
               </a:rPr>
-              <a:t> is a method that learns numerical representations of graph nodes by simulating random walks to a </a:t>
-            </a:r>
-            <a:r>
-              <a:rPr lang="en-US" dirty="0">
-                <a:solidFill>
-                  <a:srgbClr val="000000"/>
-                </a:solidFill>
-                <a:latin typeface="inherit"/>
-              </a:rPr>
-              <a:t>window </a:t>
-            </a:r>
-            <a:r>
-              <a:rPr lang="en-US" b="0" i="0" dirty="0">
-                <a:solidFill>
-                  <a:srgbClr val="000000"/>
-                </a:solidFill>
-                <a:effectLst/>
-                <a:latin typeface="inherit"/>
-              </a:rPr>
-              <a:t>and uses a Skip-gram model to capture node relationships. </a:t>
-            </a:r>
-          </a:p>
-          <a:p>
-            <a:pPr marL="0" indent="0" algn="l" fontAlgn="base">
-              <a:buNone/>
-            </a:pPr>
-            <a:endParaRPr lang="en-US" b="0" i="0" dirty="0">
-              <a:solidFill>
-                <a:srgbClr val="000000"/>
-              </a:solidFill>
-              <a:effectLst/>
-              <a:latin typeface="inherit"/>
-            </a:endParaRPr>
-          </a:p>
-          <a:p>
-            <a:pPr marL="0" indent="0" algn="l" fontAlgn="base">
-              <a:buNone/>
-            </a:pPr>
-            <a:r>
-              <a:rPr lang="en-US" b="0" i="0" dirty="0">
-                <a:effectLst/>
-                <a:latin typeface="gg sans"/>
-              </a:rPr>
-              <a:t>The purpose of these walks is to create </a:t>
-            </a:r>
-            <a:br>
-              <a:rPr lang="en-US" b="0" i="0" dirty="0">
-                <a:effectLst/>
-                <a:latin typeface="gg sans"/>
-              </a:rPr>
-            </a:br>
-            <a:r>
-              <a:rPr lang="en-US" b="0" i="0" dirty="0">
-                <a:effectLst/>
-                <a:latin typeface="gg sans"/>
-              </a:rPr>
-              <a:t>sequences of nodes </a:t>
+              <a:t> is a method for learning representations of nodes in a graph. The core idea behind it is to generate random walks within the graph, which are then used to learn representations of the nodes.</a:t>
             </a:r>
           </a:p>
           <a:p>
@@ -5834,89 +5835,56 @@
                 <a:effectLst/>
                 <a:latin typeface="gg sans"/>
               </a:rPr>
-              <a:t>These sequences are used to learn node embeddings (vector representations) of the graph.</a:t>
-            </a:r>
-            <a:endParaRPr lang="en-US" dirty="0">
-              <a:solidFill>
-                <a:srgbClr val="000000"/>
-              </a:solidFill>
-              <a:latin typeface="inherit"/>
-            </a:endParaRPr>
+              <a:t>•Random Walks: DeepWalk generates a set of random walks starting from each node in the graph. A random walk is a sequence of nodes that begins at a particular node and moves to one of its neighbors at each step, revealing relationships between nearby nodes.</a:t>
+            </a:r>
           </a:p>
           <a:p>
             <a:pPr marL="0" indent="0" algn="l" fontAlgn="base">
               <a:buNone/>
             </a:pPr>
+            <a:endParaRPr lang="en-US" b="0" i="0" dirty="0">
+              <a:effectLst/>
+              <a:latin typeface="gg sans"/>
+            </a:endParaRPr>
+          </a:p>
+          <a:p>
+            <a:pPr marL="0" indent="0" algn="l" fontAlgn="base">
+              <a:buNone/>
+            </a:pPr>
+            <a:r>
+              <a:rPr lang="en-US" b="0" i="0" dirty="0">
+                <a:effectLst/>
+                <a:latin typeface="gg sans"/>
+              </a:rPr>
+              <a:t>•Word2Vec Algorithm: The random walks generated from the graph are treated as "sentences," and the nodes in the graph are treated as "words". The algorithm is applied to these random walks to learn a neural network. This network predicts the probability of a node appearing in a random walk given its neighbors in the graph.</a:t>
+            </a:r>
+          </a:p>
+          <a:p>
+            <a:pPr marL="0" indent="0" algn="l" fontAlgn="base">
+              <a:buNone/>
+            </a:pPr>
+            <a:endParaRPr lang="en-US" b="0" i="0" dirty="0">
+              <a:effectLst/>
+              <a:latin typeface="gg sans"/>
+            </a:endParaRPr>
+          </a:p>
+          <a:p>
+            <a:pPr marL="0" indent="0" algn="l" fontAlgn="base">
+              <a:buNone/>
+            </a:pPr>
+            <a:r>
+              <a:rPr lang="en-US" b="0" i="0" dirty="0">
+                <a:effectLst/>
+                <a:latin typeface="gg sans"/>
+              </a:rPr>
+              <a:t>•Local Structure: DeepWalk is effective at capturing the local structure of a graph. This allows it to learn node embeddings that reflect the immediate relationships between nodes.</a:t>
+            </a:r>
             <a:endParaRPr lang="en-US" b="0" i="0" dirty="0">
               <a:solidFill>
                 <a:srgbClr val="000000"/>
               </a:solidFill>
               <a:effectLst/>
               <a:latin typeface="inherit"/>
-            </a:endParaRPr>
-          </a:p>
-          <a:p>
-            <a:pPr marL="0" indent="0" algn="l" fontAlgn="base">
-              <a:buNone/>
-            </a:pPr>
-            <a:r>
-              <a:rPr lang="en-US" b="0" i="0" dirty="0">
-                <a:solidFill>
-                  <a:srgbClr val="000000"/>
-                </a:solidFill>
-                <a:effectLst/>
-                <a:latin typeface="inherit"/>
-              </a:rPr>
-              <a:t>For tasks like classification or clustering.</a:t>
-            </a:r>
-          </a:p>
-        </p:txBody>
-      </p:sp>
-      <p:sp>
-        <p:nvSpPr>
-          <p:cNvPr id="9" name="Rectangle 8">
-            <a:extLst>
-              <a:ext uri="{FF2B5EF4-FFF2-40B4-BE49-F238E27FC236}">
-                <a16:creationId xmlns:a16="http://schemas.microsoft.com/office/drawing/2014/main" id="{3FC3D4ED-F141-A7F3-9F6E-89D54E57E725}"/>
-              </a:ext>
-            </a:extLst>
-          </p:cNvPr>
-          <p:cNvSpPr/>
-          <p:nvPr/>
-        </p:nvSpPr>
-        <p:spPr>
-          <a:xfrm>
-            <a:off x="9213435" y="5661878"/>
-            <a:ext cx="2886490" cy="1077218"/>
-          </a:xfrm>
-          <a:prstGeom prst="rect">
-            <a:avLst/>
-          </a:prstGeom>
-          <a:noFill/>
-        </p:spPr>
-        <p:txBody>
-          <a:bodyPr wrap="square" lIns="91440" tIns="45720" rIns="91440" bIns="45720">
-            <a:spAutoFit/>
-          </a:bodyPr>
-          <a:lstStyle/>
-          <a:p>
-            <a:pPr algn="ctr"/>
-            <a:r>
-              <a:rPr lang="en-US" sz="1600" dirty="0"/>
-              <a:t> Skip-Gram - maximizes the co-occurrence probability among the words that appear within a window, w</a:t>
-            </a:r>
-            <a:endParaRPr lang="en-US" sz="1600" b="0" cap="none" spc="0" dirty="0">
-              <a:ln w="0"/>
-              <a:solidFill>
-                <a:schemeClr val="tx1"/>
-              </a:solidFill>
-              <a:effectLst>
-                <a:outerShdw blurRad="38100" dist="19050" dir="2700000" algn="tl" rotWithShape="0">
-                  <a:schemeClr val="dk1">
-                    <a:alpha val="40000"/>
-                  </a:schemeClr>
-                </a:outerShdw>
-              </a:effectLst>
             </a:endParaRPr>
           </a:p>
         </p:txBody>
@@ -6033,19 +6001,35 @@
         </p:nvSpPr>
         <p:spPr>
           <a:xfrm>
-            <a:off x="0" y="1594427"/>
-            <a:ext cx="8562108" cy="4898448"/>
+            <a:off x="221438" y="1338395"/>
+            <a:ext cx="8293264" cy="4898448"/>
           </a:xfrm>
         </p:spPr>
         <p:txBody>
           <a:bodyPr>
-            <a:normAutofit/>
+            <a:normAutofit fontScale="92500" lnSpcReduction="20000"/>
           </a:bodyPr>
           <a:lstStyle/>
           <a:p>
             <a:pPr marL="0" indent="0">
               <a:buNone/>
             </a:pPr>
+            <a:endParaRPr lang="en-US" b="1" i="0" dirty="0">
+              <a:effectLst/>
+              <a:latin typeface="gg sans"/>
+            </a:endParaRPr>
+          </a:p>
+          <a:p>
+            <a:pPr marL="0" indent="0">
+              <a:buNone/>
+            </a:pPr>
+            <a:r>
+              <a:rPr lang="en-US" i="0" dirty="0">
+                <a:effectLst/>
+                <a:latin typeface="gg sans"/>
+              </a:rPr>
+              <a:t>DFS and BFS: </a:t>
+            </a:r>
             <a:r>
               <a:rPr lang="en-US" b="1" i="0" dirty="0">
                 <a:effectLst/>
@@ -6054,11 +6038,42 @@
               <a:t>Node2Vec</a:t>
             </a:r>
             <a:r>
-              <a:rPr lang="en-US" b="0" i="0" dirty="0">
+              <a:rPr lang="en-US" i="0" dirty="0">
                 <a:effectLst/>
                 <a:latin typeface="gg sans"/>
               </a:rPr>
-              <a:t>, controls the navigation of the nodes in the random walks with two parameters p (return parameter) and q (in-out parameter) that control the bias of the random walks. </a:t>
+              <a:t> combines DFS and BFS techniques to extract random walks. This combination is controlled by two parameters, P (return parameter) and Q (in-out parameter).</a:t>
+            </a:r>
+          </a:p>
+          <a:p>
+            <a:pPr marL="0" indent="0">
+              <a:buNone/>
+            </a:pPr>
+            <a:endParaRPr lang="en-US" i="0" dirty="0">
+              <a:effectLst/>
+              <a:latin typeface="gg sans"/>
+            </a:endParaRPr>
+          </a:p>
+          <a:p>
+            <a:pPr marL="0" indent="0">
+              <a:buNone/>
+            </a:pPr>
+            <a:r>
+              <a:rPr lang="en-US" dirty="0">
+                <a:latin typeface="gg sans"/>
+              </a:rPr>
+              <a:t>Key differences:</a:t>
+            </a:r>
+          </a:p>
+          <a:p>
+            <a:pPr marL="0" indent="0">
+              <a:buNone/>
+            </a:pPr>
+            <a:r>
+              <a:rPr lang="en-US" dirty="0">
+                <a:latin typeface="gg sans"/>
+              </a:rPr>
+              <a:t>•DeepWalk uses simple random walks, while Node2Vec uses a more flexible approach with P and Q parameters to control the walk's behavior.</a:t>
             </a:r>
           </a:p>
           <a:p>
@@ -6074,11 +6089,10 @@
               <a:buNone/>
             </a:pPr>
             <a:r>
-              <a:rPr lang="en-US" b="0" i="0" dirty="0">
-                <a:effectLst/>
+              <a:rPr lang="en-US" dirty="0">
                 <a:latin typeface="gg sans"/>
               </a:rPr>
-              <a:t>This allows Node2Vec to perform biased random walks. The algorithm can switch between exploration (broadly exploring the graph) and exploitation (focusing on nearby nodes), enabling it to capture both local and global structure in the graph.</a:t>
+              <a:t>•Node2Vec combines the advantages of BFS and DFS through its sampling strategy, giving it more control over the nature of the learned representations than DeepWalk.</a:t>
             </a:r>
           </a:p>
         </p:txBody>
@@ -6097,8 +6111,8 @@
         </p:nvSpPr>
         <p:spPr>
           <a:xfrm>
-            <a:off x="8562108" y="3261457"/>
-            <a:ext cx="3694546" cy="2800767"/>
+            <a:off x="8514702" y="3199666"/>
+            <a:ext cx="3694546" cy="3293209"/>
           </a:xfrm>
           <a:prstGeom prst="rect">
             <a:avLst/>
@@ -6130,7 +6144,7 @@
                 <a:effectLst/>
                 <a:latin typeface="inherit"/>
               </a:rPr>
-              <a:t>p - controls the likelihood of revisiting the previous node in a random walk. A higher p value means the walk is less likely to return to the previous node, encouraging exploration of new nodes. </a:t>
+              <a:t>P (Return Parameter): Controls the likelihood of returning to the previous node in the walk. A high value of P makes the random walk explore further, while a low value keeps the walk localized</a:t>
             </a:r>
           </a:p>
           <a:p>
@@ -6153,7 +6167,7 @@
                 <a:effectLst/>
                 <a:latin typeface="inherit"/>
               </a:rPr>
-              <a:t>q - controls the tendency to explore nodes that are far from the starting node. Higher q value encourages the walk to explore nodes further away.</a:t>
+              <a:t>Q (In-Out Parameter): Controls the likelihood of exploring nodes further away (BFS-like behavior) or staying local (DFS-like behavior). A small value of Q promotes exploration, while a large value encourages the walk to stay local</a:t>
             </a:r>
           </a:p>
         </p:txBody>
@@ -6174,8 +6188,8 @@
         </p:blipFill>
         <p:spPr>
           <a:xfrm>
-            <a:off x="8345103" y="208346"/>
-            <a:ext cx="3625460" cy="2028863"/>
+            <a:off x="8641079" y="208346"/>
+            <a:ext cx="3329483" cy="2028863"/>
           </a:xfrm>
           <a:prstGeom prst="rect">
             <a:avLst/>
@@ -6264,7 +6278,7 @@
         </p:spPr>
         <p:txBody>
           <a:bodyPr>
-            <a:normAutofit fontScale="92500" lnSpcReduction="10000"/>
+            <a:normAutofit/>
           </a:bodyPr>
           <a:lstStyle/>
           <a:p>
@@ -6344,27 +6358,6 @@
                 </a:solidFill>
               </a:rPr>
               <a:t>// representation of each node</a:t>
-            </a:r>
-          </a:p>
-          <a:p>
-            <a:pPr lvl="1"/>
-            <a:r>
-              <a:rPr lang="en-US" dirty="0" err="1"/>
-              <a:t>skip_Gram</a:t>
-            </a:r>
-            <a:r>
-              <a:rPr lang="en-US" dirty="0"/>
-              <a:t> =1 </a:t>
-            </a:r>
-            <a:r>
-              <a:rPr lang="en-US" dirty="0">
-                <a:solidFill>
-                  <a:schemeClr val="bg1">
-                    <a:lumMod val="50000"/>
-                  </a:schemeClr>
-                </a:solidFill>
-              </a:rPr>
-              <a:t>// target word</a:t>
             </a:r>
           </a:p>
           <a:p>
@@ -6666,7 +6659,7 @@
         </p:spPr>
         <p:txBody>
           <a:bodyPr>
-            <a:normAutofit fontScale="85000" lnSpcReduction="20000"/>
+            <a:normAutofit fontScale="92500"/>
           </a:bodyPr>
           <a:lstStyle/>
           <a:p>
@@ -6679,15 +6672,7 @@
             <a:pPr lvl="1"/>
             <a:r>
               <a:rPr lang="en-US" dirty="0"/>
-              <a:t>The model uses </a:t>
-            </a:r>
-            <a:r>
-              <a:rPr lang="en-US" dirty="0" err="1"/>
-              <a:t>DeepWalk</a:t>
-            </a:r>
-            <a:r>
-              <a:rPr lang="en-US" dirty="0"/>
-              <a:t>/Node2Vec (Unsupervised models) random walks to do graph embedding and give context to each node.</a:t>
+              <a:t>The model uses DeepWalk/Node2Vec (Unsupervised models) random walks to do graph embedding and give context to each node.</a:t>
             </a:r>
           </a:p>
           <a:p>
@@ -6914,7 +6899,7 @@
         </p:spPr>
         <p:txBody>
           <a:bodyPr>
-            <a:normAutofit fontScale="85000" lnSpcReduction="20000"/>
+            <a:normAutofit lnSpcReduction="10000"/>
           </a:bodyPr>
           <a:lstStyle/>
           <a:p>
@@ -6988,13 +6973,8 @@
             </a:pPr>
             <a:r>
               <a:rPr lang="en-US" dirty="0"/>
-              <a:t>The model prints the accuracy of the </a:t>
-            </a:r>
-            <a:r>
-              <a:rPr lang="en-US" dirty="0" err="1"/>
-              <a:t>alogrithm</a:t>
-            </a:r>
-            <a:endParaRPr lang="en-US" dirty="0"/>
+              <a:t>The model prints the accuracy of the algorithm</a:t>
+            </a:r>
           </a:p>
         </p:txBody>
       </p:sp>
@@ -7243,7 +7223,7 @@
         </p:nvSpPr>
         <p:spPr>
           <a:xfrm>
-            <a:off x="1973656" y="5097102"/>
+            <a:off x="2080660" y="6451708"/>
             <a:ext cx="704661" cy="244443"/>
           </a:xfrm>
           <a:prstGeom prst="rect">
@@ -7591,7 +7571,7 @@
         </p:nvSpPr>
         <p:spPr>
           <a:xfrm>
-            <a:off x="2154725" y="5413972"/>
+            <a:off x="2203363" y="6468701"/>
             <a:ext cx="704661" cy="244443"/>
           </a:xfrm>
           <a:prstGeom prst="rect">
@@ -7760,210 +7740,8 @@
         </p:nvSpPr>
         <p:spPr>
           <a:xfrm>
-            <a:off x="8667750" y="5064125"/>
-            <a:ext cx="3200400" cy="546100"/>
-          </a:xfrm>
-          <a:prstGeom prst="rect">
-            <a:avLst/>
-          </a:prstGeom>
-        </p:spPr>
-        <p:txBody>
-          <a:bodyPr vert="horz" lIns="91440" tIns="45720" rIns="91440" bIns="45720" rtlCol="0">
-            <a:normAutofit fontScale="92500"/>
-          </a:bodyPr>
-          <a:lstStyle>
-            <a:lvl1pPr marL="228600" indent="-228600" algn="l" defTabSz="914400" rtl="0" eaLnBrk="1" latinLnBrk="0" hangingPunct="1">
-              <a:lnSpc>
-                <a:spcPct val="90000"/>
-              </a:lnSpc>
-              <a:spcBef>
-                <a:spcPts val="1000"/>
-              </a:spcBef>
-              <a:buFont typeface="Arial" panose="020B0604020202020204" pitchFamily="34" charset="0"/>
-              <a:buChar char="•"/>
-              <a:defRPr sz="2800" kern="1200">
-                <a:solidFill>
-                  <a:schemeClr val="tx1"/>
-                </a:solidFill>
-                <a:latin typeface="+mn-lt"/>
-                <a:ea typeface="+mn-ea"/>
-                <a:cs typeface="+mn-cs"/>
-              </a:defRPr>
-            </a:lvl1pPr>
-            <a:lvl2pPr marL="685800" indent="-228600" algn="l" defTabSz="914400" rtl="0" eaLnBrk="1" latinLnBrk="0" hangingPunct="1">
-              <a:lnSpc>
-                <a:spcPct val="90000"/>
-              </a:lnSpc>
-              <a:spcBef>
-                <a:spcPts val="500"/>
-              </a:spcBef>
-              <a:buFont typeface="Arial" panose="020B0604020202020204" pitchFamily="34" charset="0"/>
-              <a:buChar char="•"/>
-              <a:defRPr sz="2400" kern="1200">
-                <a:solidFill>
-                  <a:schemeClr val="tx1"/>
-                </a:solidFill>
-                <a:latin typeface="+mn-lt"/>
-                <a:ea typeface="+mn-ea"/>
-                <a:cs typeface="+mn-cs"/>
-              </a:defRPr>
-            </a:lvl2pPr>
-            <a:lvl3pPr marL="1143000" indent="-228600" algn="l" defTabSz="914400" rtl="0" eaLnBrk="1" latinLnBrk="0" hangingPunct="1">
-              <a:lnSpc>
-                <a:spcPct val="90000"/>
-              </a:lnSpc>
-              <a:spcBef>
-                <a:spcPts val="500"/>
-              </a:spcBef>
-              <a:buFont typeface="Arial" panose="020B0604020202020204" pitchFamily="34" charset="0"/>
-              <a:buChar char="•"/>
-              <a:defRPr sz="2000" kern="1200">
-                <a:solidFill>
-                  <a:schemeClr val="tx1"/>
-                </a:solidFill>
-                <a:latin typeface="+mn-lt"/>
-                <a:ea typeface="+mn-ea"/>
-                <a:cs typeface="+mn-cs"/>
-              </a:defRPr>
-            </a:lvl3pPr>
-            <a:lvl4pPr marL="1600200" indent="-228600" algn="l" defTabSz="914400" rtl="0" eaLnBrk="1" latinLnBrk="0" hangingPunct="1">
-              <a:lnSpc>
-                <a:spcPct val="90000"/>
-              </a:lnSpc>
-              <a:spcBef>
-                <a:spcPts val="500"/>
-              </a:spcBef>
-              <a:buFont typeface="Arial" panose="020B0604020202020204" pitchFamily="34" charset="0"/>
-              <a:buChar char="•"/>
-              <a:defRPr sz="1800" kern="1200">
-                <a:solidFill>
-                  <a:schemeClr val="tx1"/>
-                </a:solidFill>
-                <a:latin typeface="+mn-lt"/>
-                <a:ea typeface="+mn-ea"/>
-                <a:cs typeface="+mn-cs"/>
-              </a:defRPr>
-            </a:lvl4pPr>
-            <a:lvl5pPr marL="2057400" indent="-228600" algn="l" defTabSz="914400" rtl="0" eaLnBrk="1" latinLnBrk="0" hangingPunct="1">
-              <a:lnSpc>
-                <a:spcPct val="90000"/>
-              </a:lnSpc>
-              <a:spcBef>
-                <a:spcPts val="500"/>
-              </a:spcBef>
-              <a:buFont typeface="Arial" panose="020B0604020202020204" pitchFamily="34" charset="0"/>
-              <a:buChar char="•"/>
-              <a:defRPr sz="1800" kern="1200">
-                <a:solidFill>
-                  <a:schemeClr val="tx1"/>
-                </a:solidFill>
-                <a:latin typeface="+mn-lt"/>
-                <a:ea typeface="+mn-ea"/>
-                <a:cs typeface="+mn-cs"/>
-              </a:defRPr>
-            </a:lvl5pPr>
-            <a:lvl6pPr marL="2514600" indent="-228600" algn="l" defTabSz="914400" rtl="0" eaLnBrk="1" latinLnBrk="0" hangingPunct="1">
-              <a:lnSpc>
-                <a:spcPct val="90000"/>
-              </a:lnSpc>
-              <a:spcBef>
-                <a:spcPts val="500"/>
-              </a:spcBef>
-              <a:buFont typeface="Arial" panose="020B0604020202020204" pitchFamily="34" charset="0"/>
-              <a:buChar char="•"/>
-              <a:defRPr sz="1800" kern="1200">
-                <a:solidFill>
-                  <a:schemeClr val="tx1"/>
-                </a:solidFill>
-                <a:latin typeface="+mn-lt"/>
-                <a:ea typeface="+mn-ea"/>
-                <a:cs typeface="+mn-cs"/>
-              </a:defRPr>
-            </a:lvl6pPr>
-            <a:lvl7pPr marL="2971800" indent="-228600" algn="l" defTabSz="914400" rtl="0" eaLnBrk="1" latinLnBrk="0" hangingPunct="1">
-              <a:lnSpc>
-                <a:spcPct val="90000"/>
-              </a:lnSpc>
-              <a:spcBef>
-                <a:spcPts val="500"/>
-              </a:spcBef>
-              <a:buFont typeface="Arial" panose="020B0604020202020204" pitchFamily="34" charset="0"/>
-              <a:buChar char="•"/>
-              <a:defRPr sz="1800" kern="1200">
-                <a:solidFill>
-                  <a:schemeClr val="tx1"/>
-                </a:solidFill>
-                <a:latin typeface="+mn-lt"/>
-                <a:ea typeface="+mn-ea"/>
-                <a:cs typeface="+mn-cs"/>
-              </a:defRPr>
-            </a:lvl7pPr>
-            <a:lvl8pPr marL="3429000" indent="-228600" algn="l" defTabSz="914400" rtl="0" eaLnBrk="1" latinLnBrk="0" hangingPunct="1">
-              <a:lnSpc>
-                <a:spcPct val="90000"/>
-              </a:lnSpc>
-              <a:spcBef>
-                <a:spcPts val="500"/>
-              </a:spcBef>
-              <a:buFont typeface="Arial" panose="020B0604020202020204" pitchFamily="34" charset="0"/>
-              <a:buChar char="•"/>
-              <a:defRPr sz="1800" kern="1200">
-                <a:solidFill>
-                  <a:schemeClr val="tx1"/>
-                </a:solidFill>
-                <a:latin typeface="+mn-lt"/>
-                <a:ea typeface="+mn-ea"/>
-                <a:cs typeface="+mn-cs"/>
-              </a:defRPr>
-            </a:lvl8pPr>
-            <a:lvl9pPr marL="3886200" indent="-228600" algn="l" defTabSz="914400" rtl="0" eaLnBrk="1" latinLnBrk="0" hangingPunct="1">
-              <a:lnSpc>
-                <a:spcPct val="90000"/>
-              </a:lnSpc>
-              <a:spcBef>
-                <a:spcPts val="500"/>
-              </a:spcBef>
-              <a:buFont typeface="Arial" panose="020B0604020202020204" pitchFamily="34" charset="0"/>
-              <a:buChar char="•"/>
-              <a:defRPr sz="1800" kern="1200">
-                <a:solidFill>
-                  <a:schemeClr val="tx1"/>
-                </a:solidFill>
-                <a:latin typeface="+mn-lt"/>
-                <a:ea typeface="+mn-ea"/>
-                <a:cs typeface="+mn-cs"/>
-              </a:defRPr>
-            </a:lvl9pPr>
-          </a:lstStyle>
-          <a:p>
-            <a:pPr marL="0" indent="0">
-              <a:buNone/>
-            </a:pPr>
-            <a:r>
-              <a:rPr lang="en-US" dirty="0"/>
-              <a:t>Shahar Berenson</a:t>
-            </a:r>
-          </a:p>
-        </p:txBody>
-      </p:sp>
-      <p:sp>
-        <p:nvSpPr>
-          <p:cNvPr id="14" name="Content Placeholder 2">
-            <a:extLst>
-              <a:ext uri="{FF2B5EF4-FFF2-40B4-BE49-F238E27FC236}">
-                <a16:creationId xmlns:a16="http://schemas.microsoft.com/office/drawing/2014/main" id="{B2213C64-90B9-B5D0-3CC9-59842F70DD4A}"/>
-              </a:ext>
-            </a:extLst>
-          </p:cNvPr>
-          <p:cNvSpPr txBox="1">
-            <a:spLocks/>
-          </p:cNvSpPr>
-          <p:nvPr/>
-        </p:nvSpPr>
-        <p:spPr>
-          <a:xfrm>
-            <a:off x="4953000" y="5064125"/>
-            <a:ext cx="3200400" cy="546100"/>
+            <a:off x="8637173" y="5064125"/>
+            <a:ext cx="2846226" cy="546100"/>
           </a:xfrm>
           <a:prstGeom prst="rect">
             <a:avLst/>
@@ -8143,17 +7921,17 @@
             </a:pPr>
             <a:r>
               <a:rPr lang="en-US" dirty="0"/>
-              <a:t>Omer Goldstein</a:t>
-            </a:r>
-          </a:p>
-        </p:txBody>
-      </p:sp>
-      <p:sp>
-        <p:nvSpPr>
-          <p:cNvPr id="15" name="Content Placeholder 2">
-            <a:extLst>
-              <a:ext uri="{FF2B5EF4-FFF2-40B4-BE49-F238E27FC236}">
-                <a16:creationId xmlns:a16="http://schemas.microsoft.com/office/drawing/2014/main" id="{04AACD0C-69F3-17BD-4395-A2F75D71FAB9}"/>
+              <a:t>Shahar Berenson</a:t>
+            </a:r>
+          </a:p>
+        </p:txBody>
+      </p:sp>
+      <p:sp>
+        <p:nvSpPr>
+          <p:cNvPr id="14" name="Content Placeholder 2">
+            <a:extLst>
+              <a:ext uri="{FF2B5EF4-FFF2-40B4-BE49-F238E27FC236}">
+                <a16:creationId xmlns:a16="http://schemas.microsoft.com/office/drawing/2014/main" id="{B2213C64-90B9-B5D0-3CC9-59842F70DD4A}"/>
               </a:ext>
             </a:extLst>
           </p:cNvPr>
@@ -8164,8 +7942,8 @@
         </p:nvSpPr>
         <p:spPr>
           <a:xfrm>
-            <a:off x="912262" y="5064125"/>
-            <a:ext cx="3200400" cy="546100"/>
+            <a:off x="4910370" y="5064125"/>
+            <a:ext cx="2623457" cy="546100"/>
           </a:xfrm>
           <a:prstGeom prst="rect">
             <a:avLst/>
@@ -8345,6 +8123,208 @@
             </a:pPr>
             <a:r>
               <a:rPr lang="en-US" dirty="0"/>
+              <a:t>Omer Goldstein</a:t>
+            </a:r>
+          </a:p>
+        </p:txBody>
+      </p:sp>
+      <p:sp>
+        <p:nvSpPr>
+          <p:cNvPr id="15" name="Content Placeholder 2">
+            <a:extLst>
+              <a:ext uri="{FF2B5EF4-FFF2-40B4-BE49-F238E27FC236}">
+                <a16:creationId xmlns:a16="http://schemas.microsoft.com/office/drawing/2014/main" id="{04AACD0C-69F3-17BD-4395-A2F75D71FAB9}"/>
+              </a:ext>
+            </a:extLst>
+          </p:cNvPr>
+          <p:cNvSpPr txBox="1">
+            <a:spLocks/>
+          </p:cNvSpPr>
+          <p:nvPr/>
+        </p:nvSpPr>
+        <p:spPr>
+          <a:xfrm>
+            <a:off x="931952" y="5064125"/>
+            <a:ext cx="2623457" cy="546100"/>
+          </a:xfrm>
+          <a:prstGeom prst="rect">
+            <a:avLst/>
+          </a:prstGeom>
+        </p:spPr>
+        <p:txBody>
+          <a:bodyPr vert="horz" lIns="91440" tIns="45720" rIns="91440" bIns="45720" rtlCol="0">
+            <a:normAutofit/>
+          </a:bodyPr>
+          <a:lstStyle>
+            <a:lvl1pPr marL="228600" indent="-228600" algn="l" defTabSz="914400" rtl="0" eaLnBrk="1" latinLnBrk="0" hangingPunct="1">
+              <a:lnSpc>
+                <a:spcPct val="90000"/>
+              </a:lnSpc>
+              <a:spcBef>
+                <a:spcPts val="1000"/>
+              </a:spcBef>
+              <a:buFont typeface="Arial" panose="020B0604020202020204" pitchFamily="34" charset="0"/>
+              <a:buChar char="•"/>
+              <a:defRPr sz="2800" kern="1200">
+                <a:solidFill>
+                  <a:schemeClr val="tx1"/>
+                </a:solidFill>
+                <a:latin typeface="+mn-lt"/>
+                <a:ea typeface="+mn-ea"/>
+                <a:cs typeface="+mn-cs"/>
+              </a:defRPr>
+            </a:lvl1pPr>
+            <a:lvl2pPr marL="685800" indent="-228600" algn="l" defTabSz="914400" rtl="0" eaLnBrk="1" latinLnBrk="0" hangingPunct="1">
+              <a:lnSpc>
+                <a:spcPct val="90000"/>
+              </a:lnSpc>
+              <a:spcBef>
+                <a:spcPts val="500"/>
+              </a:spcBef>
+              <a:buFont typeface="Arial" panose="020B0604020202020204" pitchFamily="34" charset="0"/>
+              <a:buChar char="•"/>
+              <a:defRPr sz="2400" kern="1200">
+                <a:solidFill>
+                  <a:schemeClr val="tx1"/>
+                </a:solidFill>
+                <a:latin typeface="+mn-lt"/>
+                <a:ea typeface="+mn-ea"/>
+                <a:cs typeface="+mn-cs"/>
+              </a:defRPr>
+            </a:lvl2pPr>
+            <a:lvl3pPr marL="1143000" indent="-228600" algn="l" defTabSz="914400" rtl="0" eaLnBrk="1" latinLnBrk="0" hangingPunct="1">
+              <a:lnSpc>
+                <a:spcPct val="90000"/>
+              </a:lnSpc>
+              <a:spcBef>
+                <a:spcPts val="500"/>
+              </a:spcBef>
+              <a:buFont typeface="Arial" panose="020B0604020202020204" pitchFamily="34" charset="0"/>
+              <a:buChar char="•"/>
+              <a:defRPr sz="2000" kern="1200">
+                <a:solidFill>
+                  <a:schemeClr val="tx1"/>
+                </a:solidFill>
+                <a:latin typeface="+mn-lt"/>
+                <a:ea typeface="+mn-ea"/>
+                <a:cs typeface="+mn-cs"/>
+              </a:defRPr>
+            </a:lvl3pPr>
+            <a:lvl4pPr marL="1600200" indent="-228600" algn="l" defTabSz="914400" rtl="0" eaLnBrk="1" latinLnBrk="0" hangingPunct="1">
+              <a:lnSpc>
+                <a:spcPct val="90000"/>
+              </a:lnSpc>
+              <a:spcBef>
+                <a:spcPts val="500"/>
+              </a:spcBef>
+              <a:buFont typeface="Arial" panose="020B0604020202020204" pitchFamily="34" charset="0"/>
+              <a:buChar char="•"/>
+              <a:defRPr sz="1800" kern="1200">
+                <a:solidFill>
+                  <a:schemeClr val="tx1"/>
+                </a:solidFill>
+                <a:latin typeface="+mn-lt"/>
+                <a:ea typeface="+mn-ea"/>
+                <a:cs typeface="+mn-cs"/>
+              </a:defRPr>
+            </a:lvl4pPr>
+            <a:lvl5pPr marL="2057400" indent="-228600" algn="l" defTabSz="914400" rtl="0" eaLnBrk="1" latinLnBrk="0" hangingPunct="1">
+              <a:lnSpc>
+                <a:spcPct val="90000"/>
+              </a:lnSpc>
+              <a:spcBef>
+                <a:spcPts val="500"/>
+              </a:spcBef>
+              <a:buFont typeface="Arial" panose="020B0604020202020204" pitchFamily="34" charset="0"/>
+              <a:buChar char="•"/>
+              <a:defRPr sz="1800" kern="1200">
+                <a:solidFill>
+                  <a:schemeClr val="tx1"/>
+                </a:solidFill>
+                <a:latin typeface="+mn-lt"/>
+                <a:ea typeface="+mn-ea"/>
+                <a:cs typeface="+mn-cs"/>
+              </a:defRPr>
+            </a:lvl5pPr>
+            <a:lvl6pPr marL="2514600" indent="-228600" algn="l" defTabSz="914400" rtl="0" eaLnBrk="1" latinLnBrk="0" hangingPunct="1">
+              <a:lnSpc>
+                <a:spcPct val="90000"/>
+              </a:lnSpc>
+              <a:spcBef>
+                <a:spcPts val="500"/>
+              </a:spcBef>
+              <a:buFont typeface="Arial" panose="020B0604020202020204" pitchFamily="34" charset="0"/>
+              <a:buChar char="•"/>
+              <a:defRPr sz="1800" kern="1200">
+                <a:solidFill>
+                  <a:schemeClr val="tx1"/>
+                </a:solidFill>
+                <a:latin typeface="+mn-lt"/>
+                <a:ea typeface="+mn-ea"/>
+                <a:cs typeface="+mn-cs"/>
+              </a:defRPr>
+            </a:lvl6pPr>
+            <a:lvl7pPr marL="2971800" indent="-228600" algn="l" defTabSz="914400" rtl="0" eaLnBrk="1" latinLnBrk="0" hangingPunct="1">
+              <a:lnSpc>
+                <a:spcPct val="90000"/>
+              </a:lnSpc>
+              <a:spcBef>
+                <a:spcPts val="500"/>
+              </a:spcBef>
+              <a:buFont typeface="Arial" panose="020B0604020202020204" pitchFamily="34" charset="0"/>
+              <a:buChar char="•"/>
+              <a:defRPr sz="1800" kern="1200">
+                <a:solidFill>
+                  <a:schemeClr val="tx1"/>
+                </a:solidFill>
+                <a:latin typeface="+mn-lt"/>
+                <a:ea typeface="+mn-ea"/>
+                <a:cs typeface="+mn-cs"/>
+              </a:defRPr>
+            </a:lvl7pPr>
+            <a:lvl8pPr marL="3429000" indent="-228600" algn="l" defTabSz="914400" rtl="0" eaLnBrk="1" latinLnBrk="0" hangingPunct="1">
+              <a:lnSpc>
+                <a:spcPct val="90000"/>
+              </a:lnSpc>
+              <a:spcBef>
+                <a:spcPts val="500"/>
+              </a:spcBef>
+              <a:buFont typeface="Arial" panose="020B0604020202020204" pitchFamily="34" charset="0"/>
+              <a:buChar char="•"/>
+              <a:defRPr sz="1800" kern="1200">
+                <a:solidFill>
+                  <a:schemeClr val="tx1"/>
+                </a:solidFill>
+                <a:latin typeface="+mn-lt"/>
+                <a:ea typeface="+mn-ea"/>
+                <a:cs typeface="+mn-cs"/>
+              </a:defRPr>
+            </a:lvl8pPr>
+            <a:lvl9pPr marL="3886200" indent="-228600" algn="l" defTabSz="914400" rtl="0" eaLnBrk="1" latinLnBrk="0" hangingPunct="1">
+              <a:lnSpc>
+                <a:spcPct val="90000"/>
+              </a:lnSpc>
+              <a:spcBef>
+                <a:spcPts val="500"/>
+              </a:spcBef>
+              <a:buFont typeface="Arial" panose="020B0604020202020204" pitchFamily="34" charset="0"/>
+              <a:buChar char="•"/>
+              <a:defRPr sz="1800" kern="1200">
+                <a:solidFill>
+                  <a:schemeClr val="tx1"/>
+                </a:solidFill>
+                <a:latin typeface="+mn-lt"/>
+                <a:ea typeface="+mn-ea"/>
+                <a:cs typeface="+mn-cs"/>
+              </a:defRPr>
+            </a:lvl9pPr>
+          </a:lstStyle>
+          <a:p>
+            <a:pPr marL="0" indent="0">
+              <a:buNone/>
+            </a:pPr>
+            <a:r>
+              <a:rPr lang="en-US" dirty="0"/>
               <a:t>Shlomi Fridman</a:t>
             </a:r>
           </a:p>
@@ -8378,7 +8358,7 @@
         </p:blipFill>
         <p:spPr>
           <a:xfrm>
-            <a:off x="5078459" y="2501900"/>
+            <a:off x="5059797" y="2578100"/>
             <a:ext cx="2324604" cy="2341823"/>
           </a:xfrm>
           <a:prstGeom prst="rect">
@@ -8414,8 +8394,8 @@
         </p:blipFill>
         <p:spPr>
           <a:xfrm>
-            <a:off x="969412" y="2519118"/>
-            <a:ext cx="2324605" cy="2324605"/>
+            <a:off x="1081379" y="2578100"/>
+            <a:ext cx="2324605" cy="2336800"/>
           </a:xfrm>
           <a:prstGeom prst="rect">
             <a:avLst/>
@@ -8509,20 +8489,14 @@
           </a:xfrm>
         </p:spPr>
         <p:txBody>
-          <a:bodyPr/>
+          <a:bodyPr>
+            <a:normAutofit lnSpcReduction="10000"/>
+          </a:bodyPr>
           <a:lstStyle/>
           <a:p>
             <a:r>
               <a:rPr lang="en-US" dirty="0"/>
-              <a:t>The Node2Vec runs have slight better scores than </a:t>
-            </a:r>
-            <a:r>
-              <a:rPr lang="en-US" dirty="0" err="1"/>
-              <a:t>DeepWalk</a:t>
-            </a:r>
-            <a:r>
-              <a:rPr lang="en-US" dirty="0"/>
-              <a:t>.                </a:t>
+              <a:t>The Node2Vec runs have slight better scores than DeepWalk.                </a:t>
             </a:r>
             <a:r>
               <a:rPr lang="en-US" sz="2000" dirty="0"/>
@@ -8548,7 +8522,7 @@
           <a:p>
             <a:r>
               <a:rPr lang="en-US" dirty="0"/>
-              <a:t>F1 Scores in range of 65-70%</a:t>
+              <a:t>F1 scores in range of 60-70%</a:t>
             </a:r>
           </a:p>
           <a:p>
@@ -8561,14 +8535,14 @@
           <a:p>
             <a:r>
               <a:rPr lang="en-US" dirty="0"/>
-              <a:t>AUS Scores in range of 90-95%</a:t>
+              <a:t>AUC scores in range of 90-95%</a:t>
             </a:r>
           </a:p>
           <a:p>
             <a:pPr lvl="1"/>
             <a:r>
               <a:rPr lang="en-US" dirty="0"/>
-              <a:t>Which is excellent!</a:t>
+              <a:t>one class is much more frequent, the model can predict the majority class often, leading to low accuracy while still ranking positive cases correctly (high AUC)</a:t>
             </a:r>
           </a:p>
         </p:txBody>
@@ -8725,14 +8699,15 @@
           </a:p>
           <a:p>
             <a:r>
-              <a:rPr lang="en-US" sz="2400" b="0" i="0" dirty="0" err="1">
+              <a:rPr lang="en-US" sz="2400" b="0" i="0" dirty="0">
                 <a:solidFill>
                   <a:srgbClr val="1F2328"/>
                 </a:solidFill>
                 <a:effectLst/>
                 <a:latin typeface="-apple-system"/>
+                <a:hlinkClick r:id="rId4"/>
               </a:rPr>
-              <a:t>DeepWalk</a:t>
+              <a:t>DeepWalk: Online Learning of Social Representations</a:t>
             </a:r>
             <a:r>
               <a:rPr lang="en-US" sz="2400" b="0" i="0" dirty="0">
@@ -8742,7 +8717,7 @@
                 <a:effectLst/>
                 <a:latin typeface="-apple-system"/>
               </a:rPr>
-              <a:t>: Online Learning of Social Representations. Bryan </a:t>
+              <a:t>. Bryan </a:t>
             </a:r>
             <a:r>
               <a:rPr lang="en-US" sz="2400" b="0" i="0" dirty="0" err="1">
@@ -8813,8 +8788,19 @@
                 </a:solidFill>
                 <a:effectLst/>
                 <a:latin typeface="-apple-system"/>
+                <a:hlinkClick r:id="rId5"/>
               </a:rPr>
-              <a:t>node2vec: Scalable Feature Learning for Networks. Aditya Grover, Jure </a:t>
+              <a:t>node2vec: Scalable Feature Learning for Networks</a:t>
+            </a:r>
+            <a:r>
+              <a:rPr lang="en-US" sz="2400" b="0" i="0" dirty="0">
+                <a:solidFill>
+                  <a:srgbClr val="1F2328"/>
+                </a:solidFill>
+                <a:effectLst/>
+                <a:latin typeface="-apple-system"/>
+              </a:rPr>
+              <a:t>. Aditya Grover, Jure </a:t>
             </a:r>
             <a:r>
               <a:rPr lang="en-US" sz="2400" b="0" i="0" dirty="0" err="1">
@@ -8845,7 +8831,7 @@
                 </a:solidFill>
                 <a:effectLst/>
                 <a:latin typeface="-apple-system"/>
-                <a:hlinkClick r:id="rId4"/>
+                <a:hlinkClick r:id="rId6"/>
               </a:rPr>
               <a:t>Deep Walk and Node2Vec: Graph Embeddings</a:t>
             </a:r>
@@ -8863,7 +8849,7 @@
           <a:p>
             <a:r>
               <a:rPr lang="en-US" sz="2400" dirty="0">
-                <a:hlinkClick r:id="rId5"/>
+                <a:hlinkClick r:id="rId7"/>
               </a:rPr>
               <a:t>Skip-Gram Word2Vec Algorithm</a:t>
             </a:r>
@@ -8894,7 +8880,7 @@
           <p:nvPr/>
         </p:nvPicPr>
         <p:blipFill>
-          <a:blip r:embed="rId6"/>
+          <a:blip r:embed="rId8"/>
           <a:stretch>
             <a:fillRect/>
           </a:stretch>
@@ -9143,7 +9129,12 @@
             <p:ph idx="1"/>
           </p:nvPr>
         </p:nvSpPr>
-        <p:spPr/>
+        <p:spPr>
+          <a:xfrm>
+            <a:off x="838200" y="1418253"/>
+            <a:ext cx="10515600" cy="4758710"/>
+          </a:xfrm>
+        </p:spPr>
         <p:txBody>
           <a:bodyPr>
             <a:normAutofit/>
@@ -9187,8 +9178,8 @@
         </p:blipFill>
         <p:spPr>
           <a:xfrm>
-            <a:off x="8010525" y="2601692"/>
-            <a:ext cx="4075851" cy="4211378"/>
+            <a:off x="8873412" y="3493270"/>
+            <a:ext cx="3212964" cy="3319799"/>
           </a:xfrm>
           <a:prstGeom prst="rect">
             <a:avLst/>
@@ -9223,8 +9214,8 @@
         </p:blipFill>
         <p:spPr>
           <a:xfrm>
-            <a:off x="289500" y="3310997"/>
-            <a:ext cx="7620392" cy="3422826"/>
+            <a:off x="838200" y="3634336"/>
+            <a:ext cx="6755112" cy="3034171"/>
           </a:xfrm>
           <a:prstGeom prst="rect">
             <a:avLst/>
@@ -9313,7 +9304,7 @@
         </p:spPr>
         <p:txBody>
           <a:bodyPr>
-            <a:normAutofit lnSpcReduction="10000"/>
+            <a:normAutofit/>
           </a:bodyPr>
           <a:lstStyle/>
           <a:p>
@@ -9730,7 +9721,7 @@
         <p:spPr/>
         <p:txBody>
           <a:bodyPr>
-            <a:normAutofit fontScale="85000" lnSpcReduction="20000"/>
+            <a:normAutofit fontScale="92500" lnSpcReduction="20000"/>
           </a:bodyPr>
           <a:lstStyle/>
           <a:p>
@@ -10115,7 +10106,7 @@
         </p:spPr>
         <p:txBody>
           <a:bodyPr>
-            <a:normAutofit lnSpcReduction="10000"/>
+            <a:normAutofit/>
           </a:bodyPr>
           <a:lstStyle/>
           <a:p>
